--- a/string/fig/slide.pptx
+++ b/string/fig/slide.pptx
@@ -5,13 +5,15 @@
     <p:sldMasterId id="2147483663" r:id="rId1"/>
   </p:sldMasterIdLst>
   <p:notesMasterIdLst>
-    <p:notesMasterId r:id="rId6"/>
+    <p:notesMasterId r:id="rId8"/>
   </p:notesMasterIdLst>
   <p:sldIdLst>
     <p:sldId id="256" r:id="rId2"/>
     <p:sldId id="261" r:id="rId3"/>
     <p:sldId id="262" r:id="rId4"/>
     <p:sldId id="263" r:id="rId5"/>
+    <p:sldId id="264" r:id="rId6"/>
+    <p:sldId id="265" r:id="rId7"/>
   </p:sldIdLst>
   <p:sldSz cx="9144000" cy="6858000" type="screen4x3"/>
   <p:notesSz cx="6858000" cy="9144000"/>
@@ -210,7 +212,7 @@
           </a:lstStyle>
           <a:p>
             <a:fld id="{6B8D1B20-A248-FB47-8240-73C0C5F47C9D}" type="datetimeFigureOut">
-              <a:t>2019/10/17</a:t>
+              <a:t>2019/10/18</a:t>
             </a:fld>
             <a:endParaRPr kumimoji="1" lang="ja-JP" altLang="en-US"/>
           </a:p>
@@ -3831,6 +3833,2271 @@
 </p:sld>
 </file>
 
+<file path=ppt/slides/slide5.xml><?xml version="1.0" encoding="utf-8"?>
+<p:sld xmlns:a="http://schemas.openxmlformats.org/drawingml/2006/main" xmlns:r="http://schemas.openxmlformats.org/officeDocument/2006/relationships" xmlns:p="http://schemas.openxmlformats.org/presentationml/2006/main">
+  <p:cSld>
+    <p:spTree>
+      <p:nvGrpSpPr>
+        <p:cNvPr id="1" name=""/>
+        <p:cNvGrpSpPr/>
+        <p:nvPr/>
+      </p:nvGrpSpPr>
+      <p:grpSpPr>
+        <a:xfrm>
+          <a:off x="0" y="0"/>
+          <a:ext cx="0" cy="0"/>
+          <a:chOff x="0" y="0"/>
+          <a:chExt cx="0" cy="0"/>
+        </a:xfrm>
+      </p:grpSpPr>
+      <p:sp>
+        <p:nvSpPr>
+          <p:cNvPr id="2" name="テキスト プレースホルダー 1">
+            <a:extLst>
+              <a:ext uri="{FF2B5EF4-FFF2-40B4-BE49-F238E27FC236}">
+                <a16:creationId xmlns:a16="http://schemas.microsoft.com/office/drawing/2014/main" id="{4D04F7CA-C901-C24B-A385-BE2B24CD6569}"/>
+              </a:ext>
+            </a:extLst>
+          </p:cNvPr>
+          <p:cNvSpPr>
+            <a:spLocks noGrp="1"/>
+          </p:cNvSpPr>
+          <p:nvPr>
+            <p:ph type="body" sz="quarter" idx="10"/>
+          </p:nvPr>
+        </p:nvSpPr>
+        <p:spPr/>
+        <p:txBody>
+          <a:bodyPr/>
+          <a:lstStyle/>
+          <a:p>
+            <a:r>
+              <a:rPr kumimoji="1" lang="en-US" altLang="ja-JP"/>
+              <a:t>ASCII</a:t>
+            </a:r>
+            <a:r>
+              <a:rPr kumimoji="1" lang="ja-JP" altLang="en-US"/>
+              <a:t>コード</a:t>
+            </a:r>
+          </a:p>
+        </p:txBody>
+      </p:sp>
+      <p:sp>
+        <p:nvSpPr>
+          <p:cNvPr id="3" name="テキスト ボックス 2">
+            <a:extLst>
+              <a:ext uri="{FF2B5EF4-FFF2-40B4-BE49-F238E27FC236}">
+                <a16:creationId xmlns:a16="http://schemas.microsoft.com/office/drawing/2014/main" id="{1D75ADA9-04FA-DA40-B361-0A21AA0536BC}"/>
+              </a:ext>
+            </a:extLst>
+          </p:cNvPr>
+          <p:cNvSpPr txBox="1"/>
+          <p:nvPr/>
+        </p:nvSpPr>
+        <p:spPr>
+          <a:xfrm>
+            <a:off x="91440" y="1168400"/>
+            <a:ext cx="8905002" cy="400110"/>
+          </a:xfrm>
+          <a:prstGeom prst="rect">
+            <a:avLst/>
+          </a:prstGeom>
+          <a:noFill/>
+        </p:spPr>
+        <p:txBody>
+          <a:bodyPr wrap="none" rtlCol="0">
+            <a:spAutoFit/>
+          </a:bodyPr>
+          <a:lstStyle/>
+          <a:p>
+            <a:r>
+              <a:rPr kumimoji="1" lang="ja-JP" altLang="en-US" sz="2000"/>
+              <a:t>文字コードとは、コンピュータで「文字」を表示するために割り当てた数字</a:t>
+            </a:r>
+          </a:p>
+        </p:txBody>
+      </p:sp>
+      <p:sp>
+        <p:nvSpPr>
+          <p:cNvPr id="4" name="テキスト ボックス 3">
+            <a:extLst>
+              <a:ext uri="{FF2B5EF4-FFF2-40B4-BE49-F238E27FC236}">
+                <a16:creationId xmlns:a16="http://schemas.microsoft.com/office/drawing/2014/main" id="{E8E8FB4B-C60C-FA48-8F5B-CE17E61158FA}"/>
+              </a:ext>
+            </a:extLst>
+          </p:cNvPr>
+          <p:cNvSpPr txBox="1"/>
+          <p:nvPr/>
+        </p:nvSpPr>
+        <p:spPr>
+          <a:xfrm>
+            <a:off x="81280" y="1656080"/>
+            <a:ext cx="8220520" cy="400110"/>
+          </a:xfrm>
+          <a:prstGeom prst="rect">
+            <a:avLst/>
+          </a:prstGeom>
+          <a:noFill/>
+        </p:spPr>
+        <p:txBody>
+          <a:bodyPr wrap="none" rtlCol="0">
+            <a:spAutoFit/>
+          </a:bodyPr>
+          <a:lstStyle/>
+          <a:p>
+            <a:r>
+              <a:rPr kumimoji="1" lang="en-US" altLang="ja-JP" sz="2000"/>
+              <a:t>ASCII</a:t>
+            </a:r>
+            <a:r>
+              <a:rPr kumimoji="1" lang="ja-JP" altLang="en-US" sz="2000"/>
+              <a:t>コードとは、ラテン文字や数字、記号などを表現する</a:t>
+            </a:r>
+            <a:r>
+              <a:rPr kumimoji="1" lang="en-US" altLang="ja-JP" sz="2000">
+                <a:solidFill>
+                  <a:srgbClr val="FF0000"/>
+                </a:solidFill>
+              </a:rPr>
+              <a:t>7</a:t>
+            </a:r>
+            <a:r>
+              <a:rPr kumimoji="1" lang="ja-JP" altLang="en-US" sz="2000">
+                <a:solidFill>
+                  <a:srgbClr val="FF0000"/>
+                </a:solidFill>
+              </a:rPr>
+              <a:t>桁の</a:t>
+            </a:r>
+            <a:r>
+              <a:rPr kumimoji="1" lang="en-US" altLang="ja-JP" sz="2000">
+                <a:solidFill>
+                  <a:srgbClr val="FF0000"/>
+                </a:solidFill>
+              </a:rPr>
+              <a:t>2</a:t>
+            </a:r>
+            <a:r>
+              <a:rPr kumimoji="1" lang="ja-JP" altLang="en-US" sz="2000">
+                <a:solidFill>
+                  <a:srgbClr val="FF0000"/>
+                </a:solidFill>
+              </a:rPr>
+              <a:t>進数</a:t>
+            </a:r>
+          </a:p>
+        </p:txBody>
+      </p:sp>
+      <p:sp>
+        <p:nvSpPr>
+          <p:cNvPr id="5" name="テキスト ボックス 4">
+            <a:extLst>
+              <a:ext uri="{FF2B5EF4-FFF2-40B4-BE49-F238E27FC236}">
+                <a16:creationId xmlns:a16="http://schemas.microsoft.com/office/drawing/2014/main" id="{6508940A-B4E0-594D-854A-F3827CCE58D9}"/>
+              </a:ext>
+            </a:extLst>
+          </p:cNvPr>
+          <p:cNvSpPr txBox="1"/>
+          <p:nvPr/>
+        </p:nvSpPr>
+        <p:spPr>
+          <a:xfrm>
+            <a:off x="4848414" y="3717032"/>
+            <a:ext cx="1661993" cy="369332"/>
+          </a:xfrm>
+          <a:prstGeom prst="rect">
+            <a:avLst/>
+          </a:prstGeom>
+          <a:noFill/>
+        </p:spPr>
+        <p:txBody>
+          <a:bodyPr wrap="none" rtlCol="0">
+            <a:spAutoFit/>
+          </a:bodyPr>
+          <a:lstStyle/>
+          <a:p>
+            <a:r>
+              <a:rPr lang="en-US" altLang="ja-JP"/>
+              <a:t>0x74: </a:t>
+            </a:r>
+            <a:r>
+              <a:rPr lang="en-US" altLang="ja-JP">
+                <a:solidFill>
+                  <a:srgbClr val="FF0000"/>
+                </a:solidFill>
+              </a:rPr>
+              <a:t>0</a:t>
+            </a:r>
+            <a:r>
+              <a:rPr lang="en-US" altLang="ja-JP"/>
+              <a:t>1110100</a:t>
+            </a:r>
+          </a:p>
+        </p:txBody>
+      </p:sp>
+      <p:sp>
+        <p:nvSpPr>
+          <p:cNvPr id="6" name="テキスト ボックス 5">
+            <a:extLst>
+              <a:ext uri="{FF2B5EF4-FFF2-40B4-BE49-F238E27FC236}">
+                <a16:creationId xmlns:a16="http://schemas.microsoft.com/office/drawing/2014/main" id="{1FA6CE1B-40F7-8345-9B16-67B5D22C3656}"/>
+              </a:ext>
+            </a:extLst>
+          </p:cNvPr>
+          <p:cNvSpPr txBox="1"/>
+          <p:nvPr/>
+        </p:nvSpPr>
+        <p:spPr>
+          <a:xfrm>
+            <a:off x="4854223" y="4077072"/>
+            <a:ext cx="1661993" cy="369332"/>
+          </a:xfrm>
+          <a:prstGeom prst="rect">
+            <a:avLst/>
+          </a:prstGeom>
+          <a:noFill/>
+        </p:spPr>
+        <p:txBody>
+          <a:bodyPr wrap="none" rtlCol="0">
+            <a:spAutoFit/>
+          </a:bodyPr>
+          <a:lstStyle/>
+          <a:p>
+            <a:r>
+              <a:rPr lang="en-US" altLang="ja-JP"/>
+              <a:t>0x65: </a:t>
+            </a:r>
+            <a:r>
+              <a:rPr lang="en-US" altLang="ja-JP">
+                <a:solidFill>
+                  <a:srgbClr val="FF0000"/>
+                </a:solidFill>
+              </a:rPr>
+              <a:t>0</a:t>
+            </a:r>
+            <a:r>
+              <a:rPr lang="en-US" altLang="ja-JP"/>
+              <a:t>1100101</a:t>
+            </a:r>
+          </a:p>
+        </p:txBody>
+      </p:sp>
+      <p:sp>
+        <p:nvSpPr>
+          <p:cNvPr id="7" name="テキスト ボックス 6">
+            <a:extLst>
+              <a:ext uri="{FF2B5EF4-FFF2-40B4-BE49-F238E27FC236}">
+                <a16:creationId xmlns:a16="http://schemas.microsoft.com/office/drawing/2014/main" id="{90B91B76-5ADE-C246-8489-EAF894543FBD}"/>
+              </a:ext>
+            </a:extLst>
+          </p:cNvPr>
+          <p:cNvSpPr txBox="1"/>
+          <p:nvPr/>
+        </p:nvSpPr>
+        <p:spPr>
+          <a:xfrm>
+            <a:off x="4854223" y="4437112"/>
+            <a:ext cx="1661993" cy="369332"/>
+          </a:xfrm>
+          <a:prstGeom prst="rect">
+            <a:avLst/>
+          </a:prstGeom>
+          <a:noFill/>
+        </p:spPr>
+        <p:txBody>
+          <a:bodyPr wrap="none" rtlCol="0">
+            <a:spAutoFit/>
+          </a:bodyPr>
+          <a:lstStyle/>
+          <a:p>
+            <a:r>
+              <a:rPr lang="en-US" altLang="ja-JP"/>
+              <a:t>0x73: </a:t>
+            </a:r>
+            <a:r>
+              <a:rPr lang="en-US" altLang="ja-JP">
+                <a:solidFill>
+                  <a:srgbClr val="FF0000"/>
+                </a:solidFill>
+              </a:rPr>
+              <a:t>0</a:t>
+            </a:r>
+            <a:r>
+              <a:rPr lang="en-US" altLang="ja-JP"/>
+              <a:t>1110011</a:t>
+            </a:r>
+          </a:p>
+        </p:txBody>
+      </p:sp>
+      <p:sp>
+        <p:nvSpPr>
+          <p:cNvPr id="9" name="テキスト ボックス 8">
+            <a:extLst>
+              <a:ext uri="{FF2B5EF4-FFF2-40B4-BE49-F238E27FC236}">
+                <a16:creationId xmlns:a16="http://schemas.microsoft.com/office/drawing/2014/main" id="{16C8E75A-8377-6242-BCE9-8841A0894821}"/>
+              </a:ext>
+            </a:extLst>
+          </p:cNvPr>
+          <p:cNvSpPr txBox="1"/>
+          <p:nvPr/>
+        </p:nvSpPr>
+        <p:spPr>
+          <a:xfrm>
+            <a:off x="4854223" y="4797152"/>
+            <a:ext cx="1661993" cy="369332"/>
+          </a:xfrm>
+          <a:prstGeom prst="rect">
+            <a:avLst/>
+          </a:prstGeom>
+          <a:noFill/>
+        </p:spPr>
+        <p:txBody>
+          <a:bodyPr wrap="none" rtlCol="0">
+            <a:spAutoFit/>
+          </a:bodyPr>
+          <a:lstStyle/>
+          <a:p>
+            <a:r>
+              <a:rPr lang="en-US" altLang="ja-JP"/>
+              <a:t>0x74: </a:t>
+            </a:r>
+            <a:r>
+              <a:rPr lang="en-US" altLang="ja-JP">
+                <a:solidFill>
+                  <a:srgbClr val="FF0000"/>
+                </a:solidFill>
+              </a:rPr>
+              <a:t>0</a:t>
+            </a:r>
+            <a:r>
+              <a:rPr lang="en-US" altLang="ja-JP"/>
+              <a:t>1110001</a:t>
+            </a:r>
+          </a:p>
+        </p:txBody>
+      </p:sp>
+      <p:sp>
+        <p:nvSpPr>
+          <p:cNvPr id="10" name="正方形/長方形 9">
+            <a:extLst>
+              <a:ext uri="{FF2B5EF4-FFF2-40B4-BE49-F238E27FC236}">
+                <a16:creationId xmlns:a16="http://schemas.microsoft.com/office/drawing/2014/main" id="{94AF5D4F-B27C-6443-AF39-0585E2656E96}"/>
+              </a:ext>
+            </a:extLst>
+          </p:cNvPr>
+          <p:cNvSpPr/>
+          <p:nvPr/>
+        </p:nvSpPr>
+        <p:spPr>
+          <a:xfrm>
+            <a:off x="577056" y="2384400"/>
+            <a:ext cx="1579278" cy="369332"/>
+          </a:xfrm>
+          <a:prstGeom prst="rect">
+            <a:avLst/>
+          </a:prstGeom>
+          <a:solidFill>
+            <a:schemeClr val="tx1"/>
+          </a:solidFill>
+        </p:spPr>
+        <p:txBody>
+          <a:bodyPr wrap="none">
+            <a:spAutoFit/>
+          </a:bodyPr>
+          <a:lstStyle/>
+          <a:p>
+            <a:r>
+              <a:rPr lang="en" altLang="ja-JP" b="0">
+                <a:solidFill>
+                  <a:srgbClr val="D4D4D4"/>
+                </a:solidFill>
+                <a:effectLst/>
+                <a:latin typeface="Menlo" panose="020B0609030804020204" pitchFamily="49" charset="0"/>
+              </a:rPr>
+              <a:t>c = </a:t>
+            </a:r>
+            <a:r>
+              <a:rPr lang="en" altLang="ja-JP" b="0">
+                <a:solidFill>
+                  <a:srgbClr val="CE9178"/>
+                </a:solidFill>
+                <a:effectLst/>
+                <a:latin typeface="Menlo" panose="020B0609030804020204" pitchFamily="49" charset="0"/>
+              </a:rPr>
+              <a:t>"test"</a:t>
+            </a:r>
+            <a:endParaRPr lang="en" altLang="ja-JP" b="0">
+              <a:solidFill>
+                <a:srgbClr val="D4D4D4"/>
+              </a:solidFill>
+              <a:effectLst/>
+              <a:latin typeface="Menlo" panose="020B0609030804020204" pitchFamily="49" charset="0"/>
+            </a:endParaRPr>
+          </a:p>
+        </p:txBody>
+      </p:sp>
+      <p:sp>
+        <p:nvSpPr>
+          <p:cNvPr id="11" name="正方形/長方形 10">
+            <a:extLst>
+              <a:ext uri="{FF2B5EF4-FFF2-40B4-BE49-F238E27FC236}">
+                <a16:creationId xmlns:a16="http://schemas.microsoft.com/office/drawing/2014/main" id="{B06F0D0D-47A4-F945-9ACD-2C22D249F193}"/>
+              </a:ext>
+            </a:extLst>
+          </p:cNvPr>
+          <p:cNvSpPr/>
+          <p:nvPr/>
+        </p:nvSpPr>
+        <p:spPr>
+          <a:xfrm>
+            <a:off x="2437001" y="3703424"/>
+            <a:ext cx="1440160" cy="360040"/>
+          </a:xfrm>
+          <a:prstGeom prst="rect">
+            <a:avLst/>
+          </a:prstGeom>
+          <a:solidFill>
+            <a:schemeClr val="bg1"/>
+          </a:solidFill>
+          <a:ln>
+            <a:solidFill>
+              <a:schemeClr val="tx1"/>
+            </a:solidFill>
+          </a:ln>
+        </p:spPr>
+        <p:style>
+          <a:lnRef idx="2">
+            <a:schemeClr val="accent1">
+              <a:shade val="50000"/>
+            </a:schemeClr>
+          </a:lnRef>
+          <a:fillRef idx="1">
+            <a:schemeClr val="accent1"/>
+          </a:fillRef>
+          <a:effectRef idx="0">
+            <a:schemeClr val="accent1"/>
+          </a:effectRef>
+          <a:fontRef idx="minor">
+            <a:schemeClr val="lt1"/>
+          </a:fontRef>
+        </p:style>
+        <p:txBody>
+          <a:bodyPr rtlCol="0" anchor="ctr"/>
+          <a:lstStyle/>
+          <a:p>
+            <a:pPr algn="ctr"/>
+            <a:r>
+              <a:rPr kumimoji="1" lang="en-US" altLang="ja-JP">
+                <a:solidFill>
+                  <a:schemeClr val="tx1"/>
+                </a:solidFill>
+              </a:rPr>
+              <a:t>74</a:t>
+            </a:r>
+            <a:endParaRPr kumimoji="1" lang="ja-JP" altLang="en-US">
+              <a:solidFill>
+                <a:schemeClr val="tx1"/>
+              </a:solidFill>
+            </a:endParaRPr>
+          </a:p>
+        </p:txBody>
+      </p:sp>
+      <p:sp>
+        <p:nvSpPr>
+          <p:cNvPr id="12" name="正方形/長方形 11">
+            <a:extLst>
+              <a:ext uri="{FF2B5EF4-FFF2-40B4-BE49-F238E27FC236}">
+                <a16:creationId xmlns:a16="http://schemas.microsoft.com/office/drawing/2014/main" id="{7B291821-1374-EA49-BE33-413F3BFCE4FD}"/>
+              </a:ext>
+            </a:extLst>
+          </p:cNvPr>
+          <p:cNvSpPr/>
+          <p:nvPr/>
+        </p:nvSpPr>
+        <p:spPr>
+          <a:xfrm>
+            <a:off x="2437001" y="4063464"/>
+            <a:ext cx="1440160" cy="360040"/>
+          </a:xfrm>
+          <a:prstGeom prst="rect">
+            <a:avLst/>
+          </a:prstGeom>
+          <a:solidFill>
+            <a:schemeClr val="bg1"/>
+          </a:solidFill>
+          <a:ln>
+            <a:solidFill>
+              <a:schemeClr val="tx1"/>
+            </a:solidFill>
+          </a:ln>
+        </p:spPr>
+        <p:style>
+          <a:lnRef idx="2">
+            <a:schemeClr val="accent1">
+              <a:shade val="50000"/>
+            </a:schemeClr>
+          </a:lnRef>
+          <a:fillRef idx="1">
+            <a:schemeClr val="accent1"/>
+          </a:fillRef>
+          <a:effectRef idx="0">
+            <a:schemeClr val="accent1"/>
+          </a:effectRef>
+          <a:fontRef idx="minor">
+            <a:schemeClr val="lt1"/>
+          </a:fontRef>
+        </p:style>
+        <p:txBody>
+          <a:bodyPr rtlCol="0" anchor="ctr"/>
+          <a:lstStyle/>
+          <a:p>
+            <a:pPr algn="ctr"/>
+            <a:r>
+              <a:rPr kumimoji="1" lang="en-US" altLang="ja-JP">
+                <a:solidFill>
+                  <a:schemeClr val="tx1"/>
+                </a:solidFill>
+              </a:rPr>
+              <a:t>65</a:t>
+            </a:r>
+            <a:endParaRPr kumimoji="1" lang="ja-JP" altLang="en-US">
+              <a:solidFill>
+                <a:schemeClr val="tx1"/>
+              </a:solidFill>
+            </a:endParaRPr>
+          </a:p>
+        </p:txBody>
+      </p:sp>
+      <p:sp>
+        <p:nvSpPr>
+          <p:cNvPr id="13" name="正方形/長方形 12">
+            <a:extLst>
+              <a:ext uri="{FF2B5EF4-FFF2-40B4-BE49-F238E27FC236}">
+                <a16:creationId xmlns:a16="http://schemas.microsoft.com/office/drawing/2014/main" id="{73D0AA67-FEF4-124C-B84C-46E4BEB451F0}"/>
+              </a:ext>
+            </a:extLst>
+          </p:cNvPr>
+          <p:cNvSpPr/>
+          <p:nvPr/>
+        </p:nvSpPr>
+        <p:spPr>
+          <a:xfrm>
+            <a:off x="2437001" y="4423504"/>
+            <a:ext cx="1440160" cy="360040"/>
+          </a:xfrm>
+          <a:prstGeom prst="rect">
+            <a:avLst/>
+          </a:prstGeom>
+          <a:solidFill>
+            <a:schemeClr val="bg1"/>
+          </a:solidFill>
+          <a:ln>
+            <a:solidFill>
+              <a:schemeClr val="tx1"/>
+            </a:solidFill>
+          </a:ln>
+        </p:spPr>
+        <p:style>
+          <a:lnRef idx="2">
+            <a:schemeClr val="accent1">
+              <a:shade val="50000"/>
+            </a:schemeClr>
+          </a:lnRef>
+          <a:fillRef idx="1">
+            <a:schemeClr val="accent1"/>
+          </a:fillRef>
+          <a:effectRef idx="0">
+            <a:schemeClr val="accent1"/>
+          </a:effectRef>
+          <a:fontRef idx="minor">
+            <a:schemeClr val="lt1"/>
+          </a:fontRef>
+        </p:style>
+        <p:txBody>
+          <a:bodyPr rtlCol="0" anchor="ctr"/>
+          <a:lstStyle/>
+          <a:p>
+            <a:pPr algn="ctr"/>
+            <a:r>
+              <a:rPr kumimoji="1" lang="en-US" altLang="ja-JP">
+                <a:solidFill>
+                  <a:schemeClr val="tx1"/>
+                </a:solidFill>
+              </a:rPr>
+              <a:t>73</a:t>
+            </a:r>
+            <a:endParaRPr kumimoji="1" lang="ja-JP" altLang="en-US">
+              <a:solidFill>
+                <a:schemeClr val="tx1"/>
+              </a:solidFill>
+            </a:endParaRPr>
+          </a:p>
+        </p:txBody>
+      </p:sp>
+      <p:sp>
+        <p:nvSpPr>
+          <p:cNvPr id="14" name="正方形/長方形 13">
+            <a:extLst>
+              <a:ext uri="{FF2B5EF4-FFF2-40B4-BE49-F238E27FC236}">
+                <a16:creationId xmlns:a16="http://schemas.microsoft.com/office/drawing/2014/main" id="{226BF140-4B2A-804C-B91A-286D8F109427}"/>
+              </a:ext>
+            </a:extLst>
+          </p:cNvPr>
+          <p:cNvSpPr/>
+          <p:nvPr/>
+        </p:nvSpPr>
+        <p:spPr>
+          <a:xfrm>
+            <a:off x="2437001" y="4783544"/>
+            <a:ext cx="1440160" cy="360040"/>
+          </a:xfrm>
+          <a:prstGeom prst="rect">
+            <a:avLst/>
+          </a:prstGeom>
+          <a:solidFill>
+            <a:schemeClr val="bg1"/>
+          </a:solidFill>
+          <a:ln>
+            <a:solidFill>
+              <a:schemeClr val="tx1"/>
+            </a:solidFill>
+          </a:ln>
+        </p:spPr>
+        <p:style>
+          <a:lnRef idx="2">
+            <a:schemeClr val="accent1">
+              <a:shade val="50000"/>
+            </a:schemeClr>
+          </a:lnRef>
+          <a:fillRef idx="1">
+            <a:schemeClr val="accent1"/>
+          </a:fillRef>
+          <a:effectRef idx="0">
+            <a:schemeClr val="accent1"/>
+          </a:effectRef>
+          <a:fontRef idx="minor">
+            <a:schemeClr val="lt1"/>
+          </a:fontRef>
+        </p:style>
+        <p:txBody>
+          <a:bodyPr rtlCol="0" anchor="ctr"/>
+          <a:lstStyle/>
+          <a:p>
+            <a:pPr algn="ctr"/>
+            <a:r>
+              <a:rPr kumimoji="1" lang="en-US" altLang="ja-JP">
+                <a:solidFill>
+                  <a:schemeClr val="tx1"/>
+                </a:solidFill>
+              </a:rPr>
+              <a:t>74</a:t>
+            </a:r>
+            <a:endParaRPr kumimoji="1" lang="ja-JP" altLang="en-US">
+              <a:solidFill>
+                <a:schemeClr val="tx1"/>
+              </a:solidFill>
+            </a:endParaRPr>
+          </a:p>
+        </p:txBody>
+      </p:sp>
+      <p:sp>
+        <p:nvSpPr>
+          <p:cNvPr id="15" name="1 つの角を切り取った四角形 14">
+            <a:extLst>
+              <a:ext uri="{FF2B5EF4-FFF2-40B4-BE49-F238E27FC236}">
+                <a16:creationId xmlns:a16="http://schemas.microsoft.com/office/drawing/2014/main" id="{5530479D-2647-4D4B-AE07-14654DAFFE8A}"/>
+              </a:ext>
+            </a:extLst>
+          </p:cNvPr>
+          <p:cNvSpPr/>
+          <p:nvPr/>
+        </p:nvSpPr>
+        <p:spPr>
+          <a:xfrm>
+            <a:off x="1284873" y="3703424"/>
+            <a:ext cx="864096" cy="288032"/>
+          </a:xfrm>
+          <a:prstGeom prst="snip1Rect">
+            <a:avLst/>
+          </a:prstGeom>
+          <a:solidFill>
+            <a:schemeClr val="bg1"/>
+          </a:solidFill>
+          <a:ln>
+            <a:solidFill>
+              <a:schemeClr val="tx1"/>
+            </a:solidFill>
+          </a:ln>
+        </p:spPr>
+        <p:style>
+          <a:lnRef idx="2">
+            <a:schemeClr val="accent1">
+              <a:shade val="50000"/>
+            </a:schemeClr>
+          </a:lnRef>
+          <a:fillRef idx="1">
+            <a:schemeClr val="accent1"/>
+          </a:fillRef>
+          <a:effectRef idx="0">
+            <a:schemeClr val="accent1"/>
+          </a:effectRef>
+          <a:fontRef idx="minor">
+            <a:schemeClr val="lt1"/>
+          </a:fontRef>
+        </p:style>
+        <p:txBody>
+          <a:bodyPr rtlCol="0" anchor="ctr"/>
+          <a:lstStyle/>
+          <a:p>
+            <a:pPr algn="ctr"/>
+            <a:r>
+              <a:rPr lang="en-US" altLang="ja-JP" sz="2000">
+                <a:solidFill>
+                  <a:schemeClr val="tx1"/>
+                </a:solidFill>
+              </a:rPr>
+              <a:t>c</a:t>
+            </a:r>
+            <a:endParaRPr kumimoji="1" lang="ja-JP" altLang="en-US" sz="2000">
+              <a:solidFill>
+                <a:schemeClr val="tx1"/>
+              </a:solidFill>
+            </a:endParaRPr>
+          </a:p>
+        </p:txBody>
+      </p:sp>
+      <p:cxnSp>
+        <p:nvCxnSpPr>
+          <p:cNvPr id="16" name="直線矢印コネクタ 15">
+            <a:extLst>
+              <a:ext uri="{FF2B5EF4-FFF2-40B4-BE49-F238E27FC236}">
+                <a16:creationId xmlns:a16="http://schemas.microsoft.com/office/drawing/2014/main" id="{BCD82C05-3274-9E44-9895-869F50C79614}"/>
+              </a:ext>
+            </a:extLst>
+          </p:cNvPr>
+          <p:cNvCxnSpPr>
+            <a:stCxn id="15" idx="0"/>
+          </p:cNvCxnSpPr>
+          <p:nvPr/>
+        </p:nvCxnSpPr>
+        <p:spPr>
+          <a:xfrm>
+            <a:off x="2148969" y="3847440"/>
+            <a:ext cx="288032" cy="0"/>
+          </a:xfrm>
+          <a:prstGeom prst="straightConnector1">
+            <a:avLst/>
+          </a:prstGeom>
+          <a:ln w="12700">
+            <a:solidFill>
+              <a:schemeClr val="tx1"/>
+            </a:solidFill>
+            <a:tailEnd type="triangle"/>
+          </a:ln>
+        </p:spPr>
+        <p:style>
+          <a:lnRef idx="1">
+            <a:schemeClr val="accent1"/>
+          </a:lnRef>
+          <a:fillRef idx="0">
+            <a:schemeClr val="accent1"/>
+          </a:fillRef>
+          <a:effectRef idx="0">
+            <a:schemeClr val="accent1"/>
+          </a:effectRef>
+          <a:fontRef idx="minor">
+            <a:schemeClr val="tx1"/>
+          </a:fontRef>
+        </p:style>
+      </p:cxnSp>
+      <p:sp>
+        <p:nvSpPr>
+          <p:cNvPr id="17" name="テキスト ボックス 16">
+            <a:extLst>
+              <a:ext uri="{FF2B5EF4-FFF2-40B4-BE49-F238E27FC236}">
+                <a16:creationId xmlns:a16="http://schemas.microsoft.com/office/drawing/2014/main" id="{162BC05C-0CCC-4449-B7A6-FA58FE3991DD}"/>
+              </a:ext>
+            </a:extLst>
+          </p:cNvPr>
+          <p:cNvSpPr txBox="1"/>
+          <p:nvPr/>
+        </p:nvSpPr>
+        <p:spPr>
+          <a:xfrm>
+            <a:off x="2627784" y="3068960"/>
+            <a:ext cx="877163" cy="369332"/>
+          </a:xfrm>
+          <a:prstGeom prst="rect">
+            <a:avLst/>
+          </a:prstGeom>
+          <a:noFill/>
+        </p:spPr>
+        <p:txBody>
+          <a:bodyPr wrap="none" rtlCol="0">
+            <a:spAutoFit/>
+          </a:bodyPr>
+          <a:lstStyle/>
+          <a:p>
+            <a:r>
+              <a:rPr kumimoji="1" lang="ja-JP" altLang="en-US"/>
+              <a:t>メモリ</a:t>
+            </a:r>
+          </a:p>
+        </p:txBody>
+      </p:sp>
+      <p:sp>
+        <p:nvSpPr>
+          <p:cNvPr id="18" name="テキスト ボックス 17">
+            <a:extLst>
+              <a:ext uri="{FF2B5EF4-FFF2-40B4-BE49-F238E27FC236}">
+                <a16:creationId xmlns:a16="http://schemas.microsoft.com/office/drawing/2014/main" id="{39B4C04C-10DD-6B45-B630-D202A159A302}"/>
+              </a:ext>
+            </a:extLst>
+          </p:cNvPr>
+          <p:cNvSpPr txBox="1"/>
+          <p:nvPr/>
+        </p:nvSpPr>
+        <p:spPr>
+          <a:xfrm>
+            <a:off x="4427984" y="3068960"/>
+            <a:ext cx="2262158" cy="369332"/>
+          </a:xfrm>
+          <a:prstGeom prst="rect">
+            <a:avLst/>
+          </a:prstGeom>
+          <a:noFill/>
+        </p:spPr>
+        <p:txBody>
+          <a:bodyPr wrap="none" rtlCol="0">
+            <a:spAutoFit/>
+          </a:bodyPr>
+          <a:lstStyle/>
+          <a:p>
+            <a:r>
+              <a:rPr kumimoji="1" lang="en-US" altLang="ja-JP"/>
+              <a:t>16</a:t>
+            </a:r>
+            <a:r>
+              <a:rPr kumimoji="1" lang="ja-JP" altLang="en-US"/>
+              <a:t>進数：ビット表現</a:t>
+            </a:r>
+          </a:p>
+        </p:txBody>
+      </p:sp>
+      <p:sp>
+        <p:nvSpPr>
+          <p:cNvPr id="19" name="テキスト ボックス 18">
+            <a:extLst>
+              <a:ext uri="{FF2B5EF4-FFF2-40B4-BE49-F238E27FC236}">
+                <a16:creationId xmlns:a16="http://schemas.microsoft.com/office/drawing/2014/main" id="{04B07BEC-2D71-6345-850B-5167DE3AC84A}"/>
+              </a:ext>
+            </a:extLst>
+          </p:cNvPr>
+          <p:cNvSpPr txBox="1"/>
+          <p:nvPr/>
+        </p:nvSpPr>
+        <p:spPr>
+          <a:xfrm>
+            <a:off x="395536" y="5733256"/>
+            <a:ext cx="8193269" cy="369332"/>
+          </a:xfrm>
+          <a:prstGeom prst="rect">
+            <a:avLst/>
+          </a:prstGeom>
+          <a:noFill/>
+        </p:spPr>
+        <p:txBody>
+          <a:bodyPr wrap="none" rtlCol="0">
+            <a:spAutoFit/>
+          </a:bodyPr>
+          <a:lstStyle/>
+          <a:p>
+            <a:r>
+              <a:rPr kumimoji="1" lang="ja-JP" altLang="en-US"/>
+              <a:t>現代の計算機では</a:t>
+            </a:r>
+            <a:r>
+              <a:rPr kumimoji="1" lang="en-US" altLang="ja-JP"/>
+              <a:t> 1</a:t>
+            </a:r>
+            <a:r>
+              <a:rPr kumimoji="1" lang="ja-JP" altLang="en-US"/>
+              <a:t>バイト</a:t>
+            </a:r>
+            <a:r>
+              <a:rPr kumimoji="1" lang="en-US" altLang="ja-JP"/>
+              <a:t> = 8</a:t>
+            </a:r>
+            <a:r>
+              <a:rPr kumimoji="1" lang="ja-JP" altLang="en-US"/>
+              <a:t>ビット</a:t>
+            </a:r>
+            <a:r>
+              <a:rPr kumimoji="1" lang="en-US" altLang="ja-JP"/>
+              <a:t> </a:t>
+            </a:r>
+            <a:r>
+              <a:rPr kumimoji="1" lang="ja-JP" altLang="en-US"/>
+              <a:t>なので、最上位ビットが必ずゼロになる</a:t>
+            </a:r>
+          </a:p>
+        </p:txBody>
+      </p:sp>
+    </p:spTree>
+    <p:extLst>
+      <p:ext uri="{BB962C8B-B14F-4D97-AF65-F5344CB8AC3E}">
+        <p14:creationId xmlns:p14="http://schemas.microsoft.com/office/powerpoint/2010/main" val="1390898954"/>
+      </p:ext>
+    </p:extLst>
+  </p:cSld>
+  <p:clrMapOvr>
+    <a:masterClrMapping/>
+  </p:clrMapOvr>
+</p:sld>
+</file>
+
+<file path=ppt/slides/slide6.xml><?xml version="1.0" encoding="utf-8"?>
+<p:sld xmlns:a="http://schemas.openxmlformats.org/drawingml/2006/main" xmlns:r="http://schemas.openxmlformats.org/officeDocument/2006/relationships" xmlns:p="http://schemas.openxmlformats.org/presentationml/2006/main">
+  <p:cSld>
+    <p:spTree>
+      <p:nvGrpSpPr>
+        <p:cNvPr id="1" name=""/>
+        <p:cNvGrpSpPr/>
+        <p:nvPr/>
+      </p:nvGrpSpPr>
+      <p:grpSpPr>
+        <a:xfrm>
+          <a:off x="0" y="0"/>
+          <a:ext cx="0" cy="0"/>
+          <a:chOff x="0" y="0"/>
+          <a:chExt cx="0" cy="0"/>
+        </a:xfrm>
+      </p:grpSpPr>
+      <p:sp>
+        <p:nvSpPr>
+          <p:cNvPr id="2" name="テキスト プレースホルダー 1">
+            <a:extLst>
+              <a:ext uri="{FF2B5EF4-FFF2-40B4-BE49-F238E27FC236}">
+                <a16:creationId xmlns:a16="http://schemas.microsoft.com/office/drawing/2014/main" id="{13A35334-720C-9748-886F-55F7D6110720}"/>
+              </a:ext>
+            </a:extLst>
+          </p:cNvPr>
+          <p:cNvSpPr>
+            <a:spLocks noGrp="1"/>
+          </p:cNvSpPr>
+          <p:nvPr>
+            <p:ph type="body" sz="quarter" idx="10"/>
+          </p:nvPr>
+        </p:nvSpPr>
+        <p:spPr>
+          <a:xfrm>
+            <a:off x="0" y="188640"/>
+            <a:ext cx="9144000" cy="754062"/>
+          </a:xfrm>
+        </p:spPr>
+        <p:txBody>
+          <a:bodyPr/>
+          <a:lstStyle/>
+          <a:p>
+            <a:r>
+              <a:rPr kumimoji="1" lang="en-US" altLang="ja-JP"/>
+              <a:t>ASCII</a:t>
+            </a:r>
+            <a:r>
+              <a:rPr kumimoji="1" lang="ja-JP" altLang="en-US"/>
+              <a:t>コードの性質</a:t>
+            </a:r>
+          </a:p>
+        </p:txBody>
+      </p:sp>
+      <p:sp>
+        <p:nvSpPr>
+          <p:cNvPr id="3" name="テキスト ボックス 2">
+            <a:extLst>
+              <a:ext uri="{FF2B5EF4-FFF2-40B4-BE49-F238E27FC236}">
+                <a16:creationId xmlns:a16="http://schemas.microsoft.com/office/drawing/2014/main" id="{E8D2F6A0-9301-C240-A75B-CADAA764720A}"/>
+              </a:ext>
+            </a:extLst>
+          </p:cNvPr>
+          <p:cNvSpPr txBox="1"/>
+          <p:nvPr/>
+        </p:nvSpPr>
+        <p:spPr>
+          <a:xfrm>
+            <a:off x="2035651" y="3104964"/>
+            <a:ext cx="1620957" cy="523220"/>
+          </a:xfrm>
+          <a:prstGeom prst="rect">
+            <a:avLst/>
+          </a:prstGeom>
+          <a:noFill/>
+        </p:spPr>
+        <p:txBody>
+          <a:bodyPr wrap="none" rtlCol="0">
+            <a:spAutoFit/>
+          </a:bodyPr>
+          <a:lstStyle/>
+          <a:p>
+            <a:r>
+              <a:rPr lang="en" altLang="ja-JP" sz="2800"/>
+              <a:t>01</a:t>
+            </a:r>
+            <a:r>
+              <a:rPr lang="en" altLang="ja-JP" sz="2800">
+                <a:solidFill>
+                  <a:srgbClr val="FF0000"/>
+                </a:solidFill>
+              </a:rPr>
+              <a:t>1</a:t>
+            </a:r>
+            <a:r>
+              <a:rPr lang="en" altLang="ja-JP" sz="2800"/>
+              <a:t>01100</a:t>
+            </a:r>
+          </a:p>
+        </p:txBody>
+      </p:sp>
+      <p:sp>
+        <p:nvSpPr>
+          <p:cNvPr id="4" name="テキスト ボックス 3">
+            <a:extLst>
+              <a:ext uri="{FF2B5EF4-FFF2-40B4-BE49-F238E27FC236}">
+                <a16:creationId xmlns:a16="http://schemas.microsoft.com/office/drawing/2014/main" id="{8B41AC07-8283-8544-9B01-67A5822D89F3}"/>
+              </a:ext>
+            </a:extLst>
+          </p:cNvPr>
+          <p:cNvSpPr txBox="1"/>
+          <p:nvPr/>
+        </p:nvSpPr>
+        <p:spPr>
+          <a:xfrm>
+            <a:off x="3744907" y="3104964"/>
+            <a:ext cx="1620957" cy="523220"/>
+          </a:xfrm>
+          <a:prstGeom prst="rect">
+            <a:avLst/>
+          </a:prstGeom>
+          <a:noFill/>
+        </p:spPr>
+        <p:txBody>
+          <a:bodyPr wrap="none" rtlCol="0">
+            <a:spAutoFit/>
+          </a:bodyPr>
+          <a:lstStyle/>
+          <a:p>
+            <a:r>
+              <a:rPr lang="en" altLang="ja-JP" sz="2800"/>
+              <a:t>01</a:t>
+            </a:r>
+            <a:r>
+              <a:rPr lang="en" altLang="ja-JP" sz="2800">
+                <a:solidFill>
+                  <a:srgbClr val="FF0000"/>
+                </a:solidFill>
+              </a:rPr>
+              <a:t>1</a:t>
+            </a:r>
+            <a:r>
+              <a:rPr lang="en" altLang="ja-JP" sz="2800"/>
+              <a:t>01111</a:t>
+            </a:r>
+          </a:p>
+        </p:txBody>
+      </p:sp>
+      <p:sp>
+        <p:nvSpPr>
+          <p:cNvPr id="5" name="テキスト ボックス 4">
+            <a:extLst>
+              <a:ext uri="{FF2B5EF4-FFF2-40B4-BE49-F238E27FC236}">
+                <a16:creationId xmlns:a16="http://schemas.microsoft.com/office/drawing/2014/main" id="{371F53FA-4877-074F-B331-63D099656EA4}"/>
+              </a:ext>
+            </a:extLst>
+          </p:cNvPr>
+          <p:cNvSpPr txBox="1"/>
+          <p:nvPr/>
+        </p:nvSpPr>
+        <p:spPr>
+          <a:xfrm>
+            <a:off x="5636051" y="3104964"/>
+            <a:ext cx="1620957" cy="523220"/>
+          </a:xfrm>
+          <a:prstGeom prst="rect">
+            <a:avLst/>
+          </a:prstGeom>
+          <a:noFill/>
+        </p:spPr>
+        <p:txBody>
+          <a:bodyPr wrap="none" rtlCol="0">
+            <a:spAutoFit/>
+          </a:bodyPr>
+          <a:lstStyle/>
+          <a:p>
+            <a:r>
+              <a:rPr lang="en" altLang="ja-JP" sz="2800"/>
+              <a:t>01</a:t>
+            </a:r>
+            <a:r>
+              <a:rPr lang="en" altLang="ja-JP" sz="2800">
+                <a:solidFill>
+                  <a:srgbClr val="FF0000"/>
+                </a:solidFill>
+              </a:rPr>
+              <a:t>1</a:t>
+            </a:r>
+            <a:r>
+              <a:rPr lang="en" altLang="ja-JP" sz="2800"/>
+              <a:t>10110</a:t>
+            </a:r>
+          </a:p>
+        </p:txBody>
+      </p:sp>
+      <p:sp>
+        <p:nvSpPr>
+          <p:cNvPr id="6" name="テキスト ボックス 5">
+            <a:extLst>
+              <a:ext uri="{FF2B5EF4-FFF2-40B4-BE49-F238E27FC236}">
+                <a16:creationId xmlns:a16="http://schemas.microsoft.com/office/drawing/2014/main" id="{F5F9FECC-E117-3B40-AA78-8308B446B1A8}"/>
+              </a:ext>
+            </a:extLst>
+          </p:cNvPr>
+          <p:cNvSpPr txBox="1"/>
+          <p:nvPr/>
+        </p:nvSpPr>
+        <p:spPr>
+          <a:xfrm>
+            <a:off x="7508259" y="3104964"/>
+            <a:ext cx="1620957" cy="523220"/>
+          </a:xfrm>
+          <a:prstGeom prst="rect">
+            <a:avLst/>
+          </a:prstGeom>
+          <a:noFill/>
+        </p:spPr>
+        <p:txBody>
+          <a:bodyPr wrap="none" rtlCol="0">
+            <a:spAutoFit/>
+          </a:bodyPr>
+          <a:lstStyle/>
+          <a:p>
+            <a:r>
+              <a:rPr lang="en" altLang="ja-JP" sz="2800"/>
+              <a:t>01</a:t>
+            </a:r>
+            <a:r>
+              <a:rPr lang="en" altLang="ja-JP" sz="2800">
+                <a:solidFill>
+                  <a:srgbClr val="FF0000"/>
+                </a:solidFill>
+              </a:rPr>
+              <a:t>1</a:t>
+            </a:r>
+            <a:r>
+              <a:rPr lang="en" altLang="ja-JP" sz="2800"/>
+              <a:t>00101</a:t>
+            </a:r>
+          </a:p>
+        </p:txBody>
+      </p:sp>
+      <p:sp>
+        <p:nvSpPr>
+          <p:cNvPr id="8" name="テキスト ボックス 7">
+            <a:extLst>
+              <a:ext uri="{FF2B5EF4-FFF2-40B4-BE49-F238E27FC236}">
+                <a16:creationId xmlns:a16="http://schemas.microsoft.com/office/drawing/2014/main" id="{13836CF6-7BAB-C345-9695-44ABA2952900}"/>
+              </a:ext>
+            </a:extLst>
+          </p:cNvPr>
+          <p:cNvSpPr txBox="1"/>
+          <p:nvPr/>
+        </p:nvSpPr>
+        <p:spPr>
+          <a:xfrm>
+            <a:off x="2686470" y="1412776"/>
+            <a:ext cx="319318" cy="830997"/>
+          </a:xfrm>
+          <a:prstGeom prst="rect">
+            <a:avLst/>
+          </a:prstGeom>
+          <a:noFill/>
+        </p:spPr>
+        <p:txBody>
+          <a:bodyPr wrap="none" rtlCol="0">
+            <a:spAutoFit/>
+          </a:bodyPr>
+          <a:lstStyle/>
+          <a:p>
+            <a:r>
+              <a:rPr kumimoji="1" lang="en-US" altLang="ja-JP" sz="4800"/>
+              <a:t>l</a:t>
+            </a:r>
+            <a:endParaRPr kumimoji="1" lang="ja-JP" altLang="en-US" sz="4800"/>
+          </a:p>
+        </p:txBody>
+      </p:sp>
+      <p:sp>
+        <p:nvSpPr>
+          <p:cNvPr id="9" name="テキスト ボックス 8">
+            <a:extLst>
+              <a:ext uri="{FF2B5EF4-FFF2-40B4-BE49-F238E27FC236}">
+                <a16:creationId xmlns:a16="http://schemas.microsoft.com/office/drawing/2014/main" id="{A1B58EE5-8549-6C4D-BD75-E8B3584938C6}"/>
+              </a:ext>
+            </a:extLst>
+          </p:cNvPr>
+          <p:cNvSpPr txBox="1"/>
+          <p:nvPr/>
+        </p:nvSpPr>
+        <p:spPr>
+          <a:xfrm>
+            <a:off x="4293134" y="1412776"/>
+            <a:ext cx="524503" cy="830997"/>
+          </a:xfrm>
+          <a:prstGeom prst="rect">
+            <a:avLst/>
+          </a:prstGeom>
+          <a:noFill/>
+        </p:spPr>
+        <p:txBody>
+          <a:bodyPr wrap="none" rtlCol="0">
+            <a:spAutoFit/>
+          </a:bodyPr>
+          <a:lstStyle/>
+          <a:p>
+            <a:r>
+              <a:rPr kumimoji="1" lang="en-US" altLang="ja-JP" sz="4800"/>
+              <a:t>o</a:t>
+            </a:r>
+            <a:endParaRPr kumimoji="1" lang="ja-JP" altLang="en-US" sz="4800"/>
+          </a:p>
+        </p:txBody>
+      </p:sp>
+      <p:sp>
+        <p:nvSpPr>
+          <p:cNvPr id="10" name="テキスト ボックス 9">
+            <a:extLst>
+              <a:ext uri="{FF2B5EF4-FFF2-40B4-BE49-F238E27FC236}">
+                <a16:creationId xmlns:a16="http://schemas.microsoft.com/office/drawing/2014/main" id="{913926AB-E224-804F-A364-4509F0D1C180}"/>
+              </a:ext>
+            </a:extLst>
+          </p:cNvPr>
+          <p:cNvSpPr txBox="1"/>
+          <p:nvPr/>
+        </p:nvSpPr>
+        <p:spPr>
+          <a:xfrm>
+            <a:off x="6219544" y="1412776"/>
+            <a:ext cx="453970" cy="830997"/>
+          </a:xfrm>
+          <a:prstGeom prst="rect">
+            <a:avLst/>
+          </a:prstGeom>
+          <a:noFill/>
+        </p:spPr>
+        <p:txBody>
+          <a:bodyPr wrap="none" rtlCol="0">
+            <a:spAutoFit/>
+          </a:bodyPr>
+          <a:lstStyle/>
+          <a:p>
+            <a:r>
+              <a:rPr kumimoji="1" lang="en-US" altLang="ja-JP" sz="4800"/>
+              <a:t>v</a:t>
+            </a:r>
+            <a:endParaRPr kumimoji="1" lang="ja-JP" altLang="en-US" sz="4800"/>
+          </a:p>
+        </p:txBody>
+      </p:sp>
+      <p:sp>
+        <p:nvSpPr>
+          <p:cNvPr id="11" name="テキスト ボックス 10">
+            <a:extLst>
+              <a:ext uri="{FF2B5EF4-FFF2-40B4-BE49-F238E27FC236}">
+                <a16:creationId xmlns:a16="http://schemas.microsoft.com/office/drawing/2014/main" id="{9FE1D465-BFF9-A54C-BDB9-37B188E1CD93}"/>
+              </a:ext>
+            </a:extLst>
+          </p:cNvPr>
+          <p:cNvSpPr txBox="1"/>
+          <p:nvPr/>
+        </p:nvSpPr>
+        <p:spPr>
+          <a:xfrm>
+            <a:off x="8078928" y="1412776"/>
+            <a:ext cx="479618" cy="830997"/>
+          </a:xfrm>
+          <a:prstGeom prst="rect">
+            <a:avLst/>
+          </a:prstGeom>
+          <a:noFill/>
+        </p:spPr>
+        <p:txBody>
+          <a:bodyPr wrap="none" rtlCol="0">
+            <a:spAutoFit/>
+          </a:bodyPr>
+          <a:lstStyle/>
+          <a:p>
+            <a:r>
+              <a:rPr kumimoji="1" lang="en-US" altLang="ja-JP" sz="4800"/>
+              <a:t>e</a:t>
+            </a:r>
+            <a:endParaRPr kumimoji="1" lang="ja-JP" altLang="en-US" sz="4800"/>
+          </a:p>
+        </p:txBody>
+      </p:sp>
+      <p:sp>
+        <p:nvSpPr>
+          <p:cNvPr id="12" name="テキスト ボックス 11">
+            <a:extLst>
+              <a:ext uri="{FF2B5EF4-FFF2-40B4-BE49-F238E27FC236}">
+                <a16:creationId xmlns:a16="http://schemas.microsoft.com/office/drawing/2014/main" id="{4420B82B-3007-894F-9A69-1468666DBAE2}"/>
+              </a:ext>
+            </a:extLst>
+          </p:cNvPr>
+          <p:cNvSpPr txBox="1"/>
+          <p:nvPr/>
+        </p:nvSpPr>
+        <p:spPr>
+          <a:xfrm>
+            <a:off x="2603114" y="5157192"/>
+            <a:ext cx="486030" cy="830997"/>
+          </a:xfrm>
+          <a:prstGeom prst="rect">
+            <a:avLst/>
+          </a:prstGeom>
+          <a:noFill/>
+        </p:spPr>
+        <p:txBody>
+          <a:bodyPr wrap="none" rtlCol="0">
+            <a:spAutoFit/>
+          </a:bodyPr>
+          <a:lstStyle/>
+          <a:p>
+            <a:r>
+              <a:rPr kumimoji="1" lang="en-US" altLang="ja-JP" sz="4800"/>
+              <a:t>L</a:t>
+            </a:r>
+            <a:endParaRPr kumimoji="1" lang="ja-JP" altLang="en-US" sz="4800"/>
+          </a:p>
+        </p:txBody>
+      </p:sp>
+      <p:sp>
+        <p:nvSpPr>
+          <p:cNvPr id="13" name="テキスト ボックス 12">
+            <a:extLst>
+              <a:ext uri="{FF2B5EF4-FFF2-40B4-BE49-F238E27FC236}">
+                <a16:creationId xmlns:a16="http://schemas.microsoft.com/office/drawing/2014/main" id="{123B11CA-AC88-BB4E-94DA-1351CB63CFC8}"/>
+              </a:ext>
+            </a:extLst>
+          </p:cNvPr>
+          <p:cNvSpPr txBox="1"/>
+          <p:nvPr/>
+        </p:nvSpPr>
+        <p:spPr>
+          <a:xfrm>
+            <a:off x="4209778" y="5157192"/>
+            <a:ext cx="691215" cy="830997"/>
+          </a:xfrm>
+          <a:prstGeom prst="rect">
+            <a:avLst/>
+          </a:prstGeom>
+          <a:noFill/>
+        </p:spPr>
+        <p:txBody>
+          <a:bodyPr wrap="none" rtlCol="0">
+            <a:spAutoFit/>
+          </a:bodyPr>
+          <a:lstStyle/>
+          <a:p>
+            <a:r>
+              <a:rPr kumimoji="1" lang="en-US" altLang="ja-JP" sz="4800"/>
+              <a:t>O</a:t>
+            </a:r>
+            <a:endParaRPr kumimoji="1" lang="ja-JP" altLang="en-US" sz="4800"/>
+          </a:p>
+        </p:txBody>
+      </p:sp>
+      <p:sp>
+        <p:nvSpPr>
+          <p:cNvPr id="14" name="テキスト ボックス 13">
+            <a:extLst>
+              <a:ext uri="{FF2B5EF4-FFF2-40B4-BE49-F238E27FC236}">
+                <a16:creationId xmlns:a16="http://schemas.microsoft.com/office/drawing/2014/main" id="{A2B0509A-D1DA-5F4F-BD6E-6FADB0373A51}"/>
+              </a:ext>
+            </a:extLst>
+          </p:cNvPr>
+          <p:cNvSpPr txBox="1"/>
+          <p:nvPr/>
+        </p:nvSpPr>
+        <p:spPr>
+          <a:xfrm>
+            <a:off x="6168248" y="5157192"/>
+            <a:ext cx="556563" cy="830997"/>
+          </a:xfrm>
+          <a:prstGeom prst="rect">
+            <a:avLst/>
+          </a:prstGeom>
+          <a:noFill/>
+        </p:spPr>
+        <p:txBody>
+          <a:bodyPr wrap="none" rtlCol="0">
+            <a:spAutoFit/>
+          </a:bodyPr>
+          <a:lstStyle/>
+          <a:p>
+            <a:r>
+              <a:rPr kumimoji="1" lang="en-US" altLang="ja-JP" sz="4800"/>
+              <a:t>V</a:t>
+            </a:r>
+            <a:endParaRPr kumimoji="1" lang="ja-JP" altLang="en-US" sz="4800"/>
+          </a:p>
+        </p:txBody>
+      </p:sp>
+      <p:sp>
+        <p:nvSpPr>
+          <p:cNvPr id="15" name="テキスト ボックス 14">
+            <a:extLst>
+              <a:ext uri="{FF2B5EF4-FFF2-40B4-BE49-F238E27FC236}">
+                <a16:creationId xmlns:a16="http://schemas.microsoft.com/office/drawing/2014/main" id="{62CDA797-48C6-9641-A958-6ED959CF92E1}"/>
+              </a:ext>
+            </a:extLst>
+          </p:cNvPr>
+          <p:cNvSpPr txBox="1"/>
+          <p:nvPr/>
+        </p:nvSpPr>
+        <p:spPr>
+          <a:xfrm>
+            <a:off x="7995572" y="5157192"/>
+            <a:ext cx="492443" cy="830997"/>
+          </a:xfrm>
+          <a:prstGeom prst="rect">
+            <a:avLst/>
+          </a:prstGeom>
+          <a:noFill/>
+        </p:spPr>
+        <p:txBody>
+          <a:bodyPr wrap="none" rtlCol="0">
+            <a:spAutoFit/>
+          </a:bodyPr>
+          <a:lstStyle/>
+          <a:p>
+            <a:r>
+              <a:rPr kumimoji="1" lang="en-US" altLang="ja-JP" sz="4800"/>
+              <a:t>E</a:t>
+            </a:r>
+            <a:endParaRPr kumimoji="1" lang="ja-JP" altLang="en-US" sz="4800"/>
+          </a:p>
+        </p:txBody>
+      </p:sp>
+      <p:sp>
+        <p:nvSpPr>
+          <p:cNvPr id="16" name="正方形/長方形 15">
+            <a:extLst>
+              <a:ext uri="{FF2B5EF4-FFF2-40B4-BE49-F238E27FC236}">
+                <a16:creationId xmlns:a16="http://schemas.microsoft.com/office/drawing/2014/main" id="{08A353C6-80DF-1443-8205-D44437F58C11}"/>
+              </a:ext>
+            </a:extLst>
+          </p:cNvPr>
+          <p:cNvSpPr/>
+          <p:nvPr/>
+        </p:nvSpPr>
+        <p:spPr>
+          <a:xfrm>
+            <a:off x="2035651" y="3825044"/>
+            <a:ext cx="1620957" cy="523220"/>
+          </a:xfrm>
+          <a:prstGeom prst="rect">
+            <a:avLst/>
+          </a:prstGeom>
+        </p:spPr>
+        <p:txBody>
+          <a:bodyPr wrap="none">
+            <a:spAutoFit/>
+          </a:bodyPr>
+          <a:lstStyle/>
+          <a:p>
+            <a:r>
+              <a:rPr lang="ja-JP" altLang="en-US" sz="2800"/>
+              <a:t>01</a:t>
+            </a:r>
+            <a:r>
+              <a:rPr lang="ja-JP" altLang="en-US" sz="2800">
+                <a:solidFill>
+                  <a:srgbClr val="FF0000"/>
+                </a:solidFill>
+              </a:rPr>
+              <a:t>0</a:t>
+            </a:r>
+            <a:r>
+              <a:rPr lang="ja-JP" altLang="en-US" sz="2800"/>
+              <a:t>01100</a:t>
+            </a:r>
+          </a:p>
+        </p:txBody>
+      </p:sp>
+      <p:sp>
+        <p:nvSpPr>
+          <p:cNvPr id="17" name="正方形/長方形 16">
+            <a:extLst>
+              <a:ext uri="{FF2B5EF4-FFF2-40B4-BE49-F238E27FC236}">
+                <a16:creationId xmlns:a16="http://schemas.microsoft.com/office/drawing/2014/main" id="{54A65E7E-FAB1-BE4E-8BF9-202A31B2B624}"/>
+              </a:ext>
+            </a:extLst>
+          </p:cNvPr>
+          <p:cNvSpPr/>
+          <p:nvPr/>
+        </p:nvSpPr>
+        <p:spPr>
+          <a:xfrm>
+            <a:off x="3744907" y="3825044"/>
+            <a:ext cx="1620957" cy="523220"/>
+          </a:xfrm>
+          <a:prstGeom prst="rect">
+            <a:avLst/>
+          </a:prstGeom>
+        </p:spPr>
+        <p:txBody>
+          <a:bodyPr wrap="none">
+            <a:spAutoFit/>
+          </a:bodyPr>
+          <a:lstStyle/>
+          <a:p>
+            <a:r>
+              <a:rPr lang="ja-JP" altLang="en-US" sz="2800"/>
+              <a:t>01</a:t>
+            </a:r>
+            <a:r>
+              <a:rPr lang="ja-JP" altLang="en-US" sz="2800">
+                <a:solidFill>
+                  <a:srgbClr val="FF0000"/>
+                </a:solidFill>
+              </a:rPr>
+              <a:t>0</a:t>
+            </a:r>
+            <a:r>
+              <a:rPr lang="ja-JP" altLang="en-US" sz="2800"/>
+              <a:t>01111</a:t>
+            </a:r>
+          </a:p>
+        </p:txBody>
+      </p:sp>
+      <p:sp>
+        <p:nvSpPr>
+          <p:cNvPr id="18" name="正方形/長方形 17">
+            <a:extLst>
+              <a:ext uri="{FF2B5EF4-FFF2-40B4-BE49-F238E27FC236}">
+                <a16:creationId xmlns:a16="http://schemas.microsoft.com/office/drawing/2014/main" id="{93793B6F-D410-CF4E-B0C8-A8FA4B5CE907}"/>
+              </a:ext>
+            </a:extLst>
+          </p:cNvPr>
+          <p:cNvSpPr/>
+          <p:nvPr/>
+        </p:nvSpPr>
+        <p:spPr>
+          <a:xfrm>
+            <a:off x="5636051" y="3825044"/>
+            <a:ext cx="1620957" cy="523220"/>
+          </a:xfrm>
+          <a:prstGeom prst="rect">
+            <a:avLst/>
+          </a:prstGeom>
+        </p:spPr>
+        <p:txBody>
+          <a:bodyPr wrap="none">
+            <a:spAutoFit/>
+          </a:bodyPr>
+          <a:lstStyle/>
+          <a:p>
+            <a:r>
+              <a:rPr lang="ja-JP" altLang="en-US" sz="2800"/>
+              <a:t>01</a:t>
+            </a:r>
+            <a:r>
+              <a:rPr lang="ja-JP" altLang="en-US" sz="2800">
+                <a:solidFill>
+                  <a:srgbClr val="FF0000"/>
+                </a:solidFill>
+              </a:rPr>
+              <a:t>0</a:t>
+            </a:r>
+            <a:r>
+              <a:rPr lang="ja-JP" altLang="en-US" sz="2800"/>
+              <a:t>10110</a:t>
+            </a:r>
+          </a:p>
+        </p:txBody>
+      </p:sp>
+      <p:sp>
+        <p:nvSpPr>
+          <p:cNvPr id="19" name="正方形/長方形 18">
+            <a:extLst>
+              <a:ext uri="{FF2B5EF4-FFF2-40B4-BE49-F238E27FC236}">
+                <a16:creationId xmlns:a16="http://schemas.microsoft.com/office/drawing/2014/main" id="{32035550-ACD1-104A-A4AA-A67279F878F4}"/>
+              </a:ext>
+            </a:extLst>
+          </p:cNvPr>
+          <p:cNvSpPr/>
+          <p:nvPr/>
+        </p:nvSpPr>
+        <p:spPr>
+          <a:xfrm>
+            <a:off x="7508259" y="3825044"/>
+            <a:ext cx="1620957" cy="523220"/>
+          </a:xfrm>
+          <a:prstGeom prst="rect">
+            <a:avLst/>
+          </a:prstGeom>
+        </p:spPr>
+        <p:txBody>
+          <a:bodyPr wrap="none">
+            <a:spAutoFit/>
+          </a:bodyPr>
+          <a:lstStyle/>
+          <a:p>
+            <a:r>
+              <a:rPr lang="ja-JP" altLang="en-US" sz="2800"/>
+              <a:t>01</a:t>
+            </a:r>
+            <a:r>
+              <a:rPr lang="ja-JP" altLang="en-US" sz="2800">
+                <a:solidFill>
+                  <a:srgbClr val="FF0000"/>
+                </a:solidFill>
+              </a:rPr>
+              <a:t>0</a:t>
+            </a:r>
+            <a:r>
+              <a:rPr lang="ja-JP" altLang="en-US" sz="2800"/>
+              <a:t>00101</a:t>
+            </a:r>
+          </a:p>
+        </p:txBody>
+      </p:sp>
+      <p:sp>
+        <p:nvSpPr>
+          <p:cNvPr id="21" name="テキスト ボックス 20">
+            <a:extLst>
+              <a:ext uri="{FF2B5EF4-FFF2-40B4-BE49-F238E27FC236}">
+                <a16:creationId xmlns:a16="http://schemas.microsoft.com/office/drawing/2014/main" id="{AF5CC4C0-BB73-EF40-90B3-9488D22A010B}"/>
+              </a:ext>
+            </a:extLst>
+          </p:cNvPr>
+          <p:cNvSpPr txBox="1"/>
+          <p:nvPr/>
+        </p:nvSpPr>
+        <p:spPr>
+          <a:xfrm>
+            <a:off x="105643" y="3181908"/>
+            <a:ext cx="1107996" cy="369332"/>
+          </a:xfrm>
+          <a:prstGeom prst="rect">
+            <a:avLst/>
+          </a:prstGeom>
+          <a:noFill/>
+        </p:spPr>
+        <p:txBody>
+          <a:bodyPr wrap="none" rtlCol="0">
+            <a:spAutoFit/>
+          </a:bodyPr>
+          <a:lstStyle/>
+          <a:p>
+            <a:r>
+              <a:rPr kumimoji="1" lang="ja-JP" altLang="en-US"/>
+              <a:t>二進表現</a:t>
+            </a:r>
+          </a:p>
+        </p:txBody>
+      </p:sp>
+      <p:sp>
+        <p:nvSpPr>
+          <p:cNvPr id="22" name="テキスト ボックス 21">
+            <a:extLst>
+              <a:ext uri="{FF2B5EF4-FFF2-40B4-BE49-F238E27FC236}">
+                <a16:creationId xmlns:a16="http://schemas.microsoft.com/office/drawing/2014/main" id="{B147E621-5626-CA4D-9A74-8E757EBF1559}"/>
+              </a:ext>
+            </a:extLst>
+          </p:cNvPr>
+          <p:cNvSpPr txBox="1"/>
+          <p:nvPr/>
+        </p:nvSpPr>
+        <p:spPr>
+          <a:xfrm>
+            <a:off x="114027" y="3901988"/>
+            <a:ext cx="1107996" cy="369332"/>
+          </a:xfrm>
+          <a:prstGeom prst="rect">
+            <a:avLst/>
+          </a:prstGeom>
+          <a:noFill/>
+        </p:spPr>
+        <p:txBody>
+          <a:bodyPr wrap="none" rtlCol="0">
+            <a:spAutoFit/>
+          </a:bodyPr>
+          <a:lstStyle/>
+          <a:p>
+            <a:r>
+              <a:rPr kumimoji="1" lang="ja-JP" altLang="en-US"/>
+              <a:t>二進表現</a:t>
+            </a:r>
+          </a:p>
+        </p:txBody>
+      </p:sp>
+      <p:sp>
+        <p:nvSpPr>
+          <p:cNvPr id="23" name="テキスト ボックス 22">
+            <a:extLst>
+              <a:ext uri="{FF2B5EF4-FFF2-40B4-BE49-F238E27FC236}">
+                <a16:creationId xmlns:a16="http://schemas.microsoft.com/office/drawing/2014/main" id="{B433C873-C6A7-CE45-8BA2-EDF014FD2DDC}"/>
+              </a:ext>
+            </a:extLst>
+          </p:cNvPr>
+          <p:cNvSpPr txBox="1"/>
+          <p:nvPr/>
+        </p:nvSpPr>
+        <p:spPr>
+          <a:xfrm>
+            <a:off x="127947" y="2425824"/>
+            <a:ext cx="1415772" cy="369332"/>
+          </a:xfrm>
+          <a:prstGeom prst="rect">
+            <a:avLst/>
+          </a:prstGeom>
+          <a:noFill/>
+        </p:spPr>
+        <p:txBody>
+          <a:bodyPr wrap="none" rtlCol="0">
+            <a:spAutoFit/>
+          </a:bodyPr>
+          <a:lstStyle/>
+          <a:p>
+            <a:r>
+              <a:rPr kumimoji="1" lang="en-US" altLang="ja-JP"/>
+              <a:t>ASCII</a:t>
+            </a:r>
+            <a:r>
+              <a:rPr kumimoji="1" lang="ja-JP" altLang="en-US"/>
+              <a:t>コード</a:t>
+            </a:r>
+          </a:p>
+        </p:txBody>
+      </p:sp>
+      <p:sp>
+        <p:nvSpPr>
+          <p:cNvPr id="24" name="テキスト ボックス 23">
+            <a:extLst>
+              <a:ext uri="{FF2B5EF4-FFF2-40B4-BE49-F238E27FC236}">
+                <a16:creationId xmlns:a16="http://schemas.microsoft.com/office/drawing/2014/main" id="{2457DCF0-28CF-8148-8F16-E0112D51A1B3}"/>
+              </a:ext>
+            </a:extLst>
+          </p:cNvPr>
+          <p:cNvSpPr txBox="1"/>
+          <p:nvPr/>
+        </p:nvSpPr>
+        <p:spPr>
+          <a:xfrm>
+            <a:off x="127947" y="4658072"/>
+            <a:ext cx="1415772" cy="369332"/>
+          </a:xfrm>
+          <a:prstGeom prst="rect">
+            <a:avLst/>
+          </a:prstGeom>
+          <a:noFill/>
+        </p:spPr>
+        <p:txBody>
+          <a:bodyPr wrap="none" rtlCol="0">
+            <a:spAutoFit/>
+          </a:bodyPr>
+          <a:lstStyle/>
+          <a:p>
+            <a:r>
+              <a:rPr kumimoji="1" lang="en-US" altLang="ja-JP"/>
+              <a:t>ASCII</a:t>
+            </a:r>
+            <a:r>
+              <a:rPr kumimoji="1" lang="ja-JP" altLang="en-US"/>
+              <a:t>コード</a:t>
+            </a:r>
+          </a:p>
+        </p:txBody>
+      </p:sp>
+      <p:sp>
+        <p:nvSpPr>
+          <p:cNvPr id="25" name="テキスト ボックス 24">
+            <a:extLst>
+              <a:ext uri="{FF2B5EF4-FFF2-40B4-BE49-F238E27FC236}">
+                <a16:creationId xmlns:a16="http://schemas.microsoft.com/office/drawing/2014/main" id="{0BB056CB-7F32-F44F-A32B-492540FF079F}"/>
+              </a:ext>
+            </a:extLst>
+          </p:cNvPr>
+          <p:cNvSpPr txBox="1"/>
+          <p:nvPr/>
+        </p:nvSpPr>
+        <p:spPr>
+          <a:xfrm>
+            <a:off x="2484492" y="2348880"/>
+            <a:ext cx="723275" cy="523220"/>
+          </a:xfrm>
+          <a:prstGeom prst="rect">
+            <a:avLst/>
+          </a:prstGeom>
+          <a:noFill/>
+        </p:spPr>
+        <p:txBody>
+          <a:bodyPr wrap="none" rtlCol="0">
+            <a:spAutoFit/>
+          </a:bodyPr>
+          <a:lstStyle/>
+          <a:p>
+            <a:r>
+              <a:rPr kumimoji="1" lang="en-US" altLang="ja-JP" sz="2800"/>
+              <a:t>108</a:t>
+            </a:r>
+            <a:endParaRPr kumimoji="1" lang="ja-JP" altLang="en-US" sz="2800"/>
+          </a:p>
+        </p:txBody>
+      </p:sp>
+      <p:sp>
+        <p:nvSpPr>
+          <p:cNvPr id="26" name="テキスト ボックス 25">
+            <a:extLst>
+              <a:ext uri="{FF2B5EF4-FFF2-40B4-BE49-F238E27FC236}">
+                <a16:creationId xmlns:a16="http://schemas.microsoft.com/office/drawing/2014/main" id="{D8243F5A-4D2D-3048-9E1F-CDBA22E24DC7}"/>
+              </a:ext>
+            </a:extLst>
+          </p:cNvPr>
+          <p:cNvSpPr txBox="1"/>
+          <p:nvPr/>
+        </p:nvSpPr>
+        <p:spPr>
+          <a:xfrm>
+            <a:off x="4193748" y="2348880"/>
+            <a:ext cx="723275" cy="523220"/>
+          </a:xfrm>
+          <a:prstGeom prst="rect">
+            <a:avLst/>
+          </a:prstGeom>
+          <a:noFill/>
+        </p:spPr>
+        <p:txBody>
+          <a:bodyPr wrap="none" rtlCol="0">
+            <a:spAutoFit/>
+          </a:bodyPr>
+          <a:lstStyle/>
+          <a:p>
+            <a:r>
+              <a:rPr kumimoji="1" lang="en-US" altLang="ja-JP" sz="2800"/>
+              <a:t>111</a:t>
+            </a:r>
+            <a:endParaRPr kumimoji="1" lang="ja-JP" altLang="en-US" sz="2800"/>
+          </a:p>
+        </p:txBody>
+      </p:sp>
+      <p:sp>
+        <p:nvSpPr>
+          <p:cNvPr id="27" name="テキスト ボックス 26">
+            <a:extLst>
+              <a:ext uri="{FF2B5EF4-FFF2-40B4-BE49-F238E27FC236}">
+                <a16:creationId xmlns:a16="http://schemas.microsoft.com/office/drawing/2014/main" id="{CA1CA2A6-6041-CC40-928F-15E602D4DD8B}"/>
+              </a:ext>
+            </a:extLst>
+          </p:cNvPr>
+          <p:cNvSpPr txBox="1"/>
+          <p:nvPr/>
+        </p:nvSpPr>
+        <p:spPr>
+          <a:xfrm>
+            <a:off x="6084892" y="2348880"/>
+            <a:ext cx="723275" cy="523220"/>
+          </a:xfrm>
+          <a:prstGeom prst="rect">
+            <a:avLst/>
+          </a:prstGeom>
+          <a:noFill/>
+        </p:spPr>
+        <p:txBody>
+          <a:bodyPr wrap="none" rtlCol="0">
+            <a:spAutoFit/>
+          </a:bodyPr>
+          <a:lstStyle/>
+          <a:p>
+            <a:r>
+              <a:rPr kumimoji="1" lang="en-US" altLang="ja-JP" sz="2800"/>
+              <a:t>118</a:t>
+            </a:r>
+            <a:endParaRPr kumimoji="1" lang="ja-JP" altLang="en-US" sz="2800"/>
+          </a:p>
+        </p:txBody>
+      </p:sp>
+      <p:sp>
+        <p:nvSpPr>
+          <p:cNvPr id="28" name="テキスト ボックス 27">
+            <a:extLst>
+              <a:ext uri="{FF2B5EF4-FFF2-40B4-BE49-F238E27FC236}">
+                <a16:creationId xmlns:a16="http://schemas.microsoft.com/office/drawing/2014/main" id="{C168F11B-8473-8C4A-9214-96303C3E99B4}"/>
+              </a:ext>
+            </a:extLst>
+          </p:cNvPr>
+          <p:cNvSpPr txBox="1"/>
+          <p:nvPr/>
+        </p:nvSpPr>
+        <p:spPr>
+          <a:xfrm>
+            <a:off x="7957100" y="2348880"/>
+            <a:ext cx="723275" cy="523220"/>
+          </a:xfrm>
+          <a:prstGeom prst="rect">
+            <a:avLst/>
+          </a:prstGeom>
+          <a:noFill/>
+        </p:spPr>
+        <p:txBody>
+          <a:bodyPr wrap="none" rtlCol="0">
+            <a:spAutoFit/>
+          </a:bodyPr>
+          <a:lstStyle/>
+          <a:p>
+            <a:r>
+              <a:rPr kumimoji="1" lang="en-US" altLang="ja-JP" sz="2800"/>
+              <a:t>101</a:t>
+            </a:r>
+            <a:endParaRPr kumimoji="1" lang="ja-JP" altLang="en-US" sz="2800"/>
+          </a:p>
+        </p:txBody>
+      </p:sp>
+      <p:sp>
+        <p:nvSpPr>
+          <p:cNvPr id="29" name="テキスト ボックス 28">
+            <a:extLst>
+              <a:ext uri="{FF2B5EF4-FFF2-40B4-BE49-F238E27FC236}">
+                <a16:creationId xmlns:a16="http://schemas.microsoft.com/office/drawing/2014/main" id="{1E3558E8-55AF-8641-AA73-5200623D59F6}"/>
+              </a:ext>
+            </a:extLst>
+          </p:cNvPr>
+          <p:cNvSpPr txBox="1"/>
+          <p:nvPr/>
+        </p:nvSpPr>
+        <p:spPr>
+          <a:xfrm>
+            <a:off x="2574260" y="4581128"/>
+            <a:ext cx="543739" cy="523220"/>
+          </a:xfrm>
+          <a:prstGeom prst="rect">
+            <a:avLst/>
+          </a:prstGeom>
+          <a:noFill/>
+        </p:spPr>
+        <p:txBody>
+          <a:bodyPr wrap="none" rtlCol="0">
+            <a:spAutoFit/>
+          </a:bodyPr>
+          <a:lstStyle/>
+          <a:p>
+            <a:r>
+              <a:rPr kumimoji="1" lang="en-US" altLang="ja-JP" sz="2800"/>
+              <a:t>76</a:t>
+            </a:r>
+            <a:endParaRPr kumimoji="1" lang="ja-JP" altLang="en-US" sz="2800"/>
+          </a:p>
+        </p:txBody>
+      </p:sp>
+      <p:sp>
+        <p:nvSpPr>
+          <p:cNvPr id="30" name="テキスト ボックス 29">
+            <a:extLst>
+              <a:ext uri="{FF2B5EF4-FFF2-40B4-BE49-F238E27FC236}">
+                <a16:creationId xmlns:a16="http://schemas.microsoft.com/office/drawing/2014/main" id="{0EA19057-D90C-7F4C-AB84-3F1F34C67F09}"/>
+              </a:ext>
+            </a:extLst>
+          </p:cNvPr>
+          <p:cNvSpPr txBox="1"/>
+          <p:nvPr/>
+        </p:nvSpPr>
+        <p:spPr>
+          <a:xfrm>
+            <a:off x="4283516" y="4581128"/>
+            <a:ext cx="543739" cy="523220"/>
+          </a:xfrm>
+          <a:prstGeom prst="rect">
+            <a:avLst/>
+          </a:prstGeom>
+          <a:noFill/>
+        </p:spPr>
+        <p:txBody>
+          <a:bodyPr wrap="none" rtlCol="0">
+            <a:spAutoFit/>
+          </a:bodyPr>
+          <a:lstStyle/>
+          <a:p>
+            <a:r>
+              <a:rPr kumimoji="1" lang="en-US" altLang="ja-JP" sz="2800"/>
+              <a:t>79</a:t>
+            </a:r>
+            <a:endParaRPr kumimoji="1" lang="ja-JP" altLang="en-US" sz="2800"/>
+          </a:p>
+        </p:txBody>
+      </p:sp>
+      <p:sp>
+        <p:nvSpPr>
+          <p:cNvPr id="31" name="テキスト ボックス 30">
+            <a:extLst>
+              <a:ext uri="{FF2B5EF4-FFF2-40B4-BE49-F238E27FC236}">
+                <a16:creationId xmlns:a16="http://schemas.microsoft.com/office/drawing/2014/main" id="{65E3FDD4-0A9E-BA4C-9D1C-571CE8A30EF3}"/>
+              </a:ext>
+            </a:extLst>
+          </p:cNvPr>
+          <p:cNvSpPr txBox="1"/>
+          <p:nvPr/>
+        </p:nvSpPr>
+        <p:spPr>
+          <a:xfrm>
+            <a:off x="6174660" y="4581128"/>
+            <a:ext cx="543739" cy="523220"/>
+          </a:xfrm>
+          <a:prstGeom prst="rect">
+            <a:avLst/>
+          </a:prstGeom>
+          <a:noFill/>
+        </p:spPr>
+        <p:txBody>
+          <a:bodyPr wrap="none" rtlCol="0">
+            <a:spAutoFit/>
+          </a:bodyPr>
+          <a:lstStyle/>
+          <a:p>
+            <a:r>
+              <a:rPr kumimoji="1" lang="en-US" altLang="ja-JP" sz="2800"/>
+              <a:t>86</a:t>
+            </a:r>
+            <a:endParaRPr kumimoji="1" lang="ja-JP" altLang="en-US" sz="2800"/>
+          </a:p>
+        </p:txBody>
+      </p:sp>
+      <p:sp>
+        <p:nvSpPr>
+          <p:cNvPr id="32" name="テキスト ボックス 31">
+            <a:extLst>
+              <a:ext uri="{FF2B5EF4-FFF2-40B4-BE49-F238E27FC236}">
+                <a16:creationId xmlns:a16="http://schemas.microsoft.com/office/drawing/2014/main" id="{12D5BE9C-48FC-6B41-A902-5F9ECAD9E8B5}"/>
+              </a:ext>
+            </a:extLst>
+          </p:cNvPr>
+          <p:cNvSpPr txBox="1"/>
+          <p:nvPr/>
+        </p:nvSpPr>
+        <p:spPr>
+          <a:xfrm>
+            <a:off x="8046868" y="4581128"/>
+            <a:ext cx="543739" cy="523220"/>
+          </a:xfrm>
+          <a:prstGeom prst="rect">
+            <a:avLst/>
+          </a:prstGeom>
+          <a:noFill/>
+        </p:spPr>
+        <p:txBody>
+          <a:bodyPr wrap="none" rtlCol="0">
+            <a:spAutoFit/>
+          </a:bodyPr>
+          <a:lstStyle/>
+          <a:p>
+            <a:r>
+              <a:rPr kumimoji="1" lang="en-US" altLang="ja-JP" sz="2800"/>
+              <a:t>69</a:t>
+            </a:r>
+            <a:endParaRPr kumimoji="1" lang="ja-JP" altLang="en-US" sz="2800"/>
+          </a:p>
+        </p:txBody>
+      </p:sp>
+      <p:sp>
+        <p:nvSpPr>
+          <p:cNvPr id="33" name="テキスト ボックス 32">
+            <a:extLst>
+              <a:ext uri="{FF2B5EF4-FFF2-40B4-BE49-F238E27FC236}">
+                <a16:creationId xmlns:a16="http://schemas.microsoft.com/office/drawing/2014/main" id="{111807D2-A3E4-1244-A437-156648C334DA}"/>
+              </a:ext>
+            </a:extLst>
+          </p:cNvPr>
+          <p:cNvSpPr txBox="1"/>
+          <p:nvPr/>
+        </p:nvSpPr>
+        <p:spPr>
+          <a:xfrm>
+            <a:off x="137011" y="1664804"/>
+            <a:ext cx="1489510" cy="369332"/>
+          </a:xfrm>
+          <a:prstGeom prst="rect">
+            <a:avLst/>
+          </a:prstGeom>
+          <a:noFill/>
+        </p:spPr>
+        <p:txBody>
+          <a:bodyPr wrap="none" rtlCol="0">
+            <a:spAutoFit/>
+          </a:bodyPr>
+          <a:lstStyle/>
+          <a:p>
+            <a:r>
+              <a:rPr kumimoji="1" lang="ja-JP" altLang="en-US"/>
+              <a:t>文字</a:t>
+            </a:r>
+            <a:r>
+              <a:rPr kumimoji="1" lang="en-US" altLang="ja-JP"/>
+              <a:t>(</a:t>
+            </a:r>
+            <a:r>
+              <a:rPr kumimoji="1" lang="ja-JP" altLang="en-US"/>
+              <a:t>小文字</a:t>
+            </a:r>
+            <a:r>
+              <a:rPr kumimoji="1" lang="en-US" altLang="ja-JP"/>
+              <a:t>)</a:t>
+            </a:r>
+            <a:endParaRPr kumimoji="1" lang="ja-JP" altLang="en-US"/>
+          </a:p>
+        </p:txBody>
+      </p:sp>
+      <p:sp>
+        <p:nvSpPr>
+          <p:cNvPr id="34" name="テキスト ボックス 33">
+            <a:extLst>
+              <a:ext uri="{FF2B5EF4-FFF2-40B4-BE49-F238E27FC236}">
+                <a16:creationId xmlns:a16="http://schemas.microsoft.com/office/drawing/2014/main" id="{69D109C8-7960-ED4B-B4D3-A83C0F8C6C61}"/>
+              </a:ext>
+            </a:extLst>
+          </p:cNvPr>
+          <p:cNvSpPr txBox="1"/>
+          <p:nvPr/>
+        </p:nvSpPr>
+        <p:spPr>
+          <a:xfrm>
+            <a:off x="126851" y="5409220"/>
+            <a:ext cx="1489510" cy="369332"/>
+          </a:xfrm>
+          <a:prstGeom prst="rect">
+            <a:avLst/>
+          </a:prstGeom>
+          <a:noFill/>
+        </p:spPr>
+        <p:txBody>
+          <a:bodyPr wrap="none" rtlCol="0">
+            <a:spAutoFit/>
+          </a:bodyPr>
+          <a:lstStyle/>
+          <a:p>
+            <a:r>
+              <a:rPr kumimoji="1" lang="ja-JP" altLang="en-US"/>
+              <a:t>文字</a:t>
+            </a:r>
+            <a:r>
+              <a:rPr kumimoji="1" lang="en-US" altLang="ja-JP"/>
+              <a:t>(</a:t>
+            </a:r>
+            <a:r>
+              <a:rPr lang="ja-JP" altLang="en-US"/>
+              <a:t>大</a:t>
+            </a:r>
+            <a:r>
+              <a:rPr kumimoji="1" lang="ja-JP" altLang="en-US"/>
+              <a:t>文字</a:t>
+            </a:r>
+            <a:r>
+              <a:rPr kumimoji="1" lang="en-US" altLang="ja-JP"/>
+              <a:t>)</a:t>
+            </a:r>
+            <a:endParaRPr kumimoji="1" lang="ja-JP" altLang="en-US"/>
+          </a:p>
+        </p:txBody>
+      </p:sp>
+      <p:sp>
+        <p:nvSpPr>
+          <p:cNvPr id="35" name="テキスト ボックス 34">
+            <a:extLst>
+              <a:ext uri="{FF2B5EF4-FFF2-40B4-BE49-F238E27FC236}">
+                <a16:creationId xmlns:a16="http://schemas.microsoft.com/office/drawing/2014/main" id="{4C4413DE-BF04-F045-BA5C-AF22CB6C6A8A}"/>
+              </a:ext>
+            </a:extLst>
+          </p:cNvPr>
+          <p:cNvSpPr txBox="1"/>
+          <p:nvPr/>
+        </p:nvSpPr>
+        <p:spPr>
+          <a:xfrm>
+            <a:off x="1547664" y="980728"/>
+            <a:ext cx="6032421" cy="461665"/>
+          </a:xfrm>
+          <a:prstGeom prst="rect">
+            <a:avLst/>
+          </a:prstGeom>
+          <a:noFill/>
+        </p:spPr>
+        <p:txBody>
+          <a:bodyPr wrap="none" rtlCol="0">
+            <a:spAutoFit/>
+          </a:bodyPr>
+          <a:lstStyle/>
+          <a:p>
+            <a:r>
+              <a:rPr kumimoji="1" lang="ja-JP" altLang="en-US" sz="2400"/>
+              <a:t>大文字と小文字のアスキーコードの差は</a:t>
+            </a:r>
+            <a:r>
+              <a:rPr kumimoji="1" lang="en-US" altLang="ja-JP" sz="2400"/>
+              <a:t>32</a:t>
+            </a:r>
+            <a:endParaRPr kumimoji="1" lang="ja-JP" altLang="en-US" sz="2400"/>
+          </a:p>
+        </p:txBody>
+      </p:sp>
+      <p:sp>
+        <p:nvSpPr>
+          <p:cNvPr id="36" name="テキスト ボックス 35">
+            <a:extLst>
+              <a:ext uri="{FF2B5EF4-FFF2-40B4-BE49-F238E27FC236}">
+                <a16:creationId xmlns:a16="http://schemas.microsoft.com/office/drawing/2014/main" id="{A58C4C02-CA2A-B347-8E80-AF058B5B9247}"/>
+              </a:ext>
+            </a:extLst>
+          </p:cNvPr>
+          <p:cNvSpPr txBox="1"/>
+          <p:nvPr/>
+        </p:nvSpPr>
+        <p:spPr>
+          <a:xfrm>
+            <a:off x="683568" y="6165304"/>
+            <a:ext cx="7417415" cy="461665"/>
+          </a:xfrm>
+          <a:prstGeom prst="rect">
+            <a:avLst/>
+          </a:prstGeom>
+          <a:noFill/>
+        </p:spPr>
+        <p:txBody>
+          <a:bodyPr wrap="none" rtlCol="0">
+            <a:spAutoFit/>
+          </a:bodyPr>
+          <a:lstStyle/>
+          <a:p>
+            <a:r>
+              <a:rPr kumimoji="1" lang="en-US" altLang="ja-JP" sz="2400"/>
+              <a:t>6</a:t>
+            </a:r>
+            <a:r>
+              <a:rPr kumimoji="1" lang="ja-JP" altLang="en-US" sz="2400"/>
+              <a:t>ビット目を反転すると大文字ー小文字が入れ替わる</a:t>
+            </a:r>
+          </a:p>
+        </p:txBody>
+      </p:sp>
+    </p:spTree>
+    <p:extLst>
+      <p:ext uri="{BB962C8B-B14F-4D97-AF65-F5344CB8AC3E}">
+        <p14:creationId xmlns:p14="http://schemas.microsoft.com/office/powerpoint/2010/main" val="1712252368"/>
+      </p:ext>
+    </p:extLst>
+  </p:cSld>
+  <p:clrMapOvr>
+    <a:masterClrMapping/>
+  </p:clrMapOvr>
+</p:sld>
+</file>
+
 <file path=ppt/theme/theme1.xml><?xml version="1.0" encoding="utf-8"?>
 <a:theme xmlns:a="http://schemas.openxmlformats.org/drawingml/2006/main" name="パーセル">
   <a:themeElements>

--- a/string/fig/slide.pptx
+++ b/string/fig/slide.pptx
@@ -5,7 +5,7 @@
     <p:sldMasterId id="2147483663" r:id="rId1"/>
   </p:sldMasterIdLst>
   <p:notesMasterIdLst>
-    <p:notesMasterId r:id="rId8"/>
+    <p:notesMasterId r:id="rId9"/>
   </p:notesMasterIdLst>
   <p:sldIdLst>
     <p:sldId id="256" r:id="rId2"/>
@@ -14,6 +14,7 @@
     <p:sldId id="263" r:id="rId5"/>
     <p:sldId id="264" r:id="rId6"/>
     <p:sldId id="265" r:id="rId7"/>
+    <p:sldId id="266" r:id="rId8"/>
   </p:sldIdLst>
   <p:sldSz cx="9144000" cy="6858000" type="screen4x3"/>
   <p:notesSz cx="6858000" cy="9144000"/>
@@ -4824,7 +4825,7 @@
         </p:nvSpPr>
         <p:spPr>
           <a:xfrm>
-            <a:off x="2035651" y="3104964"/>
+            <a:off x="2015331" y="2600908"/>
             <a:ext cx="1620957" cy="523220"/>
           </a:xfrm>
           <a:prstGeom prst="rect">
@@ -4871,7 +4872,7 @@
         </p:nvSpPr>
         <p:spPr>
           <a:xfrm>
-            <a:off x="3744907" y="3104964"/>
+            <a:off x="3724587" y="2600908"/>
             <a:ext cx="1620957" cy="523220"/>
           </a:xfrm>
           <a:prstGeom prst="rect">
@@ -4918,7 +4919,7 @@
         </p:nvSpPr>
         <p:spPr>
           <a:xfrm>
-            <a:off x="5636051" y="3104964"/>
+            <a:off x="5615731" y="2600908"/>
             <a:ext cx="1620957" cy="523220"/>
           </a:xfrm>
           <a:prstGeom prst="rect">
@@ -4965,7 +4966,7 @@
         </p:nvSpPr>
         <p:spPr>
           <a:xfrm>
-            <a:off x="7508259" y="3104964"/>
+            <a:off x="7487939" y="2600908"/>
             <a:ext cx="1620957" cy="523220"/>
           </a:xfrm>
           <a:prstGeom prst="rect">
@@ -5012,7 +5013,7 @@
         </p:nvSpPr>
         <p:spPr>
           <a:xfrm>
-            <a:off x="2686470" y="1412776"/>
+            <a:off x="2666150" y="908720"/>
             <a:ext cx="319318" cy="830997"/>
           </a:xfrm>
           <a:prstGeom prst="rect">
@@ -5048,7 +5049,7 @@
         </p:nvSpPr>
         <p:spPr>
           <a:xfrm>
-            <a:off x="4293134" y="1412776"/>
+            <a:off x="4272814" y="908720"/>
             <a:ext cx="524503" cy="830997"/>
           </a:xfrm>
           <a:prstGeom prst="rect">
@@ -5084,7 +5085,7 @@
         </p:nvSpPr>
         <p:spPr>
           <a:xfrm>
-            <a:off x="6219544" y="1412776"/>
+            <a:off x="6199224" y="908720"/>
             <a:ext cx="453970" cy="830997"/>
           </a:xfrm>
           <a:prstGeom prst="rect">
@@ -5120,7 +5121,7 @@
         </p:nvSpPr>
         <p:spPr>
           <a:xfrm>
-            <a:off x="8078928" y="1412776"/>
+            <a:off x="8058608" y="908720"/>
             <a:ext cx="479618" cy="830997"/>
           </a:xfrm>
           <a:prstGeom prst="rect">
@@ -5156,7 +5157,7 @@
         </p:nvSpPr>
         <p:spPr>
           <a:xfrm>
-            <a:off x="2603114" y="5157192"/>
+            <a:off x="2582794" y="4653136"/>
             <a:ext cx="486030" cy="830997"/>
           </a:xfrm>
           <a:prstGeom prst="rect">
@@ -5192,7 +5193,7 @@
         </p:nvSpPr>
         <p:spPr>
           <a:xfrm>
-            <a:off x="4209778" y="5157192"/>
+            <a:off x="4189458" y="4653136"/>
             <a:ext cx="691215" cy="830997"/>
           </a:xfrm>
           <a:prstGeom prst="rect">
@@ -5228,7 +5229,7 @@
         </p:nvSpPr>
         <p:spPr>
           <a:xfrm>
-            <a:off x="6168248" y="5157192"/>
+            <a:off x="6147928" y="4653136"/>
             <a:ext cx="556563" cy="830997"/>
           </a:xfrm>
           <a:prstGeom prst="rect">
@@ -5264,7 +5265,7 @@
         </p:nvSpPr>
         <p:spPr>
           <a:xfrm>
-            <a:off x="7995572" y="5157192"/>
+            <a:off x="7975252" y="4653136"/>
             <a:ext cx="492443" cy="830997"/>
           </a:xfrm>
           <a:prstGeom prst="rect">
@@ -5300,7 +5301,7 @@
         </p:nvSpPr>
         <p:spPr>
           <a:xfrm>
-            <a:off x="2035651" y="3825044"/>
+            <a:off x="2015331" y="3320988"/>
             <a:ext cx="1620957" cy="523220"/>
           </a:xfrm>
           <a:prstGeom prst="rect">
@@ -5346,7 +5347,7 @@
         </p:nvSpPr>
         <p:spPr>
           <a:xfrm>
-            <a:off x="3744907" y="3825044"/>
+            <a:off x="3724587" y="3320988"/>
             <a:ext cx="1620957" cy="523220"/>
           </a:xfrm>
           <a:prstGeom prst="rect">
@@ -5392,7 +5393,7 @@
         </p:nvSpPr>
         <p:spPr>
           <a:xfrm>
-            <a:off x="5636051" y="3825044"/>
+            <a:off x="5615731" y="3320988"/>
             <a:ext cx="1620957" cy="523220"/>
           </a:xfrm>
           <a:prstGeom prst="rect">
@@ -5438,7 +5439,7 @@
         </p:nvSpPr>
         <p:spPr>
           <a:xfrm>
-            <a:off x="7508259" y="3825044"/>
+            <a:off x="7487939" y="3320988"/>
             <a:ext cx="1620957" cy="523220"/>
           </a:xfrm>
           <a:prstGeom prst="rect">
@@ -5484,7 +5485,7 @@
         </p:nvSpPr>
         <p:spPr>
           <a:xfrm>
-            <a:off x="105643" y="3181908"/>
+            <a:off x="85323" y="2677852"/>
             <a:ext cx="1107996" cy="369332"/>
           </a:xfrm>
           <a:prstGeom prst="rect">
@@ -5519,7 +5520,7 @@
         </p:nvSpPr>
         <p:spPr>
           <a:xfrm>
-            <a:off x="114027" y="3901988"/>
+            <a:off x="93707" y="3397932"/>
             <a:ext cx="1107996" cy="369332"/>
           </a:xfrm>
           <a:prstGeom prst="rect">
@@ -5554,7 +5555,7 @@
         </p:nvSpPr>
         <p:spPr>
           <a:xfrm>
-            <a:off x="127947" y="2425824"/>
+            <a:off x="107627" y="1921768"/>
             <a:ext cx="1415772" cy="369332"/>
           </a:xfrm>
           <a:prstGeom prst="rect">
@@ -5593,7 +5594,7 @@
         </p:nvSpPr>
         <p:spPr>
           <a:xfrm>
-            <a:off x="127947" y="4658072"/>
+            <a:off x="107627" y="4154016"/>
             <a:ext cx="1415772" cy="369332"/>
           </a:xfrm>
           <a:prstGeom prst="rect">
@@ -5632,7 +5633,7 @@
         </p:nvSpPr>
         <p:spPr>
           <a:xfrm>
-            <a:off x="2484492" y="2348880"/>
+            <a:off x="2464172" y="1844824"/>
             <a:ext cx="723275" cy="523220"/>
           </a:xfrm>
           <a:prstGeom prst="rect">
@@ -5668,7 +5669,7 @@
         </p:nvSpPr>
         <p:spPr>
           <a:xfrm>
-            <a:off x="4193748" y="2348880"/>
+            <a:off x="4173428" y="1844824"/>
             <a:ext cx="723275" cy="523220"/>
           </a:xfrm>
           <a:prstGeom prst="rect">
@@ -5704,7 +5705,7 @@
         </p:nvSpPr>
         <p:spPr>
           <a:xfrm>
-            <a:off x="6084892" y="2348880"/>
+            <a:off x="6064572" y="1844824"/>
             <a:ext cx="723275" cy="523220"/>
           </a:xfrm>
           <a:prstGeom prst="rect">
@@ -5740,7 +5741,7 @@
         </p:nvSpPr>
         <p:spPr>
           <a:xfrm>
-            <a:off x="7957100" y="2348880"/>
+            <a:off x="7936780" y="1844824"/>
             <a:ext cx="723275" cy="523220"/>
           </a:xfrm>
           <a:prstGeom prst="rect">
@@ -5776,7 +5777,7 @@
         </p:nvSpPr>
         <p:spPr>
           <a:xfrm>
-            <a:off x="2574260" y="4581128"/>
+            <a:off x="2553940" y="4077072"/>
             <a:ext cx="543739" cy="523220"/>
           </a:xfrm>
           <a:prstGeom prst="rect">
@@ -5812,7 +5813,7 @@
         </p:nvSpPr>
         <p:spPr>
           <a:xfrm>
-            <a:off x="4283516" y="4581128"/>
+            <a:off x="4263196" y="4077072"/>
             <a:ext cx="543739" cy="523220"/>
           </a:xfrm>
           <a:prstGeom prst="rect">
@@ -5848,7 +5849,7 @@
         </p:nvSpPr>
         <p:spPr>
           <a:xfrm>
-            <a:off x="6174660" y="4581128"/>
+            <a:off x="6154340" y="4077072"/>
             <a:ext cx="543739" cy="523220"/>
           </a:xfrm>
           <a:prstGeom prst="rect">
@@ -5884,7 +5885,7 @@
         </p:nvSpPr>
         <p:spPr>
           <a:xfrm>
-            <a:off x="8046868" y="4581128"/>
+            <a:off x="8026548" y="4077072"/>
             <a:ext cx="543739" cy="523220"/>
           </a:xfrm>
           <a:prstGeom prst="rect">
@@ -5920,7 +5921,7 @@
         </p:nvSpPr>
         <p:spPr>
           <a:xfrm>
-            <a:off x="137011" y="1664804"/>
+            <a:off x="116691" y="1160748"/>
             <a:ext cx="1489510" cy="369332"/>
           </a:xfrm>
           <a:prstGeom prst="rect">
@@ -5968,7 +5969,7 @@
         </p:nvSpPr>
         <p:spPr>
           <a:xfrm>
-            <a:off x="126851" y="5409220"/>
+            <a:off x="106531" y="4905164"/>
             <a:ext cx="1489510" cy="369332"/>
           </a:xfrm>
           <a:prstGeom prst="rect">
@@ -6008,10 +6009,10 @@
       </p:sp>
       <p:sp>
         <p:nvSpPr>
-          <p:cNvPr id="35" name="テキスト ボックス 34">
-            <a:extLst>
-              <a:ext uri="{FF2B5EF4-FFF2-40B4-BE49-F238E27FC236}">
-                <a16:creationId xmlns:a16="http://schemas.microsoft.com/office/drawing/2014/main" id="{4C4413DE-BF04-F045-BA5C-AF22CB6C6A8A}"/>
+          <p:cNvPr id="36" name="テキスト ボックス 35">
+            <a:extLst>
+              <a:ext uri="{FF2B5EF4-FFF2-40B4-BE49-F238E27FC236}">
+                <a16:creationId xmlns:a16="http://schemas.microsoft.com/office/drawing/2014/main" id="{A58C4C02-CA2A-B347-8E80-AF058B5B9247}"/>
               </a:ext>
             </a:extLst>
           </p:cNvPr>
@@ -6020,7 +6021,46 @@
         </p:nvSpPr>
         <p:spPr>
           <a:xfrm>
-            <a:off x="1547664" y="980728"/>
+            <a:off x="899592" y="6165304"/>
+            <a:ext cx="7417415" cy="461665"/>
+          </a:xfrm>
+          <a:prstGeom prst="rect">
+            <a:avLst/>
+          </a:prstGeom>
+          <a:noFill/>
+        </p:spPr>
+        <p:txBody>
+          <a:bodyPr wrap="none" rtlCol="0">
+            <a:spAutoFit/>
+          </a:bodyPr>
+          <a:lstStyle/>
+          <a:p>
+            <a:r>
+              <a:rPr kumimoji="1" lang="en-US" altLang="ja-JP" sz="2400"/>
+              <a:t>6</a:t>
+            </a:r>
+            <a:r>
+              <a:rPr kumimoji="1" lang="ja-JP" altLang="en-US" sz="2400"/>
+              <a:t>ビット目を反転すると大文字と小文字が入れ替わる</a:t>
+            </a:r>
+          </a:p>
+        </p:txBody>
+      </p:sp>
+      <p:sp>
+        <p:nvSpPr>
+          <p:cNvPr id="37" name="テキスト ボックス 36">
+            <a:extLst>
+              <a:ext uri="{FF2B5EF4-FFF2-40B4-BE49-F238E27FC236}">
+                <a16:creationId xmlns:a16="http://schemas.microsoft.com/office/drawing/2014/main" id="{03B690D7-1DD4-144A-93AE-F61079C00BB0}"/>
+              </a:ext>
+            </a:extLst>
+          </p:cNvPr>
+          <p:cNvSpPr txBox="1"/>
+          <p:nvPr/>
+        </p:nvSpPr>
+        <p:spPr>
+          <a:xfrm>
+            <a:off x="323528" y="5661248"/>
             <a:ext cx="6032421" cy="461665"/>
           </a:xfrm>
           <a:prstGeom prst="rect">
@@ -6048,40 +6088,55 @@
       </p:sp>
       <p:sp>
         <p:nvSpPr>
-          <p:cNvPr id="36" name="テキスト ボックス 35">
-            <a:extLst>
-              <a:ext uri="{FF2B5EF4-FFF2-40B4-BE49-F238E27FC236}">
-                <a16:creationId xmlns:a16="http://schemas.microsoft.com/office/drawing/2014/main" id="{A58C4C02-CA2A-B347-8E80-AF058B5B9247}"/>
-              </a:ext>
-            </a:extLst>
-          </p:cNvPr>
-          <p:cNvSpPr txBox="1"/>
-          <p:nvPr/>
-        </p:nvSpPr>
-        <p:spPr>
-          <a:xfrm>
-            <a:off x="683568" y="6165304"/>
-            <a:ext cx="7417415" cy="461665"/>
-          </a:xfrm>
-          <a:prstGeom prst="rect">
-            <a:avLst/>
-          </a:prstGeom>
-          <a:noFill/>
-        </p:spPr>
-        <p:txBody>
-          <a:bodyPr wrap="none" rtlCol="0">
-            <a:spAutoFit/>
-          </a:bodyPr>
-          <a:lstStyle/>
-          <a:p>
-            <a:r>
-              <a:rPr kumimoji="1" lang="en-US" altLang="ja-JP" sz="2400"/>
-              <a:t>6</a:t>
-            </a:r>
-            <a:r>
-              <a:rPr kumimoji="1" lang="ja-JP" altLang="en-US" sz="2400"/>
-              <a:t>ビット目を反転すると大文字ー小文字が入れ替わる</a:t>
-            </a:r>
+          <p:cNvPr id="38" name="右矢印 37">
+            <a:extLst>
+              <a:ext uri="{FF2B5EF4-FFF2-40B4-BE49-F238E27FC236}">
+                <a16:creationId xmlns:a16="http://schemas.microsoft.com/office/drawing/2014/main" id="{CB411A00-EB4E-CF40-96A5-D94D377E3AF2}"/>
+              </a:ext>
+            </a:extLst>
+          </p:cNvPr>
+          <p:cNvSpPr/>
+          <p:nvPr/>
+        </p:nvSpPr>
+        <p:spPr>
+          <a:xfrm>
+            <a:off x="467544" y="6237312"/>
+            <a:ext cx="403139" cy="319152"/>
+          </a:xfrm>
+          <a:prstGeom prst="rightArrow">
+            <a:avLst/>
+          </a:prstGeom>
+          <a:solidFill>
+            <a:srgbClr val="FF0000"/>
+          </a:solidFill>
+          <a:ln>
+            <a:solidFill>
+              <a:schemeClr val="tx1"/>
+            </a:solidFill>
+          </a:ln>
+        </p:spPr>
+        <p:style>
+          <a:lnRef idx="2">
+            <a:schemeClr val="accent1">
+              <a:shade val="50000"/>
+            </a:schemeClr>
+          </a:lnRef>
+          <a:fillRef idx="1">
+            <a:schemeClr val="accent1"/>
+          </a:fillRef>
+          <a:effectRef idx="0">
+            <a:schemeClr val="accent1"/>
+          </a:effectRef>
+          <a:fontRef idx="minor">
+            <a:schemeClr val="lt1"/>
+          </a:fontRef>
+        </p:style>
+        <p:txBody>
+          <a:bodyPr rtlCol="0" anchor="ctr"/>
+          <a:lstStyle/>
+          <a:p>
+            <a:pPr algn="ctr"/>
+            <a:endParaRPr kumimoji="1" lang="ja-JP" altLang="en-US"/>
           </a:p>
         </p:txBody>
       </p:sp>
@@ -6089,6 +6144,450 @@
     <p:extLst>
       <p:ext uri="{BB962C8B-B14F-4D97-AF65-F5344CB8AC3E}">
         <p14:creationId xmlns:p14="http://schemas.microsoft.com/office/powerpoint/2010/main" val="1712252368"/>
+      </p:ext>
+    </p:extLst>
+  </p:cSld>
+  <p:clrMapOvr>
+    <a:masterClrMapping/>
+  </p:clrMapOvr>
+</p:sld>
+</file>
+
+<file path=ppt/slides/slide7.xml><?xml version="1.0" encoding="utf-8"?>
+<p:sld xmlns:a="http://schemas.openxmlformats.org/drawingml/2006/main" xmlns:r="http://schemas.openxmlformats.org/officeDocument/2006/relationships" xmlns:p="http://schemas.openxmlformats.org/presentationml/2006/main">
+  <p:cSld>
+    <p:spTree>
+      <p:nvGrpSpPr>
+        <p:cNvPr id="1" name=""/>
+        <p:cNvGrpSpPr/>
+        <p:nvPr/>
+      </p:nvGrpSpPr>
+      <p:grpSpPr>
+        <a:xfrm>
+          <a:off x="0" y="0"/>
+          <a:ext cx="0" cy="0"/>
+          <a:chOff x="0" y="0"/>
+          <a:chExt cx="0" cy="0"/>
+        </a:xfrm>
+      </p:grpSpPr>
+      <p:sp>
+        <p:nvSpPr>
+          <p:cNvPr id="2" name="テキスト プレースホルダー 1">
+            <a:extLst>
+              <a:ext uri="{FF2B5EF4-FFF2-40B4-BE49-F238E27FC236}">
+                <a16:creationId xmlns:a16="http://schemas.microsoft.com/office/drawing/2014/main" id="{306DB843-5DA2-FB45-86A7-DD216AE1B87B}"/>
+              </a:ext>
+            </a:extLst>
+          </p:cNvPr>
+          <p:cNvSpPr>
+            <a:spLocks noGrp="1"/>
+          </p:cNvSpPr>
+          <p:nvPr>
+            <p:ph type="body" sz="quarter" idx="10"/>
+          </p:nvPr>
+        </p:nvSpPr>
+        <p:spPr/>
+        <p:txBody>
+          <a:bodyPr/>
+          <a:lstStyle/>
+          <a:p>
+            <a:r>
+              <a:rPr kumimoji="1" lang="ja-JP" altLang="en-US"/>
+              <a:t>日本語の文字コード</a:t>
+            </a:r>
+          </a:p>
+        </p:txBody>
+      </p:sp>
+      <p:sp>
+        <p:nvSpPr>
+          <p:cNvPr id="4" name="テキスト ボックス 3">
+            <a:extLst>
+              <a:ext uri="{FF2B5EF4-FFF2-40B4-BE49-F238E27FC236}">
+                <a16:creationId xmlns:a16="http://schemas.microsoft.com/office/drawing/2014/main" id="{D5228B57-14CA-F14E-93DA-4C661D99A8FC}"/>
+              </a:ext>
+            </a:extLst>
+          </p:cNvPr>
+          <p:cNvSpPr txBox="1"/>
+          <p:nvPr/>
+        </p:nvSpPr>
+        <p:spPr>
+          <a:xfrm>
+            <a:off x="755576" y="1196752"/>
+            <a:ext cx="6030818" cy="523220"/>
+          </a:xfrm>
+          <a:prstGeom prst="rect">
+            <a:avLst/>
+          </a:prstGeom>
+          <a:noFill/>
+        </p:spPr>
+        <p:txBody>
+          <a:bodyPr wrap="none" rtlCol="0">
+            <a:spAutoFit/>
+          </a:bodyPr>
+          <a:lstStyle/>
+          <a:p>
+            <a:r>
+              <a:rPr kumimoji="1" lang="ja-JP" altLang="en-US" sz="2800"/>
+              <a:t>英語は大文字</a:t>
+            </a:r>
+            <a:r>
+              <a:rPr kumimoji="1" lang="en-US" altLang="ja-JP" sz="2800"/>
+              <a:t>/</a:t>
+            </a:r>
+            <a:r>
+              <a:rPr kumimoji="1" lang="ja-JP" altLang="en-US" sz="2800"/>
+              <a:t>小文字合わせて</a:t>
+            </a:r>
+            <a:r>
+              <a:rPr kumimoji="1" lang="en-US" altLang="ja-JP" sz="2800"/>
+              <a:t>52</a:t>
+            </a:r>
+            <a:r>
+              <a:rPr kumimoji="1" lang="ja-JP" altLang="en-US" sz="2800"/>
+              <a:t>種類</a:t>
+            </a:r>
+          </a:p>
+        </p:txBody>
+      </p:sp>
+      <p:sp>
+        <p:nvSpPr>
+          <p:cNvPr id="5" name="テキスト ボックス 4">
+            <a:extLst>
+              <a:ext uri="{FF2B5EF4-FFF2-40B4-BE49-F238E27FC236}">
+                <a16:creationId xmlns:a16="http://schemas.microsoft.com/office/drawing/2014/main" id="{2222762D-C8CE-914A-AD75-0D0881B3E491}"/>
+              </a:ext>
+            </a:extLst>
+          </p:cNvPr>
+          <p:cNvSpPr txBox="1"/>
+          <p:nvPr/>
+        </p:nvSpPr>
+        <p:spPr>
+          <a:xfrm>
+            <a:off x="755576" y="2852936"/>
+            <a:ext cx="1723549" cy="461665"/>
+          </a:xfrm>
+          <a:prstGeom prst="rect">
+            <a:avLst/>
+          </a:prstGeom>
+          <a:noFill/>
+        </p:spPr>
+        <p:txBody>
+          <a:bodyPr wrap="none" rtlCol="0">
+            <a:spAutoFit/>
+          </a:bodyPr>
+          <a:lstStyle/>
+          <a:p>
+            <a:r>
+              <a:rPr kumimoji="1" lang="ja-JP" altLang="en-US" sz="2400"/>
+              <a:t>日本語は？</a:t>
+            </a:r>
+          </a:p>
+        </p:txBody>
+      </p:sp>
+      <p:sp>
+        <p:nvSpPr>
+          <p:cNvPr id="6" name="正方形/長方形 5">
+            <a:extLst>
+              <a:ext uri="{FF2B5EF4-FFF2-40B4-BE49-F238E27FC236}">
+                <a16:creationId xmlns:a16="http://schemas.microsoft.com/office/drawing/2014/main" id="{6B815A22-B41A-5742-B7FE-7E1FC0E325D8}"/>
+              </a:ext>
+            </a:extLst>
+          </p:cNvPr>
+          <p:cNvSpPr/>
+          <p:nvPr/>
+        </p:nvSpPr>
+        <p:spPr>
+          <a:xfrm>
+            <a:off x="1691680" y="1772816"/>
+            <a:ext cx="5750292" cy="523220"/>
+          </a:xfrm>
+          <a:prstGeom prst="rect">
+            <a:avLst/>
+          </a:prstGeom>
+        </p:spPr>
+        <p:txBody>
+          <a:bodyPr wrap="none">
+            <a:spAutoFit/>
+          </a:bodyPr>
+          <a:lstStyle/>
+          <a:p>
+            <a:r>
+              <a:rPr lang="ja-JP" altLang="en-US" sz="2800"/>
+              <a:t>数字記号含めて</a:t>
+            </a:r>
+            <a:r>
+              <a:rPr lang="en-US" altLang="ja-JP" sz="2800"/>
+              <a:t>1</a:t>
+            </a:r>
+            <a:r>
+              <a:rPr lang="ja-JP" altLang="en-US" sz="2800"/>
+              <a:t>バイトで表現可能</a:t>
+            </a:r>
+          </a:p>
+        </p:txBody>
+      </p:sp>
+      <p:sp>
+        <p:nvSpPr>
+          <p:cNvPr id="7" name="右矢印 6">
+            <a:extLst>
+              <a:ext uri="{FF2B5EF4-FFF2-40B4-BE49-F238E27FC236}">
+                <a16:creationId xmlns:a16="http://schemas.microsoft.com/office/drawing/2014/main" id="{0DE55324-32AE-D74A-9946-41AE1D7EAA8E}"/>
+              </a:ext>
+            </a:extLst>
+          </p:cNvPr>
+          <p:cNvSpPr/>
+          <p:nvPr/>
+        </p:nvSpPr>
+        <p:spPr>
+          <a:xfrm>
+            <a:off x="1115616" y="1844824"/>
+            <a:ext cx="504056" cy="399044"/>
+          </a:xfrm>
+          <a:prstGeom prst="rightArrow">
+            <a:avLst/>
+          </a:prstGeom>
+          <a:solidFill>
+            <a:srgbClr val="FF0000"/>
+          </a:solidFill>
+          <a:ln>
+            <a:solidFill>
+              <a:schemeClr val="tx1"/>
+            </a:solidFill>
+          </a:ln>
+        </p:spPr>
+        <p:style>
+          <a:lnRef idx="2">
+            <a:schemeClr val="accent1">
+              <a:shade val="50000"/>
+            </a:schemeClr>
+          </a:lnRef>
+          <a:fillRef idx="1">
+            <a:schemeClr val="accent1"/>
+          </a:fillRef>
+          <a:effectRef idx="0">
+            <a:schemeClr val="accent1"/>
+          </a:effectRef>
+          <a:fontRef idx="minor">
+            <a:schemeClr val="lt1"/>
+          </a:fontRef>
+        </p:style>
+        <p:txBody>
+          <a:bodyPr rtlCol="0" anchor="ctr"/>
+          <a:lstStyle/>
+          <a:p>
+            <a:pPr algn="ctr"/>
+            <a:endParaRPr kumimoji="1" lang="ja-JP" altLang="en-US"/>
+          </a:p>
+        </p:txBody>
+      </p:sp>
+      <p:sp>
+        <p:nvSpPr>
+          <p:cNvPr id="9" name="テキスト ボックス 8">
+            <a:extLst>
+              <a:ext uri="{FF2B5EF4-FFF2-40B4-BE49-F238E27FC236}">
+                <a16:creationId xmlns:a16="http://schemas.microsoft.com/office/drawing/2014/main" id="{22AD9B1C-018D-B44E-974E-485B9914C206}"/>
+              </a:ext>
+            </a:extLst>
+          </p:cNvPr>
+          <p:cNvSpPr txBox="1"/>
+          <p:nvPr/>
+        </p:nvSpPr>
+        <p:spPr>
+          <a:xfrm>
+            <a:off x="2555776" y="2852936"/>
+            <a:ext cx="2605200" cy="461665"/>
+          </a:xfrm>
+          <a:prstGeom prst="rect">
+            <a:avLst/>
+          </a:prstGeom>
+          <a:noFill/>
+        </p:spPr>
+        <p:txBody>
+          <a:bodyPr wrap="none" rtlCol="0">
+            <a:spAutoFit/>
+          </a:bodyPr>
+          <a:lstStyle/>
+          <a:p>
+            <a:r>
+              <a:rPr kumimoji="1" lang="en-US" altLang="ja-JP" sz="2400"/>
+              <a:t>(JIS X 0208</a:t>
+            </a:r>
+            <a:r>
+              <a:rPr lang="ja-JP" altLang="en-US" sz="2400"/>
+              <a:t>の</a:t>
+            </a:r>
+            <a:r>
+              <a:rPr kumimoji="1" lang="ja-JP" altLang="en-US" sz="2400"/>
+              <a:t>規定</a:t>
+            </a:r>
+            <a:r>
+              <a:rPr kumimoji="1" lang="en-US" altLang="ja-JP" sz="2400"/>
+              <a:t>)</a:t>
+            </a:r>
+            <a:endParaRPr kumimoji="1" lang="ja-JP" altLang="en-US" sz="2400"/>
+          </a:p>
+        </p:txBody>
+      </p:sp>
+      <p:sp>
+        <p:nvSpPr>
+          <p:cNvPr id="10" name="テキスト ボックス 9">
+            <a:extLst>
+              <a:ext uri="{FF2B5EF4-FFF2-40B4-BE49-F238E27FC236}">
+                <a16:creationId xmlns:a16="http://schemas.microsoft.com/office/drawing/2014/main" id="{A4C972F3-EF81-4E4E-B47D-CFB58379FA12}"/>
+              </a:ext>
+            </a:extLst>
+          </p:cNvPr>
+          <p:cNvSpPr txBox="1"/>
+          <p:nvPr/>
+        </p:nvSpPr>
+        <p:spPr>
+          <a:xfrm>
+            <a:off x="1187624" y="3501008"/>
+            <a:ext cx="2646878" cy="461665"/>
+          </a:xfrm>
+          <a:prstGeom prst="rect">
+            <a:avLst/>
+          </a:prstGeom>
+          <a:noFill/>
+        </p:spPr>
+        <p:txBody>
+          <a:bodyPr wrap="none" rtlCol="0">
+            <a:spAutoFit/>
+          </a:bodyPr>
+          <a:lstStyle/>
+          <a:p>
+            <a:r>
+              <a:rPr lang="ja-JP" altLang="en-US" sz="2400"/>
+              <a:t>ひらがな：</a:t>
+            </a:r>
+            <a:r>
+              <a:rPr lang="en-US" altLang="ja-JP" sz="2400"/>
+              <a:t>83</a:t>
+            </a:r>
+            <a:r>
+              <a:rPr lang="ja-JP" altLang="en-US" sz="2400"/>
+              <a:t>文字</a:t>
+            </a:r>
+            <a:endParaRPr kumimoji="1" lang="ja-JP" altLang="en-US" sz="2400"/>
+          </a:p>
+        </p:txBody>
+      </p:sp>
+      <p:sp>
+        <p:nvSpPr>
+          <p:cNvPr id="11" name="テキスト ボックス 10">
+            <a:extLst>
+              <a:ext uri="{FF2B5EF4-FFF2-40B4-BE49-F238E27FC236}">
+                <a16:creationId xmlns:a16="http://schemas.microsoft.com/office/drawing/2014/main" id="{FD4C9B6B-0AC1-E245-9C9D-C2027B317A20}"/>
+              </a:ext>
+            </a:extLst>
+          </p:cNvPr>
+          <p:cNvSpPr txBox="1"/>
+          <p:nvPr/>
+        </p:nvSpPr>
+        <p:spPr>
+          <a:xfrm>
+            <a:off x="1187624" y="3933056"/>
+            <a:ext cx="2646878" cy="461665"/>
+          </a:xfrm>
+          <a:prstGeom prst="rect">
+            <a:avLst/>
+          </a:prstGeom>
+          <a:noFill/>
+        </p:spPr>
+        <p:txBody>
+          <a:bodyPr wrap="none" rtlCol="0">
+            <a:spAutoFit/>
+          </a:bodyPr>
+          <a:lstStyle/>
+          <a:p>
+            <a:r>
+              <a:rPr lang="ja-JP" altLang="en-US" sz="2400"/>
+              <a:t>カタカナ：</a:t>
+            </a:r>
+            <a:r>
+              <a:rPr lang="en-US" altLang="ja-JP" sz="2400"/>
+              <a:t>86</a:t>
+            </a:r>
+            <a:r>
+              <a:rPr lang="ja-JP" altLang="en-US" sz="2400"/>
+              <a:t>文字</a:t>
+            </a:r>
+            <a:endParaRPr kumimoji="1" lang="ja-JP" altLang="en-US" sz="2400"/>
+          </a:p>
+        </p:txBody>
+      </p:sp>
+      <p:sp>
+        <p:nvSpPr>
+          <p:cNvPr id="12" name="テキスト ボックス 11">
+            <a:extLst>
+              <a:ext uri="{FF2B5EF4-FFF2-40B4-BE49-F238E27FC236}">
+                <a16:creationId xmlns:a16="http://schemas.microsoft.com/office/drawing/2014/main" id="{6D92511D-8856-6A4E-A623-794208C90AFF}"/>
+              </a:ext>
+            </a:extLst>
+          </p:cNvPr>
+          <p:cNvSpPr txBox="1"/>
+          <p:nvPr/>
+        </p:nvSpPr>
+        <p:spPr>
+          <a:xfrm>
+            <a:off x="1187624" y="4437112"/>
+            <a:ext cx="4766048" cy="461665"/>
+          </a:xfrm>
+          <a:prstGeom prst="rect">
+            <a:avLst/>
+          </a:prstGeom>
+          <a:noFill/>
+        </p:spPr>
+        <p:txBody>
+          <a:bodyPr wrap="none" rtlCol="0">
+            <a:spAutoFit/>
+          </a:bodyPr>
+          <a:lstStyle/>
+          <a:p>
+            <a:r>
+              <a:rPr lang="ja-JP" altLang="en-US" sz="2400"/>
+              <a:t>漢字</a:t>
+            </a:r>
+            <a:r>
+              <a:rPr lang="en-US" altLang="ja-JP" sz="2400"/>
+              <a:t>(JIS</a:t>
+            </a:r>
+            <a:r>
+              <a:rPr lang="ja-JP" altLang="en-US" sz="2400"/>
+              <a:t>第一</a:t>
+            </a:r>
+            <a:r>
+              <a:rPr lang="en-US" altLang="ja-JP" sz="2400"/>
+              <a:t>/</a:t>
+            </a:r>
+            <a:r>
+              <a:rPr lang="ja-JP" altLang="en-US" sz="2400"/>
+              <a:t>第二水準</a:t>
+            </a:r>
+            <a:r>
+              <a:rPr lang="en-US" altLang="ja-JP" sz="2400"/>
+              <a:t>)</a:t>
+            </a:r>
+            <a:r>
+              <a:rPr lang="ja-JP" altLang="en-US" sz="2400"/>
+              <a:t>：</a:t>
+            </a:r>
+            <a:r>
+              <a:rPr lang="en-US" altLang="ja-JP" sz="2400"/>
+              <a:t>6355</a:t>
+            </a:r>
+            <a:r>
+              <a:rPr lang="ja-JP" altLang="en-US" sz="2400"/>
+              <a:t>文字</a:t>
+            </a:r>
+            <a:endParaRPr kumimoji="1" lang="ja-JP" altLang="en-US" sz="2400"/>
+          </a:p>
+        </p:txBody>
+      </p:sp>
+    </p:spTree>
+    <p:extLst>
+      <p:ext uri="{BB962C8B-B14F-4D97-AF65-F5344CB8AC3E}">
+        <p14:creationId xmlns:p14="http://schemas.microsoft.com/office/powerpoint/2010/main" val="3609268177"/>
       </p:ext>
     </p:extLst>
   </p:cSld>

--- a/string/fig/slide.pptx
+++ b/string/fig/slide.pptx
@@ -5,7 +5,7 @@
     <p:sldMasterId id="2147483663" r:id="rId1"/>
   </p:sldMasterIdLst>
   <p:notesMasterIdLst>
-    <p:notesMasterId r:id="rId9"/>
+    <p:notesMasterId r:id="rId17"/>
   </p:notesMasterIdLst>
   <p:sldIdLst>
     <p:sldId id="256" r:id="rId2"/>
@@ -15,6 +15,14 @@
     <p:sldId id="264" r:id="rId6"/>
     <p:sldId id="265" r:id="rId7"/>
     <p:sldId id="266" r:id="rId8"/>
+    <p:sldId id="267" r:id="rId9"/>
+    <p:sldId id="268" r:id="rId10"/>
+    <p:sldId id="269" r:id="rId11"/>
+    <p:sldId id="271" r:id="rId12"/>
+    <p:sldId id="270" r:id="rId13"/>
+    <p:sldId id="272" r:id="rId14"/>
+    <p:sldId id="273" r:id="rId15"/>
+    <p:sldId id="274" r:id="rId16"/>
   </p:sldIdLst>
   <p:sldSz cx="9144000" cy="6858000" type="screen4x3"/>
   <p:notesSz cx="6858000" cy="9144000"/>
@@ -213,7 +221,7 @@
           </a:lstStyle>
           <a:p>
             <a:fld id="{6B8D1B20-A248-FB47-8240-73C0C5F47C9D}" type="datetimeFigureOut">
-              <a:t>2019/10/18</a:t>
+              <a:t>2019/10/23</a:t>
             </a:fld>
             <a:endParaRPr kumimoji="1" lang="ja-JP" altLang="en-US"/>
           </a:p>
@@ -1311,6 +1319,3937 @@
     <p:extLst>
       <p:ext uri="{BB962C8B-B14F-4D97-AF65-F5344CB8AC3E}">
         <p14:creationId xmlns:p14="http://schemas.microsoft.com/office/powerpoint/2010/main" val="4079533921"/>
+      </p:ext>
+    </p:extLst>
+  </p:cSld>
+  <p:clrMapOvr>
+    <a:masterClrMapping/>
+  </p:clrMapOvr>
+</p:sld>
+</file>
+
+<file path=ppt/slides/slide10.xml><?xml version="1.0" encoding="utf-8"?>
+<p:sld xmlns:a="http://schemas.openxmlformats.org/drawingml/2006/main" xmlns:r="http://schemas.openxmlformats.org/officeDocument/2006/relationships" xmlns:p="http://schemas.openxmlformats.org/presentationml/2006/main">
+  <p:cSld>
+    <p:spTree>
+      <p:nvGrpSpPr>
+        <p:cNvPr id="1" name=""/>
+        <p:cNvGrpSpPr/>
+        <p:nvPr/>
+      </p:nvGrpSpPr>
+      <p:grpSpPr>
+        <a:xfrm>
+          <a:off x="0" y="0"/>
+          <a:ext cx="0" cy="0"/>
+          <a:chOff x="0" y="0"/>
+          <a:chExt cx="0" cy="0"/>
+        </a:xfrm>
+      </p:grpSpPr>
+      <p:sp>
+        <p:nvSpPr>
+          <p:cNvPr id="2" name="テキスト プレースホルダー 1">
+            <a:extLst>
+              <a:ext uri="{FF2B5EF4-FFF2-40B4-BE49-F238E27FC236}">
+                <a16:creationId xmlns:a16="http://schemas.microsoft.com/office/drawing/2014/main" id="{0AE843EE-EFC4-574C-8418-83E484659D65}"/>
+              </a:ext>
+            </a:extLst>
+          </p:cNvPr>
+          <p:cNvSpPr>
+            <a:spLocks noGrp="1"/>
+          </p:cNvSpPr>
+          <p:nvPr>
+            <p:ph type="body" sz="quarter" idx="10"/>
+          </p:nvPr>
+        </p:nvSpPr>
+        <p:spPr/>
+        <p:txBody>
+          <a:bodyPr/>
+          <a:lstStyle/>
+          <a:p>
+            <a:r>
+              <a:rPr kumimoji="1" lang="en-US" altLang="ja-JP"/>
+              <a:t>5C</a:t>
+            </a:r>
+            <a:r>
+              <a:rPr kumimoji="1" lang="ja-JP" altLang="en-US"/>
+              <a:t>問題</a:t>
+            </a:r>
+          </a:p>
+        </p:txBody>
+      </p:sp>
+      <p:sp>
+        <p:nvSpPr>
+          <p:cNvPr id="4" name="テキスト ボックス 3">
+            <a:extLst>
+              <a:ext uri="{FF2B5EF4-FFF2-40B4-BE49-F238E27FC236}">
+                <a16:creationId xmlns:a16="http://schemas.microsoft.com/office/drawing/2014/main" id="{6F8A27DB-CD84-FD45-8EEC-378F664462AB}"/>
+              </a:ext>
+            </a:extLst>
+          </p:cNvPr>
+          <p:cNvSpPr txBox="1"/>
+          <p:nvPr/>
+        </p:nvSpPr>
+        <p:spPr>
+          <a:xfrm>
+            <a:off x="2339752" y="980728"/>
+            <a:ext cx="4455066" cy="523220"/>
+          </a:xfrm>
+          <a:prstGeom prst="rect">
+            <a:avLst/>
+          </a:prstGeom>
+          <a:noFill/>
+        </p:spPr>
+        <p:txBody>
+          <a:bodyPr wrap="none" rtlCol="0">
+            <a:spAutoFit/>
+          </a:bodyPr>
+          <a:lstStyle/>
+          <a:p>
+            <a:r>
+              <a:rPr kumimoji="1" lang="ja-JP" altLang="en-US" sz="2800"/>
+              <a:t>「表</a:t>
+            </a:r>
+            <a:r>
+              <a:rPr kumimoji="1" lang="en-US" altLang="ja-JP" sz="2800"/>
+              <a:t>1</a:t>
+            </a:r>
+            <a:r>
+              <a:rPr kumimoji="1" lang="ja-JP" altLang="en-US" sz="2800"/>
+              <a:t>」という文字列を</a:t>
+            </a:r>
+            <a:r>
+              <a:rPr kumimoji="1" lang="en-US" altLang="ja-JP" sz="2800"/>
+              <a:t>……</a:t>
+            </a:r>
+            <a:endParaRPr kumimoji="1" lang="ja-JP" altLang="en-US" sz="2800"/>
+          </a:p>
+        </p:txBody>
+      </p:sp>
+      <p:sp>
+        <p:nvSpPr>
+          <p:cNvPr id="5" name="テキスト ボックス 4">
+            <a:extLst>
+              <a:ext uri="{FF2B5EF4-FFF2-40B4-BE49-F238E27FC236}">
+                <a16:creationId xmlns:a16="http://schemas.microsoft.com/office/drawing/2014/main" id="{8F9AD8C9-F6BB-AB45-864F-1E4D883E89C4}"/>
+              </a:ext>
+            </a:extLst>
+          </p:cNvPr>
+          <p:cNvSpPr txBox="1"/>
+          <p:nvPr/>
+        </p:nvSpPr>
+        <p:spPr>
+          <a:xfrm>
+            <a:off x="329248" y="2162448"/>
+            <a:ext cx="1806905" cy="369332"/>
+          </a:xfrm>
+          <a:prstGeom prst="rect">
+            <a:avLst/>
+          </a:prstGeom>
+          <a:noFill/>
+          <a:ln>
+            <a:solidFill>
+              <a:schemeClr val="tx1"/>
+            </a:solidFill>
+          </a:ln>
+        </p:spPr>
+        <p:txBody>
+          <a:bodyPr wrap="none" rtlCol="0">
+            <a:spAutoFit/>
+          </a:bodyPr>
+          <a:lstStyle/>
+          <a:p>
+            <a:r>
+              <a:rPr kumimoji="1" lang="ja-JP" altLang="en-US"/>
+              <a:t>シフト</a:t>
+            </a:r>
+            <a:r>
+              <a:rPr kumimoji="1" lang="en-US" altLang="ja-JP"/>
+              <a:t>JIS</a:t>
+            </a:r>
+            <a:r>
+              <a:rPr kumimoji="1" lang="ja-JP" altLang="en-US"/>
+              <a:t>で表す</a:t>
+            </a:r>
+          </a:p>
+        </p:txBody>
+      </p:sp>
+      <p:sp>
+        <p:nvSpPr>
+          <p:cNvPr id="6" name="テキスト ボックス 5">
+            <a:extLst>
+              <a:ext uri="{FF2B5EF4-FFF2-40B4-BE49-F238E27FC236}">
+                <a16:creationId xmlns:a16="http://schemas.microsoft.com/office/drawing/2014/main" id="{3A707B51-B71E-B949-9DF7-FD95344E2367}"/>
+              </a:ext>
+            </a:extLst>
+          </p:cNvPr>
+          <p:cNvSpPr txBox="1"/>
+          <p:nvPr/>
+        </p:nvSpPr>
+        <p:spPr>
+          <a:xfrm>
+            <a:off x="3353584" y="2162448"/>
+            <a:ext cx="1523174" cy="369332"/>
+          </a:xfrm>
+          <a:prstGeom prst="rect">
+            <a:avLst/>
+          </a:prstGeom>
+          <a:noFill/>
+          <a:ln>
+            <a:solidFill>
+              <a:schemeClr val="tx1"/>
+            </a:solidFill>
+          </a:ln>
+        </p:spPr>
+        <p:txBody>
+          <a:bodyPr wrap="none" rtlCol="0">
+            <a:spAutoFit/>
+          </a:bodyPr>
+          <a:lstStyle/>
+          <a:p>
+            <a:r>
+              <a:rPr kumimoji="1" lang="en-US" altLang="ja-JP"/>
+              <a:t>EUC-JP</a:t>
+            </a:r>
+            <a:r>
+              <a:rPr kumimoji="1" lang="ja-JP" altLang="en-US"/>
+              <a:t>で表す</a:t>
+            </a:r>
+          </a:p>
+        </p:txBody>
+      </p:sp>
+      <p:sp>
+        <p:nvSpPr>
+          <p:cNvPr id="7" name="テキスト ボックス 6">
+            <a:extLst>
+              <a:ext uri="{FF2B5EF4-FFF2-40B4-BE49-F238E27FC236}">
+                <a16:creationId xmlns:a16="http://schemas.microsoft.com/office/drawing/2014/main" id="{9D83ED5A-C5A9-F349-A224-48F5F6EC6547}"/>
+              </a:ext>
+            </a:extLst>
+          </p:cNvPr>
+          <p:cNvSpPr txBox="1"/>
+          <p:nvPr/>
+        </p:nvSpPr>
+        <p:spPr>
+          <a:xfrm>
+            <a:off x="5990168" y="2141240"/>
+            <a:ext cx="1806905" cy="369332"/>
+          </a:xfrm>
+          <a:prstGeom prst="rect">
+            <a:avLst/>
+          </a:prstGeom>
+          <a:noFill/>
+          <a:ln>
+            <a:solidFill>
+              <a:schemeClr val="tx1"/>
+            </a:solidFill>
+          </a:ln>
+        </p:spPr>
+        <p:txBody>
+          <a:bodyPr wrap="none" rtlCol="0">
+            <a:spAutoFit/>
+          </a:bodyPr>
+          <a:lstStyle/>
+          <a:p>
+            <a:r>
+              <a:rPr lang="en-US" altLang="ja-JP"/>
+              <a:t>JIS</a:t>
+            </a:r>
+            <a:r>
+              <a:rPr lang="ja-JP" altLang="en-US"/>
+              <a:t>コードで表す</a:t>
+            </a:r>
+          </a:p>
+        </p:txBody>
+      </p:sp>
+      <p:sp>
+        <p:nvSpPr>
+          <p:cNvPr id="8" name="正方形/長方形 7">
+            <a:extLst>
+              <a:ext uri="{FF2B5EF4-FFF2-40B4-BE49-F238E27FC236}">
+                <a16:creationId xmlns:a16="http://schemas.microsoft.com/office/drawing/2014/main" id="{86C06C96-2D2B-B040-9E32-EF5D069C2CA7}"/>
+              </a:ext>
+            </a:extLst>
+          </p:cNvPr>
+          <p:cNvSpPr/>
+          <p:nvPr/>
+        </p:nvSpPr>
+        <p:spPr>
+          <a:xfrm>
+            <a:off x="5990952" y="2578452"/>
+            <a:ext cx="1925960" cy="2585323"/>
+          </a:xfrm>
+          <a:prstGeom prst="rect">
+            <a:avLst/>
+          </a:prstGeom>
+        </p:spPr>
+        <p:txBody>
+          <a:bodyPr wrap="square">
+            <a:spAutoFit/>
+          </a:bodyPr>
+          <a:lstStyle/>
+          <a:p>
+            <a:r>
+              <a:rPr lang="en" altLang="ja-JP">
+                <a:effectLst/>
+                <a:latin typeface="Monaco" pitchFamily="2" charset="0"/>
+              </a:rPr>
+              <a:t>1b:00011011</a:t>
+            </a:r>
+          </a:p>
+          <a:p>
+            <a:r>
+              <a:rPr lang="en" altLang="ja-JP">
+                <a:effectLst/>
+                <a:latin typeface="Monaco" pitchFamily="2" charset="0"/>
+              </a:rPr>
+              <a:t>24:00100100</a:t>
+            </a:r>
+          </a:p>
+          <a:p>
+            <a:r>
+              <a:rPr lang="en" altLang="ja-JP">
+                <a:effectLst/>
+                <a:latin typeface="Monaco" pitchFamily="2" charset="0"/>
+              </a:rPr>
+              <a:t>42:01000010</a:t>
+            </a:r>
+          </a:p>
+          <a:p>
+            <a:r>
+              <a:rPr lang="en" altLang="ja-JP">
+                <a:effectLst/>
+                <a:latin typeface="Monaco" pitchFamily="2" charset="0"/>
+              </a:rPr>
+              <a:t>49:01001001</a:t>
+            </a:r>
+          </a:p>
+          <a:p>
+            <a:r>
+              <a:rPr lang="en" altLang="ja-JP">
+                <a:effectLst/>
+                <a:latin typeface="Monaco" pitchFamily="2" charset="0"/>
+              </a:rPr>
+              <a:t>3d:00111101</a:t>
+            </a:r>
+          </a:p>
+          <a:p>
+            <a:r>
+              <a:rPr lang="en" altLang="ja-JP">
+                <a:effectLst/>
+                <a:latin typeface="Monaco" pitchFamily="2" charset="0"/>
+              </a:rPr>
+              <a:t>1b:00011011</a:t>
+            </a:r>
+          </a:p>
+          <a:p>
+            <a:r>
+              <a:rPr lang="en" altLang="ja-JP">
+                <a:effectLst/>
+                <a:latin typeface="Monaco" pitchFamily="2" charset="0"/>
+              </a:rPr>
+              <a:t>28:00101000</a:t>
+            </a:r>
+          </a:p>
+          <a:p>
+            <a:r>
+              <a:rPr lang="en" altLang="ja-JP">
+                <a:effectLst/>
+                <a:latin typeface="Monaco" pitchFamily="2" charset="0"/>
+              </a:rPr>
+              <a:t>42:01000010</a:t>
+            </a:r>
+          </a:p>
+          <a:p>
+            <a:r>
+              <a:rPr lang="en" altLang="ja-JP">
+                <a:effectLst/>
+                <a:latin typeface="Monaco" pitchFamily="2" charset="0"/>
+              </a:rPr>
+              <a:t>31:00110001</a:t>
+            </a:r>
+          </a:p>
+        </p:txBody>
+      </p:sp>
+      <p:sp>
+        <p:nvSpPr>
+          <p:cNvPr id="9" name="正方形/長方形 8">
+            <a:extLst>
+              <a:ext uri="{FF2B5EF4-FFF2-40B4-BE49-F238E27FC236}">
+                <a16:creationId xmlns:a16="http://schemas.microsoft.com/office/drawing/2014/main" id="{8AE21709-4A16-E044-BBA4-FFD4C0725E3D}"/>
+              </a:ext>
+            </a:extLst>
+          </p:cNvPr>
+          <p:cNvSpPr/>
+          <p:nvPr/>
+        </p:nvSpPr>
+        <p:spPr>
+          <a:xfrm>
+            <a:off x="401256" y="2743676"/>
+            <a:ext cx="1853952" cy="923330"/>
+          </a:xfrm>
+          <a:prstGeom prst="rect">
+            <a:avLst/>
+          </a:prstGeom>
+        </p:spPr>
+        <p:txBody>
+          <a:bodyPr wrap="square">
+            <a:spAutoFit/>
+          </a:bodyPr>
+          <a:lstStyle/>
+          <a:p>
+            <a:r>
+              <a:rPr lang="en" altLang="ja-JP">
+                <a:effectLst/>
+                <a:latin typeface="Monaco" pitchFamily="2" charset="0"/>
+              </a:rPr>
+              <a:t>95:10010101</a:t>
+            </a:r>
+          </a:p>
+          <a:p>
+            <a:r>
+              <a:rPr lang="en" altLang="ja-JP">
+                <a:effectLst/>
+                <a:latin typeface="Monaco" pitchFamily="2" charset="0"/>
+              </a:rPr>
+              <a:t>5c:01011100</a:t>
+            </a:r>
+          </a:p>
+          <a:p>
+            <a:r>
+              <a:rPr lang="en" altLang="ja-JP">
+                <a:effectLst/>
+                <a:latin typeface="Monaco" pitchFamily="2" charset="0"/>
+              </a:rPr>
+              <a:t>31:00110001</a:t>
+            </a:r>
+          </a:p>
+        </p:txBody>
+      </p:sp>
+      <p:sp>
+        <p:nvSpPr>
+          <p:cNvPr id="10" name="正方形/長方形 9">
+            <a:extLst>
+              <a:ext uri="{FF2B5EF4-FFF2-40B4-BE49-F238E27FC236}">
+                <a16:creationId xmlns:a16="http://schemas.microsoft.com/office/drawing/2014/main" id="{4AF5257E-E571-7E41-8D5C-D7446C39B521}"/>
+              </a:ext>
+            </a:extLst>
+          </p:cNvPr>
+          <p:cNvSpPr/>
+          <p:nvPr/>
+        </p:nvSpPr>
+        <p:spPr>
+          <a:xfrm>
+            <a:off x="3098696" y="2763996"/>
+            <a:ext cx="1781944" cy="923330"/>
+          </a:xfrm>
+          <a:prstGeom prst="rect">
+            <a:avLst/>
+          </a:prstGeom>
+        </p:spPr>
+        <p:txBody>
+          <a:bodyPr wrap="square">
+            <a:spAutoFit/>
+          </a:bodyPr>
+          <a:lstStyle/>
+          <a:p>
+            <a:r>
+              <a:rPr lang="en" altLang="ja-JP">
+                <a:effectLst/>
+                <a:latin typeface="Monaco" pitchFamily="2" charset="0"/>
+              </a:rPr>
+              <a:t>c9:11001001</a:t>
+            </a:r>
+          </a:p>
+          <a:p>
+            <a:r>
+              <a:rPr lang="en" altLang="ja-JP">
+                <a:effectLst/>
+                <a:latin typeface="Monaco" pitchFamily="2" charset="0"/>
+              </a:rPr>
+              <a:t>bd:10111101</a:t>
+            </a:r>
+          </a:p>
+          <a:p>
+            <a:r>
+              <a:rPr lang="en" altLang="ja-JP">
+                <a:effectLst/>
+                <a:latin typeface="Monaco" pitchFamily="2" charset="0"/>
+              </a:rPr>
+              <a:t>31:00110001</a:t>
+            </a:r>
+          </a:p>
+        </p:txBody>
+      </p:sp>
+      <p:sp>
+        <p:nvSpPr>
+          <p:cNvPr id="11" name="正方形/長方形 10">
+            <a:extLst>
+              <a:ext uri="{FF2B5EF4-FFF2-40B4-BE49-F238E27FC236}">
+                <a16:creationId xmlns:a16="http://schemas.microsoft.com/office/drawing/2014/main" id="{3B2CF60E-9C75-A044-B575-37EA119F2DEB}"/>
+              </a:ext>
+            </a:extLst>
+          </p:cNvPr>
+          <p:cNvSpPr/>
+          <p:nvPr/>
+        </p:nvSpPr>
+        <p:spPr>
+          <a:xfrm>
+            <a:off x="3572272" y="2786092"/>
+            <a:ext cx="135632" cy="584448"/>
+          </a:xfrm>
+          <a:prstGeom prst="rect">
+            <a:avLst/>
+          </a:prstGeom>
+          <a:noFill/>
+          <a:ln>
+            <a:solidFill>
+              <a:srgbClr val="FF0000"/>
+            </a:solidFill>
+          </a:ln>
+        </p:spPr>
+        <p:style>
+          <a:lnRef idx="2">
+            <a:schemeClr val="accent1">
+              <a:shade val="50000"/>
+            </a:schemeClr>
+          </a:lnRef>
+          <a:fillRef idx="1">
+            <a:schemeClr val="accent1"/>
+          </a:fillRef>
+          <a:effectRef idx="0">
+            <a:schemeClr val="accent1"/>
+          </a:effectRef>
+          <a:fontRef idx="minor">
+            <a:schemeClr val="lt1"/>
+          </a:fontRef>
+        </p:style>
+        <p:txBody>
+          <a:bodyPr rtlCol="0" anchor="ctr"/>
+          <a:lstStyle/>
+          <a:p>
+            <a:pPr algn="ctr"/>
+            <a:endParaRPr kumimoji="1" lang="ja-JP" altLang="en-US"/>
+          </a:p>
+        </p:txBody>
+      </p:sp>
+      <p:sp>
+        <p:nvSpPr>
+          <p:cNvPr id="13" name="正方形/長方形 12">
+            <a:extLst>
+              <a:ext uri="{FF2B5EF4-FFF2-40B4-BE49-F238E27FC236}">
+                <a16:creationId xmlns:a16="http://schemas.microsoft.com/office/drawing/2014/main" id="{14C2B9F9-6E71-8744-BEAA-BD150CA408D5}"/>
+              </a:ext>
+            </a:extLst>
+          </p:cNvPr>
+          <p:cNvSpPr/>
+          <p:nvPr/>
+        </p:nvSpPr>
+        <p:spPr>
+          <a:xfrm>
+            <a:off x="864672" y="3052028"/>
+            <a:ext cx="1152128" cy="288032"/>
+          </a:xfrm>
+          <a:prstGeom prst="rect">
+            <a:avLst/>
+          </a:prstGeom>
+          <a:noFill/>
+          <a:ln>
+            <a:solidFill>
+              <a:srgbClr val="FF0000"/>
+            </a:solidFill>
+          </a:ln>
+        </p:spPr>
+        <p:style>
+          <a:lnRef idx="2">
+            <a:schemeClr val="accent1">
+              <a:shade val="50000"/>
+            </a:schemeClr>
+          </a:lnRef>
+          <a:fillRef idx="1">
+            <a:schemeClr val="accent1"/>
+          </a:fillRef>
+          <a:effectRef idx="0">
+            <a:schemeClr val="accent1"/>
+          </a:effectRef>
+          <a:fontRef idx="minor">
+            <a:schemeClr val="lt1"/>
+          </a:fontRef>
+        </p:style>
+        <p:txBody>
+          <a:bodyPr rtlCol="0" anchor="ctr"/>
+          <a:lstStyle/>
+          <a:p>
+            <a:pPr algn="ctr"/>
+            <a:endParaRPr kumimoji="1" lang="ja-JP" altLang="en-US"/>
+          </a:p>
+        </p:txBody>
+      </p:sp>
+      <p:sp>
+        <p:nvSpPr>
+          <p:cNvPr id="14" name="テキスト ボックス 13">
+            <a:extLst>
+              <a:ext uri="{FF2B5EF4-FFF2-40B4-BE49-F238E27FC236}">
+                <a16:creationId xmlns:a16="http://schemas.microsoft.com/office/drawing/2014/main" id="{D8C835A3-0C56-F141-878C-E784068916A8}"/>
+              </a:ext>
+            </a:extLst>
+          </p:cNvPr>
+          <p:cNvSpPr txBox="1"/>
+          <p:nvPr/>
+        </p:nvSpPr>
+        <p:spPr>
+          <a:xfrm>
+            <a:off x="257240" y="3895804"/>
+            <a:ext cx="2164375" cy="646331"/>
+          </a:xfrm>
+          <a:prstGeom prst="rect">
+            <a:avLst/>
+          </a:prstGeom>
+          <a:noFill/>
+        </p:spPr>
+        <p:txBody>
+          <a:bodyPr wrap="none" rtlCol="0">
+            <a:spAutoFit/>
+          </a:bodyPr>
+          <a:lstStyle/>
+          <a:p>
+            <a:r>
+              <a:rPr kumimoji="1" lang="en-US" altLang="ja-JP"/>
+              <a:t>2</a:t>
+            </a:r>
+            <a:r>
+              <a:rPr kumimoji="1" lang="ja-JP" altLang="en-US"/>
+              <a:t>バイト目に</a:t>
+            </a:r>
+            <a:r>
+              <a:rPr kumimoji="1" lang="en-US" altLang="ja-JP"/>
+              <a:t>ASCII</a:t>
+            </a:r>
+            <a:r>
+              <a:rPr lang="ja-JP" altLang="en-US"/>
+              <a:t>が</a:t>
+            </a:r>
+            <a:endParaRPr lang="en-US" altLang="ja-JP"/>
+          </a:p>
+          <a:p>
+            <a:r>
+              <a:rPr kumimoji="1" lang="ja-JP" altLang="en-US"/>
+              <a:t>表れる</a:t>
+            </a:r>
+            <a:endParaRPr kumimoji="1" lang="en-US" altLang="ja-JP"/>
+          </a:p>
+        </p:txBody>
+      </p:sp>
+      <p:sp>
+        <p:nvSpPr>
+          <p:cNvPr id="15" name="正方形/長方形 14">
+            <a:extLst>
+              <a:ext uri="{FF2B5EF4-FFF2-40B4-BE49-F238E27FC236}">
+                <a16:creationId xmlns:a16="http://schemas.microsoft.com/office/drawing/2014/main" id="{BA432341-1A95-254D-9FB6-38EAE56CF1FC}"/>
+              </a:ext>
+            </a:extLst>
+          </p:cNvPr>
+          <p:cNvSpPr/>
+          <p:nvPr/>
+        </p:nvSpPr>
+        <p:spPr>
+          <a:xfrm>
+            <a:off x="6468368" y="2625308"/>
+            <a:ext cx="162560" cy="2504936"/>
+          </a:xfrm>
+          <a:prstGeom prst="rect">
+            <a:avLst/>
+          </a:prstGeom>
+          <a:noFill/>
+          <a:ln>
+            <a:solidFill>
+              <a:srgbClr val="FF0000"/>
+            </a:solidFill>
+          </a:ln>
+        </p:spPr>
+        <p:style>
+          <a:lnRef idx="2">
+            <a:schemeClr val="accent1">
+              <a:shade val="50000"/>
+            </a:schemeClr>
+          </a:lnRef>
+          <a:fillRef idx="1">
+            <a:schemeClr val="accent1"/>
+          </a:fillRef>
+          <a:effectRef idx="0">
+            <a:schemeClr val="accent1"/>
+          </a:effectRef>
+          <a:fontRef idx="minor">
+            <a:schemeClr val="lt1"/>
+          </a:fontRef>
+        </p:style>
+        <p:txBody>
+          <a:bodyPr rtlCol="0" anchor="ctr"/>
+          <a:lstStyle/>
+          <a:p>
+            <a:pPr algn="ctr"/>
+            <a:endParaRPr kumimoji="1" lang="ja-JP" altLang="en-US"/>
+          </a:p>
+        </p:txBody>
+      </p:sp>
+      <p:sp>
+        <p:nvSpPr>
+          <p:cNvPr id="16" name="テキスト ボックス 15">
+            <a:extLst>
+              <a:ext uri="{FF2B5EF4-FFF2-40B4-BE49-F238E27FC236}">
+                <a16:creationId xmlns:a16="http://schemas.microsoft.com/office/drawing/2014/main" id="{8C21CCE5-F62A-8B48-9E75-9B2E325057AF}"/>
+              </a:ext>
+            </a:extLst>
+          </p:cNvPr>
+          <p:cNvSpPr txBox="1"/>
+          <p:nvPr/>
+        </p:nvSpPr>
+        <p:spPr>
+          <a:xfrm>
+            <a:off x="6021328" y="5363924"/>
+            <a:ext cx="2379177" cy="369332"/>
+          </a:xfrm>
+          <a:prstGeom prst="rect">
+            <a:avLst/>
+          </a:prstGeom>
+          <a:noFill/>
+        </p:spPr>
+        <p:txBody>
+          <a:bodyPr wrap="none" rtlCol="0">
+            <a:spAutoFit/>
+          </a:bodyPr>
+          <a:lstStyle/>
+          <a:p>
+            <a:r>
+              <a:rPr kumimoji="1" lang="ja-JP" altLang="en-US"/>
+              <a:t>最上位ビットが</a:t>
+            </a:r>
+            <a:r>
+              <a:rPr lang="ja-JP" altLang="en-US"/>
+              <a:t>必ず</a:t>
+            </a:r>
+            <a:r>
+              <a:rPr lang="en-US" altLang="ja-JP"/>
+              <a:t>0</a:t>
+            </a:r>
+            <a:endParaRPr kumimoji="1" lang="ja-JP" altLang="en-US"/>
+          </a:p>
+        </p:txBody>
+      </p:sp>
+      <p:sp>
+        <p:nvSpPr>
+          <p:cNvPr id="17" name="右中かっこ 16">
+            <a:extLst>
+              <a:ext uri="{FF2B5EF4-FFF2-40B4-BE49-F238E27FC236}">
+                <a16:creationId xmlns:a16="http://schemas.microsoft.com/office/drawing/2014/main" id="{54599613-A627-474B-A3AE-EDE2428B9F1B}"/>
+              </a:ext>
+            </a:extLst>
+          </p:cNvPr>
+          <p:cNvSpPr/>
+          <p:nvPr/>
+        </p:nvSpPr>
+        <p:spPr>
+          <a:xfrm>
+            <a:off x="7596128" y="2630884"/>
+            <a:ext cx="182880" cy="812800"/>
+          </a:xfrm>
+          <a:prstGeom prst="rightBrace">
+            <a:avLst/>
+          </a:prstGeom>
+          <a:ln w="12700">
+            <a:solidFill>
+              <a:schemeClr val="tx1"/>
+            </a:solidFill>
+          </a:ln>
+        </p:spPr>
+        <p:style>
+          <a:lnRef idx="1">
+            <a:schemeClr val="accent1"/>
+          </a:lnRef>
+          <a:fillRef idx="0">
+            <a:schemeClr val="accent1"/>
+          </a:fillRef>
+          <a:effectRef idx="0">
+            <a:schemeClr val="accent1"/>
+          </a:effectRef>
+          <a:fontRef idx="minor">
+            <a:schemeClr val="tx1"/>
+          </a:fontRef>
+        </p:style>
+        <p:txBody>
+          <a:bodyPr rtlCol="0" anchor="ctr"/>
+          <a:lstStyle/>
+          <a:p>
+            <a:pPr algn="ctr"/>
+            <a:endParaRPr kumimoji="1" lang="ja-JP" altLang="en-US"/>
+          </a:p>
+        </p:txBody>
+      </p:sp>
+      <p:sp>
+        <p:nvSpPr>
+          <p:cNvPr id="18" name="右中かっこ 17">
+            <a:extLst>
+              <a:ext uri="{FF2B5EF4-FFF2-40B4-BE49-F238E27FC236}">
+                <a16:creationId xmlns:a16="http://schemas.microsoft.com/office/drawing/2014/main" id="{66E7AE46-9026-674A-87C3-B09CE4185DE0}"/>
+              </a:ext>
+            </a:extLst>
+          </p:cNvPr>
+          <p:cNvSpPr/>
+          <p:nvPr/>
+        </p:nvSpPr>
+        <p:spPr>
+          <a:xfrm>
+            <a:off x="7606288" y="3474164"/>
+            <a:ext cx="172720" cy="487680"/>
+          </a:xfrm>
+          <a:prstGeom prst="rightBrace">
+            <a:avLst/>
+          </a:prstGeom>
+          <a:ln w="12700">
+            <a:solidFill>
+              <a:schemeClr val="tx1"/>
+            </a:solidFill>
+          </a:ln>
+        </p:spPr>
+        <p:style>
+          <a:lnRef idx="1">
+            <a:schemeClr val="accent1"/>
+          </a:lnRef>
+          <a:fillRef idx="0">
+            <a:schemeClr val="accent1"/>
+          </a:fillRef>
+          <a:effectRef idx="0">
+            <a:schemeClr val="accent1"/>
+          </a:effectRef>
+          <a:fontRef idx="minor">
+            <a:schemeClr val="tx1"/>
+          </a:fontRef>
+        </p:style>
+        <p:txBody>
+          <a:bodyPr rtlCol="0" anchor="ctr"/>
+          <a:lstStyle/>
+          <a:p>
+            <a:pPr algn="ctr"/>
+            <a:endParaRPr kumimoji="1" lang="ja-JP" altLang="en-US"/>
+          </a:p>
+        </p:txBody>
+      </p:sp>
+      <p:sp>
+        <p:nvSpPr>
+          <p:cNvPr id="19" name="右中かっこ 18">
+            <a:extLst>
+              <a:ext uri="{FF2B5EF4-FFF2-40B4-BE49-F238E27FC236}">
+                <a16:creationId xmlns:a16="http://schemas.microsoft.com/office/drawing/2014/main" id="{EA91BBA8-D54B-1E46-97B5-5A6109594543}"/>
+              </a:ext>
+            </a:extLst>
+          </p:cNvPr>
+          <p:cNvSpPr/>
+          <p:nvPr/>
+        </p:nvSpPr>
+        <p:spPr>
+          <a:xfrm>
+            <a:off x="7596128" y="3982164"/>
+            <a:ext cx="182880" cy="812800"/>
+          </a:xfrm>
+          <a:prstGeom prst="rightBrace">
+            <a:avLst/>
+          </a:prstGeom>
+          <a:ln w="12700">
+            <a:solidFill>
+              <a:schemeClr val="tx1"/>
+            </a:solidFill>
+          </a:ln>
+        </p:spPr>
+        <p:style>
+          <a:lnRef idx="1">
+            <a:schemeClr val="accent1"/>
+          </a:lnRef>
+          <a:fillRef idx="0">
+            <a:schemeClr val="accent1"/>
+          </a:fillRef>
+          <a:effectRef idx="0">
+            <a:schemeClr val="accent1"/>
+          </a:effectRef>
+          <a:fontRef idx="minor">
+            <a:schemeClr val="tx1"/>
+          </a:fontRef>
+        </p:style>
+        <p:txBody>
+          <a:bodyPr rtlCol="0" anchor="ctr"/>
+          <a:lstStyle/>
+          <a:p>
+            <a:pPr algn="ctr"/>
+            <a:endParaRPr kumimoji="1" lang="ja-JP" altLang="en-US"/>
+          </a:p>
+        </p:txBody>
+      </p:sp>
+      <p:sp>
+        <p:nvSpPr>
+          <p:cNvPr id="20" name="右中かっこ 19">
+            <a:extLst>
+              <a:ext uri="{FF2B5EF4-FFF2-40B4-BE49-F238E27FC236}">
+                <a16:creationId xmlns:a16="http://schemas.microsoft.com/office/drawing/2014/main" id="{BDA4249E-E959-A44D-825E-AFE49283A1BB}"/>
+              </a:ext>
+            </a:extLst>
+          </p:cNvPr>
+          <p:cNvSpPr/>
+          <p:nvPr/>
+        </p:nvSpPr>
+        <p:spPr>
+          <a:xfrm>
+            <a:off x="7606288" y="4825444"/>
+            <a:ext cx="152400" cy="254000"/>
+          </a:xfrm>
+          <a:prstGeom prst="rightBrace">
+            <a:avLst/>
+          </a:prstGeom>
+          <a:ln w="12700">
+            <a:solidFill>
+              <a:schemeClr val="tx1"/>
+            </a:solidFill>
+          </a:ln>
+        </p:spPr>
+        <p:style>
+          <a:lnRef idx="1">
+            <a:schemeClr val="accent1"/>
+          </a:lnRef>
+          <a:fillRef idx="0">
+            <a:schemeClr val="accent1"/>
+          </a:fillRef>
+          <a:effectRef idx="0">
+            <a:schemeClr val="accent1"/>
+          </a:effectRef>
+          <a:fontRef idx="minor">
+            <a:schemeClr val="tx1"/>
+          </a:fontRef>
+        </p:style>
+        <p:txBody>
+          <a:bodyPr rtlCol="0" anchor="ctr"/>
+          <a:lstStyle/>
+          <a:p>
+            <a:pPr algn="ctr"/>
+            <a:endParaRPr kumimoji="1" lang="ja-JP" altLang="en-US"/>
+          </a:p>
+        </p:txBody>
+      </p:sp>
+      <p:sp>
+        <p:nvSpPr>
+          <p:cNvPr id="21" name="テキスト ボックス 20">
+            <a:extLst>
+              <a:ext uri="{FF2B5EF4-FFF2-40B4-BE49-F238E27FC236}">
+                <a16:creationId xmlns:a16="http://schemas.microsoft.com/office/drawing/2014/main" id="{50B0647A-909E-7F49-B3E3-420DC87C2B6A}"/>
+              </a:ext>
+            </a:extLst>
+          </p:cNvPr>
+          <p:cNvSpPr txBox="1"/>
+          <p:nvPr/>
+        </p:nvSpPr>
+        <p:spPr>
+          <a:xfrm>
+            <a:off x="7809488" y="2884884"/>
+            <a:ext cx="1261884" cy="307777"/>
+          </a:xfrm>
+          <a:prstGeom prst="rect">
+            <a:avLst/>
+          </a:prstGeom>
+          <a:noFill/>
+        </p:spPr>
+        <p:txBody>
+          <a:bodyPr wrap="none" rtlCol="0">
+            <a:spAutoFit/>
+          </a:bodyPr>
+          <a:lstStyle/>
+          <a:p>
+            <a:r>
+              <a:rPr lang="ja-JP" altLang="en-US" sz="1400"/>
+              <a:t>漢字スタート</a:t>
+            </a:r>
+            <a:endParaRPr kumimoji="1" lang="ja-JP" altLang="en-US" sz="1400"/>
+          </a:p>
+        </p:txBody>
+      </p:sp>
+      <p:sp>
+        <p:nvSpPr>
+          <p:cNvPr id="22" name="テキスト ボックス 21">
+            <a:extLst>
+              <a:ext uri="{FF2B5EF4-FFF2-40B4-BE49-F238E27FC236}">
+                <a16:creationId xmlns:a16="http://schemas.microsoft.com/office/drawing/2014/main" id="{957077F5-CA6C-0B44-A8E2-26E0AA26E9F3}"/>
+              </a:ext>
+            </a:extLst>
+          </p:cNvPr>
+          <p:cNvSpPr txBox="1"/>
+          <p:nvPr/>
+        </p:nvSpPr>
+        <p:spPr>
+          <a:xfrm>
+            <a:off x="7789168" y="4236164"/>
+            <a:ext cx="1274708" cy="307777"/>
+          </a:xfrm>
+          <a:prstGeom prst="rect">
+            <a:avLst/>
+          </a:prstGeom>
+          <a:noFill/>
+        </p:spPr>
+        <p:txBody>
+          <a:bodyPr wrap="none" rtlCol="0">
+            <a:spAutoFit/>
+          </a:bodyPr>
+          <a:lstStyle/>
+          <a:p>
+            <a:r>
+              <a:rPr lang="en-US" altLang="ja-JP" sz="1400"/>
+              <a:t>ASCII</a:t>
+            </a:r>
+            <a:r>
+              <a:rPr lang="ja-JP" altLang="en-US" sz="1400"/>
+              <a:t>スタート</a:t>
+            </a:r>
+            <a:endParaRPr kumimoji="1" lang="ja-JP" altLang="en-US" sz="1400"/>
+          </a:p>
+        </p:txBody>
+      </p:sp>
+      <p:sp>
+        <p:nvSpPr>
+          <p:cNvPr id="23" name="テキスト ボックス 22">
+            <a:extLst>
+              <a:ext uri="{FF2B5EF4-FFF2-40B4-BE49-F238E27FC236}">
+                <a16:creationId xmlns:a16="http://schemas.microsoft.com/office/drawing/2014/main" id="{4F9A7528-1CE8-8F4A-BA5D-53D985713CBA}"/>
+              </a:ext>
+            </a:extLst>
+          </p:cNvPr>
+          <p:cNvSpPr txBox="1"/>
+          <p:nvPr/>
+        </p:nvSpPr>
+        <p:spPr>
+          <a:xfrm>
+            <a:off x="7819648" y="3575764"/>
+            <a:ext cx="364202" cy="307777"/>
+          </a:xfrm>
+          <a:prstGeom prst="rect">
+            <a:avLst/>
+          </a:prstGeom>
+          <a:noFill/>
+        </p:spPr>
+        <p:txBody>
+          <a:bodyPr wrap="none" rtlCol="0">
+            <a:spAutoFit/>
+          </a:bodyPr>
+          <a:lstStyle/>
+          <a:p>
+            <a:r>
+              <a:rPr kumimoji="1" lang="ja-JP" altLang="en-US" sz="1400"/>
+              <a:t>表</a:t>
+            </a:r>
+          </a:p>
+        </p:txBody>
+      </p:sp>
+      <p:sp>
+        <p:nvSpPr>
+          <p:cNvPr id="24" name="テキスト ボックス 23">
+            <a:extLst>
+              <a:ext uri="{FF2B5EF4-FFF2-40B4-BE49-F238E27FC236}">
+                <a16:creationId xmlns:a16="http://schemas.microsoft.com/office/drawing/2014/main" id="{38219543-4718-7D45-B98A-19D615DA6D0B}"/>
+              </a:ext>
+            </a:extLst>
+          </p:cNvPr>
+          <p:cNvSpPr txBox="1"/>
+          <p:nvPr/>
+        </p:nvSpPr>
+        <p:spPr>
+          <a:xfrm>
+            <a:off x="7789168" y="4805124"/>
+            <a:ext cx="276038" cy="307777"/>
+          </a:xfrm>
+          <a:prstGeom prst="rect">
+            <a:avLst/>
+          </a:prstGeom>
+          <a:noFill/>
+        </p:spPr>
+        <p:txBody>
+          <a:bodyPr wrap="none" rtlCol="0">
+            <a:spAutoFit/>
+          </a:bodyPr>
+          <a:lstStyle/>
+          <a:p>
+            <a:r>
+              <a:rPr kumimoji="1" lang="en-US" altLang="ja-JP" sz="1400"/>
+              <a:t>1</a:t>
+            </a:r>
+            <a:endParaRPr kumimoji="1" lang="ja-JP" altLang="en-US" sz="1400"/>
+          </a:p>
+        </p:txBody>
+      </p:sp>
+      <p:sp>
+        <p:nvSpPr>
+          <p:cNvPr id="25" name="右中かっこ 24">
+            <a:extLst>
+              <a:ext uri="{FF2B5EF4-FFF2-40B4-BE49-F238E27FC236}">
+                <a16:creationId xmlns:a16="http://schemas.microsoft.com/office/drawing/2014/main" id="{8171DD89-9791-874B-8A36-5B3BD66F5717}"/>
+              </a:ext>
+            </a:extLst>
+          </p:cNvPr>
+          <p:cNvSpPr/>
+          <p:nvPr/>
+        </p:nvSpPr>
+        <p:spPr>
+          <a:xfrm>
+            <a:off x="4710688" y="2834084"/>
+            <a:ext cx="172720" cy="487680"/>
+          </a:xfrm>
+          <a:prstGeom prst="rightBrace">
+            <a:avLst/>
+          </a:prstGeom>
+          <a:ln w="12700">
+            <a:solidFill>
+              <a:schemeClr val="tx1"/>
+            </a:solidFill>
+          </a:ln>
+        </p:spPr>
+        <p:style>
+          <a:lnRef idx="1">
+            <a:schemeClr val="accent1"/>
+          </a:lnRef>
+          <a:fillRef idx="0">
+            <a:schemeClr val="accent1"/>
+          </a:fillRef>
+          <a:effectRef idx="0">
+            <a:schemeClr val="accent1"/>
+          </a:effectRef>
+          <a:fontRef idx="minor">
+            <a:schemeClr val="tx1"/>
+          </a:fontRef>
+        </p:style>
+        <p:txBody>
+          <a:bodyPr rtlCol="0" anchor="ctr"/>
+          <a:lstStyle/>
+          <a:p>
+            <a:pPr algn="ctr"/>
+            <a:endParaRPr kumimoji="1" lang="ja-JP" altLang="en-US"/>
+          </a:p>
+        </p:txBody>
+      </p:sp>
+      <p:sp>
+        <p:nvSpPr>
+          <p:cNvPr id="26" name="テキスト ボックス 25">
+            <a:extLst>
+              <a:ext uri="{FF2B5EF4-FFF2-40B4-BE49-F238E27FC236}">
+                <a16:creationId xmlns:a16="http://schemas.microsoft.com/office/drawing/2014/main" id="{0125D495-6CAC-2B4C-B4B7-D89A1E07AC68}"/>
+              </a:ext>
+            </a:extLst>
+          </p:cNvPr>
+          <p:cNvSpPr txBox="1"/>
+          <p:nvPr/>
+        </p:nvSpPr>
+        <p:spPr>
+          <a:xfrm>
+            <a:off x="4913888" y="2935684"/>
+            <a:ext cx="364202" cy="307777"/>
+          </a:xfrm>
+          <a:prstGeom prst="rect">
+            <a:avLst/>
+          </a:prstGeom>
+          <a:noFill/>
+        </p:spPr>
+        <p:txBody>
+          <a:bodyPr wrap="none" rtlCol="0">
+            <a:spAutoFit/>
+          </a:bodyPr>
+          <a:lstStyle/>
+          <a:p>
+            <a:r>
+              <a:rPr kumimoji="1" lang="ja-JP" altLang="en-US" sz="1400"/>
+              <a:t>表</a:t>
+            </a:r>
+          </a:p>
+        </p:txBody>
+      </p:sp>
+      <p:sp>
+        <p:nvSpPr>
+          <p:cNvPr id="27" name="右中かっこ 26">
+            <a:extLst>
+              <a:ext uri="{FF2B5EF4-FFF2-40B4-BE49-F238E27FC236}">
+                <a16:creationId xmlns:a16="http://schemas.microsoft.com/office/drawing/2014/main" id="{1AFEF3F0-4CBA-FC45-B965-EAD370EEBA79}"/>
+              </a:ext>
+            </a:extLst>
+          </p:cNvPr>
+          <p:cNvSpPr/>
+          <p:nvPr/>
+        </p:nvSpPr>
+        <p:spPr>
+          <a:xfrm>
+            <a:off x="2028448" y="2813764"/>
+            <a:ext cx="172720" cy="487680"/>
+          </a:xfrm>
+          <a:prstGeom prst="rightBrace">
+            <a:avLst/>
+          </a:prstGeom>
+          <a:ln w="12700">
+            <a:solidFill>
+              <a:schemeClr val="tx1"/>
+            </a:solidFill>
+          </a:ln>
+        </p:spPr>
+        <p:style>
+          <a:lnRef idx="1">
+            <a:schemeClr val="accent1"/>
+          </a:lnRef>
+          <a:fillRef idx="0">
+            <a:schemeClr val="accent1"/>
+          </a:fillRef>
+          <a:effectRef idx="0">
+            <a:schemeClr val="accent1"/>
+          </a:effectRef>
+          <a:fontRef idx="minor">
+            <a:schemeClr val="tx1"/>
+          </a:fontRef>
+        </p:style>
+        <p:txBody>
+          <a:bodyPr rtlCol="0" anchor="ctr"/>
+          <a:lstStyle/>
+          <a:p>
+            <a:pPr algn="ctr"/>
+            <a:endParaRPr kumimoji="1" lang="ja-JP" altLang="en-US"/>
+          </a:p>
+        </p:txBody>
+      </p:sp>
+      <p:sp>
+        <p:nvSpPr>
+          <p:cNvPr id="28" name="テキスト ボックス 27">
+            <a:extLst>
+              <a:ext uri="{FF2B5EF4-FFF2-40B4-BE49-F238E27FC236}">
+                <a16:creationId xmlns:a16="http://schemas.microsoft.com/office/drawing/2014/main" id="{4D75AD1F-B0EC-C14C-BDCD-177B8CC1D635}"/>
+              </a:ext>
+            </a:extLst>
+          </p:cNvPr>
+          <p:cNvSpPr txBox="1"/>
+          <p:nvPr/>
+        </p:nvSpPr>
+        <p:spPr>
+          <a:xfrm>
+            <a:off x="2226568" y="2915364"/>
+            <a:ext cx="364202" cy="307777"/>
+          </a:xfrm>
+          <a:prstGeom prst="rect">
+            <a:avLst/>
+          </a:prstGeom>
+          <a:noFill/>
+        </p:spPr>
+        <p:txBody>
+          <a:bodyPr wrap="none" rtlCol="0">
+            <a:spAutoFit/>
+          </a:bodyPr>
+          <a:lstStyle/>
+          <a:p>
+            <a:r>
+              <a:rPr kumimoji="1" lang="ja-JP" altLang="en-US" sz="1400"/>
+              <a:t>表</a:t>
+            </a:r>
+          </a:p>
+        </p:txBody>
+      </p:sp>
+      <p:sp>
+        <p:nvSpPr>
+          <p:cNvPr id="29" name="右中かっこ 28">
+            <a:extLst>
+              <a:ext uri="{FF2B5EF4-FFF2-40B4-BE49-F238E27FC236}">
+                <a16:creationId xmlns:a16="http://schemas.microsoft.com/office/drawing/2014/main" id="{C6CDE667-AEAE-1647-94E5-5989DFF1E58D}"/>
+              </a:ext>
+            </a:extLst>
+          </p:cNvPr>
+          <p:cNvSpPr/>
+          <p:nvPr/>
+        </p:nvSpPr>
+        <p:spPr>
+          <a:xfrm>
+            <a:off x="4720848" y="3352244"/>
+            <a:ext cx="152400" cy="254000"/>
+          </a:xfrm>
+          <a:prstGeom prst="rightBrace">
+            <a:avLst/>
+          </a:prstGeom>
+          <a:ln w="12700">
+            <a:solidFill>
+              <a:schemeClr val="tx1"/>
+            </a:solidFill>
+          </a:ln>
+        </p:spPr>
+        <p:style>
+          <a:lnRef idx="1">
+            <a:schemeClr val="accent1"/>
+          </a:lnRef>
+          <a:fillRef idx="0">
+            <a:schemeClr val="accent1"/>
+          </a:fillRef>
+          <a:effectRef idx="0">
+            <a:schemeClr val="accent1"/>
+          </a:effectRef>
+          <a:fontRef idx="minor">
+            <a:schemeClr val="tx1"/>
+          </a:fontRef>
+        </p:style>
+        <p:txBody>
+          <a:bodyPr rtlCol="0" anchor="ctr"/>
+          <a:lstStyle/>
+          <a:p>
+            <a:pPr algn="ctr"/>
+            <a:endParaRPr kumimoji="1" lang="ja-JP" altLang="en-US"/>
+          </a:p>
+        </p:txBody>
+      </p:sp>
+      <p:sp>
+        <p:nvSpPr>
+          <p:cNvPr id="30" name="テキスト ボックス 29">
+            <a:extLst>
+              <a:ext uri="{FF2B5EF4-FFF2-40B4-BE49-F238E27FC236}">
+                <a16:creationId xmlns:a16="http://schemas.microsoft.com/office/drawing/2014/main" id="{6687672A-C9F1-DA4E-830C-70D9C2F9CFD8}"/>
+              </a:ext>
+            </a:extLst>
+          </p:cNvPr>
+          <p:cNvSpPr txBox="1"/>
+          <p:nvPr/>
+        </p:nvSpPr>
+        <p:spPr>
+          <a:xfrm>
+            <a:off x="4957970" y="3331924"/>
+            <a:ext cx="276038" cy="307777"/>
+          </a:xfrm>
+          <a:prstGeom prst="rect">
+            <a:avLst/>
+          </a:prstGeom>
+          <a:noFill/>
+        </p:spPr>
+        <p:txBody>
+          <a:bodyPr wrap="none" rtlCol="0">
+            <a:spAutoFit/>
+          </a:bodyPr>
+          <a:lstStyle/>
+          <a:p>
+            <a:r>
+              <a:rPr kumimoji="1" lang="en-US" altLang="ja-JP" sz="1400"/>
+              <a:t>1</a:t>
+            </a:r>
+            <a:endParaRPr kumimoji="1" lang="ja-JP" altLang="en-US" sz="1400"/>
+          </a:p>
+        </p:txBody>
+      </p:sp>
+      <p:sp>
+        <p:nvSpPr>
+          <p:cNvPr id="31" name="右中かっこ 30">
+            <a:extLst>
+              <a:ext uri="{FF2B5EF4-FFF2-40B4-BE49-F238E27FC236}">
+                <a16:creationId xmlns:a16="http://schemas.microsoft.com/office/drawing/2014/main" id="{AE5636E7-A487-5440-AAA6-D1B62F382855}"/>
+              </a:ext>
+            </a:extLst>
+          </p:cNvPr>
+          <p:cNvSpPr/>
+          <p:nvPr/>
+        </p:nvSpPr>
+        <p:spPr>
+          <a:xfrm>
+            <a:off x="2028448" y="3342084"/>
+            <a:ext cx="152400" cy="254000"/>
+          </a:xfrm>
+          <a:prstGeom prst="rightBrace">
+            <a:avLst/>
+          </a:prstGeom>
+          <a:ln w="12700">
+            <a:solidFill>
+              <a:schemeClr val="tx1"/>
+            </a:solidFill>
+          </a:ln>
+        </p:spPr>
+        <p:style>
+          <a:lnRef idx="1">
+            <a:schemeClr val="accent1"/>
+          </a:lnRef>
+          <a:fillRef idx="0">
+            <a:schemeClr val="accent1"/>
+          </a:fillRef>
+          <a:effectRef idx="0">
+            <a:schemeClr val="accent1"/>
+          </a:effectRef>
+          <a:fontRef idx="minor">
+            <a:schemeClr val="tx1"/>
+          </a:fontRef>
+        </p:style>
+        <p:txBody>
+          <a:bodyPr rtlCol="0" anchor="ctr"/>
+          <a:lstStyle/>
+          <a:p>
+            <a:pPr algn="ctr"/>
+            <a:endParaRPr kumimoji="1" lang="ja-JP" altLang="en-US"/>
+          </a:p>
+        </p:txBody>
+      </p:sp>
+      <p:sp>
+        <p:nvSpPr>
+          <p:cNvPr id="32" name="テキスト ボックス 31">
+            <a:extLst>
+              <a:ext uri="{FF2B5EF4-FFF2-40B4-BE49-F238E27FC236}">
+                <a16:creationId xmlns:a16="http://schemas.microsoft.com/office/drawing/2014/main" id="{6B7DDECA-EFBE-7640-8BFD-1D5EF64B043F}"/>
+              </a:ext>
+            </a:extLst>
+          </p:cNvPr>
+          <p:cNvSpPr txBox="1"/>
+          <p:nvPr/>
+        </p:nvSpPr>
+        <p:spPr>
+          <a:xfrm>
+            <a:off x="2270650" y="3321764"/>
+            <a:ext cx="276038" cy="307777"/>
+          </a:xfrm>
+          <a:prstGeom prst="rect">
+            <a:avLst/>
+          </a:prstGeom>
+          <a:noFill/>
+        </p:spPr>
+        <p:txBody>
+          <a:bodyPr wrap="none" rtlCol="0">
+            <a:spAutoFit/>
+          </a:bodyPr>
+          <a:lstStyle/>
+          <a:p>
+            <a:r>
+              <a:rPr kumimoji="1" lang="en-US" altLang="ja-JP" sz="1400"/>
+              <a:t>1</a:t>
+            </a:r>
+            <a:endParaRPr kumimoji="1" lang="ja-JP" altLang="en-US" sz="1400"/>
+          </a:p>
+        </p:txBody>
+      </p:sp>
+      <p:sp>
+        <p:nvSpPr>
+          <p:cNvPr id="33" name="正方形/長方形 32">
+            <a:extLst>
+              <a:ext uri="{FF2B5EF4-FFF2-40B4-BE49-F238E27FC236}">
+                <a16:creationId xmlns:a16="http://schemas.microsoft.com/office/drawing/2014/main" id="{28785BE4-C738-EB4B-84AD-7C5BA474275C}"/>
+              </a:ext>
+            </a:extLst>
+          </p:cNvPr>
+          <p:cNvSpPr/>
+          <p:nvPr/>
+        </p:nvSpPr>
+        <p:spPr>
+          <a:xfrm>
+            <a:off x="323528" y="4874324"/>
+            <a:ext cx="1701107" cy="369332"/>
+          </a:xfrm>
+          <a:prstGeom prst="rect">
+            <a:avLst/>
+          </a:prstGeom>
+        </p:spPr>
+        <p:txBody>
+          <a:bodyPr wrap="none">
+            <a:spAutoFit/>
+          </a:bodyPr>
+          <a:lstStyle/>
+          <a:p>
+            <a:r>
+              <a:rPr lang="en" altLang="ja-JP">
+                <a:latin typeface="Monaco" pitchFamily="2" charset="0"/>
+              </a:rPr>
+              <a:t>5c:01011100</a:t>
+            </a:r>
+          </a:p>
+        </p:txBody>
+      </p:sp>
+      <p:sp>
+        <p:nvSpPr>
+          <p:cNvPr id="34" name="右中かっこ 33">
+            <a:extLst>
+              <a:ext uri="{FF2B5EF4-FFF2-40B4-BE49-F238E27FC236}">
+                <a16:creationId xmlns:a16="http://schemas.microsoft.com/office/drawing/2014/main" id="{AE0C36A5-C2D1-B64B-9E40-126995D4D156}"/>
+              </a:ext>
+            </a:extLst>
+          </p:cNvPr>
+          <p:cNvSpPr/>
+          <p:nvPr/>
+        </p:nvSpPr>
+        <p:spPr>
+          <a:xfrm>
+            <a:off x="1895442" y="4931990"/>
+            <a:ext cx="152400" cy="254000"/>
+          </a:xfrm>
+          <a:prstGeom prst="rightBrace">
+            <a:avLst/>
+          </a:prstGeom>
+          <a:ln w="12700">
+            <a:solidFill>
+              <a:schemeClr val="tx1"/>
+            </a:solidFill>
+          </a:ln>
+        </p:spPr>
+        <p:style>
+          <a:lnRef idx="1">
+            <a:schemeClr val="accent1"/>
+          </a:lnRef>
+          <a:fillRef idx="0">
+            <a:schemeClr val="accent1"/>
+          </a:fillRef>
+          <a:effectRef idx="0">
+            <a:schemeClr val="accent1"/>
+          </a:effectRef>
+          <a:fontRef idx="minor">
+            <a:schemeClr val="tx1"/>
+          </a:fontRef>
+        </p:style>
+        <p:txBody>
+          <a:bodyPr rtlCol="0" anchor="ctr"/>
+          <a:lstStyle/>
+          <a:p>
+            <a:pPr algn="ctr"/>
+            <a:endParaRPr kumimoji="1" lang="ja-JP" altLang="en-US"/>
+          </a:p>
+        </p:txBody>
+      </p:sp>
+      <p:sp>
+        <p:nvSpPr>
+          <p:cNvPr id="35" name="テキスト ボックス 34">
+            <a:extLst>
+              <a:ext uri="{FF2B5EF4-FFF2-40B4-BE49-F238E27FC236}">
+                <a16:creationId xmlns:a16="http://schemas.microsoft.com/office/drawing/2014/main" id="{C3596798-A585-C047-9868-8FD151FF80C1}"/>
+              </a:ext>
+            </a:extLst>
+          </p:cNvPr>
+          <p:cNvSpPr txBox="1"/>
+          <p:nvPr/>
+        </p:nvSpPr>
+        <p:spPr>
+          <a:xfrm>
+            <a:off x="2078322" y="4911670"/>
+            <a:ext cx="284052" cy="307777"/>
+          </a:xfrm>
+          <a:prstGeom prst="rect">
+            <a:avLst/>
+          </a:prstGeom>
+          <a:noFill/>
+        </p:spPr>
+        <p:txBody>
+          <a:bodyPr wrap="none" rtlCol="0">
+            <a:spAutoFit/>
+          </a:bodyPr>
+          <a:lstStyle/>
+          <a:p>
+            <a:r>
+              <a:rPr kumimoji="1" lang="en-US" altLang="ja-JP" sz="1400"/>
+              <a:t>\</a:t>
+            </a:r>
+            <a:endParaRPr kumimoji="1" lang="ja-JP" altLang="en-US" sz="1400"/>
+          </a:p>
+        </p:txBody>
+      </p:sp>
+      <p:sp>
+        <p:nvSpPr>
+          <p:cNvPr id="36" name="右矢印 35">
+            <a:extLst>
+              <a:ext uri="{FF2B5EF4-FFF2-40B4-BE49-F238E27FC236}">
+                <a16:creationId xmlns:a16="http://schemas.microsoft.com/office/drawing/2014/main" id="{A808F346-5E31-954E-8331-FDEB24460D2A}"/>
+              </a:ext>
+            </a:extLst>
+          </p:cNvPr>
+          <p:cNvSpPr/>
+          <p:nvPr/>
+        </p:nvSpPr>
+        <p:spPr>
+          <a:xfrm rot="2700000">
+            <a:off x="5767328" y="1563360"/>
+            <a:ext cx="467360" cy="426720"/>
+          </a:xfrm>
+          <a:prstGeom prst="rightArrow">
+            <a:avLst/>
+          </a:prstGeom>
+          <a:solidFill>
+            <a:srgbClr val="FF0000"/>
+          </a:solidFill>
+          <a:ln>
+            <a:solidFill>
+              <a:schemeClr val="tx1"/>
+            </a:solidFill>
+          </a:ln>
+        </p:spPr>
+        <p:style>
+          <a:lnRef idx="2">
+            <a:schemeClr val="accent1">
+              <a:shade val="50000"/>
+            </a:schemeClr>
+          </a:lnRef>
+          <a:fillRef idx="1">
+            <a:schemeClr val="accent1"/>
+          </a:fillRef>
+          <a:effectRef idx="0">
+            <a:schemeClr val="accent1"/>
+          </a:effectRef>
+          <a:fontRef idx="minor">
+            <a:schemeClr val="lt1"/>
+          </a:fontRef>
+        </p:style>
+        <p:txBody>
+          <a:bodyPr rtlCol="0" anchor="ctr"/>
+          <a:lstStyle/>
+          <a:p>
+            <a:pPr algn="ctr"/>
+            <a:endParaRPr kumimoji="1" lang="ja-JP" altLang="en-US"/>
+          </a:p>
+        </p:txBody>
+      </p:sp>
+      <p:sp>
+        <p:nvSpPr>
+          <p:cNvPr id="37" name="右矢印 36">
+            <a:extLst>
+              <a:ext uri="{FF2B5EF4-FFF2-40B4-BE49-F238E27FC236}">
+                <a16:creationId xmlns:a16="http://schemas.microsoft.com/office/drawing/2014/main" id="{90A1E9DB-0F0F-0043-939C-2BEFE0E27C58}"/>
+              </a:ext>
+            </a:extLst>
+          </p:cNvPr>
+          <p:cNvSpPr/>
+          <p:nvPr/>
+        </p:nvSpPr>
+        <p:spPr>
+          <a:xfrm rot="5400000">
+            <a:off x="3948688" y="1614160"/>
+            <a:ext cx="467360" cy="426720"/>
+          </a:xfrm>
+          <a:prstGeom prst="rightArrow">
+            <a:avLst/>
+          </a:prstGeom>
+          <a:solidFill>
+            <a:srgbClr val="FF0000"/>
+          </a:solidFill>
+          <a:ln>
+            <a:solidFill>
+              <a:schemeClr val="tx1"/>
+            </a:solidFill>
+          </a:ln>
+        </p:spPr>
+        <p:style>
+          <a:lnRef idx="2">
+            <a:schemeClr val="accent1">
+              <a:shade val="50000"/>
+            </a:schemeClr>
+          </a:lnRef>
+          <a:fillRef idx="1">
+            <a:schemeClr val="accent1"/>
+          </a:fillRef>
+          <a:effectRef idx="0">
+            <a:schemeClr val="accent1"/>
+          </a:effectRef>
+          <a:fontRef idx="minor">
+            <a:schemeClr val="lt1"/>
+          </a:fontRef>
+        </p:style>
+        <p:txBody>
+          <a:bodyPr rtlCol="0" anchor="ctr"/>
+          <a:lstStyle/>
+          <a:p>
+            <a:pPr algn="ctr"/>
+            <a:endParaRPr kumimoji="1" lang="ja-JP" altLang="en-US"/>
+          </a:p>
+        </p:txBody>
+      </p:sp>
+      <p:sp>
+        <p:nvSpPr>
+          <p:cNvPr id="38" name="右矢印 37">
+            <a:extLst>
+              <a:ext uri="{FF2B5EF4-FFF2-40B4-BE49-F238E27FC236}">
+                <a16:creationId xmlns:a16="http://schemas.microsoft.com/office/drawing/2014/main" id="{8E32D220-2C1A-784E-9A62-3B08661EF3AA}"/>
+              </a:ext>
+            </a:extLst>
+          </p:cNvPr>
+          <p:cNvSpPr/>
+          <p:nvPr/>
+        </p:nvSpPr>
+        <p:spPr>
+          <a:xfrm rot="8100000">
+            <a:off x="2018289" y="1583680"/>
+            <a:ext cx="467360" cy="426720"/>
+          </a:xfrm>
+          <a:prstGeom prst="rightArrow">
+            <a:avLst/>
+          </a:prstGeom>
+          <a:solidFill>
+            <a:srgbClr val="FF0000"/>
+          </a:solidFill>
+          <a:ln>
+            <a:solidFill>
+              <a:schemeClr val="tx1"/>
+            </a:solidFill>
+          </a:ln>
+        </p:spPr>
+        <p:style>
+          <a:lnRef idx="2">
+            <a:schemeClr val="accent1">
+              <a:shade val="50000"/>
+            </a:schemeClr>
+          </a:lnRef>
+          <a:fillRef idx="1">
+            <a:schemeClr val="accent1"/>
+          </a:fillRef>
+          <a:effectRef idx="0">
+            <a:schemeClr val="accent1"/>
+          </a:effectRef>
+          <a:fontRef idx="minor">
+            <a:schemeClr val="lt1"/>
+          </a:fontRef>
+        </p:style>
+        <p:txBody>
+          <a:bodyPr rtlCol="0" anchor="ctr"/>
+          <a:lstStyle/>
+          <a:p>
+            <a:pPr algn="ctr"/>
+            <a:endParaRPr kumimoji="1" lang="ja-JP" altLang="en-US"/>
+          </a:p>
+        </p:txBody>
+      </p:sp>
+      <p:sp>
+        <p:nvSpPr>
+          <p:cNvPr id="39" name="正方形/長方形 38">
+            <a:extLst>
+              <a:ext uri="{FF2B5EF4-FFF2-40B4-BE49-F238E27FC236}">
+                <a16:creationId xmlns:a16="http://schemas.microsoft.com/office/drawing/2014/main" id="{DFEA1749-83CC-F242-8AC2-7839A9DB5A54}"/>
+              </a:ext>
+            </a:extLst>
+          </p:cNvPr>
+          <p:cNvSpPr/>
+          <p:nvPr/>
+        </p:nvSpPr>
+        <p:spPr>
+          <a:xfrm>
+            <a:off x="3059832" y="3866212"/>
+            <a:ext cx="2377574" cy="369332"/>
+          </a:xfrm>
+          <a:prstGeom prst="rect">
+            <a:avLst/>
+          </a:prstGeom>
+        </p:spPr>
+        <p:txBody>
+          <a:bodyPr wrap="none">
+            <a:spAutoFit/>
+          </a:bodyPr>
+          <a:lstStyle/>
+          <a:p>
+            <a:r>
+              <a:rPr lang="ja-JP" altLang="en-US"/>
+              <a:t>最上位ビットが必ず</a:t>
+            </a:r>
+            <a:r>
+              <a:rPr lang="en-US" altLang="ja-JP"/>
+              <a:t>1</a:t>
+            </a:r>
+            <a:endParaRPr lang="ja-JP" altLang="en-US"/>
+          </a:p>
+        </p:txBody>
+      </p:sp>
+      <p:sp>
+        <p:nvSpPr>
+          <p:cNvPr id="41" name="テキスト ボックス 40">
+            <a:extLst>
+              <a:ext uri="{FF2B5EF4-FFF2-40B4-BE49-F238E27FC236}">
+                <a16:creationId xmlns:a16="http://schemas.microsoft.com/office/drawing/2014/main" id="{F26EAF74-7780-254F-8A71-B94DE5EF3699}"/>
+              </a:ext>
+            </a:extLst>
+          </p:cNvPr>
+          <p:cNvSpPr txBox="1"/>
+          <p:nvPr/>
+        </p:nvSpPr>
+        <p:spPr>
+          <a:xfrm>
+            <a:off x="179512" y="6165304"/>
+            <a:ext cx="8233344" cy="369332"/>
+          </a:xfrm>
+          <a:prstGeom prst="rect">
+            <a:avLst/>
+          </a:prstGeom>
+          <a:noFill/>
+        </p:spPr>
+        <p:txBody>
+          <a:bodyPr wrap="none" rtlCol="0">
+            <a:spAutoFit/>
+          </a:bodyPr>
+          <a:lstStyle/>
+          <a:p>
+            <a:r>
+              <a:rPr lang="en-US" altLang="ja-JP"/>
+              <a:t>5c</a:t>
+            </a:r>
+            <a:r>
+              <a:rPr lang="ja-JP" altLang="en-US"/>
+              <a:t>は特別な文字</a:t>
+            </a:r>
+            <a:r>
+              <a:rPr lang="en-US" altLang="ja-JP"/>
+              <a:t>(</a:t>
+            </a:r>
+            <a:r>
+              <a:rPr lang="ja-JP" altLang="en-US"/>
+              <a:t>エスケープ</a:t>
+            </a:r>
+            <a:r>
+              <a:rPr lang="en-US" altLang="ja-JP"/>
+              <a:t>/</a:t>
+            </a:r>
+            <a:r>
+              <a:rPr lang="ja-JP" altLang="en-US"/>
+              <a:t>パスの区切り</a:t>
+            </a:r>
+            <a:r>
+              <a:rPr lang="en-US" altLang="ja-JP"/>
+              <a:t>)</a:t>
+            </a:r>
+            <a:r>
+              <a:rPr lang="ja-JP" altLang="en-US"/>
+              <a:t>であるため、不具合を起こしやすい</a:t>
+            </a:r>
+            <a:endParaRPr kumimoji="1" lang="ja-JP" altLang="en-US"/>
+          </a:p>
+        </p:txBody>
+      </p:sp>
+    </p:spTree>
+    <p:extLst>
+      <p:ext uri="{BB962C8B-B14F-4D97-AF65-F5344CB8AC3E}">
+        <p14:creationId xmlns:p14="http://schemas.microsoft.com/office/powerpoint/2010/main" val="3684265892"/>
+      </p:ext>
+    </p:extLst>
+  </p:cSld>
+  <p:clrMapOvr>
+    <a:masterClrMapping/>
+  </p:clrMapOvr>
+</p:sld>
+</file>
+
+<file path=ppt/slides/slide11.xml><?xml version="1.0" encoding="utf-8"?>
+<p:sld xmlns:a="http://schemas.openxmlformats.org/drawingml/2006/main" xmlns:r="http://schemas.openxmlformats.org/officeDocument/2006/relationships" xmlns:p="http://schemas.openxmlformats.org/presentationml/2006/main">
+  <p:cSld>
+    <p:spTree>
+      <p:nvGrpSpPr>
+        <p:cNvPr id="1" name=""/>
+        <p:cNvGrpSpPr/>
+        <p:nvPr/>
+      </p:nvGrpSpPr>
+      <p:grpSpPr>
+        <a:xfrm>
+          <a:off x="0" y="0"/>
+          <a:ext cx="0" cy="0"/>
+          <a:chOff x="0" y="0"/>
+          <a:chExt cx="0" cy="0"/>
+        </a:xfrm>
+      </p:grpSpPr>
+      <p:sp>
+        <p:nvSpPr>
+          <p:cNvPr id="2" name="テキスト プレースホルダー 1">
+            <a:extLst>
+              <a:ext uri="{FF2B5EF4-FFF2-40B4-BE49-F238E27FC236}">
+                <a16:creationId xmlns:a16="http://schemas.microsoft.com/office/drawing/2014/main" id="{36DAA93B-9351-1D4D-9CFC-E502766ED6CC}"/>
+              </a:ext>
+            </a:extLst>
+          </p:cNvPr>
+          <p:cNvSpPr>
+            <a:spLocks noGrp="1"/>
+          </p:cNvSpPr>
+          <p:nvPr>
+            <p:ph type="body" sz="quarter" idx="10"/>
+          </p:nvPr>
+        </p:nvSpPr>
+        <p:spPr/>
+        <p:txBody>
+          <a:bodyPr/>
+          <a:lstStyle/>
+          <a:p>
+            <a:r>
+              <a:rPr kumimoji="1" lang="en-US" altLang="ja-JP"/>
+              <a:t>UTF-8</a:t>
+            </a:r>
+            <a:endParaRPr kumimoji="1" lang="ja-JP" altLang="en-US"/>
+          </a:p>
+        </p:txBody>
+      </p:sp>
+      <p:sp>
+        <p:nvSpPr>
+          <p:cNvPr id="4" name="正方形/長方形 3">
+            <a:extLst>
+              <a:ext uri="{FF2B5EF4-FFF2-40B4-BE49-F238E27FC236}">
+                <a16:creationId xmlns:a16="http://schemas.microsoft.com/office/drawing/2014/main" id="{147ED3AD-F290-1F43-9EC2-3D60B1A21AF5}"/>
+              </a:ext>
+            </a:extLst>
+          </p:cNvPr>
+          <p:cNvSpPr/>
+          <p:nvPr/>
+        </p:nvSpPr>
+        <p:spPr>
+          <a:xfrm>
+            <a:off x="3635896" y="2780928"/>
+            <a:ext cx="3506088" cy="2585323"/>
+          </a:xfrm>
+          <a:prstGeom prst="rect">
+            <a:avLst/>
+          </a:prstGeom>
+        </p:spPr>
+        <p:txBody>
+          <a:bodyPr wrap="none">
+            <a:spAutoFit/>
+          </a:bodyPr>
+          <a:lstStyle/>
+          <a:p>
+            <a:r>
+              <a:rPr lang="en-US" altLang="ja-JP" sz="5400" dirty="0">
+                <a:latin typeface="Courier New" panose="02070309020205020404" pitchFamily="49" charset="0"/>
+                <a:ea typeface="ＭＳ ゴシック" panose="020B0609070205080204" pitchFamily="49" charset="-128"/>
+                <a:cs typeface="Courier New" panose="02070309020205020404" pitchFamily="49" charset="0"/>
+              </a:rPr>
+              <a:t>1110....</a:t>
+            </a:r>
+          </a:p>
+          <a:p>
+            <a:r>
+              <a:rPr lang="en-US" altLang="ja-JP" sz="5400" dirty="0">
+                <a:latin typeface="Courier New" panose="02070309020205020404" pitchFamily="49" charset="0"/>
+                <a:ea typeface="ＭＳ ゴシック" panose="020B0609070205080204" pitchFamily="49" charset="-128"/>
+                <a:cs typeface="Courier New" panose="02070309020205020404" pitchFamily="49" charset="0"/>
+              </a:rPr>
+              <a:t>10......</a:t>
+            </a:r>
+          </a:p>
+          <a:p>
+            <a:r>
+              <a:rPr lang="en-US" altLang="ja-JP" sz="5400" dirty="0">
+                <a:latin typeface="Courier New" panose="02070309020205020404" pitchFamily="49" charset="0"/>
+                <a:ea typeface="ＭＳ ゴシック" panose="020B0609070205080204" pitchFamily="49" charset="-128"/>
+                <a:cs typeface="Courier New" panose="02070309020205020404" pitchFamily="49" charset="0"/>
+              </a:rPr>
+              <a:t>10......</a:t>
+            </a:r>
+            <a:endParaRPr lang="ja-JP" altLang="en-US" sz="5400"/>
+          </a:p>
+        </p:txBody>
+      </p:sp>
+      <p:sp>
+        <p:nvSpPr>
+          <p:cNvPr id="5" name="テキスト ボックス 4">
+            <a:extLst>
+              <a:ext uri="{FF2B5EF4-FFF2-40B4-BE49-F238E27FC236}">
+                <a16:creationId xmlns:a16="http://schemas.microsoft.com/office/drawing/2014/main" id="{7A21A08E-E6CA-0840-BA74-BAA21140BDC4}"/>
+              </a:ext>
+            </a:extLst>
+          </p:cNvPr>
+          <p:cNvSpPr txBox="1"/>
+          <p:nvPr/>
+        </p:nvSpPr>
+        <p:spPr>
+          <a:xfrm>
+            <a:off x="827584" y="980728"/>
+            <a:ext cx="6032421" cy="830997"/>
+          </a:xfrm>
+          <a:prstGeom prst="rect">
+            <a:avLst/>
+          </a:prstGeom>
+          <a:noFill/>
+        </p:spPr>
+        <p:txBody>
+          <a:bodyPr wrap="none" rtlCol="0">
+            <a:spAutoFit/>
+          </a:bodyPr>
+          <a:lstStyle/>
+          <a:p>
+            <a:r>
+              <a:rPr kumimoji="1" lang="ja-JP" altLang="en-US" sz="2400"/>
+              <a:t>最初に「何バイト続くか」をビットで表現</a:t>
+            </a:r>
+            <a:endParaRPr kumimoji="1" lang="en-US" altLang="ja-JP" sz="2400"/>
+          </a:p>
+          <a:p>
+            <a:r>
+              <a:rPr lang="en-US" altLang="ja-JP" sz="2400"/>
+              <a:t>2</a:t>
+            </a:r>
+            <a:r>
+              <a:rPr lang="ja-JP" altLang="en-US" sz="2400"/>
+              <a:t>バイト目以降は「</a:t>
+            </a:r>
+            <a:r>
+              <a:rPr lang="en-US" altLang="ja-JP" sz="2400"/>
+              <a:t>10</a:t>
+            </a:r>
+            <a:r>
+              <a:rPr lang="ja-JP" altLang="en-US" sz="2400"/>
+              <a:t>」からスタート</a:t>
+            </a:r>
+            <a:endParaRPr kumimoji="1" lang="ja-JP" altLang="en-US" sz="2400"/>
+          </a:p>
+        </p:txBody>
+      </p:sp>
+      <p:sp>
+        <p:nvSpPr>
+          <p:cNvPr id="6" name="角丸四角形 5">
+            <a:extLst>
+              <a:ext uri="{FF2B5EF4-FFF2-40B4-BE49-F238E27FC236}">
+                <a16:creationId xmlns:a16="http://schemas.microsoft.com/office/drawing/2014/main" id="{C38B78C4-EA0D-9D46-A5B2-EC203BDCBAF9}"/>
+              </a:ext>
+            </a:extLst>
+          </p:cNvPr>
+          <p:cNvSpPr/>
+          <p:nvPr/>
+        </p:nvSpPr>
+        <p:spPr>
+          <a:xfrm>
+            <a:off x="3635896" y="2852936"/>
+            <a:ext cx="1800200" cy="720080"/>
+          </a:xfrm>
+          <a:prstGeom prst="roundRect">
+            <a:avLst/>
+          </a:prstGeom>
+          <a:noFill/>
+          <a:ln w="28575">
+            <a:solidFill>
+              <a:srgbClr val="FF0000"/>
+            </a:solidFill>
+          </a:ln>
+        </p:spPr>
+        <p:style>
+          <a:lnRef idx="2">
+            <a:schemeClr val="accent1">
+              <a:shade val="50000"/>
+            </a:schemeClr>
+          </a:lnRef>
+          <a:fillRef idx="1">
+            <a:schemeClr val="accent1"/>
+          </a:fillRef>
+          <a:effectRef idx="0">
+            <a:schemeClr val="accent1"/>
+          </a:effectRef>
+          <a:fontRef idx="minor">
+            <a:schemeClr val="lt1"/>
+          </a:fontRef>
+        </p:style>
+        <p:txBody>
+          <a:bodyPr rtlCol="0" anchor="ctr"/>
+          <a:lstStyle/>
+          <a:p>
+            <a:pPr algn="ctr"/>
+            <a:endParaRPr kumimoji="1" lang="ja-JP" altLang="en-US"/>
+          </a:p>
+        </p:txBody>
+      </p:sp>
+      <p:sp>
+        <p:nvSpPr>
+          <p:cNvPr id="7" name="テキスト ボックス 6">
+            <a:extLst>
+              <a:ext uri="{FF2B5EF4-FFF2-40B4-BE49-F238E27FC236}">
+                <a16:creationId xmlns:a16="http://schemas.microsoft.com/office/drawing/2014/main" id="{E4F4361F-3D84-024C-92C6-3A84455DDF58}"/>
+              </a:ext>
+            </a:extLst>
+          </p:cNvPr>
+          <p:cNvSpPr txBox="1"/>
+          <p:nvPr/>
+        </p:nvSpPr>
+        <p:spPr>
+          <a:xfrm>
+            <a:off x="1331640" y="2924944"/>
+            <a:ext cx="1800493" cy="523220"/>
+          </a:xfrm>
+          <a:prstGeom prst="rect">
+            <a:avLst/>
+          </a:prstGeom>
+          <a:noFill/>
+        </p:spPr>
+        <p:txBody>
+          <a:bodyPr wrap="none" rtlCol="0">
+            <a:spAutoFit/>
+          </a:bodyPr>
+          <a:lstStyle/>
+          <a:p>
+            <a:r>
+              <a:rPr kumimoji="1" lang="en-US" altLang="ja-JP" sz="2800"/>
+              <a:t>1</a:t>
+            </a:r>
+            <a:r>
+              <a:rPr kumimoji="1" lang="ja-JP" altLang="en-US" sz="2800"/>
+              <a:t>バイト目</a:t>
+            </a:r>
+          </a:p>
+        </p:txBody>
+      </p:sp>
+      <p:sp>
+        <p:nvSpPr>
+          <p:cNvPr id="8" name="テキスト ボックス 7">
+            <a:extLst>
+              <a:ext uri="{FF2B5EF4-FFF2-40B4-BE49-F238E27FC236}">
+                <a16:creationId xmlns:a16="http://schemas.microsoft.com/office/drawing/2014/main" id="{DF693673-2CB3-7B41-A0C1-131008639B59}"/>
+              </a:ext>
+            </a:extLst>
+          </p:cNvPr>
+          <p:cNvSpPr txBox="1"/>
+          <p:nvPr/>
+        </p:nvSpPr>
+        <p:spPr>
+          <a:xfrm>
+            <a:off x="1331640" y="3789040"/>
+            <a:ext cx="1800493" cy="523220"/>
+          </a:xfrm>
+          <a:prstGeom prst="rect">
+            <a:avLst/>
+          </a:prstGeom>
+          <a:noFill/>
+        </p:spPr>
+        <p:txBody>
+          <a:bodyPr wrap="none" rtlCol="0">
+            <a:spAutoFit/>
+          </a:bodyPr>
+          <a:lstStyle/>
+          <a:p>
+            <a:r>
+              <a:rPr kumimoji="1" lang="en-US" altLang="ja-JP" sz="2800"/>
+              <a:t>2</a:t>
+            </a:r>
+            <a:r>
+              <a:rPr kumimoji="1" lang="ja-JP" altLang="en-US" sz="2800"/>
+              <a:t>バイト目</a:t>
+            </a:r>
+          </a:p>
+        </p:txBody>
+      </p:sp>
+      <p:sp>
+        <p:nvSpPr>
+          <p:cNvPr id="9" name="テキスト ボックス 8">
+            <a:extLst>
+              <a:ext uri="{FF2B5EF4-FFF2-40B4-BE49-F238E27FC236}">
+                <a16:creationId xmlns:a16="http://schemas.microsoft.com/office/drawing/2014/main" id="{B49B7A97-AF32-7542-84F7-9F3C8DAB6989}"/>
+              </a:ext>
+            </a:extLst>
+          </p:cNvPr>
+          <p:cNvSpPr txBox="1"/>
+          <p:nvPr/>
+        </p:nvSpPr>
+        <p:spPr>
+          <a:xfrm>
+            <a:off x="1331640" y="4653136"/>
+            <a:ext cx="1800493" cy="523220"/>
+          </a:xfrm>
+          <a:prstGeom prst="rect">
+            <a:avLst/>
+          </a:prstGeom>
+          <a:noFill/>
+        </p:spPr>
+        <p:txBody>
+          <a:bodyPr wrap="none" rtlCol="0">
+            <a:spAutoFit/>
+          </a:bodyPr>
+          <a:lstStyle/>
+          <a:p>
+            <a:r>
+              <a:rPr kumimoji="1" lang="en-US" altLang="ja-JP" sz="2800"/>
+              <a:t>3</a:t>
+            </a:r>
+            <a:r>
+              <a:rPr kumimoji="1" lang="ja-JP" altLang="en-US" sz="2800"/>
+              <a:t>バイト目</a:t>
+            </a:r>
+          </a:p>
+        </p:txBody>
+      </p:sp>
+      <p:sp>
+        <p:nvSpPr>
+          <p:cNvPr id="10" name="テキスト ボックス 9">
+            <a:extLst>
+              <a:ext uri="{FF2B5EF4-FFF2-40B4-BE49-F238E27FC236}">
+                <a16:creationId xmlns:a16="http://schemas.microsoft.com/office/drawing/2014/main" id="{CCFCEEC4-3585-5D47-AD23-D799711DFCF9}"/>
+              </a:ext>
+            </a:extLst>
+          </p:cNvPr>
+          <p:cNvSpPr txBox="1"/>
+          <p:nvPr/>
+        </p:nvSpPr>
+        <p:spPr>
+          <a:xfrm>
+            <a:off x="2915816" y="1916832"/>
+            <a:ext cx="3236784" cy="523220"/>
+          </a:xfrm>
+          <a:prstGeom prst="rect">
+            <a:avLst/>
+          </a:prstGeom>
+          <a:noFill/>
+        </p:spPr>
+        <p:txBody>
+          <a:bodyPr wrap="none" rtlCol="0">
+            <a:spAutoFit/>
+          </a:bodyPr>
+          <a:lstStyle/>
+          <a:p>
+            <a:r>
+              <a:rPr kumimoji="1" lang="ja-JP" altLang="en-US" sz="2800"/>
+              <a:t>全部で</a:t>
+            </a:r>
+            <a:r>
+              <a:rPr kumimoji="1" lang="en-US" altLang="ja-JP" sz="2800"/>
+              <a:t>3</a:t>
+            </a:r>
+            <a:r>
+              <a:rPr kumimoji="1" lang="ja-JP" altLang="en-US" sz="2800"/>
+              <a:t>バイトです</a:t>
+            </a:r>
+          </a:p>
+        </p:txBody>
+      </p:sp>
+      <p:sp>
+        <p:nvSpPr>
+          <p:cNvPr id="11" name="角丸四角形 10">
+            <a:extLst>
+              <a:ext uri="{FF2B5EF4-FFF2-40B4-BE49-F238E27FC236}">
+                <a16:creationId xmlns:a16="http://schemas.microsoft.com/office/drawing/2014/main" id="{0934BAA8-79AE-EF40-B8B1-0BC7FBBFC4F8}"/>
+              </a:ext>
+            </a:extLst>
+          </p:cNvPr>
+          <p:cNvSpPr/>
+          <p:nvPr/>
+        </p:nvSpPr>
+        <p:spPr>
+          <a:xfrm>
+            <a:off x="3635896" y="3717032"/>
+            <a:ext cx="936104" cy="648072"/>
+          </a:xfrm>
+          <a:prstGeom prst="roundRect">
+            <a:avLst/>
+          </a:prstGeom>
+          <a:noFill/>
+          <a:ln w="28575">
+            <a:solidFill>
+              <a:srgbClr val="011893"/>
+            </a:solidFill>
+          </a:ln>
+        </p:spPr>
+        <p:style>
+          <a:lnRef idx="2">
+            <a:schemeClr val="accent1">
+              <a:shade val="50000"/>
+            </a:schemeClr>
+          </a:lnRef>
+          <a:fillRef idx="1">
+            <a:schemeClr val="accent1"/>
+          </a:fillRef>
+          <a:effectRef idx="0">
+            <a:schemeClr val="accent1"/>
+          </a:effectRef>
+          <a:fontRef idx="minor">
+            <a:schemeClr val="lt1"/>
+          </a:fontRef>
+        </p:style>
+        <p:txBody>
+          <a:bodyPr rtlCol="0" anchor="ctr"/>
+          <a:lstStyle/>
+          <a:p>
+            <a:pPr algn="ctr"/>
+            <a:endParaRPr kumimoji="1" lang="ja-JP" altLang="en-US"/>
+          </a:p>
+        </p:txBody>
+      </p:sp>
+      <p:sp>
+        <p:nvSpPr>
+          <p:cNvPr id="12" name="角丸四角形 11">
+            <a:extLst>
+              <a:ext uri="{FF2B5EF4-FFF2-40B4-BE49-F238E27FC236}">
+                <a16:creationId xmlns:a16="http://schemas.microsoft.com/office/drawing/2014/main" id="{0FACAF51-4423-984B-A8F2-B6B572C40423}"/>
+              </a:ext>
+            </a:extLst>
+          </p:cNvPr>
+          <p:cNvSpPr/>
+          <p:nvPr/>
+        </p:nvSpPr>
+        <p:spPr>
+          <a:xfrm>
+            <a:off x="3635896" y="4509120"/>
+            <a:ext cx="936104" cy="648072"/>
+          </a:xfrm>
+          <a:prstGeom prst="roundRect">
+            <a:avLst/>
+          </a:prstGeom>
+          <a:noFill/>
+          <a:ln w="28575">
+            <a:solidFill>
+              <a:srgbClr val="011893"/>
+            </a:solidFill>
+          </a:ln>
+        </p:spPr>
+        <p:style>
+          <a:lnRef idx="2">
+            <a:schemeClr val="accent1">
+              <a:shade val="50000"/>
+            </a:schemeClr>
+          </a:lnRef>
+          <a:fillRef idx="1">
+            <a:schemeClr val="accent1"/>
+          </a:fillRef>
+          <a:effectRef idx="0">
+            <a:schemeClr val="accent1"/>
+          </a:effectRef>
+          <a:fontRef idx="minor">
+            <a:schemeClr val="lt1"/>
+          </a:fontRef>
+        </p:style>
+        <p:txBody>
+          <a:bodyPr rtlCol="0" anchor="ctr"/>
+          <a:lstStyle/>
+          <a:p>
+            <a:pPr algn="ctr"/>
+            <a:endParaRPr kumimoji="1" lang="ja-JP" altLang="en-US"/>
+          </a:p>
+        </p:txBody>
+      </p:sp>
+      <p:cxnSp>
+        <p:nvCxnSpPr>
+          <p:cNvPr id="14" name="直線矢印コネクタ 13">
+            <a:extLst>
+              <a:ext uri="{FF2B5EF4-FFF2-40B4-BE49-F238E27FC236}">
+                <a16:creationId xmlns:a16="http://schemas.microsoft.com/office/drawing/2014/main" id="{A61DFDF9-4FE4-7745-A5BF-C7537182049B}"/>
+              </a:ext>
+            </a:extLst>
+          </p:cNvPr>
+          <p:cNvCxnSpPr>
+            <a:cxnSpLocks/>
+            <a:stCxn id="10" idx="2"/>
+          </p:cNvCxnSpPr>
+          <p:nvPr/>
+        </p:nvCxnSpPr>
+        <p:spPr>
+          <a:xfrm>
+            <a:off x="4534208" y="2440052"/>
+            <a:ext cx="0" cy="412884"/>
+          </a:xfrm>
+          <a:prstGeom prst="straightConnector1">
+            <a:avLst/>
+          </a:prstGeom>
+          <a:ln>
+            <a:solidFill>
+              <a:schemeClr val="tx1"/>
+            </a:solidFill>
+            <a:headEnd type="none" w="med" len="med"/>
+            <a:tailEnd type="triangle"/>
+          </a:ln>
+        </p:spPr>
+        <p:style>
+          <a:lnRef idx="1">
+            <a:schemeClr val="accent1"/>
+          </a:lnRef>
+          <a:fillRef idx="0">
+            <a:schemeClr val="accent1"/>
+          </a:fillRef>
+          <a:effectRef idx="0">
+            <a:schemeClr val="accent1"/>
+          </a:effectRef>
+          <a:fontRef idx="minor">
+            <a:schemeClr val="tx1"/>
+          </a:fontRef>
+        </p:style>
+      </p:cxnSp>
+      <p:sp>
+        <p:nvSpPr>
+          <p:cNvPr id="16" name="テキスト ボックス 15">
+            <a:extLst>
+              <a:ext uri="{FF2B5EF4-FFF2-40B4-BE49-F238E27FC236}">
+                <a16:creationId xmlns:a16="http://schemas.microsoft.com/office/drawing/2014/main" id="{A8DE3974-E04D-1141-837A-3C13DA9D5A13}"/>
+              </a:ext>
+            </a:extLst>
+          </p:cNvPr>
+          <p:cNvSpPr txBox="1"/>
+          <p:nvPr/>
+        </p:nvSpPr>
+        <p:spPr>
+          <a:xfrm>
+            <a:off x="1907704" y="5589240"/>
+            <a:ext cx="4530407" cy="523220"/>
+          </a:xfrm>
+          <a:prstGeom prst="rect">
+            <a:avLst/>
+          </a:prstGeom>
+          <a:noFill/>
+        </p:spPr>
+        <p:txBody>
+          <a:bodyPr wrap="none" rtlCol="0">
+            <a:spAutoFit/>
+          </a:bodyPr>
+          <a:lstStyle/>
+          <a:p>
+            <a:r>
+              <a:rPr kumimoji="1" lang="en-US" altLang="ja-JP" sz="2800"/>
+              <a:t>UTF</a:t>
+            </a:r>
+            <a:r>
+              <a:rPr lang="en-US" altLang="ja-JP" sz="2800"/>
+              <a:t>-8</a:t>
+            </a:r>
+            <a:r>
+              <a:rPr lang="ja-JP" altLang="en-US" sz="2800"/>
+              <a:t>の</a:t>
+            </a:r>
+            <a:r>
+              <a:rPr lang="en-US" altLang="ja-JP" sz="2800"/>
+              <a:t>2</a:t>
+            </a:r>
+            <a:r>
+              <a:rPr lang="ja-JP" altLang="en-US" sz="2800"/>
+              <a:t>バイト目以降です</a:t>
+            </a:r>
+            <a:endParaRPr kumimoji="1" lang="ja-JP" altLang="en-US" sz="2800"/>
+          </a:p>
+        </p:txBody>
+      </p:sp>
+      <p:cxnSp>
+        <p:nvCxnSpPr>
+          <p:cNvPr id="18" name="直線矢印コネクタ 17">
+            <a:extLst>
+              <a:ext uri="{FF2B5EF4-FFF2-40B4-BE49-F238E27FC236}">
+                <a16:creationId xmlns:a16="http://schemas.microsoft.com/office/drawing/2014/main" id="{843195D4-973B-2A4D-9ADB-7AA7AB71157B}"/>
+              </a:ext>
+            </a:extLst>
+          </p:cNvPr>
+          <p:cNvCxnSpPr>
+            <a:cxnSpLocks/>
+          </p:cNvCxnSpPr>
+          <p:nvPr/>
+        </p:nvCxnSpPr>
+        <p:spPr>
+          <a:xfrm flipV="1">
+            <a:off x="4067944" y="5229200"/>
+            <a:ext cx="0" cy="360040"/>
+          </a:xfrm>
+          <a:prstGeom prst="straightConnector1">
+            <a:avLst/>
+          </a:prstGeom>
+          <a:ln>
+            <a:solidFill>
+              <a:schemeClr val="tx1"/>
+            </a:solidFill>
+            <a:headEnd type="none" w="med" len="med"/>
+            <a:tailEnd type="triangle"/>
+          </a:ln>
+        </p:spPr>
+        <p:style>
+          <a:lnRef idx="1">
+            <a:schemeClr val="accent1"/>
+          </a:lnRef>
+          <a:fillRef idx="0">
+            <a:schemeClr val="accent1"/>
+          </a:fillRef>
+          <a:effectRef idx="0">
+            <a:schemeClr val="accent1"/>
+          </a:effectRef>
+          <a:fontRef idx="minor">
+            <a:schemeClr val="tx1"/>
+          </a:fontRef>
+        </p:style>
+      </p:cxnSp>
+      <p:sp>
+        <p:nvSpPr>
+          <p:cNvPr id="20" name="テキスト ボックス 19">
+            <a:extLst>
+              <a:ext uri="{FF2B5EF4-FFF2-40B4-BE49-F238E27FC236}">
+                <a16:creationId xmlns:a16="http://schemas.microsoft.com/office/drawing/2014/main" id="{FBE6BF7D-3FD1-C647-AE66-9C63109BFE77}"/>
+              </a:ext>
+            </a:extLst>
+          </p:cNvPr>
+          <p:cNvSpPr txBox="1"/>
+          <p:nvPr/>
+        </p:nvSpPr>
+        <p:spPr>
+          <a:xfrm>
+            <a:off x="5004048" y="6381328"/>
+            <a:ext cx="3365024" cy="369332"/>
+          </a:xfrm>
+          <a:prstGeom prst="rect">
+            <a:avLst/>
+          </a:prstGeom>
+          <a:noFill/>
+        </p:spPr>
+        <p:txBody>
+          <a:bodyPr wrap="none" rtlCol="0">
+            <a:spAutoFit/>
+          </a:bodyPr>
+          <a:lstStyle/>
+          <a:p>
+            <a:r>
+              <a:rPr lang="en-US" altLang="ja-JP"/>
+              <a:t>※ </a:t>
+            </a:r>
+            <a:r>
+              <a:rPr kumimoji="1" lang="ja-JP" altLang="en-US"/>
+              <a:t>必ず最上位ビットが</a:t>
+            </a:r>
+            <a:r>
+              <a:rPr kumimoji="1" lang="en-US" altLang="ja-JP"/>
+              <a:t>1</a:t>
+            </a:r>
+            <a:r>
+              <a:rPr kumimoji="1" lang="ja-JP" altLang="en-US"/>
+              <a:t>になる</a:t>
+            </a:r>
+          </a:p>
+        </p:txBody>
+      </p:sp>
+    </p:spTree>
+    <p:extLst>
+      <p:ext uri="{BB962C8B-B14F-4D97-AF65-F5344CB8AC3E}">
+        <p14:creationId xmlns:p14="http://schemas.microsoft.com/office/powerpoint/2010/main" val="4293955039"/>
+      </p:ext>
+    </p:extLst>
+  </p:cSld>
+  <p:clrMapOvr>
+    <a:masterClrMapping/>
+  </p:clrMapOvr>
+</p:sld>
+</file>
+
+<file path=ppt/slides/slide12.xml><?xml version="1.0" encoding="utf-8"?>
+<p:sld xmlns:a="http://schemas.openxmlformats.org/drawingml/2006/main" xmlns:r="http://schemas.openxmlformats.org/officeDocument/2006/relationships" xmlns:p="http://schemas.openxmlformats.org/presentationml/2006/main">
+  <p:cSld>
+    <p:spTree>
+      <p:nvGrpSpPr>
+        <p:cNvPr id="1" name=""/>
+        <p:cNvGrpSpPr/>
+        <p:nvPr/>
+      </p:nvGrpSpPr>
+      <p:grpSpPr>
+        <a:xfrm>
+          <a:off x="0" y="0"/>
+          <a:ext cx="0" cy="0"/>
+          <a:chOff x="0" y="0"/>
+          <a:chExt cx="0" cy="0"/>
+        </a:xfrm>
+      </p:grpSpPr>
+      <p:sp>
+        <p:nvSpPr>
+          <p:cNvPr id="2" name="テキスト プレースホルダー 1">
+            <a:extLst>
+              <a:ext uri="{FF2B5EF4-FFF2-40B4-BE49-F238E27FC236}">
+                <a16:creationId xmlns:a16="http://schemas.microsoft.com/office/drawing/2014/main" id="{6BCBB8DB-049A-3449-8DAA-04D712EDF385}"/>
+              </a:ext>
+            </a:extLst>
+          </p:cNvPr>
+          <p:cNvSpPr>
+            <a:spLocks noGrp="1"/>
+          </p:cNvSpPr>
+          <p:nvPr>
+            <p:ph type="body" sz="quarter" idx="10"/>
+          </p:nvPr>
+        </p:nvSpPr>
+        <p:spPr/>
+        <p:txBody>
+          <a:bodyPr/>
+          <a:lstStyle/>
+          <a:p>
+            <a:r>
+              <a:rPr kumimoji="1" lang="en-US" altLang="ja-JP"/>
+              <a:t>UTF-8</a:t>
+            </a:r>
+            <a:endParaRPr kumimoji="1" lang="ja-JP" altLang="en-US"/>
+          </a:p>
+        </p:txBody>
+      </p:sp>
+      <p:sp>
+        <p:nvSpPr>
+          <p:cNvPr id="4" name="テキスト ボックス 3">
+            <a:extLst>
+              <a:ext uri="{FF2B5EF4-FFF2-40B4-BE49-F238E27FC236}">
+                <a16:creationId xmlns:a16="http://schemas.microsoft.com/office/drawing/2014/main" id="{77020B2F-E930-B845-A5D8-BE5BEEF12AB6}"/>
+              </a:ext>
+            </a:extLst>
+          </p:cNvPr>
+          <p:cNvSpPr txBox="1"/>
+          <p:nvPr/>
+        </p:nvSpPr>
+        <p:spPr>
+          <a:xfrm>
+            <a:off x="783991" y="2706948"/>
+            <a:ext cx="2403222" cy="1754326"/>
+          </a:xfrm>
+          <a:prstGeom prst="rect">
+            <a:avLst/>
+          </a:prstGeom>
+          <a:noFill/>
+        </p:spPr>
+        <p:txBody>
+          <a:bodyPr wrap="none" rtlCol="0">
+            <a:spAutoFit/>
+          </a:bodyPr>
+          <a:lstStyle/>
+          <a:p>
+            <a:r>
+              <a:rPr kumimoji="1" lang="en-US" altLang="ja-JP" sz="3600" dirty="0">
+                <a:latin typeface="Courier New" panose="02070309020205020404" pitchFamily="49" charset="0"/>
+                <a:ea typeface="ＭＳ ゴシック" panose="020B0609070205080204" pitchFamily="49" charset="-128"/>
+                <a:cs typeface="Courier New" panose="02070309020205020404" pitchFamily="49" charset="0"/>
+              </a:rPr>
+              <a:t>1110</a:t>
+            </a:r>
+            <a:r>
+              <a:rPr kumimoji="1" lang="en-US" altLang="ja-JP" sz="3600" dirty="0">
+                <a:solidFill>
+                  <a:srgbClr val="FF0000"/>
+                </a:solidFill>
+                <a:latin typeface="Courier New" panose="02070309020205020404" pitchFamily="49" charset="0"/>
+                <a:ea typeface="ＭＳ ゴシック" panose="020B0609070205080204" pitchFamily="49" charset="-128"/>
+                <a:cs typeface="Courier New" panose="02070309020205020404" pitchFamily="49" charset="0"/>
+              </a:rPr>
+              <a:t>AAAA</a:t>
+            </a:r>
+          </a:p>
+          <a:p>
+            <a:r>
+              <a:rPr lang="en-US" altLang="ja-JP" sz="3600" dirty="0">
+                <a:latin typeface="Courier New" panose="02070309020205020404" pitchFamily="49" charset="0"/>
+                <a:ea typeface="ＭＳ ゴシック" panose="020B0609070205080204" pitchFamily="49" charset="-128"/>
+                <a:cs typeface="Courier New" panose="02070309020205020404" pitchFamily="49" charset="0"/>
+              </a:rPr>
+              <a:t>10</a:t>
+            </a:r>
+            <a:r>
+              <a:rPr lang="en-US" altLang="ja-JP" sz="3600" dirty="0">
+                <a:solidFill>
+                  <a:schemeClr val="accent1"/>
+                </a:solidFill>
+                <a:latin typeface="Courier New" panose="02070309020205020404" pitchFamily="49" charset="0"/>
+                <a:ea typeface="ＭＳ ゴシック" panose="020B0609070205080204" pitchFamily="49" charset="-128"/>
+                <a:cs typeface="Courier New" panose="02070309020205020404" pitchFamily="49" charset="0"/>
+              </a:rPr>
+              <a:t>BBBB</a:t>
+            </a:r>
+            <a:r>
+              <a:rPr lang="en-US" altLang="ja-JP" sz="3600" dirty="0">
+                <a:solidFill>
+                  <a:srgbClr val="011893"/>
+                </a:solidFill>
+                <a:latin typeface="Courier New" panose="02070309020205020404" pitchFamily="49" charset="0"/>
+                <a:ea typeface="ＭＳ ゴシック" panose="020B0609070205080204" pitchFamily="49" charset="-128"/>
+                <a:cs typeface="Courier New" panose="02070309020205020404" pitchFamily="49" charset="0"/>
+              </a:rPr>
+              <a:t>CC</a:t>
+            </a:r>
+          </a:p>
+          <a:p>
+            <a:r>
+              <a:rPr kumimoji="1" lang="en-US" altLang="ja-JP" sz="3600" dirty="0">
+                <a:latin typeface="Courier New" panose="02070309020205020404" pitchFamily="49" charset="0"/>
+                <a:ea typeface="ＭＳ ゴシック" panose="020B0609070205080204" pitchFamily="49" charset="-128"/>
+                <a:cs typeface="Courier New" panose="02070309020205020404" pitchFamily="49" charset="0"/>
+              </a:rPr>
+              <a:t>10</a:t>
+            </a:r>
+            <a:r>
+              <a:rPr kumimoji="1" lang="en-US" altLang="ja-JP" sz="3600" dirty="0">
+                <a:solidFill>
+                  <a:srgbClr val="011893"/>
+                </a:solidFill>
+                <a:latin typeface="Courier New" panose="02070309020205020404" pitchFamily="49" charset="0"/>
+                <a:ea typeface="ＭＳ ゴシック" panose="020B0609070205080204" pitchFamily="49" charset="-128"/>
+                <a:cs typeface="Courier New" panose="02070309020205020404" pitchFamily="49" charset="0"/>
+              </a:rPr>
+              <a:t>CC</a:t>
+            </a:r>
+            <a:r>
+              <a:rPr kumimoji="1" lang="en-US" altLang="ja-JP" sz="3600" dirty="0">
+                <a:solidFill>
+                  <a:srgbClr val="92D050"/>
+                </a:solidFill>
+                <a:latin typeface="Courier New" panose="02070309020205020404" pitchFamily="49" charset="0"/>
+                <a:ea typeface="ＭＳ ゴシック" panose="020B0609070205080204" pitchFamily="49" charset="-128"/>
+                <a:cs typeface="Courier New" panose="02070309020205020404" pitchFamily="49" charset="0"/>
+              </a:rPr>
+              <a:t>DDDD</a:t>
+            </a:r>
+            <a:endParaRPr kumimoji="1" lang="ja-JP" altLang="en-US" sz="3600" dirty="0">
+              <a:solidFill>
+                <a:srgbClr val="92D050"/>
+              </a:solidFill>
+              <a:latin typeface="Courier New" panose="02070309020205020404" pitchFamily="49" charset="0"/>
+              <a:ea typeface="ＭＳ ゴシック" panose="020B0609070205080204" pitchFamily="49" charset="-128"/>
+              <a:cs typeface="Courier New" panose="02070309020205020404" pitchFamily="49" charset="0"/>
+            </a:endParaRPr>
+          </a:p>
+        </p:txBody>
+      </p:sp>
+      <p:sp>
+        <p:nvSpPr>
+          <p:cNvPr id="5" name="テキスト ボックス 4">
+            <a:extLst>
+              <a:ext uri="{FF2B5EF4-FFF2-40B4-BE49-F238E27FC236}">
+                <a16:creationId xmlns:a16="http://schemas.microsoft.com/office/drawing/2014/main" id="{12373E2C-D332-D347-8B4C-BD5D08C5A695}"/>
+              </a:ext>
+            </a:extLst>
+          </p:cNvPr>
+          <p:cNvSpPr txBox="1"/>
+          <p:nvPr/>
+        </p:nvSpPr>
+        <p:spPr>
+          <a:xfrm>
+            <a:off x="467544" y="2044712"/>
+            <a:ext cx="3071675" cy="369332"/>
+          </a:xfrm>
+          <a:prstGeom prst="rect">
+            <a:avLst/>
+          </a:prstGeom>
+          <a:noFill/>
+        </p:spPr>
+        <p:txBody>
+          <a:bodyPr wrap="none" rtlCol="0">
+            <a:spAutoFit/>
+          </a:bodyPr>
+          <a:lstStyle/>
+          <a:p>
+            <a:r>
+              <a:rPr lang="ja-JP" altLang="en-US" dirty="0"/>
+              <a:t>連続する</a:t>
+            </a:r>
+            <a:r>
+              <a:rPr lang="en-US" altLang="ja-JP" dirty="0"/>
+              <a:t>1</a:t>
+            </a:r>
+            <a:r>
+              <a:rPr lang="ja-JP" altLang="en-US" dirty="0"/>
+              <a:t>がバイト数を表現</a:t>
+            </a:r>
+            <a:endParaRPr kumimoji="1" lang="ja-JP" altLang="en-US" dirty="0"/>
+          </a:p>
+        </p:txBody>
+      </p:sp>
+      <p:sp>
+        <p:nvSpPr>
+          <p:cNvPr id="6" name="角丸四角形 5">
+            <a:extLst>
+              <a:ext uri="{FF2B5EF4-FFF2-40B4-BE49-F238E27FC236}">
+                <a16:creationId xmlns:a16="http://schemas.microsoft.com/office/drawing/2014/main" id="{721318B9-7716-4441-B9D8-C441625EE3B2}"/>
+              </a:ext>
+            </a:extLst>
+          </p:cNvPr>
+          <p:cNvSpPr/>
+          <p:nvPr/>
+        </p:nvSpPr>
+        <p:spPr>
+          <a:xfrm>
+            <a:off x="855471" y="3364093"/>
+            <a:ext cx="554181" cy="997527"/>
+          </a:xfrm>
+          <a:prstGeom prst="roundRect">
+            <a:avLst/>
+          </a:prstGeom>
+          <a:noFill/>
+          <a:ln>
+            <a:solidFill>
+              <a:schemeClr val="tx1"/>
+            </a:solidFill>
+          </a:ln>
+        </p:spPr>
+        <p:style>
+          <a:lnRef idx="2">
+            <a:schemeClr val="accent1">
+              <a:shade val="50000"/>
+            </a:schemeClr>
+          </a:lnRef>
+          <a:fillRef idx="1">
+            <a:schemeClr val="accent1"/>
+          </a:fillRef>
+          <a:effectRef idx="0">
+            <a:schemeClr val="accent1"/>
+          </a:effectRef>
+          <a:fontRef idx="minor">
+            <a:schemeClr val="lt1"/>
+          </a:fontRef>
+        </p:style>
+        <p:txBody>
+          <a:bodyPr rtlCol="0" anchor="ctr"/>
+          <a:lstStyle/>
+          <a:p>
+            <a:pPr algn="ctr"/>
+            <a:endParaRPr kumimoji="1" lang="ja-JP" altLang="en-US"/>
+          </a:p>
+        </p:txBody>
+      </p:sp>
+      <p:sp>
+        <p:nvSpPr>
+          <p:cNvPr id="7" name="テキスト ボックス 6">
+            <a:extLst>
+              <a:ext uri="{FF2B5EF4-FFF2-40B4-BE49-F238E27FC236}">
+                <a16:creationId xmlns:a16="http://schemas.microsoft.com/office/drawing/2014/main" id="{A2563CB9-355A-3041-982A-D00951C0EA7F}"/>
+              </a:ext>
+            </a:extLst>
+          </p:cNvPr>
+          <p:cNvSpPr txBox="1"/>
+          <p:nvPr/>
+        </p:nvSpPr>
+        <p:spPr>
+          <a:xfrm>
+            <a:off x="467544" y="4797152"/>
+            <a:ext cx="3071675" cy="369332"/>
+          </a:xfrm>
+          <a:prstGeom prst="rect">
+            <a:avLst/>
+          </a:prstGeom>
+          <a:noFill/>
+        </p:spPr>
+        <p:txBody>
+          <a:bodyPr wrap="none" rtlCol="0">
+            <a:spAutoFit/>
+          </a:bodyPr>
+          <a:lstStyle/>
+          <a:p>
+            <a:r>
+              <a:rPr kumimoji="1" lang="en-US" altLang="ja-JP" dirty="0"/>
+              <a:t>2</a:t>
+            </a:r>
+            <a:r>
+              <a:rPr lang="ja-JP" altLang="en-US" dirty="0"/>
+              <a:t>バイト目以降の予約ビット</a:t>
+            </a:r>
+            <a:endParaRPr kumimoji="1" lang="ja-JP" altLang="en-US" dirty="0"/>
+          </a:p>
+        </p:txBody>
+      </p:sp>
+      <p:cxnSp>
+        <p:nvCxnSpPr>
+          <p:cNvPr id="8" name="直線矢印コネクタ 7">
+            <a:extLst>
+              <a:ext uri="{FF2B5EF4-FFF2-40B4-BE49-F238E27FC236}">
+                <a16:creationId xmlns:a16="http://schemas.microsoft.com/office/drawing/2014/main" id="{00984412-06C8-714F-8633-C22DDC580146}"/>
+              </a:ext>
+            </a:extLst>
+          </p:cNvPr>
+          <p:cNvCxnSpPr>
+            <a:endCxn id="6" idx="2"/>
+          </p:cNvCxnSpPr>
+          <p:nvPr/>
+        </p:nvCxnSpPr>
+        <p:spPr>
+          <a:xfrm flipH="1" flipV="1">
+            <a:off x="1132562" y="4361620"/>
+            <a:ext cx="1" cy="435532"/>
+          </a:xfrm>
+          <a:prstGeom prst="straightConnector1">
+            <a:avLst/>
+          </a:prstGeom>
+          <a:ln w="12700">
+            <a:solidFill>
+              <a:schemeClr val="tx1"/>
+            </a:solidFill>
+            <a:tailEnd type="triangle"/>
+          </a:ln>
+        </p:spPr>
+        <p:style>
+          <a:lnRef idx="1">
+            <a:schemeClr val="accent1"/>
+          </a:lnRef>
+          <a:fillRef idx="0">
+            <a:schemeClr val="accent1"/>
+          </a:fillRef>
+          <a:effectRef idx="0">
+            <a:schemeClr val="accent1"/>
+          </a:effectRef>
+          <a:fontRef idx="minor">
+            <a:schemeClr val="tx1"/>
+          </a:fontRef>
+        </p:style>
+      </p:cxnSp>
+      <p:sp>
+        <p:nvSpPr>
+          <p:cNvPr id="9" name="角丸四角形 8">
+            <a:extLst>
+              <a:ext uri="{FF2B5EF4-FFF2-40B4-BE49-F238E27FC236}">
+                <a16:creationId xmlns:a16="http://schemas.microsoft.com/office/drawing/2014/main" id="{B97465D8-8264-F143-A296-A1B0D1E88868}"/>
+              </a:ext>
+            </a:extLst>
+          </p:cNvPr>
+          <p:cNvSpPr/>
+          <p:nvPr/>
+        </p:nvSpPr>
+        <p:spPr>
+          <a:xfrm>
+            <a:off x="855472" y="2791438"/>
+            <a:ext cx="1099127" cy="443346"/>
+          </a:xfrm>
+          <a:prstGeom prst="roundRect">
+            <a:avLst/>
+          </a:prstGeom>
+          <a:noFill/>
+          <a:ln>
+            <a:solidFill>
+              <a:schemeClr val="tx1"/>
+            </a:solidFill>
+          </a:ln>
+        </p:spPr>
+        <p:style>
+          <a:lnRef idx="2">
+            <a:schemeClr val="accent1">
+              <a:shade val="50000"/>
+            </a:schemeClr>
+          </a:lnRef>
+          <a:fillRef idx="1">
+            <a:schemeClr val="accent1"/>
+          </a:fillRef>
+          <a:effectRef idx="0">
+            <a:schemeClr val="accent1"/>
+          </a:effectRef>
+          <a:fontRef idx="minor">
+            <a:schemeClr val="lt1"/>
+          </a:fontRef>
+        </p:style>
+        <p:txBody>
+          <a:bodyPr rtlCol="0" anchor="ctr"/>
+          <a:lstStyle/>
+          <a:p>
+            <a:pPr algn="ctr"/>
+            <a:endParaRPr kumimoji="1" lang="ja-JP" altLang="en-US"/>
+          </a:p>
+        </p:txBody>
+      </p:sp>
+      <p:cxnSp>
+        <p:nvCxnSpPr>
+          <p:cNvPr id="10" name="直線矢印コネクタ 9">
+            <a:extLst>
+              <a:ext uri="{FF2B5EF4-FFF2-40B4-BE49-F238E27FC236}">
+                <a16:creationId xmlns:a16="http://schemas.microsoft.com/office/drawing/2014/main" id="{A18050A7-9DBD-8A4F-864A-1A3004DA5132}"/>
+              </a:ext>
+            </a:extLst>
+          </p:cNvPr>
+          <p:cNvCxnSpPr/>
+          <p:nvPr/>
+        </p:nvCxnSpPr>
+        <p:spPr>
+          <a:xfrm>
+            <a:off x="1331144" y="2385038"/>
+            <a:ext cx="0" cy="406400"/>
+          </a:xfrm>
+          <a:prstGeom prst="straightConnector1">
+            <a:avLst/>
+          </a:prstGeom>
+          <a:ln w="12700">
+            <a:solidFill>
+              <a:schemeClr val="tx1"/>
+            </a:solidFill>
+            <a:tailEnd type="triangle"/>
+          </a:ln>
+        </p:spPr>
+        <p:style>
+          <a:lnRef idx="1">
+            <a:schemeClr val="accent1"/>
+          </a:lnRef>
+          <a:fillRef idx="0">
+            <a:schemeClr val="accent1"/>
+          </a:fillRef>
+          <a:effectRef idx="0">
+            <a:schemeClr val="accent1"/>
+          </a:effectRef>
+          <a:fontRef idx="minor">
+            <a:schemeClr val="tx1"/>
+          </a:fontRef>
+        </p:style>
+      </p:cxnSp>
+      <p:sp>
+        <p:nvSpPr>
+          <p:cNvPr id="11" name="右中かっこ 10">
+            <a:extLst>
+              <a:ext uri="{FF2B5EF4-FFF2-40B4-BE49-F238E27FC236}">
+                <a16:creationId xmlns:a16="http://schemas.microsoft.com/office/drawing/2014/main" id="{547E4390-1CA8-234E-8FF4-04FDE1338F55}"/>
+              </a:ext>
+            </a:extLst>
+          </p:cNvPr>
+          <p:cNvSpPr/>
+          <p:nvPr/>
+        </p:nvSpPr>
+        <p:spPr>
+          <a:xfrm>
+            <a:off x="3065385" y="2883802"/>
+            <a:ext cx="283905" cy="1385455"/>
+          </a:xfrm>
+          <a:prstGeom prst="rightBrace">
+            <a:avLst/>
+          </a:prstGeom>
+          <a:ln w="12700">
+            <a:solidFill>
+              <a:schemeClr val="tx1"/>
+            </a:solidFill>
+          </a:ln>
+        </p:spPr>
+        <p:style>
+          <a:lnRef idx="1">
+            <a:schemeClr val="accent1"/>
+          </a:lnRef>
+          <a:fillRef idx="0">
+            <a:schemeClr val="accent1"/>
+          </a:fillRef>
+          <a:effectRef idx="0">
+            <a:schemeClr val="accent1"/>
+          </a:effectRef>
+          <a:fontRef idx="minor">
+            <a:schemeClr val="tx1"/>
+          </a:fontRef>
+        </p:style>
+        <p:txBody>
+          <a:bodyPr rtlCol="0" anchor="ctr"/>
+          <a:lstStyle/>
+          <a:p>
+            <a:pPr algn="ctr"/>
+            <a:endParaRPr kumimoji="1" lang="ja-JP" altLang="en-US" dirty="0"/>
+          </a:p>
+        </p:txBody>
+      </p:sp>
+      <p:sp>
+        <p:nvSpPr>
+          <p:cNvPr id="12" name="テキスト ボックス 11">
+            <a:extLst>
+              <a:ext uri="{FF2B5EF4-FFF2-40B4-BE49-F238E27FC236}">
+                <a16:creationId xmlns:a16="http://schemas.microsoft.com/office/drawing/2014/main" id="{80F915DB-C6ED-254F-979C-5F8A9DC16032}"/>
+              </a:ext>
+            </a:extLst>
+          </p:cNvPr>
+          <p:cNvSpPr txBox="1"/>
+          <p:nvPr/>
+        </p:nvSpPr>
+        <p:spPr>
+          <a:xfrm>
+            <a:off x="3345665" y="3399445"/>
+            <a:ext cx="1338828" cy="369332"/>
+          </a:xfrm>
+          <a:prstGeom prst="rect">
+            <a:avLst/>
+          </a:prstGeom>
+          <a:noFill/>
+        </p:spPr>
+        <p:txBody>
+          <a:bodyPr wrap="none" rtlCol="0">
+            <a:spAutoFit/>
+          </a:bodyPr>
+          <a:lstStyle/>
+          <a:p>
+            <a:r>
+              <a:rPr lang="ja-JP" altLang="en-US" dirty="0"/>
+              <a:t>データ部分</a:t>
+            </a:r>
+            <a:endParaRPr kumimoji="1" lang="ja-JP" altLang="en-US" dirty="0"/>
+          </a:p>
+        </p:txBody>
+      </p:sp>
+      <p:sp>
+        <p:nvSpPr>
+          <p:cNvPr id="13" name="テキスト ボックス 12">
+            <a:extLst>
+              <a:ext uri="{FF2B5EF4-FFF2-40B4-BE49-F238E27FC236}">
+                <a16:creationId xmlns:a16="http://schemas.microsoft.com/office/drawing/2014/main" id="{4D196884-AD13-CF4A-A9A9-76549B587CE3}"/>
+              </a:ext>
+            </a:extLst>
+          </p:cNvPr>
+          <p:cNvSpPr txBox="1"/>
+          <p:nvPr/>
+        </p:nvSpPr>
+        <p:spPr>
+          <a:xfrm>
+            <a:off x="5076056" y="3861048"/>
+            <a:ext cx="2484976" cy="523220"/>
+          </a:xfrm>
+          <a:prstGeom prst="rect">
+            <a:avLst/>
+          </a:prstGeom>
+          <a:noFill/>
+        </p:spPr>
+        <p:txBody>
+          <a:bodyPr wrap="none" rtlCol="0">
+            <a:spAutoFit/>
+          </a:bodyPr>
+          <a:lstStyle/>
+          <a:p>
+            <a:r>
+              <a:rPr lang="ja-JP" altLang="en-US" sz="2800" dirty="0"/>
+              <a:t>「あ」 </a:t>
+            </a:r>
+            <a:r>
+              <a:rPr lang="en-US" altLang="ja-JP" sz="2800" dirty="0"/>
+              <a:t>U+3042</a:t>
+            </a:r>
+            <a:endParaRPr kumimoji="1" lang="ja-JP" altLang="en-US" sz="2800" dirty="0"/>
+          </a:p>
+        </p:txBody>
+      </p:sp>
+      <p:sp>
+        <p:nvSpPr>
+          <p:cNvPr id="14" name="テキスト ボックス 13">
+            <a:extLst>
+              <a:ext uri="{FF2B5EF4-FFF2-40B4-BE49-F238E27FC236}">
+                <a16:creationId xmlns:a16="http://schemas.microsoft.com/office/drawing/2014/main" id="{8A52F00A-226E-FB4C-BD44-47E9520B931E}"/>
+              </a:ext>
+            </a:extLst>
+          </p:cNvPr>
+          <p:cNvSpPr txBox="1"/>
+          <p:nvPr/>
+        </p:nvSpPr>
+        <p:spPr>
+          <a:xfrm>
+            <a:off x="5652120" y="1916832"/>
+            <a:ext cx="2403222" cy="1754326"/>
+          </a:xfrm>
+          <a:prstGeom prst="rect">
+            <a:avLst/>
+          </a:prstGeom>
+          <a:noFill/>
+        </p:spPr>
+        <p:txBody>
+          <a:bodyPr wrap="none" rtlCol="0">
+            <a:spAutoFit/>
+          </a:bodyPr>
+          <a:lstStyle/>
+          <a:p>
+            <a:r>
+              <a:rPr kumimoji="1" lang="en-US" altLang="ja-JP" sz="3600" dirty="0">
+                <a:latin typeface="Courier New" panose="02070309020205020404" pitchFamily="49" charset="0"/>
+                <a:ea typeface="ＭＳ ゴシック" panose="020B0609070205080204" pitchFamily="49" charset="-128"/>
+                <a:cs typeface="Courier New" panose="02070309020205020404" pitchFamily="49" charset="0"/>
+              </a:rPr>
+              <a:t>1110</a:t>
+            </a:r>
+            <a:r>
+              <a:rPr kumimoji="1" lang="en-US" altLang="ja-JP" sz="3600" dirty="0">
+                <a:solidFill>
+                  <a:srgbClr val="FF0000"/>
+                </a:solidFill>
+                <a:latin typeface="Courier New" panose="02070309020205020404" pitchFamily="49" charset="0"/>
+                <a:ea typeface="ＭＳ ゴシック" panose="020B0609070205080204" pitchFamily="49" charset="-128"/>
+                <a:cs typeface="Courier New" panose="02070309020205020404" pitchFamily="49" charset="0"/>
+              </a:rPr>
+              <a:t>0011</a:t>
+            </a:r>
+          </a:p>
+          <a:p>
+            <a:r>
+              <a:rPr lang="en-US" altLang="ja-JP" sz="3600" dirty="0">
+                <a:latin typeface="Courier New" panose="02070309020205020404" pitchFamily="49" charset="0"/>
+                <a:ea typeface="ＭＳ ゴシック" panose="020B0609070205080204" pitchFamily="49" charset="-128"/>
+                <a:cs typeface="Courier New" panose="02070309020205020404" pitchFamily="49" charset="0"/>
+              </a:rPr>
+              <a:t>10</a:t>
+            </a:r>
+            <a:r>
+              <a:rPr lang="en-US" altLang="ja-JP" sz="3600" dirty="0">
+                <a:solidFill>
+                  <a:schemeClr val="accent1"/>
+                </a:solidFill>
+                <a:latin typeface="Courier New" panose="02070309020205020404" pitchFamily="49" charset="0"/>
+                <a:ea typeface="ＭＳ ゴシック" panose="020B0609070205080204" pitchFamily="49" charset="-128"/>
+                <a:cs typeface="Courier New" panose="02070309020205020404" pitchFamily="49" charset="0"/>
+              </a:rPr>
+              <a:t>0000</a:t>
+            </a:r>
+            <a:r>
+              <a:rPr lang="en-US" altLang="ja-JP" sz="3600" dirty="0">
+                <a:solidFill>
+                  <a:srgbClr val="011893"/>
+                </a:solidFill>
+                <a:latin typeface="Courier New" panose="02070309020205020404" pitchFamily="49" charset="0"/>
+                <a:ea typeface="ＭＳ ゴシック" panose="020B0609070205080204" pitchFamily="49" charset="-128"/>
+                <a:cs typeface="Courier New" panose="02070309020205020404" pitchFamily="49" charset="0"/>
+              </a:rPr>
+              <a:t>01</a:t>
+            </a:r>
+          </a:p>
+          <a:p>
+            <a:r>
+              <a:rPr kumimoji="1" lang="en-US" altLang="ja-JP" sz="3600" dirty="0">
+                <a:latin typeface="Courier New" panose="02070309020205020404" pitchFamily="49" charset="0"/>
+                <a:ea typeface="ＭＳ ゴシック" panose="020B0609070205080204" pitchFamily="49" charset="-128"/>
+                <a:cs typeface="Courier New" panose="02070309020205020404" pitchFamily="49" charset="0"/>
+              </a:rPr>
+              <a:t>10</a:t>
+            </a:r>
+            <a:r>
+              <a:rPr kumimoji="1" lang="en-US" altLang="ja-JP" sz="3600" dirty="0">
+                <a:solidFill>
+                  <a:srgbClr val="011893"/>
+                </a:solidFill>
+                <a:latin typeface="Courier New" panose="02070309020205020404" pitchFamily="49" charset="0"/>
+                <a:ea typeface="ＭＳ ゴシック" panose="020B0609070205080204" pitchFamily="49" charset="-128"/>
+                <a:cs typeface="Courier New" panose="02070309020205020404" pitchFamily="49" charset="0"/>
+              </a:rPr>
+              <a:t>00</a:t>
+            </a:r>
+            <a:r>
+              <a:rPr kumimoji="1" lang="en-US" altLang="ja-JP" sz="3600" dirty="0">
+                <a:solidFill>
+                  <a:srgbClr val="92D050"/>
+                </a:solidFill>
+                <a:latin typeface="Courier New" panose="02070309020205020404" pitchFamily="49" charset="0"/>
+                <a:ea typeface="ＭＳ ゴシック" panose="020B0609070205080204" pitchFamily="49" charset="-128"/>
+                <a:cs typeface="Courier New" panose="02070309020205020404" pitchFamily="49" charset="0"/>
+              </a:rPr>
+              <a:t>0010</a:t>
+            </a:r>
+            <a:endParaRPr kumimoji="1" lang="ja-JP" altLang="en-US" sz="3600" dirty="0">
+              <a:solidFill>
+                <a:srgbClr val="92D050"/>
+              </a:solidFill>
+              <a:latin typeface="Courier New" panose="02070309020205020404" pitchFamily="49" charset="0"/>
+              <a:ea typeface="ＭＳ ゴシック" panose="020B0609070205080204" pitchFamily="49" charset="-128"/>
+              <a:cs typeface="Courier New" panose="02070309020205020404" pitchFamily="49" charset="0"/>
+            </a:endParaRPr>
+          </a:p>
+        </p:txBody>
+      </p:sp>
+      <p:sp>
+        <p:nvSpPr>
+          <p:cNvPr id="15" name="テキスト ボックス 14">
+            <a:extLst>
+              <a:ext uri="{FF2B5EF4-FFF2-40B4-BE49-F238E27FC236}">
+                <a16:creationId xmlns:a16="http://schemas.microsoft.com/office/drawing/2014/main" id="{DF8C45B1-89B2-444C-BAE1-2B5C040DB348}"/>
+              </a:ext>
+            </a:extLst>
+          </p:cNvPr>
+          <p:cNvSpPr txBox="1"/>
+          <p:nvPr/>
+        </p:nvSpPr>
+        <p:spPr>
+          <a:xfrm>
+            <a:off x="8055342" y="1897776"/>
+            <a:ext cx="739305" cy="1754326"/>
+          </a:xfrm>
+          <a:prstGeom prst="rect">
+            <a:avLst/>
+          </a:prstGeom>
+          <a:noFill/>
+        </p:spPr>
+        <p:txBody>
+          <a:bodyPr wrap="none" rtlCol="0">
+            <a:spAutoFit/>
+          </a:bodyPr>
+          <a:lstStyle/>
+          <a:p>
+            <a:r>
+              <a:rPr kumimoji="1" lang="en-US" altLang="ja-JP" sz="3600" dirty="0">
+                <a:latin typeface="Courier New" panose="02070309020205020404" pitchFamily="49" charset="0"/>
+                <a:ea typeface="ＭＳ ゴシック" panose="020B0609070205080204" pitchFamily="49" charset="-128"/>
+                <a:cs typeface="Courier New" panose="02070309020205020404" pitchFamily="49" charset="0"/>
+              </a:rPr>
+              <a:t>E3</a:t>
+            </a:r>
+            <a:endParaRPr kumimoji="1" lang="en-US" altLang="ja-JP" sz="3600" dirty="0">
+              <a:solidFill>
+                <a:srgbClr val="FF0000"/>
+              </a:solidFill>
+              <a:latin typeface="Courier New" panose="02070309020205020404" pitchFamily="49" charset="0"/>
+              <a:ea typeface="ＭＳ ゴシック" panose="020B0609070205080204" pitchFamily="49" charset="-128"/>
+              <a:cs typeface="Courier New" panose="02070309020205020404" pitchFamily="49" charset="0"/>
+            </a:endParaRPr>
+          </a:p>
+          <a:p>
+            <a:r>
+              <a:rPr lang="en-US" altLang="ja-JP" sz="3600" dirty="0">
+                <a:latin typeface="Courier New" panose="02070309020205020404" pitchFamily="49" charset="0"/>
+                <a:ea typeface="ＭＳ ゴシック" panose="020B0609070205080204" pitchFamily="49" charset="-128"/>
+                <a:cs typeface="Courier New" panose="02070309020205020404" pitchFamily="49" charset="0"/>
+              </a:rPr>
+              <a:t>81</a:t>
+            </a:r>
+            <a:endParaRPr lang="en-US" altLang="ja-JP" sz="3600" dirty="0">
+              <a:solidFill>
+                <a:srgbClr val="FFC000"/>
+              </a:solidFill>
+              <a:latin typeface="Courier New" panose="02070309020205020404" pitchFamily="49" charset="0"/>
+              <a:ea typeface="ＭＳ ゴシック" panose="020B0609070205080204" pitchFamily="49" charset="-128"/>
+              <a:cs typeface="Courier New" panose="02070309020205020404" pitchFamily="49" charset="0"/>
+            </a:endParaRPr>
+          </a:p>
+          <a:p>
+            <a:r>
+              <a:rPr kumimoji="1" lang="en-US" altLang="ja-JP" sz="3600" dirty="0">
+                <a:latin typeface="Courier New" panose="02070309020205020404" pitchFamily="49" charset="0"/>
+                <a:ea typeface="ＭＳ ゴシック" panose="020B0609070205080204" pitchFamily="49" charset="-128"/>
+                <a:cs typeface="Courier New" panose="02070309020205020404" pitchFamily="49" charset="0"/>
+              </a:rPr>
+              <a:t>82</a:t>
+            </a:r>
+            <a:endParaRPr kumimoji="1" lang="ja-JP" altLang="en-US" sz="3600" dirty="0">
+              <a:solidFill>
+                <a:srgbClr val="92D050"/>
+              </a:solidFill>
+              <a:latin typeface="Courier New" panose="02070309020205020404" pitchFamily="49" charset="0"/>
+              <a:ea typeface="ＭＳ ゴシック" panose="020B0609070205080204" pitchFamily="49" charset="-128"/>
+              <a:cs typeface="Courier New" panose="02070309020205020404" pitchFamily="49" charset="0"/>
+            </a:endParaRPr>
+          </a:p>
+        </p:txBody>
+      </p:sp>
+      <p:sp>
+        <p:nvSpPr>
+          <p:cNvPr id="16" name="テキスト ボックス 15">
+            <a:extLst>
+              <a:ext uri="{FF2B5EF4-FFF2-40B4-BE49-F238E27FC236}">
+                <a16:creationId xmlns:a16="http://schemas.microsoft.com/office/drawing/2014/main" id="{84C14C79-9604-B04D-9ED9-400C2727250C}"/>
+              </a:ext>
+            </a:extLst>
+          </p:cNvPr>
+          <p:cNvSpPr txBox="1"/>
+          <p:nvPr/>
+        </p:nvSpPr>
+        <p:spPr>
+          <a:xfrm>
+            <a:off x="6130253" y="4379450"/>
+            <a:ext cx="1293944" cy="2308324"/>
+          </a:xfrm>
+          <a:prstGeom prst="rect">
+            <a:avLst/>
+          </a:prstGeom>
+          <a:noFill/>
+        </p:spPr>
+        <p:txBody>
+          <a:bodyPr wrap="none" rtlCol="0">
+            <a:spAutoFit/>
+          </a:bodyPr>
+          <a:lstStyle/>
+          <a:p>
+            <a:r>
+              <a:rPr kumimoji="1" lang="en-US" altLang="ja-JP" sz="3600" dirty="0">
+                <a:solidFill>
+                  <a:srgbClr val="FF0000"/>
+                </a:solidFill>
+                <a:latin typeface="Courier New" panose="02070309020205020404" pitchFamily="49" charset="0"/>
+                <a:ea typeface="ＭＳ ゴシック" panose="020B0609070205080204" pitchFamily="49" charset="-128"/>
+                <a:cs typeface="Courier New" panose="02070309020205020404" pitchFamily="49" charset="0"/>
+              </a:rPr>
+              <a:t>0011</a:t>
+            </a:r>
+          </a:p>
+          <a:p>
+            <a:r>
+              <a:rPr lang="en-US" altLang="ja-JP" sz="3600" dirty="0">
+                <a:solidFill>
+                  <a:schemeClr val="accent1"/>
+                </a:solidFill>
+                <a:latin typeface="Courier New" panose="02070309020205020404" pitchFamily="49" charset="0"/>
+                <a:ea typeface="ＭＳ ゴシック" panose="020B0609070205080204" pitchFamily="49" charset="-128"/>
+                <a:cs typeface="Courier New" panose="02070309020205020404" pitchFamily="49" charset="0"/>
+              </a:rPr>
+              <a:t>0000</a:t>
+            </a:r>
+          </a:p>
+          <a:p>
+            <a:r>
+              <a:rPr lang="en-US" altLang="ja-JP" sz="3600" dirty="0">
+                <a:solidFill>
+                  <a:srgbClr val="011893"/>
+                </a:solidFill>
+                <a:latin typeface="Courier New" panose="02070309020205020404" pitchFamily="49" charset="0"/>
+                <a:ea typeface="ＭＳ ゴシック" panose="020B0609070205080204" pitchFamily="49" charset="-128"/>
+                <a:cs typeface="Courier New" panose="02070309020205020404" pitchFamily="49" charset="0"/>
+              </a:rPr>
+              <a:t>01</a:t>
+            </a:r>
+            <a:r>
+              <a:rPr kumimoji="1" lang="en-US" altLang="ja-JP" sz="3600" dirty="0">
+                <a:solidFill>
+                  <a:srgbClr val="011893"/>
+                </a:solidFill>
+                <a:latin typeface="Courier New" panose="02070309020205020404" pitchFamily="49" charset="0"/>
+                <a:ea typeface="ＭＳ ゴシック" panose="020B0609070205080204" pitchFamily="49" charset="-128"/>
+                <a:cs typeface="Courier New" panose="02070309020205020404" pitchFamily="49" charset="0"/>
+              </a:rPr>
+              <a:t>00</a:t>
+            </a:r>
+          </a:p>
+          <a:p>
+            <a:r>
+              <a:rPr kumimoji="1" lang="en-US" altLang="ja-JP" sz="3600" dirty="0">
+                <a:solidFill>
+                  <a:srgbClr val="92D050"/>
+                </a:solidFill>
+                <a:latin typeface="Courier New" panose="02070309020205020404" pitchFamily="49" charset="0"/>
+                <a:ea typeface="ＭＳ ゴシック" panose="020B0609070205080204" pitchFamily="49" charset="-128"/>
+                <a:cs typeface="Courier New" panose="02070309020205020404" pitchFamily="49" charset="0"/>
+              </a:rPr>
+              <a:t>0010</a:t>
+            </a:r>
+            <a:endParaRPr kumimoji="1" lang="ja-JP" altLang="en-US" sz="3600" dirty="0">
+              <a:solidFill>
+                <a:srgbClr val="92D050"/>
+              </a:solidFill>
+              <a:latin typeface="Courier New" panose="02070309020205020404" pitchFamily="49" charset="0"/>
+              <a:ea typeface="ＭＳ ゴシック" panose="020B0609070205080204" pitchFamily="49" charset="-128"/>
+              <a:cs typeface="Courier New" panose="02070309020205020404" pitchFamily="49" charset="0"/>
+            </a:endParaRPr>
+          </a:p>
+        </p:txBody>
+      </p:sp>
+      <p:sp>
+        <p:nvSpPr>
+          <p:cNvPr id="17" name="テキスト ボックス 16">
+            <a:extLst>
+              <a:ext uri="{FF2B5EF4-FFF2-40B4-BE49-F238E27FC236}">
+                <a16:creationId xmlns:a16="http://schemas.microsoft.com/office/drawing/2014/main" id="{00FAE7AF-D864-F04B-B91A-DF9B36EE22D9}"/>
+              </a:ext>
+            </a:extLst>
+          </p:cNvPr>
+          <p:cNvSpPr txBox="1"/>
+          <p:nvPr/>
+        </p:nvSpPr>
+        <p:spPr>
+          <a:xfrm>
+            <a:off x="5570366" y="4379450"/>
+            <a:ext cx="461986" cy="2308324"/>
+          </a:xfrm>
+          <a:prstGeom prst="rect">
+            <a:avLst/>
+          </a:prstGeom>
+          <a:noFill/>
+        </p:spPr>
+        <p:txBody>
+          <a:bodyPr wrap="none" rtlCol="0">
+            <a:spAutoFit/>
+          </a:bodyPr>
+          <a:lstStyle/>
+          <a:p>
+            <a:r>
+              <a:rPr kumimoji="1" lang="en-US" altLang="ja-JP" sz="3600" dirty="0">
+                <a:latin typeface="Courier New" panose="02070309020205020404" pitchFamily="49" charset="0"/>
+                <a:ea typeface="ＭＳ ゴシック" panose="020B0609070205080204" pitchFamily="49" charset="-128"/>
+                <a:cs typeface="Courier New" panose="02070309020205020404" pitchFamily="49" charset="0"/>
+              </a:rPr>
+              <a:t>3</a:t>
+            </a:r>
+            <a:endParaRPr lang="en-US" altLang="ja-JP" sz="3600" dirty="0">
+              <a:latin typeface="Courier New" panose="02070309020205020404" pitchFamily="49" charset="0"/>
+              <a:ea typeface="ＭＳ ゴシック" panose="020B0609070205080204" pitchFamily="49" charset="-128"/>
+              <a:cs typeface="Courier New" panose="02070309020205020404" pitchFamily="49" charset="0"/>
+            </a:endParaRPr>
+          </a:p>
+          <a:p>
+            <a:r>
+              <a:rPr kumimoji="1" lang="en-US" altLang="ja-JP" sz="3600" dirty="0">
+                <a:latin typeface="Courier New" panose="02070309020205020404" pitchFamily="49" charset="0"/>
+                <a:ea typeface="ＭＳ ゴシック" panose="020B0609070205080204" pitchFamily="49" charset="-128"/>
+                <a:cs typeface="Courier New" panose="02070309020205020404" pitchFamily="49" charset="0"/>
+              </a:rPr>
+              <a:t>0</a:t>
+            </a:r>
+          </a:p>
+          <a:p>
+            <a:r>
+              <a:rPr lang="en-US" altLang="ja-JP" sz="3600" dirty="0">
+                <a:latin typeface="Courier New" panose="02070309020205020404" pitchFamily="49" charset="0"/>
+                <a:ea typeface="ＭＳ ゴシック" panose="020B0609070205080204" pitchFamily="49" charset="-128"/>
+                <a:cs typeface="Courier New" panose="02070309020205020404" pitchFamily="49" charset="0"/>
+              </a:rPr>
+              <a:t>4</a:t>
+            </a:r>
+          </a:p>
+          <a:p>
+            <a:r>
+              <a:rPr kumimoji="1" lang="en-US" altLang="ja-JP" sz="3600" dirty="0">
+                <a:latin typeface="Courier New" panose="02070309020205020404" pitchFamily="49" charset="0"/>
+                <a:ea typeface="ＭＳ ゴシック" panose="020B0609070205080204" pitchFamily="49" charset="-128"/>
+                <a:cs typeface="Courier New" panose="02070309020205020404" pitchFamily="49" charset="0"/>
+              </a:rPr>
+              <a:t>2</a:t>
+            </a:r>
+          </a:p>
+        </p:txBody>
+      </p:sp>
+      <p:sp>
+        <p:nvSpPr>
+          <p:cNvPr id="18" name="テキスト ボックス 17">
+            <a:extLst>
+              <a:ext uri="{FF2B5EF4-FFF2-40B4-BE49-F238E27FC236}">
+                <a16:creationId xmlns:a16="http://schemas.microsoft.com/office/drawing/2014/main" id="{A3484685-B762-4944-9BB1-2210D96B3A68}"/>
+              </a:ext>
+            </a:extLst>
+          </p:cNvPr>
+          <p:cNvSpPr txBox="1"/>
+          <p:nvPr/>
+        </p:nvSpPr>
+        <p:spPr>
+          <a:xfrm>
+            <a:off x="1691680" y="1124744"/>
+            <a:ext cx="4639412" cy="523220"/>
+          </a:xfrm>
+          <a:prstGeom prst="rect">
+            <a:avLst/>
+          </a:prstGeom>
+          <a:noFill/>
+        </p:spPr>
+        <p:txBody>
+          <a:bodyPr wrap="none" rtlCol="0">
+            <a:spAutoFit/>
+          </a:bodyPr>
+          <a:lstStyle/>
+          <a:p>
+            <a:r>
+              <a:rPr lang="ja-JP" altLang="en-US" sz="2800" dirty="0"/>
+              <a:t>「あ」 </a:t>
+            </a:r>
+            <a:r>
+              <a:rPr lang="en-US" altLang="ja-JP" sz="2800" dirty="0"/>
+              <a:t>U+3042</a:t>
+            </a:r>
+            <a:r>
+              <a:rPr kumimoji="1" lang="ja-JP" altLang="en-US" sz="2800" dirty="0"/>
+              <a:t>のビット表現</a:t>
+            </a:r>
+          </a:p>
+        </p:txBody>
+      </p:sp>
+      <p:sp>
+        <p:nvSpPr>
+          <p:cNvPr id="19" name="右矢印 18">
+            <a:extLst>
+              <a:ext uri="{FF2B5EF4-FFF2-40B4-BE49-F238E27FC236}">
+                <a16:creationId xmlns:a16="http://schemas.microsoft.com/office/drawing/2014/main" id="{9F56BE16-B052-1845-832C-B2CE01C17EB1}"/>
+              </a:ext>
+            </a:extLst>
+          </p:cNvPr>
+          <p:cNvSpPr/>
+          <p:nvPr/>
+        </p:nvSpPr>
+        <p:spPr>
+          <a:xfrm rot="13500000">
+            <a:off x="4406325" y="4621628"/>
+            <a:ext cx="467360" cy="426720"/>
+          </a:xfrm>
+          <a:prstGeom prst="rightArrow">
+            <a:avLst>
+              <a:gd name="adj1" fmla="val 50000"/>
+              <a:gd name="adj2" fmla="val 57653"/>
+            </a:avLst>
+          </a:prstGeom>
+          <a:solidFill>
+            <a:srgbClr val="FF0000"/>
+          </a:solidFill>
+          <a:ln>
+            <a:solidFill>
+              <a:schemeClr val="tx1"/>
+            </a:solidFill>
+          </a:ln>
+        </p:spPr>
+        <p:style>
+          <a:lnRef idx="2">
+            <a:schemeClr val="accent1">
+              <a:shade val="50000"/>
+            </a:schemeClr>
+          </a:lnRef>
+          <a:fillRef idx="1">
+            <a:schemeClr val="accent1"/>
+          </a:fillRef>
+          <a:effectRef idx="0">
+            <a:schemeClr val="accent1"/>
+          </a:effectRef>
+          <a:fontRef idx="minor">
+            <a:schemeClr val="lt1"/>
+          </a:fontRef>
+        </p:style>
+        <p:txBody>
+          <a:bodyPr rtlCol="0" anchor="ctr"/>
+          <a:lstStyle/>
+          <a:p>
+            <a:pPr algn="ctr"/>
+            <a:endParaRPr kumimoji="1" lang="ja-JP" altLang="en-US"/>
+          </a:p>
+        </p:txBody>
+      </p:sp>
+      <p:sp>
+        <p:nvSpPr>
+          <p:cNvPr id="20" name="右矢印 19">
+            <a:extLst>
+              <a:ext uri="{FF2B5EF4-FFF2-40B4-BE49-F238E27FC236}">
+                <a16:creationId xmlns:a16="http://schemas.microsoft.com/office/drawing/2014/main" id="{CB342490-1750-B946-83AE-B841AE88FA35}"/>
+              </a:ext>
+            </a:extLst>
+          </p:cNvPr>
+          <p:cNvSpPr/>
+          <p:nvPr/>
+        </p:nvSpPr>
+        <p:spPr>
+          <a:xfrm>
+            <a:off x="4927046" y="2540954"/>
+            <a:ext cx="467360" cy="426720"/>
+          </a:xfrm>
+          <a:prstGeom prst="rightArrow">
+            <a:avLst>
+              <a:gd name="adj1" fmla="val 50000"/>
+              <a:gd name="adj2" fmla="val 57653"/>
+            </a:avLst>
+          </a:prstGeom>
+          <a:solidFill>
+            <a:srgbClr val="FF0000"/>
+          </a:solidFill>
+          <a:ln>
+            <a:solidFill>
+              <a:schemeClr val="tx1"/>
+            </a:solidFill>
+          </a:ln>
+        </p:spPr>
+        <p:style>
+          <a:lnRef idx="2">
+            <a:schemeClr val="accent1">
+              <a:shade val="50000"/>
+            </a:schemeClr>
+          </a:lnRef>
+          <a:fillRef idx="1">
+            <a:schemeClr val="accent1"/>
+          </a:fillRef>
+          <a:effectRef idx="0">
+            <a:schemeClr val="accent1"/>
+          </a:effectRef>
+          <a:fontRef idx="minor">
+            <a:schemeClr val="lt1"/>
+          </a:fontRef>
+        </p:style>
+        <p:txBody>
+          <a:bodyPr rtlCol="0" anchor="ctr"/>
+          <a:lstStyle/>
+          <a:p>
+            <a:pPr algn="ctr"/>
+            <a:endParaRPr kumimoji="1" lang="ja-JP" altLang="en-US"/>
+          </a:p>
+        </p:txBody>
+      </p:sp>
+    </p:spTree>
+    <p:extLst>
+      <p:ext uri="{BB962C8B-B14F-4D97-AF65-F5344CB8AC3E}">
+        <p14:creationId xmlns:p14="http://schemas.microsoft.com/office/powerpoint/2010/main" val="4150003883"/>
+      </p:ext>
+    </p:extLst>
+  </p:cSld>
+  <p:clrMapOvr>
+    <a:masterClrMapping/>
+  </p:clrMapOvr>
+</p:sld>
+</file>
+
+<file path=ppt/slides/slide13.xml><?xml version="1.0" encoding="utf-8"?>
+<p:sld xmlns:a="http://schemas.openxmlformats.org/drawingml/2006/main" xmlns:r="http://schemas.openxmlformats.org/officeDocument/2006/relationships" xmlns:p="http://schemas.openxmlformats.org/presentationml/2006/main">
+  <p:cSld>
+    <p:spTree>
+      <p:nvGrpSpPr>
+        <p:cNvPr id="1" name=""/>
+        <p:cNvGrpSpPr/>
+        <p:nvPr/>
+      </p:nvGrpSpPr>
+      <p:grpSpPr>
+        <a:xfrm>
+          <a:off x="0" y="0"/>
+          <a:ext cx="0" cy="0"/>
+          <a:chOff x="0" y="0"/>
+          <a:chExt cx="0" cy="0"/>
+        </a:xfrm>
+      </p:grpSpPr>
+      <p:sp>
+        <p:nvSpPr>
+          <p:cNvPr id="2" name="テキスト プレースホルダー 1">
+            <a:extLst>
+              <a:ext uri="{FF2B5EF4-FFF2-40B4-BE49-F238E27FC236}">
+                <a16:creationId xmlns:a16="http://schemas.microsoft.com/office/drawing/2014/main" id="{55143EFC-178A-2341-A833-D08A26377EC5}"/>
+              </a:ext>
+            </a:extLst>
+          </p:cNvPr>
+          <p:cNvSpPr>
+            <a:spLocks noGrp="1"/>
+          </p:cNvSpPr>
+          <p:nvPr>
+            <p:ph type="body" sz="quarter" idx="10"/>
+          </p:nvPr>
+        </p:nvSpPr>
+        <p:spPr/>
+        <p:txBody>
+          <a:bodyPr/>
+          <a:lstStyle/>
+          <a:p>
+            <a:r>
+              <a:rPr kumimoji="1" lang="ja-JP" altLang="en-US"/>
+              <a:t>文字コードのまとめ</a:t>
+            </a:r>
+          </a:p>
+        </p:txBody>
+      </p:sp>
+      <p:sp>
+        <p:nvSpPr>
+          <p:cNvPr id="3" name="テキスト ボックス 2">
+            <a:extLst>
+              <a:ext uri="{FF2B5EF4-FFF2-40B4-BE49-F238E27FC236}">
+                <a16:creationId xmlns:a16="http://schemas.microsoft.com/office/drawing/2014/main" id="{3684585F-570E-B04A-A3EF-927B59A667A4}"/>
+              </a:ext>
+            </a:extLst>
+          </p:cNvPr>
+          <p:cNvSpPr txBox="1"/>
+          <p:nvPr/>
+        </p:nvSpPr>
+        <p:spPr>
+          <a:xfrm>
+            <a:off x="971600" y="1340768"/>
+            <a:ext cx="5519460" cy="1077218"/>
+          </a:xfrm>
+          <a:prstGeom prst="rect">
+            <a:avLst/>
+          </a:prstGeom>
+          <a:noFill/>
+        </p:spPr>
+        <p:txBody>
+          <a:bodyPr wrap="none" rtlCol="0">
+            <a:spAutoFit/>
+          </a:bodyPr>
+          <a:lstStyle/>
+          <a:p>
+            <a:r>
+              <a:rPr kumimoji="1" lang="ja-JP" altLang="en-US" sz="3200"/>
+              <a:t>日本語を扱うのはややこしい</a:t>
+            </a:r>
+            <a:endParaRPr lang="en-US" altLang="ja-JP" sz="3200"/>
+          </a:p>
+          <a:p>
+            <a:r>
+              <a:rPr kumimoji="1" lang="en-US" altLang="ja-JP" sz="3200"/>
+              <a:t>(</a:t>
+            </a:r>
+            <a:r>
+              <a:rPr kumimoji="1" lang="ja-JP" altLang="en-US" sz="3200"/>
+              <a:t>国際化はややこしい</a:t>
+            </a:r>
+            <a:r>
+              <a:rPr kumimoji="1" lang="en-US" altLang="ja-JP" sz="3200"/>
+              <a:t>)</a:t>
+            </a:r>
+          </a:p>
+        </p:txBody>
+      </p:sp>
+    </p:spTree>
+    <p:extLst>
+      <p:ext uri="{BB962C8B-B14F-4D97-AF65-F5344CB8AC3E}">
+        <p14:creationId xmlns:p14="http://schemas.microsoft.com/office/powerpoint/2010/main" val="3097984593"/>
+      </p:ext>
+    </p:extLst>
+  </p:cSld>
+  <p:clrMapOvr>
+    <a:masterClrMapping/>
+  </p:clrMapOvr>
+</p:sld>
+</file>
+
+<file path=ppt/slides/slide14.xml><?xml version="1.0" encoding="utf-8"?>
+<p:sld xmlns:a="http://schemas.openxmlformats.org/drawingml/2006/main" xmlns:r="http://schemas.openxmlformats.org/officeDocument/2006/relationships" xmlns:p="http://schemas.openxmlformats.org/presentationml/2006/main">
+  <p:cSld>
+    <p:spTree>
+      <p:nvGrpSpPr>
+        <p:cNvPr id="1" name=""/>
+        <p:cNvGrpSpPr/>
+        <p:nvPr/>
+      </p:nvGrpSpPr>
+      <p:grpSpPr>
+        <a:xfrm>
+          <a:off x="0" y="0"/>
+          <a:ext cx="0" cy="0"/>
+          <a:chOff x="0" y="0"/>
+          <a:chExt cx="0" cy="0"/>
+        </a:xfrm>
+      </p:grpSpPr>
+      <p:sp>
+        <p:nvSpPr>
+          <p:cNvPr id="2" name="テキスト プレースホルダー 1">
+            <a:extLst>
+              <a:ext uri="{FF2B5EF4-FFF2-40B4-BE49-F238E27FC236}">
+                <a16:creationId xmlns:a16="http://schemas.microsoft.com/office/drawing/2014/main" id="{F94DBF49-94A8-5C44-A29D-F8CF5AFC6A96}"/>
+              </a:ext>
+            </a:extLst>
+          </p:cNvPr>
+          <p:cNvSpPr>
+            <a:spLocks noGrp="1"/>
+          </p:cNvSpPr>
+          <p:nvPr>
+            <p:ph type="body" sz="quarter" idx="10"/>
+          </p:nvPr>
+        </p:nvSpPr>
+        <p:spPr/>
+        <p:txBody>
+          <a:bodyPr/>
+          <a:lstStyle/>
+          <a:p>
+            <a:r>
+              <a:rPr kumimoji="1" lang="ja-JP" altLang="en-US"/>
+              <a:t>辞書</a:t>
+            </a:r>
+          </a:p>
+        </p:txBody>
+      </p:sp>
+      <p:sp>
+        <p:nvSpPr>
+          <p:cNvPr id="3" name="テキスト ボックス 2">
+            <a:extLst>
+              <a:ext uri="{FF2B5EF4-FFF2-40B4-BE49-F238E27FC236}">
+                <a16:creationId xmlns:a16="http://schemas.microsoft.com/office/drawing/2014/main" id="{2E891B01-5931-494F-B9C2-F56A870031BD}"/>
+              </a:ext>
+            </a:extLst>
+          </p:cNvPr>
+          <p:cNvSpPr txBox="1"/>
+          <p:nvPr/>
+        </p:nvSpPr>
+        <p:spPr>
+          <a:xfrm>
+            <a:off x="107504" y="1412776"/>
+            <a:ext cx="8315097" cy="523220"/>
+          </a:xfrm>
+          <a:prstGeom prst="rect">
+            <a:avLst/>
+          </a:prstGeom>
+          <a:noFill/>
+        </p:spPr>
+        <p:txBody>
+          <a:bodyPr wrap="none" rtlCol="0">
+            <a:spAutoFit/>
+          </a:bodyPr>
+          <a:lstStyle/>
+          <a:p>
+            <a:r>
+              <a:rPr kumimoji="1" lang="ja-JP" altLang="en-US" sz="2800"/>
+              <a:t>リストは、数字</a:t>
+            </a:r>
+            <a:r>
+              <a:rPr kumimoji="1" lang="en-US" altLang="ja-JP" sz="2800"/>
+              <a:t>(</a:t>
+            </a:r>
+            <a:r>
+              <a:rPr lang="ja-JP" altLang="en-US" sz="2800"/>
+              <a:t>インデックス</a:t>
+            </a:r>
+            <a:r>
+              <a:rPr kumimoji="1" lang="en-US" altLang="ja-JP" sz="2800"/>
+              <a:t>)</a:t>
+            </a:r>
+            <a:r>
+              <a:rPr kumimoji="1" lang="ja-JP" altLang="en-US" sz="2800"/>
+              <a:t>と要素を結びつける</a:t>
+            </a:r>
+          </a:p>
+        </p:txBody>
+      </p:sp>
+      <p:sp>
+        <p:nvSpPr>
+          <p:cNvPr id="4" name="テキスト ボックス 3">
+            <a:extLst>
+              <a:ext uri="{FF2B5EF4-FFF2-40B4-BE49-F238E27FC236}">
+                <a16:creationId xmlns:a16="http://schemas.microsoft.com/office/drawing/2014/main" id="{BBACB6AA-3D76-384B-A018-350D6B16523D}"/>
+              </a:ext>
+            </a:extLst>
+          </p:cNvPr>
+          <p:cNvSpPr txBox="1"/>
+          <p:nvPr/>
+        </p:nvSpPr>
+        <p:spPr>
+          <a:xfrm>
+            <a:off x="107504" y="3573016"/>
+            <a:ext cx="6647974" cy="523220"/>
+          </a:xfrm>
+          <a:prstGeom prst="rect">
+            <a:avLst/>
+          </a:prstGeom>
+          <a:noFill/>
+        </p:spPr>
+        <p:txBody>
+          <a:bodyPr wrap="none" rtlCol="0">
+            <a:spAutoFit/>
+          </a:bodyPr>
+          <a:lstStyle/>
+          <a:p>
+            <a:r>
+              <a:rPr kumimoji="1" lang="ja-JP" altLang="en-US" sz="2800"/>
+              <a:t>辞書は、一般のキーと要素を結びつける</a:t>
+            </a:r>
+          </a:p>
+        </p:txBody>
+      </p:sp>
+    </p:spTree>
+    <p:extLst>
+      <p:ext uri="{BB962C8B-B14F-4D97-AF65-F5344CB8AC3E}">
+        <p14:creationId xmlns:p14="http://schemas.microsoft.com/office/powerpoint/2010/main" val="989015610"/>
+      </p:ext>
+    </p:extLst>
+  </p:cSld>
+  <p:clrMapOvr>
+    <a:masterClrMapping/>
+  </p:clrMapOvr>
+</p:sld>
+</file>
+
+<file path=ppt/slides/slide15.xml><?xml version="1.0" encoding="utf-8"?>
+<p:sld xmlns:a="http://schemas.openxmlformats.org/drawingml/2006/main" xmlns:r="http://schemas.openxmlformats.org/officeDocument/2006/relationships" xmlns:p="http://schemas.openxmlformats.org/presentationml/2006/main">
+  <p:cSld>
+    <p:spTree>
+      <p:nvGrpSpPr>
+        <p:cNvPr id="1" name=""/>
+        <p:cNvGrpSpPr/>
+        <p:nvPr/>
+      </p:nvGrpSpPr>
+      <p:grpSpPr>
+        <a:xfrm>
+          <a:off x="0" y="0"/>
+          <a:ext cx="0" cy="0"/>
+          <a:chOff x="0" y="0"/>
+          <a:chExt cx="0" cy="0"/>
+        </a:xfrm>
+      </p:grpSpPr>
+      <p:sp>
+        <p:nvSpPr>
+          <p:cNvPr id="2" name="テキスト プレースホルダー 1">
+            <a:extLst>
+              <a:ext uri="{FF2B5EF4-FFF2-40B4-BE49-F238E27FC236}">
+                <a16:creationId xmlns:a16="http://schemas.microsoft.com/office/drawing/2014/main" id="{5C7666E3-B6BB-C74D-83D9-87CB5001AB41}"/>
+              </a:ext>
+            </a:extLst>
+          </p:cNvPr>
+          <p:cNvSpPr>
+            <a:spLocks noGrp="1"/>
+          </p:cNvSpPr>
+          <p:nvPr>
+            <p:ph type="body" sz="quarter" idx="10"/>
+          </p:nvPr>
+        </p:nvSpPr>
+        <p:spPr/>
+        <p:txBody>
+          <a:bodyPr/>
+          <a:lstStyle/>
+          <a:p>
+            <a:r>
+              <a:rPr kumimoji="1" lang="ja-JP" altLang="en-US"/>
+              <a:t>辞書のキー</a:t>
+            </a:r>
+          </a:p>
+        </p:txBody>
+      </p:sp>
+      <p:sp>
+        <p:nvSpPr>
+          <p:cNvPr id="3" name="テキスト ボックス 2">
+            <a:extLst>
+              <a:ext uri="{FF2B5EF4-FFF2-40B4-BE49-F238E27FC236}">
+                <a16:creationId xmlns:a16="http://schemas.microsoft.com/office/drawing/2014/main" id="{A3B04C7F-0751-AC47-A503-131B9B56378A}"/>
+              </a:ext>
+            </a:extLst>
+          </p:cNvPr>
+          <p:cNvSpPr txBox="1"/>
+          <p:nvPr/>
+        </p:nvSpPr>
+        <p:spPr>
+          <a:xfrm>
+            <a:off x="2411760" y="6381328"/>
+            <a:ext cx="6154249" cy="400110"/>
+          </a:xfrm>
+          <a:prstGeom prst="rect">
+            <a:avLst/>
+          </a:prstGeom>
+          <a:noFill/>
+        </p:spPr>
+        <p:txBody>
+          <a:bodyPr wrap="none" rtlCol="0">
+            <a:spAutoFit/>
+          </a:bodyPr>
+          <a:lstStyle/>
+          <a:p>
+            <a:r>
+              <a:rPr kumimoji="1" lang="en-US" altLang="ja-JP" sz="2000"/>
+              <a:t>※ </a:t>
+            </a:r>
+            <a:r>
+              <a:rPr kumimoji="1" lang="ja-JP" altLang="en-US" sz="2000"/>
+              <a:t>辞書のキーはイミュータブルでなければならない</a:t>
+            </a:r>
+          </a:p>
+        </p:txBody>
+      </p:sp>
+    </p:spTree>
+    <p:extLst>
+      <p:ext uri="{BB962C8B-B14F-4D97-AF65-F5344CB8AC3E}">
+        <p14:creationId xmlns:p14="http://schemas.microsoft.com/office/powerpoint/2010/main" val="907432093"/>
       </p:ext>
     </p:extLst>
   </p:cSld>
@@ -3932,7 +7871,7 @@
         </p:nvSpPr>
         <p:spPr>
           <a:xfrm>
-            <a:off x="81280" y="1656080"/>
+            <a:off x="107504" y="1628800"/>
             <a:ext cx="8220520" cy="400110"/>
           </a:xfrm>
           <a:prstGeom prst="rect">
@@ -4003,7 +7942,7 @@
         </p:nvSpPr>
         <p:spPr>
           <a:xfrm>
-            <a:off x="4848414" y="3717032"/>
+            <a:off x="5070247" y="4221088"/>
             <a:ext cx="1661993" cy="369332"/>
           </a:xfrm>
           <a:prstGeom prst="rect">
@@ -4050,7 +7989,7 @@
         </p:nvSpPr>
         <p:spPr>
           <a:xfrm>
-            <a:off x="4854223" y="4077072"/>
+            <a:off x="5076056" y="4581128"/>
             <a:ext cx="1661993" cy="369332"/>
           </a:xfrm>
           <a:prstGeom prst="rect">
@@ -4097,7 +8036,7 @@
         </p:nvSpPr>
         <p:spPr>
           <a:xfrm>
-            <a:off x="4854223" y="4437112"/>
+            <a:off x="5076056" y="4941168"/>
             <a:ext cx="1661993" cy="369332"/>
           </a:xfrm>
           <a:prstGeom prst="rect">
@@ -4144,7 +8083,7 @@
         </p:nvSpPr>
         <p:spPr>
           <a:xfrm>
-            <a:off x="4854223" y="4797152"/>
+            <a:off x="5076056" y="5301208"/>
             <a:ext cx="1661993" cy="369332"/>
           </a:xfrm>
           <a:prstGeom prst="rect">
@@ -4191,7 +8130,7 @@
         </p:nvSpPr>
         <p:spPr>
           <a:xfrm>
-            <a:off x="577056" y="2384400"/>
+            <a:off x="1475656" y="2852936"/>
             <a:ext cx="1579278" cy="369332"/>
           </a:xfrm>
           <a:prstGeom prst="rect">
@@ -4251,7 +8190,7 @@
         </p:nvSpPr>
         <p:spPr>
           <a:xfrm>
-            <a:off x="2437001" y="3703424"/>
+            <a:off x="2658834" y="4207480"/>
             <a:ext cx="1440160" cy="360040"/>
           </a:xfrm>
           <a:prstGeom prst="rect">
@@ -4317,7 +8256,7 @@
         </p:nvSpPr>
         <p:spPr>
           <a:xfrm>
-            <a:off x="2437001" y="4063464"/>
+            <a:off x="2658834" y="4567520"/>
             <a:ext cx="1440160" cy="360040"/>
           </a:xfrm>
           <a:prstGeom prst="rect">
@@ -4383,7 +8322,7 @@
         </p:nvSpPr>
         <p:spPr>
           <a:xfrm>
-            <a:off x="2437001" y="4423504"/>
+            <a:off x="2658834" y="4927560"/>
             <a:ext cx="1440160" cy="360040"/>
           </a:xfrm>
           <a:prstGeom prst="rect">
@@ -4449,7 +8388,7 @@
         </p:nvSpPr>
         <p:spPr>
           <a:xfrm>
-            <a:off x="2437001" y="4783544"/>
+            <a:off x="2658834" y="5287600"/>
             <a:ext cx="1440160" cy="360040"/>
           </a:xfrm>
           <a:prstGeom prst="rect">
@@ -4515,7 +8454,7 @@
         </p:nvSpPr>
         <p:spPr>
           <a:xfrm>
-            <a:off x="1284873" y="3703424"/>
+            <a:off x="1506706" y="4207480"/>
             <a:ext cx="864096" cy="288032"/>
           </a:xfrm>
           <a:prstGeom prst="snip1Rect">
@@ -4583,7 +8522,7 @@
         </p:nvCxnSpPr>
         <p:spPr>
           <a:xfrm>
-            <a:off x="2148969" y="3847440"/>
+            <a:off x="2370802" y="4351496"/>
             <a:ext cx="288032" cy="0"/>
           </a:xfrm>
           <a:prstGeom prst="straightConnector1">
@@ -4625,7 +8564,7 @@
         </p:nvSpPr>
         <p:spPr>
           <a:xfrm>
-            <a:off x="2627784" y="3068960"/>
+            <a:off x="2849617" y="3573016"/>
             <a:ext cx="877163" cy="369332"/>
           </a:xfrm>
           <a:prstGeom prst="rect">
@@ -4660,7 +8599,7 @@
         </p:nvSpPr>
         <p:spPr>
           <a:xfrm>
-            <a:off x="4427984" y="3068960"/>
+            <a:off x="4649817" y="3573016"/>
             <a:ext cx="2262158" cy="369332"/>
           </a:xfrm>
           <a:prstGeom prst="rect">
@@ -4699,7 +8638,7 @@
         </p:nvSpPr>
         <p:spPr>
           <a:xfrm>
-            <a:off x="395536" y="5733256"/>
+            <a:off x="395536" y="6021288"/>
             <a:ext cx="8193269" cy="369332"/>
           </a:xfrm>
           <a:prstGeom prst="rect">
@@ -6079,10 +10018,18 @@
               <a:t>大文字と小文字のアスキーコードの差は</a:t>
             </a:r>
             <a:r>
-              <a:rPr kumimoji="1" lang="en-US" altLang="ja-JP" sz="2400"/>
+              <a:rPr kumimoji="1" lang="en-US" altLang="ja-JP" sz="2400">
+                <a:solidFill>
+                  <a:srgbClr val="FF0000"/>
+                </a:solidFill>
+              </a:rPr>
               <a:t>32</a:t>
             </a:r>
-            <a:endParaRPr kumimoji="1" lang="ja-JP" altLang="en-US" sz="2400"/>
+            <a:endParaRPr kumimoji="1" lang="ja-JP" altLang="en-US" sz="2400">
+              <a:solidFill>
+                <a:srgbClr val="FF0000"/>
+              </a:solidFill>
+            </a:endParaRPr>
           </a:p>
         </p:txBody>
       </p:sp>
@@ -6263,8 +10210,8 @@
         </p:nvSpPr>
         <p:spPr>
           <a:xfrm>
-            <a:off x="755576" y="2852936"/>
-            <a:ext cx="1723549" cy="461665"/>
+            <a:off x="755576" y="2708920"/>
+            <a:ext cx="1980029" cy="523220"/>
           </a:xfrm>
           <a:prstGeom prst="rect">
             <a:avLst/>
@@ -6278,7 +10225,7 @@
           <a:lstStyle/>
           <a:p>
             <a:r>
-              <a:rPr kumimoji="1" lang="ja-JP" altLang="en-US" sz="2400"/>
+              <a:rPr kumimoji="1" lang="ja-JP" altLang="en-US" sz="2800"/>
               <a:t>日本語は？</a:t>
             </a:r>
           </a:p>
@@ -6299,7 +10246,7 @@
         <p:spPr>
           <a:xfrm>
             <a:off x="1691680" y="1772816"/>
-            <a:ext cx="5750292" cy="523220"/>
+            <a:ext cx="6109365" cy="523220"/>
           </a:xfrm>
           <a:prstGeom prst="rect">
             <a:avLst/>
@@ -6313,7 +10260,7 @@
           <a:p>
             <a:r>
               <a:rPr lang="ja-JP" altLang="en-US" sz="2800"/>
-              <a:t>数字記号含めて</a:t>
+              <a:t>数字記号含めても</a:t>
             </a:r>
             <a:r>
               <a:rPr lang="en-US" altLang="ja-JP" sz="2800"/>
@@ -6394,7 +10341,7 @@
         </p:nvSpPr>
         <p:spPr>
           <a:xfrm>
-            <a:off x="2555776" y="2852936"/>
+            <a:off x="2771800" y="2708920"/>
             <a:ext cx="2605200" cy="461665"/>
           </a:xfrm>
           <a:prstGeom prst="rect">
@@ -6442,8 +10389,8 @@
         </p:nvSpPr>
         <p:spPr>
           <a:xfrm>
-            <a:off x="1187624" y="3501008"/>
-            <a:ext cx="2646878" cy="461665"/>
+            <a:off x="1187624" y="3356992"/>
+            <a:ext cx="3057247" cy="523220"/>
           </a:xfrm>
           <a:prstGeom prst="rect">
             <a:avLst/>
@@ -6457,18 +10404,18 @@
           <a:lstStyle/>
           <a:p>
             <a:r>
-              <a:rPr lang="ja-JP" altLang="en-US" sz="2400"/>
+              <a:rPr lang="ja-JP" altLang="en-US" sz="2800"/>
               <a:t>ひらがな：</a:t>
             </a:r>
             <a:r>
-              <a:rPr lang="en-US" altLang="ja-JP" sz="2400"/>
+              <a:rPr lang="en-US" altLang="ja-JP" sz="2800"/>
               <a:t>83</a:t>
             </a:r>
             <a:r>
-              <a:rPr lang="ja-JP" altLang="en-US" sz="2400"/>
+              <a:rPr lang="ja-JP" altLang="en-US" sz="2800"/>
               <a:t>文字</a:t>
             </a:r>
-            <a:endParaRPr kumimoji="1" lang="ja-JP" altLang="en-US" sz="2400"/>
+            <a:endParaRPr kumimoji="1" lang="ja-JP" altLang="en-US" sz="2800"/>
           </a:p>
         </p:txBody>
       </p:sp>
@@ -6486,8 +10433,8 @@
         </p:nvSpPr>
         <p:spPr>
           <a:xfrm>
-            <a:off x="1187624" y="3933056"/>
-            <a:ext cx="2646878" cy="461665"/>
+            <a:off x="1187624" y="3861048"/>
+            <a:ext cx="3057247" cy="523220"/>
           </a:xfrm>
           <a:prstGeom prst="rect">
             <a:avLst/>
@@ -6501,18 +10448,18 @@
           <a:lstStyle/>
           <a:p>
             <a:r>
-              <a:rPr lang="ja-JP" altLang="en-US" sz="2400"/>
+              <a:rPr lang="ja-JP" altLang="en-US" sz="2800"/>
               <a:t>カタカナ：</a:t>
             </a:r>
             <a:r>
-              <a:rPr lang="en-US" altLang="ja-JP" sz="2400"/>
+              <a:rPr lang="en-US" altLang="ja-JP" sz="2800"/>
               <a:t>86</a:t>
             </a:r>
             <a:r>
-              <a:rPr lang="ja-JP" altLang="en-US" sz="2400"/>
+              <a:rPr lang="ja-JP" altLang="en-US" sz="2800"/>
               <a:t>文字</a:t>
             </a:r>
-            <a:endParaRPr kumimoji="1" lang="ja-JP" altLang="en-US" sz="2400"/>
+            <a:endParaRPr kumimoji="1" lang="ja-JP" altLang="en-US" sz="2800"/>
           </a:p>
         </p:txBody>
       </p:sp>
@@ -6531,7 +10478,7 @@
         <p:spPr>
           <a:xfrm>
             <a:off x="1187624" y="4437112"/>
-            <a:ext cx="4766048" cy="461665"/>
+            <a:ext cx="5529078" cy="523220"/>
           </a:xfrm>
           <a:prstGeom prst="rect">
             <a:avLst/>
@@ -6545,42 +10492,130 @@
           <a:lstStyle/>
           <a:p>
             <a:r>
-              <a:rPr lang="ja-JP" altLang="en-US" sz="2400"/>
+              <a:rPr lang="ja-JP" altLang="en-US" sz="2800"/>
               <a:t>漢字</a:t>
             </a:r>
             <a:r>
-              <a:rPr lang="en-US" altLang="ja-JP" sz="2400"/>
+              <a:rPr lang="en-US" altLang="ja-JP" sz="2800"/>
               <a:t>(JIS</a:t>
             </a:r>
             <a:r>
-              <a:rPr lang="ja-JP" altLang="en-US" sz="2400"/>
+              <a:rPr lang="ja-JP" altLang="en-US" sz="2800"/>
               <a:t>第一</a:t>
             </a:r>
             <a:r>
-              <a:rPr lang="en-US" altLang="ja-JP" sz="2400"/>
+              <a:rPr lang="en-US" altLang="ja-JP" sz="2800"/>
               <a:t>/</a:t>
             </a:r>
             <a:r>
-              <a:rPr lang="ja-JP" altLang="en-US" sz="2400"/>
+              <a:rPr lang="ja-JP" altLang="en-US" sz="2800"/>
               <a:t>第二水準</a:t>
             </a:r>
             <a:r>
-              <a:rPr lang="en-US" altLang="ja-JP" sz="2400"/>
+              <a:rPr lang="en-US" altLang="ja-JP" sz="2800"/>
               <a:t>)</a:t>
             </a:r>
             <a:r>
-              <a:rPr lang="ja-JP" altLang="en-US" sz="2400"/>
+              <a:rPr lang="ja-JP" altLang="en-US" sz="2800"/>
               <a:t>：</a:t>
             </a:r>
             <a:r>
-              <a:rPr lang="en-US" altLang="ja-JP" sz="2400"/>
+              <a:rPr lang="en-US" altLang="ja-JP" sz="2800"/>
               <a:t>6355</a:t>
             </a:r>
             <a:r>
-              <a:rPr lang="ja-JP" altLang="en-US" sz="2400"/>
+              <a:rPr lang="ja-JP" altLang="en-US" sz="2800"/>
               <a:t>文字</a:t>
             </a:r>
-            <a:endParaRPr kumimoji="1" lang="ja-JP" altLang="en-US" sz="2400"/>
+            <a:endParaRPr kumimoji="1" lang="ja-JP" altLang="en-US" sz="2800"/>
+          </a:p>
+        </p:txBody>
+      </p:sp>
+      <p:sp>
+        <p:nvSpPr>
+          <p:cNvPr id="13" name="正方形/長方形 12">
+            <a:extLst>
+              <a:ext uri="{FF2B5EF4-FFF2-40B4-BE49-F238E27FC236}">
+                <a16:creationId xmlns:a16="http://schemas.microsoft.com/office/drawing/2014/main" id="{33D11616-60D9-3D4A-A7ED-286A9243BD72}"/>
+              </a:ext>
+            </a:extLst>
+          </p:cNvPr>
+          <p:cNvSpPr/>
+          <p:nvPr/>
+        </p:nvSpPr>
+        <p:spPr>
+          <a:xfrm>
+            <a:off x="1763688" y="5445224"/>
+            <a:ext cx="4493538" cy="523220"/>
+          </a:xfrm>
+          <a:prstGeom prst="rect">
+            <a:avLst/>
+          </a:prstGeom>
+        </p:spPr>
+        <p:txBody>
+          <a:bodyPr wrap="none">
+            <a:spAutoFit/>
+          </a:bodyPr>
+          <a:lstStyle/>
+          <a:p>
+            <a:r>
+              <a:rPr lang="ja-JP" altLang="en-US" sz="2800"/>
+              <a:t>文字をマルチバイトで表現</a:t>
+            </a:r>
+          </a:p>
+        </p:txBody>
+      </p:sp>
+      <p:sp>
+        <p:nvSpPr>
+          <p:cNvPr id="14" name="右矢印 13">
+            <a:extLst>
+              <a:ext uri="{FF2B5EF4-FFF2-40B4-BE49-F238E27FC236}">
+                <a16:creationId xmlns:a16="http://schemas.microsoft.com/office/drawing/2014/main" id="{8E0B82AE-D41B-9D48-ABC0-96C79B8EBAAB}"/>
+              </a:ext>
+            </a:extLst>
+          </p:cNvPr>
+          <p:cNvSpPr/>
+          <p:nvPr/>
+        </p:nvSpPr>
+        <p:spPr>
+          <a:xfrm>
+            <a:off x="1115616" y="5517232"/>
+            <a:ext cx="504056" cy="399044"/>
+          </a:xfrm>
+          <a:prstGeom prst="rightArrow">
+            <a:avLst/>
+          </a:prstGeom>
+          <a:solidFill>
+            <a:srgbClr val="FF0000"/>
+          </a:solidFill>
+          <a:ln>
+            <a:solidFill>
+              <a:schemeClr val="tx1"/>
+            </a:solidFill>
+          </a:ln>
+        </p:spPr>
+        <p:style>
+          <a:lnRef idx="2">
+            <a:schemeClr val="accent1">
+              <a:shade val="50000"/>
+            </a:schemeClr>
+          </a:lnRef>
+          <a:fillRef idx="1">
+            <a:schemeClr val="accent1"/>
+          </a:fillRef>
+          <a:effectRef idx="0">
+            <a:schemeClr val="accent1"/>
+          </a:effectRef>
+          <a:fontRef idx="minor">
+            <a:schemeClr val="lt1"/>
+          </a:fontRef>
+        </p:style>
+        <p:txBody>
+          <a:bodyPr rtlCol="0" anchor="ctr"/>
+          <a:lstStyle/>
+          <a:p>
+            <a:pPr algn="ctr"/>
+            <a:endParaRPr kumimoji="1" lang="ja-JP" altLang="en-US"/>
           </a:p>
         </p:txBody>
       </p:sp>
@@ -6588,6 +10623,1424 @@
     <p:extLst>
       <p:ext uri="{BB962C8B-B14F-4D97-AF65-F5344CB8AC3E}">
         <p14:creationId xmlns:p14="http://schemas.microsoft.com/office/powerpoint/2010/main" val="3609268177"/>
+      </p:ext>
+    </p:extLst>
+  </p:cSld>
+  <p:clrMapOvr>
+    <a:masterClrMapping/>
+  </p:clrMapOvr>
+</p:sld>
+</file>
+
+<file path=ppt/slides/slide8.xml><?xml version="1.0" encoding="utf-8"?>
+<p:sld xmlns:a="http://schemas.openxmlformats.org/drawingml/2006/main" xmlns:r="http://schemas.openxmlformats.org/officeDocument/2006/relationships" xmlns:p="http://schemas.openxmlformats.org/presentationml/2006/main">
+  <p:cSld>
+    <p:spTree>
+      <p:nvGrpSpPr>
+        <p:cNvPr id="1" name=""/>
+        <p:cNvGrpSpPr/>
+        <p:nvPr/>
+      </p:nvGrpSpPr>
+      <p:grpSpPr>
+        <a:xfrm>
+          <a:off x="0" y="0"/>
+          <a:ext cx="0" cy="0"/>
+          <a:chOff x="0" y="0"/>
+          <a:chExt cx="0" cy="0"/>
+        </a:xfrm>
+      </p:grpSpPr>
+      <p:sp>
+        <p:nvSpPr>
+          <p:cNvPr id="2" name="テキスト プレースホルダー 1">
+            <a:extLst>
+              <a:ext uri="{FF2B5EF4-FFF2-40B4-BE49-F238E27FC236}">
+                <a16:creationId xmlns:a16="http://schemas.microsoft.com/office/drawing/2014/main" id="{D21655B1-C025-3F42-B4AE-D648D3319704}"/>
+              </a:ext>
+            </a:extLst>
+          </p:cNvPr>
+          <p:cNvSpPr>
+            <a:spLocks noGrp="1"/>
+          </p:cNvSpPr>
+          <p:nvPr>
+            <p:ph type="body" sz="quarter" idx="10"/>
+          </p:nvPr>
+        </p:nvSpPr>
+        <p:spPr/>
+        <p:txBody>
+          <a:bodyPr/>
+          <a:lstStyle/>
+          <a:p>
+            <a:r>
+              <a:rPr kumimoji="1" lang="ja-JP" altLang="en-US"/>
+              <a:t>代表的な文字コード</a:t>
+            </a:r>
+          </a:p>
+        </p:txBody>
+      </p:sp>
+      <p:sp>
+        <p:nvSpPr>
+          <p:cNvPr id="3" name="テキスト ボックス 2">
+            <a:extLst>
+              <a:ext uri="{FF2B5EF4-FFF2-40B4-BE49-F238E27FC236}">
+                <a16:creationId xmlns:a16="http://schemas.microsoft.com/office/drawing/2014/main" id="{FD4E7860-527E-1F41-BFB8-FA1BE3C3B5A4}"/>
+              </a:ext>
+            </a:extLst>
+          </p:cNvPr>
+          <p:cNvSpPr txBox="1"/>
+          <p:nvPr/>
+        </p:nvSpPr>
+        <p:spPr>
+          <a:xfrm>
+            <a:off x="323528" y="908720"/>
+            <a:ext cx="1606530" cy="523220"/>
+          </a:xfrm>
+          <a:prstGeom prst="rect">
+            <a:avLst/>
+          </a:prstGeom>
+          <a:noFill/>
+        </p:spPr>
+        <p:txBody>
+          <a:bodyPr wrap="none" rtlCol="0">
+            <a:spAutoFit/>
+          </a:bodyPr>
+          <a:lstStyle/>
+          <a:p>
+            <a:r>
+              <a:rPr kumimoji="1" lang="ja-JP" altLang="en-US" sz="2800"/>
+              <a:t>シフト</a:t>
+            </a:r>
+            <a:r>
+              <a:rPr kumimoji="1" lang="en-US" altLang="ja-JP" sz="2800"/>
+              <a:t>JIS</a:t>
+            </a:r>
+            <a:endParaRPr kumimoji="1" lang="ja-JP" altLang="en-US" sz="2800"/>
+          </a:p>
+        </p:txBody>
+      </p:sp>
+      <p:sp>
+        <p:nvSpPr>
+          <p:cNvPr id="4" name="テキスト ボックス 3">
+            <a:extLst>
+              <a:ext uri="{FF2B5EF4-FFF2-40B4-BE49-F238E27FC236}">
+                <a16:creationId xmlns:a16="http://schemas.microsoft.com/office/drawing/2014/main" id="{F45E6687-9FF3-484B-916C-AB57771BB37D}"/>
+              </a:ext>
+            </a:extLst>
+          </p:cNvPr>
+          <p:cNvSpPr txBox="1"/>
+          <p:nvPr/>
+        </p:nvSpPr>
+        <p:spPr>
+          <a:xfrm>
+            <a:off x="971600" y="1484784"/>
+            <a:ext cx="6497484" cy="830997"/>
+          </a:xfrm>
+          <a:prstGeom prst="rect">
+            <a:avLst/>
+          </a:prstGeom>
+          <a:noFill/>
+        </p:spPr>
+        <p:txBody>
+          <a:bodyPr wrap="none" rtlCol="0">
+            <a:spAutoFit/>
+          </a:bodyPr>
+          <a:lstStyle/>
+          <a:p>
+            <a:r>
+              <a:rPr kumimoji="1" lang="en-US" altLang="ja-JP" sz="2400">
+                <a:solidFill>
+                  <a:srgbClr val="011893"/>
+                </a:solidFill>
+              </a:rPr>
+              <a:t>MS-DOS</a:t>
+            </a:r>
+            <a:r>
+              <a:rPr lang="ja-JP" altLang="en-US" sz="2400"/>
+              <a:t>や</a:t>
+            </a:r>
+            <a:r>
+              <a:rPr kumimoji="1" lang="en-US" altLang="ja-JP" sz="2400">
+                <a:solidFill>
+                  <a:srgbClr val="011893"/>
+                </a:solidFill>
+              </a:rPr>
+              <a:t>Windows</a:t>
+            </a:r>
+            <a:r>
+              <a:rPr kumimoji="1" lang="ja-JP" altLang="en-US" sz="2400"/>
+              <a:t>のデフォルトの文字コード</a:t>
+            </a:r>
+            <a:endParaRPr kumimoji="1" lang="en-US" altLang="ja-JP" sz="2400"/>
+          </a:p>
+          <a:p>
+            <a:r>
+              <a:rPr lang="ja-JP" altLang="en-US" sz="2400"/>
+              <a:t>日本語を</a:t>
+            </a:r>
+            <a:r>
+              <a:rPr lang="en-US" altLang="ja-JP" sz="2400"/>
+              <a:t>2</a:t>
+            </a:r>
+            <a:r>
+              <a:rPr lang="ja-JP" altLang="en-US" sz="2400"/>
+              <a:t>バイトで表現</a:t>
+            </a:r>
+            <a:endParaRPr kumimoji="1" lang="en-US" altLang="ja-JP" sz="2400"/>
+          </a:p>
+        </p:txBody>
+      </p:sp>
+      <p:sp>
+        <p:nvSpPr>
+          <p:cNvPr id="5" name="テキスト ボックス 4">
+            <a:extLst>
+              <a:ext uri="{FF2B5EF4-FFF2-40B4-BE49-F238E27FC236}">
+                <a16:creationId xmlns:a16="http://schemas.microsoft.com/office/drawing/2014/main" id="{FC5AB1E8-DE5D-7B4D-AE01-BEEB39BD1EDC}"/>
+              </a:ext>
+            </a:extLst>
+          </p:cNvPr>
+          <p:cNvSpPr txBox="1"/>
+          <p:nvPr/>
+        </p:nvSpPr>
+        <p:spPr>
+          <a:xfrm>
+            <a:off x="323528" y="2492896"/>
+            <a:ext cx="1261884" cy="523220"/>
+          </a:xfrm>
+          <a:prstGeom prst="rect">
+            <a:avLst/>
+          </a:prstGeom>
+          <a:noFill/>
+        </p:spPr>
+        <p:txBody>
+          <a:bodyPr wrap="none" rtlCol="0">
+            <a:spAutoFit/>
+          </a:bodyPr>
+          <a:lstStyle/>
+          <a:p>
+            <a:r>
+              <a:rPr kumimoji="1" lang="en-US" altLang="ja-JP" sz="2800"/>
+              <a:t>EUC-JP</a:t>
+            </a:r>
+            <a:endParaRPr kumimoji="1" lang="ja-JP" altLang="en-US" sz="2800"/>
+          </a:p>
+        </p:txBody>
+      </p:sp>
+      <p:sp>
+        <p:nvSpPr>
+          <p:cNvPr id="6" name="テキスト ボックス 5">
+            <a:extLst>
+              <a:ext uri="{FF2B5EF4-FFF2-40B4-BE49-F238E27FC236}">
+                <a16:creationId xmlns:a16="http://schemas.microsoft.com/office/drawing/2014/main" id="{63DE791C-5B6E-2142-BE5D-6900CD9FF9D2}"/>
+              </a:ext>
+            </a:extLst>
+          </p:cNvPr>
+          <p:cNvSpPr txBox="1"/>
+          <p:nvPr/>
+        </p:nvSpPr>
+        <p:spPr>
+          <a:xfrm>
+            <a:off x="971600" y="2996952"/>
+            <a:ext cx="5949064" cy="1200329"/>
+          </a:xfrm>
+          <a:prstGeom prst="rect">
+            <a:avLst/>
+          </a:prstGeom>
+          <a:noFill/>
+        </p:spPr>
+        <p:txBody>
+          <a:bodyPr wrap="none" rtlCol="0">
+            <a:spAutoFit/>
+          </a:bodyPr>
+          <a:lstStyle/>
+          <a:p>
+            <a:r>
+              <a:rPr lang="en-US" altLang="ja-JP" sz="2400">
+                <a:solidFill>
+                  <a:srgbClr val="011893"/>
+                </a:solidFill>
+              </a:rPr>
+              <a:t>UNIX</a:t>
+            </a:r>
+            <a:r>
+              <a:rPr lang="ja-JP" altLang="en-US" sz="2400">
+                <a:solidFill>
+                  <a:srgbClr val="011893"/>
+                </a:solidFill>
+              </a:rPr>
+              <a:t>系</a:t>
+            </a:r>
+            <a:r>
+              <a:rPr lang="en-US" altLang="ja-JP" sz="2400">
+                <a:solidFill>
+                  <a:srgbClr val="011893"/>
+                </a:solidFill>
+              </a:rPr>
+              <a:t>OS</a:t>
+            </a:r>
+            <a:r>
+              <a:rPr lang="ja-JP" altLang="en-US" sz="2400"/>
+              <a:t>で広く使われている文字コード</a:t>
+            </a:r>
+            <a:endParaRPr lang="en-US" altLang="ja-JP" sz="2400"/>
+          </a:p>
+          <a:p>
+            <a:r>
+              <a:rPr lang="ja-JP" altLang="en-US" sz="2400"/>
+              <a:t>日本語を</a:t>
+            </a:r>
+            <a:r>
+              <a:rPr lang="en-US" altLang="ja-JP" sz="2400"/>
+              <a:t>2</a:t>
+            </a:r>
+            <a:r>
+              <a:rPr lang="ja-JP" altLang="en-US" sz="2400"/>
+              <a:t>もしくは</a:t>
+            </a:r>
+            <a:r>
+              <a:rPr lang="en-US" altLang="ja-JP" sz="2400"/>
+              <a:t>3</a:t>
+            </a:r>
+            <a:r>
+              <a:rPr lang="ja-JP" altLang="en-US" sz="2400"/>
+              <a:t>バイトで表現</a:t>
+            </a:r>
+            <a:endParaRPr lang="en-US" altLang="ja-JP" sz="2400"/>
+          </a:p>
+          <a:p>
+            <a:r>
+              <a:rPr kumimoji="1" lang="ja-JP" altLang="en-US" sz="2400"/>
+              <a:t>最上位ビットが必ず</a:t>
+            </a:r>
+            <a:r>
+              <a:rPr kumimoji="1" lang="en-US" altLang="ja-JP" sz="2400"/>
+              <a:t>1</a:t>
+            </a:r>
+          </a:p>
+        </p:txBody>
+      </p:sp>
+      <p:sp>
+        <p:nvSpPr>
+          <p:cNvPr id="7" name="テキスト ボックス 6">
+            <a:extLst>
+              <a:ext uri="{FF2B5EF4-FFF2-40B4-BE49-F238E27FC236}">
+                <a16:creationId xmlns:a16="http://schemas.microsoft.com/office/drawing/2014/main" id="{1D53F224-585B-174E-B70F-1E9B95AE731C}"/>
+              </a:ext>
+            </a:extLst>
+          </p:cNvPr>
+          <p:cNvSpPr txBox="1"/>
+          <p:nvPr/>
+        </p:nvSpPr>
+        <p:spPr>
+          <a:xfrm>
+            <a:off x="395536" y="4365104"/>
+            <a:ext cx="1606530" cy="523220"/>
+          </a:xfrm>
+          <a:prstGeom prst="rect">
+            <a:avLst/>
+          </a:prstGeom>
+          <a:noFill/>
+        </p:spPr>
+        <p:txBody>
+          <a:bodyPr wrap="none" rtlCol="0">
+            <a:spAutoFit/>
+          </a:bodyPr>
+          <a:lstStyle/>
+          <a:p>
+            <a:r>
+              <a:rPr kumimoji="1" lang="en-US" altLang="ja-JP" sz="2800"/>
+              <a:t>JIS</a:t>
+            </a:r>
+            <a:r>
+              <a:rPr kumimoji="1" lang="ja-JP" altLang="en-US" sz="2800"/>
+              <a:t>コード</a:t>
+            </a:r>
+          </a:p>
+        </p:txBody>
+      </p:sp>
+      <p:sp>
+        <p:nvSpPr>
+          <p:cNvPr id="8" name="テキスト ボックス 7">
+            <a:extLst>
+              <a:ext uri="{FF2B5EF4-FFF2-40B4-BE49-F238E27FC236}">
+                <a16:creationId xmlns:a16="http://schemas.microsoft.com/office/drawing/2014/main" id="{19A72AFE-C940-8B42-A4BF-C834F6C2FDAF}"/>
+              </a:ext>
+            </a:extLst>
+          </p:cNvPr>
+          <p:cNvSpPr txBox="1"/>
+          <p:nvPr/>
+        </p:nvSpPr>
+        <p:spPr>
+          <a:xfrm>
+            <a:off x="971600" y="4941168"/>
+            <a:ext cx="5724644" cy="1200329"/>
+          </a:xfrm>
+          <a:prstGeom prst="rect">
+            <a:avLst/>
+          </a:prstGeom>
+          <a:noFill/>
+        </p:spPr>
+        <p:txBody>
+          <a:bodyPr wrap="none" rtlCol="0">
+            <a:spAutoFit/>
+          </a:bodyPr>
+          <a:lstStyle/>
+          <a:p>
+            <a:r>
+              <a:rPr lang="ja-JP" altLang="en-US" sz="2400">
+                <a:solidFill>
+                  <a:srgbClr val="011893"/>
+                </a:solidFill>
+              </a:rPr>
+              <a:t>電子メールに</a:t>
+            </a:r>
+            <a:r>
+              <a:rPr lang="ja-JP" altLang="en-US" sz="2400"/>
+              <a:t>広く使われてた文字コード</a:t>
+            </a:r>
+            <a:endParaRPr lang="en-US" altLang="ja-JP" sz="2400"/>
+          </a:p>
+          <a:p>
+            <a:r>
+              <a:rPr lang="ja-JP" altLang="en-US" sz="2400"/>
+              <a:t>文字種を切り替える</a:t>
+            </a:r>
+            <a:endParaRPr lang="en-US" altLang="ja-JP" sz="2400"/>
+          </a:p>
+          <a:p>
+            <a:r>
+              <a:rPr lang="ja-JP" altLang="en-US" sz="2400"/>
+              <a:t>最上位ビットが必ず</a:t>
+            </a:r>
+            <a:r>
+              <a:rPr lang="en-US" altLang="ja-JP" sz="2400"/>
+              <a:t>0</a:t>
+            </a:r>
+          </a:p>
+        </p:txBody>
+      </p:sp>
+      <p:sp>
+        <p:nvSpPr>
+          <p:cNvPr id="9" name="テキスト ボックス 8">
+            <a:extLst>
+              <a:ext uri="{FF2B5EF4-FFF2-40B4-BE49-F238E27FC236}">
+                <a16:creationId xmlns:a16="http://schemas.microsoft.com/office/drawing/2014/main" id="{6B9D5312-FA94-9749-B624-95D0017AC270}"/>
+              </a:ext>
+            </a:extLst>
+          </p:cNvPr>
+          <p:cNvSpPr txBox="1"/>
+          <p:nvPr/>
+        </p:nvSpPr>
+        <p:spPr>
+          <a:xfrm>
+            <a:off x="6300192" y="6165304"/>
+            <a:ext cx="1901483" cy="523220"/>
+          </a:xfrm>
+          <a:prstGeom prst="rect">
+            <a:avLst/>
+          </a:prstGeom>
+          <a:noFill/>
+        </p:spPr>
+        <p:txBody>
+          <a:bodyPr wrap="none" rtlCol="0">
+            <a:spAutoFit/>
+          </a:bodyPr>
+          <a:lstStyle/>
+          <a:p>
+            <a:r>
+              <a:rPr kumimoji="1" lang="en-US" altLang="ja-JP" sz="2800"/>
+              <a:t>UTF</a:t>
+            </a:r>
+            <a:r>
+              <a:rPr kumimoji="1" lang="ja-JP" altLang="en-US" sz="2800"/>
+              <a:t>は後述</a:t>
+            </a:r>
+          </a:p>
+        </p:txBody>
+      </p:sp>
+    </p:spTree>
+    <p:extLst>
+      <p:ext uri="{BB962C8B-B14F-4D97-AF65-F5344CB8AC3E}">
+        <p14:creationId xmlns:p14="http://schemas.microsoft.com/office/powerpoint/2010/main" val="1442347763"/>
+      </p:ext>
+    </p:extLst>
+  </p:cSld>
+  <p:clrMapOvr>
+    <a:masterClrMapping/>
+  </p:clrMapOvr>
+</p:sld>
+</file>
+
+<file path=ppt/slides/slide9.xml><?xml version="1.0" encoding="utf-8"?>
+<p:sld xmlns:a="http://schemas.openxmlformats.org/drawingml/2006/main" xmlns:r="http://schemas.openxmlformats.org/officeDocument/2006/relationships" xmlns:p="http://schemas.openxmlformats.org/presentationml/2006/main">
+  <p:cSld>
+    <p:spTree>
+      <p:nvGrpSpPr>
+        <p:cNvPr id="1" name=""/>
+        <p:cNvGrpSpPr/>
+        <p:nvPr/>
+      </p:nvGrpSpPr>
+      <p:grpSpPr>
+        <a:xfrm>
+          <a:off x="0" y="0"/>
+          <a:ext cx="0" cy="0"/>
+          <a:chOff x="0" y="0"/>
+          <a:chExt cx="0" cy="0"/>
+        </a:xfrm>
+      </p:grpSpPr>
+      <p:sp>
+        <p:nvSpPr>
+          <p:cNvPr id="2" name="テキスト プレースホルダー 1">
+            <a:extLst>
+              <a:ext uri="{FF2B5EF4-FFF2-40B4-BE49-F238E27FC236}">
+                <a16:creationId xmlns:a16="http://schemas.microsoft.com/office/drawing/2014/main" id="{027C7756-1AF8-1748-9608-B49AD83E6C02}"/>
+              </a:ext>
+            </a:extLst>
+          </p:cNvPr>
+          <p:cNvSpPr>
+            <a:spLocks noGrp="1"/>
+          </p:cNvSpPr>
+          <p:nvPr>
+            <p:ph type="body" sz="quarter" idx="10"/>
+          </p:nvPr>
+        </p:nvSpPr>
+        <p:spPr/>
+        <p:txBody>
+          <a:bodyPr/>
+          <a:lstStyle/>
+          <a:p>
+            <a:r>
+              <a:rPr kumimoji="1" lang="ja-JP" altLang="en-US"/>
+              <a:t>文字化け</a:t>
+            </a:r>
+          </a:p>
+        </p:txBody>
+      </p:sp>
+      <p:pic>
+        <p:nvPicPr>
+          <p:cNvPr id="3" name="図 2">
+            <a:extLst>
+              <a:ext uri="{FF2B5EF4-FFF2-40B4-BE49-F238E27FC236}">
+                <a16:creationId xmlns:a16="http://schemas.microsoft.com/office/drawing/2014/main" id="{03056C58-748D-7744-9802-6C72EF4DC4F4}"/>
+              </a:ext>
+            </a:extLst>
+          </p:cNvPr>
+          <p:cNvPicPr>
+            <a:picLocks noChangeAspect="1"/>
+          </p:cNvPicPr>
+          <p:nvPr/>
+        </p:nvPicPr>
+        <p:blipFill>
+          <a:blip r:embed="rId2"/>
+          <a:stretch>
+            <a:fillRect/>
+          </a:stretch>
+        </p:blipFill>
+        <p:spPr>
+          <a:xfrm>
+            <a:off x="899592" y="2276872"/>
+            <a:ext cx="967131" cy="967131"/>
+          </a:xfrm>
+          <a:prstGeom prst="rect">
+            <a:avLst/>
+          </a:prstGeom>
+        </p:spPr>
+      </p:pic>
+      <p:sp>
+        <p:nvSpPr>
+          <p:cNvPr id="4" name="テキスト ボックス 3">
+            <a:extLst>
+              <a:ext uri="{FF2B5EF4-FFF2-40B4-BE49-F238E27FC236}">
+                <a16:creationId xmlns:a16="http://schemas.microsoft.com/office/drawing/2014/main" id="{C051442A-88AF-8848-AF57-569BA52CC2E7}"/>
+              </a:ext>
+            </a:extLst>
+          </p:cNvPr>
+          <p:cNvSpPr txBox="1"/>
+          <p:nvPr/>
+        </p:nvSpPr>
+        <p:spPr>
+          <a:xfrm>
+            <a:off x="539552" y="3573016"/>
+            <a:ext cx="2262158" cy="646331"/>
+          </a:xfrm>
+          <a:prstGeom prst="rect">
+            <a:avLst/>
+          </a:prstGeom>
+          <a:noFill/>
+        </p:spPr>
+        <p:txBody>
+          <a:bodyPr wrap="none" rtlCol="0">
+            <a:spAutoFit/>
+          </a:bodyPr>
+          <a:lstStyle/>
+          <a:p>
+            <a:r>
+              <a:rPr kumimoji="1" lang="en-US" altLang="ja-JP"/>
+              <a:t>Windows</a:t>
+            </a:r>
+            <a:r>
+              <a:rPr kumimoji="1" lang="ja-JP" altLang="en-US"/>
+              <a:t>マシンで</a:t>
+            </a:r>
+            <a:endParaRPr kumimoji="1" lang="en-US" altLang="ja-JP"/>
+          </a:p>
+          <a:p>
+            <a:r>
+              <a:rPr lang="ja-JP" altLang="en-US"/>
+              <a:t>ウェブページを作成</a:t>
+            </a:r>
+            <a:endParaRPr kumimoji="1" lang="ja-JP" altLang="en-US"/>
+          </a:p>
+        </p:txBody>
+      </p:sp>
+      <p:pic>
+        <p:nvPicPr>
+          <p:cNvPr id="6" name="図 5">
+            <a:extLst>
+              <a:ext uri="{FF2B5EF4-FFF2-40B4-BE49-F238E27FC236}">
+                <a16:creationId xmlns:a16="http://schemas.microsoft.com/office/drawing/2014/main" id="{94DBDDD6-05FD-CB40-8BF7-8DF37E70DB32}"/>
+              </a:ext>
+            </a:extLst>
+          </p:cNvPr>
+          <p:cNvPicPr>
+            <a:picLocks noChangeAspect="1"/>
+          </p:cNvPicPr>
+          <p:nvPr/>
+        </p:nvPicPr>
+        <p:blipFill>
+          <a:blip r:embed="rId3"/>
+          <a:stretch>
+            <a:fillRect/>
+          </a:stretch>
+        </p:blipFill>
+        <p:spPr>
+          <a:xfrm>
+            <a:off x="4139952" y="2060848"/>
+            <a:ext cx="893872" cy="1368172"/>
+          </a:xfrm>
+          <a:prstGeom prst="rect">
+            <a:avLst/>
+          </a:prstGeom>
+        </p:spPr>
+      </p:pic>
+      <p:sp>
+        <p:nvSpPr>
+          <p:cNvPr id="7" name="テキスト ボックス 6">
+            <a:extLst>
+              <a:ext uri="{FF2B5EF4-FFF2-40B4-BE49-F238E27FC236}">
+                <a16:creationId xmlns:a16="http://schemas.microsoft.com/office/drawing/2014/main" id="{98022AB5-B812-424A-B01D-7C66665E1991}"/>
+              </a:ext>
+            </a:extLst>
+          </p:cNvPr>
+          <p:cNvSpPr txBox="1"/>
+          <p:nvPr/>
+        </p:nvSpPr>
+        <p:spPr>
+          <a:xfrm>
+            <a:off x="3347864" y="3645024"/>
+            <a:ext cx="2938753" cy="369332"/>
+          </a:xfrm>
+          <a:prstGeom prst="rect">
+            <a:avLst/>
+          </a:prstGeom>
+          <a:noFill/>
+        </p:spPr>
+        <p:txBody>
+          <a:bodyPr wrap="none" rtlCol="0">
+            <a:spAutoFit/>
+          </a:bodyPr>
+          <a:lstStyle/>
+          <a:p>
+            <a:r>
+              <a:rPr kumimoji="1" lang="en-US" altLang="ja-JP"/>
+              <a:t>Web</a:t>
+            </a:r>
+            <a:r>
+              <a:rPr kumimoji="1" lang="ja-JP" altLang="en-US"/>
+              <a:t>サーバにアップロード</a:t>
+            </a:r>
+          </a:p>
+        </p:txBody>
+      </p:sp>
+      <p:sp>
+        <p:nvSpPr>
+          <p:cNvPr id="8" name="右矢印 7">
+            <a:extLst>
+              <a:ext uri="{FF2B5EF4-FFF2-40B4-BE49-F238E27FC236}">
+                <a16:creationId xmlns:a16="http://schemas.microsoft.com/office/drawing/2014/main" id="{F094FD30-6CAD-4440-AD7D-614D19BEBF1E}"/>
+              </a:ext>
+            </a:extLst>
+          </p:cNvPr>
+          <p:cNvSpPr/>
+          <p:nvPr/>
+        </p:nvSpPr>
+        <p:spPr>
+          <a:xfrm>
+            <a:off x="2843808" y="2564904"/>
+            <a:ext cx="594399" cy="470566"/>
+          </a:xfrm>
+          <a:prstGeom prst="rightArrow">
+            <a:avLst/>
+          </a:prstGeom>
+          <a:solidFill>
+            <a:srgbClr val="FF0000"/>
+          </a:solidFill>
+          <a:ln>
+            <a:solidFill>
+              <a:schemeClr val="tx1"/>
+            </a:solidFill>
+          </a:ln>
+        </p:spPr>
+        <p:style>
+          <a:lnRef idx="2">
+            <a:schemeClr val="accent1">
+              <a:shade val="50000"/>
+            </a:schemeClr>
+          </a:lnRef>
+          <a:fillRef idx="1">
+            <a:schemeClr val="accent1"/>
+          </a:fillRef>
+          <a:effectRef idx="0">
+            <a:schemeClr val="accent1"/>
+          </a:effectRef>
+          <a:fontRef idx="minor">
+            <a:schemeClr val="lt1"/>
+          </a:fontRef>
+        </p:style>
+        <p:txBody>
+          <a:bodyPr rtlCol="0" anchor="ctr"/>
+          <a:lstStyle/>
+          <a:p>
+            <a:pPr algn="ctr"/>
+            <a:endParaRPr kumimoji="1" lang="ja-JP" altLang="en-US"/>
+          </a:p>
+        </p:txBody>
+      </p:sp>
+      <p:sp>
+        <p:nvSpPr>
+          <p:cNvPr id="9" name="テキスト ボックス 8">
+            <a:extLst>
+              <a:ext uri="{FF2B5EF4-FFF2-40B4-BE49-F238E27FC236}">
+                <a16:creationId xmlns:a16="http://schemas.microsoft.com/office/drawing/2014/main" id="{FA010CA7-9D45-7B4F-AA7C-87C993402EF9}"/>
+              </a:ext>
+            </a:extLst>
+          </p:cNvPr>
+          <p:cNvSpPr txBox="1"/>
+          <p:nvPr/>
+        </p:nvSpPr>
+        <p:spPr>
+          <a:xfrm>
+            <a:off x="755576" y="1628800"/>
+            <a:ext cx="1098378" cy="369332"/>
+          </a:xfrm>
+          <a:prstGeom prst="rect">
+            <a:avLst/>
+          </a:prstGeom>
+          <a:noFill/>
+        </p:spPr>
+        <p:txBody>
+          <a:bodyPr wrap="none" rtlCol="0">
+            <a:spAutoFit/>
+          </a:bodyPr>
+          <a:lstStyle/>
+          <a:p>
+            <a:r>
+              <a:rPr kumimoji="1" lang="ja-JP" altLang="en-US"/>
+              <a:t>シフト</a:t>
+            </a:r>
+            <a:r>
+              <a:rPr kumimoji="1" lang="en-US" altLang="ja-JP"/>
+              <a:t>JIS</a:t>
+            </a:r>
+            <a:endParaRPr kumimoji="1" lang="ja-JP" altLang="en-US"/>
+          </a:p>
+        </p:txBody>
+      </p:sp>
+      <p:sp>
+        <p:nvSpPr>
+          <p:cNvPr id="10" name="テキスト ボックス 9">
+            <a:extLst>
+              <a:ext uri="{FF2B5EF4-FFF2-40B4-BE49-F238E27FC236}">
+                <a16:creationId xmlns:a16="http://schemas.microsoft.com/office/drawing/2014/main" id="{77D2CF56-E07C-AF48-A8C6-E9C9B59F4267}"/>
+              </a:ext>
+            </a:extLst>
+          </p:cNvPr>
+          <p:cNvSpPr txBox="1"/>
+          <p:nvPr/>
+        </p:nvSpPr>
+        <p:spPr>
+          <a:xfrm>
+            <a:off x="4139952" y="1556792"/>
+            <a:ext cx="877163" cy="369332"/>
+          </a:xfrm>
+          <a:prstGeom prst="rect">
+            <a:avLst/>
+          </a:prstGeom>
+          <a:noFill/>
+        </p:spPr>
+        <p:txBody>
+          <a:bodyPr wrap="none" rtlCol="0">
+            <a:spAutoFit/>
+          </a:bodyPr>
+          <a:lstStyle/>
+          <a:p>
+            <a:r>
+              <a:rPr lang="en-US" altLang="ja-JP"/>
+              <a:t>EUC-JP</a:t>
+            </a:r>
+            <a:endParaRPr kumimoji="1" lang="ja-JP" altLang="en-US"/>
+          </a:p>
+        </p:txBody>
+      </p:sp>
+      <p:pic>
+        <p:nvPicPr>
+          <p:cNvPr id="11" name="図 10">
+            <a:extLst>
+              <a:ext uri="{FF2B5EF4-FFF2-40B4-BE49-F238E27FC236}">
+                <a16:creationId xmlns:a16="http://schemas.microsoft.com/office/drawing/2014/main" id="{8889CD98-F8ED-2543-A67C-86C0BDA96C26}"/>
+              </a:ext>
+            </a:extLst>
+          </p:cNvPr>
+          <p:cNvPicPr>
+            <a:picLocks noChangeAspect="1"/>
+          </p:cNvPicPr>
+          <p:nvPr/>
+        </p:nvPicPr>
+        <p:blipFill>
+          <a:blip r:embed="rId4"/>
+          <a:stretch>
+            <a:fillRect/>
+          </a:stretch>
+        </p:blipFill>
+        <p:spPr>
+          <a:xfrm>
+            <a:off x="6948264" y="1916832"/>
+            <a:ext cx="1440160" cy="1440160"/>
+          </a:xfrm>
+          <a:prstGeom prst="rect">
+            <a:avLst/>
+          </a:prstGeom>
+        </p:spPr>
+      </p:pic>
+      <p:sp>
+        <p:nvSpPr>
+          <p:cNvPr id="12" name="右矢印 11">
+            <a:extLst>
+              <a:ext uri="{FF2B5EF4-FFF2-40B4-BE49-F238E27FC236}">
+                <a16:creationId xmlns:a16="http://schemas.microsoft.com/office/drawing/2014/main" id="{0B8CDC2D-876A-6340-B1D5-852D8BFAC21B}"/>
+              </a:ext>
+            </a:extLst>
+          </p:cNvPr>
+          <p:cNvSpPr/>
+          <p:nvPr/>
+        </p:nvSpPr>
+        <p:spPr>
+          <a:xfrm>
+            <a:off x="5724128" y="2564904"/>
+            <a:ext cx="594399" cy="470566"/>
+          </a:xfrm>
+          <a:prstGeom prst="rightArrow">
+            <a:avLst/>
+          </a:prstGeom>
+          <a:solidFill>
+            <a:srgbClr val="FF0000"/>
+          </a:solidFill>
+          <a:ln>
+            <a:solidFill>
+              <a:schemeClr val="tx1"/>
+            </a:solidFill>
+          </a:ln>
+        </p:spPr>
+        <p:style>
+          <a:lnRef idx="2">
+            <a:schemeClr val="accent1">
+              <a:shade val="50000"/>
+            </a:schemeClr>
+          </a:lnRef>
+          <a:fillRef idx="1">
+            <a:schemeClr val="accent1"/>
+          </a:fillRef>
+          <a:effectRef idx="0">
+            <a:schemeClr val="accent1"/>
+          </a:effectRef>
+          <a:fontRef idx="minor">
+            <a:schemeClr val="lt1"/>
+          </a:fontRef>
+        </p:style>
+        <p:txBody>
+          <a:bodyPr rtlCol="0" anchor="ctr"/>
+          <a:lstStyle/>
+          <a:p>
+            <a:pPr algn="ctr"/>
+            <a:endParaRPr kumimoji="1" lang="ja-JP" altLang="en-US"/>
+          </a:p>
+        </p:txBody>
+      </p:sp>
+      <p:sp>
+        <p:nvSpPr>
+          <p:cNvPr id="13" name="テキスト ボックス 12">
+            <a:extLst>
+              <a:ext uri="{FF2B5EF4-FFF2-40B4-BE49-F238E27FC236}">
+                <a16:creationId xmlns:a16="http://schemas.microsoft.com/office/drawing/2014/main" id="{CBBB9D3A-7CCD-6B49-8C46-25D5863FF15F}"/>
+              </a:ext>
+            </a:extLst>
+          </p:cNvPr>
+          <p:cNvSpPr txBox="1"/>
+          <p:nvPr/>
+        </p:nvSpPr>
+        <p:spPr>
+          <a:xfrm>
+            <a:off x="6876256" y="3645024"/>
+            <a:ext cx="1569660" cy="369332"/>
+          </a:xfrm>
+          <a:prstGeom prst="rect">
+            <a:avLst/>
+          </a:prstGeom>
+          <a:noFill/>
+        </p:spPr>
+        <p:txBody>
+          <a:bodyPr wrap="none" rtlCol="0">
+            <a:spAutoFit/>
+          </a:bodyPr>
+          <a:lstStyle/>
+          <a:p>
+            <a:r>
+              <a:rPr lang="ja-JP" altLang="en-US"/>
+              <a:t>ウェブ閲覧者</a:t>
+            </a:r>
+            <a:endParaRPr kumimoji="1" lang="ja-JP" altLang="en-US"/>
+          </a:p>
+        </p:txBody>
+      </p:sp>
+      <p:sp>
+        <p:nvSpPr>
+          <p:cNvPr id="14" name="テキスト ボックス 13">
+            <a:extLst>
+              <a:ext uri="{FF2B5EF4-FFF2-40B4-BE49-F238E27FC236}">
+                <a16:creationId xmlns:a16="http://schemas.microsoft.com/office/drawing/2014/main" id="{39BC3FD1-7B55-5E42-96FE-18BD34C7B510}"/>
+              </a:ext>
+            </a:extLst>
+          </p:cNvPr>
+          <p:cNvSpPr txBox="1"/>
+          <p:nvPr/>
+        </p:nvSpPr>
+        <p:spPr>
+          <a:xfrm>
+            <a:off x="7164288" y="1556792"/>
+            <a:ext cx="1107996" cy="369332"/>
+          </a:xfrm>
+          <a:prstGeom prst="rect">
+            <a:avLst/>
+          </a:prstGeom>
+          <a:noFill/>
+        </p:spPr>
+        <p:txBody>
+          <a:bodyPr wrap="none" rtlCol="0">
+            <a:spAutoFit/>
+          </a:bodyPr>
+          <a:lstStyle/>
+          <a:p>
+            <a:r>
+              <a:rPr lang="ja-JP" altLang="en-US"/>
+              <a:t>文字化け</a:t>
+            </a:r>
+            <a:endParaRPr kumimoji="1" lang="ja-JP" altLang="en-US"/>
+          </a:p>
+        </p:txBody>
+      </p:sp>
+      <p:sp>
+        <p:nvSpPr>
+          <p:cNvPr id="15" name="テキスト ボックス 14">
+            <a:extLst>
+              <a:ext uri="{FF2B5EF4-FFF2-40B4-BE49-F238E27FC236}">
+                <a16:creationId xmlns:a16="http://schemas.microsoft.com/office/drawing/2014/main" id="{33958087-B61E-0243-9CF4-2123251A27A3}"/>
+              </a:ext>
+            </a:extLst>
+          </p:cNvPr>
+          <p:cNvSpPr txBox="1"/>
+          <p:nvPr/>
+        </p:nvSpPr>
+        <p:spPr>
+          <a:xfrm>
+            <a:off x="611560" y="1052736"/>
+            <a:ext cx="8045792" cy="400110"/>
+          </a:xfrm>
+          <a:prstGeom prst="rect">
+            <a:avLst/>
+          </a:prstGeom>
+          <a:noFill/>
+        </p:spPr>
+        <p:txBody>
+          <a:bodyPr wrap="none" rtlCol="0">
+            <a:spAutoFit/>
+          </a:bodyPr>
+          <a:lstStyle/>
+          <a:p>
+            <a:r>
+              <a:rPr lang="ja-JP" altLang="en-US" sz="2000"/>
+              <a:t>不適切な文字コードでデコードすると表示がおかしくなる</a:t>
+            </a:r>
+            <a:r>
+              <a:rPr lang="en-US" altLang="ja-JP" sz="2000"/>
+              <a:t>(</a:t>
+            </a:r>
+            <a:r>
+              <a:rPr lang="ja-JP" altLang="en-US" sz="2000"/>
+              <a:t>文字化け</a:t>
+            </a:r>
+            <a:r>
+              <a:rPr lang="en-US" altLang="ja-JP" sz="2000"/>
+              <a:t>)</a:t>
+            </a:r>
+            <a:endParaRPr kumimoji="1" lang="ja-JP" altLang="en-US" sz="2000"/>
+          </a:p>
+        </p:txBody>
+      </p:sp>
+      <p:pic>
+        <p:nvPicPr>
+          <p:cNvPr id="17" name="図 16">
+            <a:extLst>
+              <a:ext uri="{FF2B5EF4-FFF2-40B4-BE49-F238E27FC236}">
+                <a16:creationId xmlns:a16="http://schemas.microsoft.com/office/drawing/2014/main" id="{721B2267-B722-C042-933A-6783B479A1A2}"/>
+              </a:ext>
+            </a:extLst>
+          </p:cNvPr>
+          <p:cNvPicPr>
+            <a:picLocks noChangeAspect="1"/>
+          </p:cNvPicPr>
+          <p:nvPr/>
+        </p:nvPicPr>
+        <p:blipFill>
+          <a:blip r:embed="rId2"/>
+          <a:stretch>
+            <a:fillRect/>
+          </a:stretch>
+        </p:blipFill>
+        <p:spPr>
+          <a:xfrm>
+            <a:off x="755576" y="5157192"/>
+            <a:ext cx="967131" cy="967131"/>
+          </a:xfrm>
+          <a:prstGeom prst="rect">
+            <a:avLst/>
+          </a:prstGeom>
+        </p:spPr>
+      </p:pic>
+      <p:sp>
+        <p:nvSpPr>
+          <p:cNvPr id="18" name="テキスト ボックス 17">
+            <a:extLst>
+              <a:ext uri="{FF2B5EF4-FFF2-40B4-BE49-F238E27FC236}">
+                <a16:creationId xmlns:a16="http://schemas.microsoft.com/office/drawing/2014/main" id="{62959BDD-150E-2541-8EB3-4E2F9A557649}"/>
+              </a:ext>
+            </a:extLst>
+          </p:cNvPr>
+          <p:cNvSpPr txBox="1"/>
+          <p:nvPr/>
+        </p:nvSpPr>
+        <p:spPr>
+          <a:xfrm>
+            <a:off x="395536" y="6165304"/>
+            <a:ext cx="2031325" cy="646331"/>
+          </a:xfrm>
+          <a:prstGeom prst="rect">
+            <a:avLst/>
+          </a:prstGeom>
+          <a:noFill/>
+        </p:spPr>
+        <p:txBody>
+          <a:bodyPr wrap="none" rtlCol="0">
+            <a:spAutoFit/>
+          </a:bodyPr>
+          <a:lstStyle/>
+          <a:p>
+            <a:r>
+              <a:rPr kumimoji="1" lang="en-US" altLang="ja-JP"/>
+              <a:t>Windows</a:t>
+            </a:r>
+            <a:r>
+              <a:rPr kumimoji="1" lang="ja-JP" altLang="en-US"/>
+              <a:t>マシンで</a:t>
+            </a:r>
+            <a:endParaRPr kumimoji="1" lang="en-US" altLang="ja-JP"/>
+          </a:p>
+          <a:p>
+            <a:r>
+              <a:rPr lang="ja-JP" altLang="en-US"/>
+              <a:t>メールを送信</a:t>
+            </a:r>
+            <a:endParaRPr kumimoji="1" lang="ja-JP" altLang="en-US"/>
+          </a:p>
+        </p:txBody>
+      </p:sp>
+      <p:sp>
+        <p:nvSpPr>
+          <p:cNvPr id="19" name="テキスト ボックス 18">
+            <a:extLst>
+              <a:ext uri="{FF2B5EF4-FFF2-40B4-BE49-F238E27FC236}">
+                <a16:creationId xmlns:a16="http://schemas.microsoft.com/office/drawing/2014/main" id="{4DD7842D-1DC4-E94F-AD82-16075EB5818E}"/>
+              </a:ext>
+            </a:extLst>
+          </p:cNvPr>
+          <p:cNvSpPr txBox="1"/>
+          <p:nvPr/>
+        </p:nvSpPr>
+        <p:spPr>
+          <a:xfrm>
+            <a:off x="611560" y="4653136"/>
+            <a:ext cx="1098378" cy="369332"/>
+          </a:xfrm>
+          <a:prstGeom prst="rect">
+            <a:avLst/>
+          </a:prstGeom>
+          <a:noFill/>
+        </p:spPr>
+        <p:txBody>
+          <a:bodyPr wrap="none" rtlCol="0">
+            <a:spAutoFit/>
+          </a:bodyPr>
+          <a:lstStyle/>
+          <a:p>
+            <a:r>
+              <a:rPr kumimoji="1" lang="ja-JP" altLang="en-US"/>
+              <a:t>シフト</a:t>
+            </a:r>
+            <a:r>
+              <a:rPr kumimoji="1" lang="en-US" altLang="ja-JP"/>
+              <a:t>JIS</a:t>
+            </a:r>
+            <a:endParaRPr kumimoji="1" lang="ja-JP" altLang="en-US"/>
+          </a:p>
+        </p:txBody>
+      </p:sp>
+      <p:sp>
+        <p:nvSpPr>
+          <p:cNvPr id="20" name="右矢印 19">
+            <a:extLst>
+              <a:ext uri="{FF2B5EF4-FFF2-40B4-BE49-F238E27FC236}">
+                <a16:creationId xmlns:a16="http://schemas.microsoft.com/office/drawing/2014/main" id="{5906DFD4-6855-AE48-A5E7-F818CF7D02E8}"/>
+              </a:ext>
+            </a:extLst>
+          </p:cNvPr>
+          <p:cNvSpPr/>
+          <p:nvPr/>
+        </p:nvSpPr>
+        <p:spPr>
+          <a:xfrm>
+            <a:off x="2771800" y="5301208"/>
+            <a:ext cx="594399" cy="470566"/>
+          </a:xfrm>
+          <a:prstGeom prst="rightArrow">
+            <a:avLst/>
+          </a:prstGeom>
+          <a:solidFill>
+            <a:srgbClr val="FF0000"/>
+          </a:solidFill>
+          <a:ln>
+            <a:solidFill>
+              <a:schemeClr val="tx1"/>
+            </a:solidFill>
+          </a:ln>
+        </p:spPr>
+        <p:style>
+          <a:lnRef idx="2">
+            <a:schemeClr val="accent1">
+              <a:shade val="50000"/>
+            </a:schemeClr>
+          </a:lnRef>
+          <a:fillRef idx="1">
+            <a:schemeClr val="accent1"/>
+          </a:fillRef>
+          <a:effectRef idx="0">
+            <a:schemeClr val="accent1"/>
+          </a:effectRef>
+          <a:fontRef idx="minor">
+            <a:schemeClr val="lt1"/>
+          </a:fontRef>
+        </p:style>
+        <p:txBody>
+          <a:bodyPr rtlCol="0" anchor="ctr"/>
+          <a:lstStyle/>
+          <a:p>
+            <a:pPr algn="ctr"/>
+            <a:endParaRPr kumimoji="1" lang="ja-JP" altLang="en-US"/>
+          </a:p>
+        </p:txBody>
+      </p:sp>
+      <p:pic>
+        <p:nvPicPr>
+          <p:cNvPr id="21" name="図 20">
+            <a:extLst>
+              <a:ext uri="{FF2B5EF4-FFF2-40B4-BE49-F238E27FC236}">
+                <a16:creationId xmlns:a16="http://schemas.microsoft.com/office/drawing/2014/main" id="{A443C879-55D6-C242-B996-53752397BD20}"/>
+              </a:ext>
+            </a:extLst>
+          </p:cNvPr>
+          <p:cNvPicPr>
+            <a:picLocks noChangeAspect="1"/>
+          </p:cNvPicPr>
+          <p:nvPr/>
+        </p:nvPicPr>
+        <p:blipFill>
+          <a:blip r:embed="rId5"/>
+          <a:stretch>
+            <a:fillRect/>
+          </a:stretch>
+        </p:blipFill>
+        <p:spPr>
+          <a:xfrm>
+            <a:off x="4067944" y="5013176"/>
+            <a:ext cx="1008112" cy="1008112"/>
+          </a:xfrm>
+          <a:prstGeom prst="rect">
+            <a:avLst/>
+          </a:prstGeom>
+        </p:spPr>
+      </p:pic>
+      <p:sp>
+        <p:nvSpPr>
+          <p:cNvPr id="22" name="右矢印 21">
+            <a:extLst>
+              <a:ext uri="{FF2B5EF4-FFF2-40B4-BE49-F238E27FC236}">
+                <a16:creationId xmlns:a16="http://schemas.microsoft.com/office/drawing/2014/main" id="{4EE7ED18-CC53-3C4B-9C95-B2C237C342FA}"/>
+              </a:ext>
+            </a:extLst>
+          </p:cNvPr>
+          <p:cNvSpPr/>
+          <p:nvPr/>
+        </p:nvSpPr>
+        <p:spPr>
+          <a:xfrm>
+            <a:off x="5652120" y="5229200"/>
+            <a:ext cx="594399" cy="470566"/>
+          </a:xfrm>
+          <a:prstGeom prst="rightArrow">
+            <a:avLst/>
+          </a:prstGeom>
+          <a:solidFill>
+            <a:srgbClr val="FF0000"/>
+          </a:solidFill>
+          <a:ln>
+            <a:solidFill>
+              <a:schemeClr val="tx1"/>
+            </a:solidFill>
+          </a:ln>
+        </p:spPr>
+        <p:style>
+          <a:lnRef idx="2">
+            <a:schemeClr val="accent1">
+              <a:shade val="50000"/>
+            </a:schemeClr>
+          </a:lnRef>
+          <a:fillRef idx="1">
+            <a:schemeClr val="accent1"/>
+          </a:fillRef>
+          <a:effectRef idx="0">
+            <a:schemeClr val="accent1"/>
+          </a:effectRef>
+          <a:fontRef idx="minor">
+            <a:schemeClr val="lt1"/>
+          </a:fontRef>
+        </p:style>
+        <p:txBody>
+          <a:bodyPr rtlCol="0" anchor="ctr"/>
+          <a:lstStyle/>
+          <a:p>
+            <a:pPr algn="ctr"/>
+            <a:endParaRPr kumimoji="1" lang="ja-JP" altLang="en-US"/>
+          </a:p>
+        </p:txBody>
+      </p:sp>
+      <p:sp>
+        <p:nvSpPr>
+          <p:cNvPr id="23" name="テキスト ボックス 22">
+            <a:extLst>
+              <a:ext uri="{FF2B5EF4-FFF2-40B4-BE49-F238E27FC236}">
+                <a16:creationId xmlns:a16="http://schemas.microsoft.com/office/drawing/2014/main" id="{9DE6AD90-2744-FD4E-9192-2D2D83DF10FF}"/>
+              </a:ext>
+            </a:extLst>
+          </p:cNvPr>
+          <p:cNvSpPr txBox="1"/>
+          <p:nvPr/>
+        </p:nvSpPr>
+        <p:spPr>
+          <a:xfrm>
+            <a:off x="3995936" y="4581128"/>
+            <a:ext cx="1098378" cy="369332"/>
+          </a:xfrm>
+          <a:prstGeom prst="rect">
+            <a:avLst/>
+          </a:prstGeom>
+          <a:noFill/>
+        </p:spPr>
+        <p:txBody>
+          <a:bodyPr wrap="none" rtlCol="0">
+            <a:spAutoFit/>
+          </a:bodyPr>
+          <a:lstStyle/>
+          <a:p>
+            <a:r>
+              <a:rPr kumimoji="1" lang="en-US" altLang="ja-JP"/>
+              <a:t>JIS</a:t>
+            </a:r>
+            <a:r>
+              <a:rPr kumimoji="1" lang="ja-JP" altLang="en-US"/>
+              <a:t>コード</a:t>
+            </a:r>
+          </a:p>
+        </p:txBody>
+      </p:sp>
+      <p:sp>
+        <p:nvSpPr>
+          <p:cNvPr id="24" name="テキスト ボックス 23">
+            <a:extLst>
+              <a:ext uri="{FF2B5EF4-FFF2-40B4-BE49-F238E27FC236}">
+                <a16:creationId xmlns:a16="http://schemas.microsoft.com/office/drawing/2014/main" id="{F0EA9486-9BEC-8F47-8A9F-4476B0A5D6BB}"/>
+              </a:ext>
+            </a:extLst>
+          </p:cNvPr>
+          <p:cNvSpPr txBox="1"/>
+          <p:nvPr/>
+        </p:nvSpPr>
+        <p:spPr>
+          <a:xfrm>
+            <a:off x="3779912" y="6093296"/>
+            <a:ext cx="1800493" cy="646331"/>
+          </a:xfrm>
+          <a:prstGeom prst="rect">
+            <a:avLst/>
+          </a:prstGeom>
+          <a:noFill/>
+        </p:spPr>
+        <p:txBody>
+          <a:bodyPr wrap="none" rtlCol="0">
+            <a:spAutoFit/>
+          </a:bodyPr>
+          <a:lstStyle/>
+          <a:p>
+            <a:r>
+              <a:rPr kumimoji="1" lang="ja-JP" altLang="en-US"/>
+              <a:t>メールソフトは</a:t>
+            </a:r>
+            <a:endParaRPr kumimoji="1" lang="en-US" altLang="ja-JP"/>
+          </a:p>
+          <a:p>
+            <a:r>
+              <a:rPr lang="en-US" altLang="ja-JP"/>
+              <a:t>JIS</a:t>
+            </a:r>
+            <a:r>
+              <a:rPr lang="ja-JP" altLang="en-US"/>
+              <a:t>に変換</a:t>
+            </a:r>
+            <a:endParaRPr kumimoji="1" lang="ja-JP" altLang="en-US"/>
+          </a:p>
+        </p:txBody>
+      </p:sp>
+      <p:pic>
+        <p:nvPicPr>
+          <p:cNvPr id="25" name="図 24">
+            <a:extLst>
+              <a:ext uri="{FF2B5EF4-FFF2-40B4-BE49-F238E27FC236}">
+                <a16:creationId xmlns:a16="http://schemas.microsoft.com/office/drawing/2014/main" id="{28C6A0DB-A562-274B-8EE8-A3E1EBDDA091}"/>
+              </a:ext>
+            </a:extLst>
+          </p:cNvPr>
+          <p:cNvPicPr>
+            <a:picLocks noChangeAspect="1"/>
+          </p:cNvPicPr>
+          <p:nvPr/>
+        </p:nvPicPr>
+        <p:blipFill>
+          <a:blip r:embed="rId4"/>
+          <a:stretch>
+            <a:fillRect/>
+          </a:stretch>
+        </p:blipFill>
+        <p:spPr>
+          <a:xfrm>
+            <a:off x="6948264" y="4941168"/>
+            <a:ext cx="1224136" cy="1224136"/>
+          </a:xfrm>
+          <a:prstGeom prst="rect">
+            <a:avLst/>
+          </a:prstGeom>
+        </p:spPr>
+      </p:pic>
+      <p:sp>
+        <p:nvSpPr>
+          <p:cNvPr id="26" name="テキスト ボックス 25">
+            <a:extLst>
+              <a:ext uri="{FF2B5EF4-FFF2-40B4-BE49-F238E27FC236}">
+                <a16:creationId xmlns:a16="http://schemas.microsoft.com/office/drawing/2014/main" id="{6EA4099D-0E21-414E-AEE0-529918F900A2}"/>
+              </a:ext>
+            </a:extLst>
+          </p:cNvPr>
+          <p:cNvSpPr txBox="1"/>
+          <p:nvPr/>
+        </p:nvSpPr>
+        <p:spPr>
+          <a:xfrm>
+            <a:off x="6804248" y="6237312"/>
+            <a:ext cx="1569660" cy="369332"/>
+          </a:xfrm>
+          <a:prstGeom prst="rect">
+            <a:avLst/>
+          </a:prstGeom>
+          <a:noFill/>
+        </p:spPr>
+        <p:txBody>
+          <a:bodyPr wrap="none" rtlCol="0">
+            <a:spAutoFit/>
+          </a:bodyPr>
+          <a:lstStyle/>
+          <a:p>
+            <a:r>
+              <a:rPr lang="ja-JP" altLang="en-US"/>
+              <a:t>メール受信者</a:t>
+            </a:r>
+            <a:endParaRPr kumimoji="1" lang="ja-JP" altLang="en-US"/>
+          </a:p>
+        </p:txBody>
+      </p:sp>
+      <p:sp>
+        <p:nvSpPr>
+          <p:cNvPr id="27" name="テキスト ボックス 26">
+            <a:extLst>
+              <a:ext uri="{FF2B5EF4-FFF2-40B4-BE49-F238E27FC236}">
+                <a16:creationId xmlns:a16="http://schemas.microsoft.com/office/drawing/2014/main" id="{B6194EFF-6EF7-1E43-9150-02AFC01B9469}"/>
+              </a:ext>
+            </a:extLst>
+          </p:cNvPr>
+          <p:cNvSpPr txBox="1"/>
+          <p:nvPr/>
+        </p:nvSpPr>
+        <p:spPr>
+          <a:xfrm>
+            <a:off x="6876256" y="4581128"/>
+            <a:ext cx="1107996" cy="369332"/>
+          </a:xfrm>
+          <a:prstGeom prst="rect">
+            <a:avLst/>
+          </a:prstGeom>
+          <a:noFill/>
+        </p:spPr>
+        <p:txBody>
+          <a:bodyPr wrap="none" rtlCol="0">
+            <a:spAutoFit/>
+          </a:bodyPr>
+          <a:lstStyle/>
+          <a:p>
+            <a:r>
+              <a:rPr lang="ja-JP" altLang="en-US"/>
+              <a:t>文字化け</a:t>
+            </a:r>
+            <a:endParaRPr kumimoji="1" lang="ja-JP" altLang="en-US"/>
+          </a:p>
+        </p:txBody>
+      </p:sp>
+    </p:spTree>
+    <p:extLst>
+      <p:ext uri="{BB962C8B-B14F-4D97-AF65-F5344CB8AC3E}">
+        <p14:creationId xmlns:p14="http://schemas.microsoft.com/office/powerpoint/2010/main" val="2314556444"/>
       </p:ext>
     </p:extLst>
   </p:cSld>

--- a/string/fig/slide.pptx
+++ b/string/fig/slide.pptx
@@ -2,10 +2,10 @@
 <file path=ppt/presentation.xml><?xml version="1.0" encoding="utf-8"?>
 <p:presentation xmlns:a="http://schemas.openxmlformats.org/drawingml/2006/main" xmlns:r="http://schemas.openxmlformats.org/officeDocument/2006/relationships" xmlns:p="http://schemas.openxmlformats.org/presentationml/2006/main" saveSubsetFonts="1">
   <p:sldMasterIdLst>
-    <p:sldMasterId id="2147483663" r:id="rId1"/>
+    <p:sldMasterId id="2147483665" r:id="rId1"/>
   </p:sldMasterIdLst>
   <p:notesMasterIdLst>
-    <p:notesMasterId r:id="rId36"/>
+    <p:notesMasterId r:id="rId37"/>
   </p:notesMasterIdLst>
   <p:sldIdLst>
     <p:sldId id="256" r:id="rId2"/>
@@ -42,6 +42,7 @@
     <p:sldId id="303" r:id="rId33"/>
     <p:sldId id="304" r:id="rId34"/>
     <p:sldId id="305" r:id="rId35"/>
+    <p:sldId id="308" r:id="rId36"/>
   </p:sldIdLst>
   <p:sldSz cx="9144000" cy="6858000" type="screen4x3"/>
   <p:notesSz cx="6858000" cy="9144000"/>
@@ -240,7 +241,7 @@
           </a:lstStyle>
           <a:p>
             <a:fld id="{6B8D1B20-A248-FB47-8240-73C0C5F47C9D}" type="datetimeFigureOut">
-              <a:t>2019/10/29</a:t>
+              <a:t>2021/11/2</a:t>
             </a:fld>
             <a:endParaRPr kumimoji="1" lang="ja-JP" altLang="en-US" dirty="0"/>
           </a:p>
@@ -514,7 +515,7 @@
 </file>
 
 <file path=ppt/slideLayouts/slideLayout1.xml><?xml version="1.0" encoding="utf-8"?>
-<p:sldLayout xmlns:a="http://schemas.openxmlformats.org/drawingml/2006/main" xmlns:r="http://schemas.openxmlformats.org/officeDocument/2006/relationships" xmlns:p="http://schemas.openxmlformats.org/presentationml/2006/main" preserve="1" userDrawn="1">
+<p:sldLayout xmlns:a="http://schemas.openxmlformats.org/drawingml/2006/main" xmlns:r="http://schemas.openxmlformats.org/officeDocument/2006/relationships" xmlns:p="http://schemas.openxmlformats.org/presentationml/2006/main" preserve="1">
   <p:cSld name="タイトル スライド">
     <p:spTree>
       <p:nvGrpSpPr>
@@ -532,10 +533,58 @@
       </p:grpSpPr>
       <p:sp>
         <p:nvSpPr>
-          <p:cNvPr id="4" name="円/楕円 3">
-            <a:extLst>
-              <a:ext uri="{FF2B5EF4-FFF2-40B4-BE49-F238E27FC236}">
-                <a16:creationId xmlns:a16="http://schemas.microsoft.com/office/drawing/2014/main" id="{40BD511A-FE9E-B641-A323-1F2451D0C873}"/>
+          <p:cNvPr id="7" name="テキスト プレースホルダー 6">
+            <a:extLst>
+              <a:ext uri="{FF2B5EF4-FFF2-40B4-BE49-F238E27FC236}">
+                <a16:creationId xmlns:a16="http://schemas.microsoft.com/office/drawing/2014/main" id="{1977278B-6103-7448-8885-11FCA29D84A1}"/>
+              </a:ext>
+            </a:extLst>
+          </p:cNvPr>
+          <p:cNvSpPr>
+            <a:spLocks noGrp="1"/>
+          </p:cNvSpPr>
+          <p:nvPr>
+            <p:ph type="body" sz="quarter" idx="10"/>
+          </p:nvPr>
+        </p:nvSpPr>
+        <p:spPr>
+          <a:xfrm>
+            <a:off x="0" y="190133"/>
+            <a:ext cx="9144000" cy="754062"/>
+          </a:xfrm>
+          <a:prstGeom prst="rect">
+            <a:avLst/>
+          </a:prstGeom>
+        </p:spPr>
+        <p:txBody>
+          <a:bodyPr/>
+          <a:lstStyle>
+            <a:lvl1pPr marL="0" indent="0" algn="ctr">
+              <a:buNone/>
+              <a:defRPr sz="4000">
+                <a:ln>
+                  <a:solidFill>
+                    <a:srgbClr val="011893"/>
+                  </a:solidFill>
+                </a:ln>
+              </a:defRPr>
+            </a:lvl1pPr>
+          </a:lstStyle>
+          <a:p>
+            <a:pPr lvl="0"/>
+            <a:r>
+              <a:rPr kumimoji="1" lang="ja-JP" altLang="en-US"/>
+              <a:t>マスター テキストの書式設定</a:t>
+            </a:r>
+          </a:p>
+        </p:txBody>
+      </p:sp>
+      <p:sp>
+        <p:nvSpPr>
+          <p:cNvPr id="9" name="円/楕円 3">
+            <a:extLst>
+              <a:ext uri="{FF2B5EF4-FFF2-40B4-BE49-F238E27FC236}">
+                <a16:creationId xmlns:a16="http://schemas.microsoft.com/office/drawing/2014/main" id="{4AABF1EE-6AA5-43C3-870C-FAAC10C3DECF}"/>
               </a:ext>
             </a:extLst>
           </p:cNvPr>
@@ -544,8 +593,8 @@
         </p:nvSpPr>
         <p:spPr>
           <a:xfrm>
-            <a:off x="8651631" y="6350558"/>
-            <a:ext cx="411982" cy="411982"/>
+            <a:off x="8532440" y="6237312"/>
+            <a:ext cx="531173" cy="531173"/>
           </a:xfrm>
           <a:prstGeom prst="ellipse">
             <a:avLst/>
@@ -584,7 +633,7 @@
           <a:lstStyle/>
           <a:p>
             <a:pPr algn="ctr"/>
-            <a:endParaRPr kumimoji="1" lang="ja-JP" altLang="en-US" sz="1050" dirty="0">
+            <a:endParaRPr kumimoji="1" lang="ja-JP" altLang="en-US" sz="1050">
               <a:latin typeface="+mj-ea"/>
               <a:ea typeface="+mj-ea"/>
             </a:endParaRPr>
@@ -593,10 +642,10 @@
       </p:sp>
       <p:sp>
         <p:nvSpPr>
-          <p:cNvPr id="5" name="テキスト ボックス 4">
-            <a:extLst>
-              <a:ext uri="{FF2B5EF4-FFF2-40B4-BE49-F238E27FC236}">
-                <a16:creationId xmlns:a16="http://schemas.microsoft.com/office/drawing/2014/main" id="{80A01A1C-B0C5-904D-963A-785848775F4A}"/>
+          <p:cNvPr id="10" name="テキスト ボックス 9">
+            <a:extLst>
+              <a:ext uri="{FF2B5EF4-FFF2-40B4-BE49-F238E27FC236}">
+                <a16:creationId xmlns:a16="http://schemas.microsoft.com/office/drawing/2014/main" id="{FE02D50C-8BFC-4AEA-BBEA-D37C567F8898}"/>
               </a:ext>
             </a:extLst>
           </p:cNvPr>
@@ -605,7 +654,7 @@
         </p:nvSpPr>
         <p:spPr>
           <a:xfrm>
-            <a:off x="8661679" y="6400799"/>
+            <a:off x="8491428" y="6270575"/>
             <a:ext cx="401072" cy="307777"/>
           </a:xfrm>
           <a:prstGeom prst="rect">
@@ -631,52 +680,105 @@
       </p:sp>
       <p:sp>
         <p:nvSpPr>
-          <p:cNvPr id="7" name="テキスト プレースホルダー 6">
-            <a:extLst>
-              <a:ext uri="{FF2B5EF4-FFF2-40B4-BE49-F238E27FC236}">
-                <a16:creationId xmlns:a16="http://schemas.microsoft.com/office/drawing/2014/main" id="{1977278B-6103-7448-8885-11FCA29D84A1}"/>
-              </a:ext>
-            </a:extLst>
-          </p:cNvPr>
-          <p:cNvSpPr>
-            <a:spLocks noGrp="1"/>
-          </p:cNvSpPr>
-          <p:nvPr>
-            <p:ph type="body" sz="quarter" idx="10"/>
-          </p:nvPr>
-        </p:nvSpPr>
-        <p:spPr>
-          <a:xfrm>
-            <a:off x="0" y="190133"/>
-            <a:ext cx="9144000" cy="754062"/>
-          </a:xfrm>
-          <a:prstGeom prst="rect">
-            <a:avLst/>
-          </a:prstGeom>
-        </p:spPr>
-        <p:txBody>
-          <a:bodyPr/>
-          <a:lstStyle>
-            <a:lvl1pPr marL="0" indent="0" algn="ctr">
-              <a:buNone/>
-              <a:defRPr sz="4000">
-                <a:ln>
-                  <a:solidFill>
-                    <a:srgbClr val="011893"/>
-                  </a:solidFill>
-                </a:ln>
-              </a:defRPr>
-            </a:lvl1pPr>
-          </a:lstStyle>
-          <a:p>
+          <p:cNvPr id="11" name="弦 10">
+            <a:extLst>
+              <a:ext uri="{FF2B5EF4-FFF2-40B4-BE49-F238E27FC236}">
+                <a16:creationId xmlns:a16="http://schemas.microsoft.com/office/drawing/2014/main" id="{97CBA508-0FC0-42E3-9454-0B50E0076699}"/>
+              </a:ext>
+            </a:extLst>
+          </p:cNvPr>
+          <p:cNvSpPr/>
+          <p:nvPr userDrawn="1"/>
+        </p:nvSpPr>
+        <p:spPr>
+          <a:xfrm rot="15300000">
+            <a:off x="8520720" y="6221077"/>
+            <a:ext cx="565274" cy="565274"/>
+          </a:xfrm>
+          <a:prstGeom prst="chord">
+            <a:avLst>
+              <a:gd name="adj1" fmla="val 2700000"/>
+              <a:gd name="adj2" fmla="val 14142403"/>
+            </a:avLst>
+          </a:prstGeom>
+          <a:solidFill>
+            <a:schemeClr val="bg1">
+              <a:lumMod val="65000"/>
+            </a:schemeClr>
+          </a:solidFill>
+          <a:ln>
+            <a:noFill/>
+          </a:ln>
+          <a:effectLst>
+            <a:softEdge rad="31750"/>
+          </a:effectLst>
+        </p:spPr>
+        <p:style>
+          <a:lnRef idx="2">
+            <a:schemeClr val="accent1">
+              <a:shade val="50000"/>
+            </a:schemeClr>
+          </a:lnRef>
+          <a:fillRef idx="1">
+            <a:schemeClr val="accent1"/>
+          </a:fillRef>
+          <a:effectRef idx="0">
+            <a:schemeClr val="accent1"/>
+          </a:effectRef>
+          <a:fontRef idx="minor">
+            <a:schemeClr val="lt1"/>
+          </a:fontRef>
+        </p:style>
+        <p:txBody>
+          <a:bodyPr rtlCol="0" anchor="ctr"/>
+          <a:lstStyle/>
+          <a:p>
+            <a:pPr algn="ctr"/>
             <a:endParaRPr kumimoji="1" lang="ja-JP" altLang="en-US"/>
+          </a:p>
+        </p:txBody>
+      </p:sp>
+      <p:sp>
+        <p:nvSpPr>
+          <p:cNvPr id="12" name="テキスト ボックス 11">
+            <a:extLst>
+              <a:ext uri="{FF2B5EF4-FFF2-40B4-BE49-F238E27FC236}">
+                <a16:creationId xmlns:a16="http://schemas.microsoft.com/office/drawing/2014/main" id="{27831508-7BCF-49FE-A70E-B41D99C8CE0D}"/>
+              </a:ext>
+            </a:extLst>
+          </p:cNvPr>
+          <p:cNvSpPr txBox="1"/>
+          <p:nvPr userDrawn="1"/>
+        </p:nvSpPr>
+        <p:spPr>
+          <a:xfrm>
+            <a:off x="8717317" y="6437838"/>
+            <a:ext cx="383438" cy="307777"/>
+          </a:xfrm>
+          <a:prstGeom prst="rect">
+            <a:avLst/>
+          </a:prstGeom>
+          <a:noFill/>
+        </p:spPr>
+        <p:txBody>
+          <a:bodyPr wrap="none" rtlCol="0">
+            <a:spAutoFit/>
+          </a:bodyPr>
+          <a:lstStyle/>
+          <a:p>
+            <a:pPr algn="ctr"/>
+            <a:r>
+              <a:rPr kumimoji="1" lang="en-US" altLang="ja-JP" sz="1400" dirty="0"/>
+              <a:t>35</a:t>
+            </a:r>
+            <a:endParaRPr kumimoji="1" lang="ja-JP" altLang="en-US" sz="1400" dirty="0"/>
           </a:p>
         </p:txBody>
       </p:sp>
     </p:spTree>
     <p:extLst>
       <p:ext uri="{BB962C8B-B14F-4D97-AF65-F5344CB8AC3E}">
-        <p14:creationId xmlns:p14="http://schemas.microsoft.com/office/powerpoint/2010/main" val="2384781597"/>
+        <p14:creationId xmlns:p14="http://schemas.microsoft.com/office/powerpoint/2010/main" val="1795671313"/>
       </p:ext>
     </p:extLst>
   </p:cSld>
@@ -716,13 +818,13 @@
     </p:spTree>
     <p:extLst>
       <p:ext uri="{BB962C8B-B14F-4D97-AF65-F5344CB8AC3E}">
-        <p14:creationId xmlns:p14="http://schemas.microsoft.com/office/powerpoint/2010/main" val="2249306940"/>
+        <p14:creationId xmlns:p14="http://schemas.microsoft.com/office/powerpoint/2010/main" val="4280070076"/>
       </p:ext>
     </p:extLst>
   </p:cSld>
   <p:clrMap bg1="lt1" tx1="dk1" bg2="lt2" tx2="dk2" accent1="accent1" accent2="accent2" accent3="accent3" accent4="accent4" accent5="accent5" accent6="accent6" hlink="hlink" folHlink="folHlink"/>
   <p:sldLayoutIdLst>
-    <p:sldLayoutId id="2147483664" r:id="rId1"/>
+    <p:sldLayoutId id="2147483666" r:id="rId1"/>
   </p:sldLayoutIdLst>
   <p:hf hdr="0" ftr="0" dt="0"/>
   <p:txStyles>
@@ -1221,119 +1323,6 @@
           </a:p>
         </p:txBody>
       </p:sp>
-      <p:sp>
-        <p:nvSpPr>
-          <p:cNvPr id="7" name="テキスト ボックス 6">
-            <a:extLst>
-              <a:ext uri="{FF2B5EF4-FFF2-40B4-BE49-F238E27FC236}">
-                <a16:creationId xmlns:a16="http://schemas.microsoft.com/office/drawing/2014/main" id="{D5E05EE1-8957-9F44-8F8E-6BD27683056C}"/>
-              </a:ext>
-            </a:extLst>
-          </p:cNvPr>
-          <p:cNvSpPr txBox="1"/>
-          <p:nvPr/>
-        </p:nvSpPr>
-        <p:spPr>
-          <a:xfrm>
-            <a:off x="3271520" y="4338320"/>
-            <a:ext cx="2525050" cy="707886"/>
-          </a:xfrm>
-          <a:prstGeom prst="rect">
-            <a:avLst/>
-          </a:prstGeom>
-          <a:noFill/>
-        </p:spPr>
-        <p:txBody>
-          <a:bodyPr wrap="none" rtlCol="0">
-            <a:spAutoFit/>
-          </a:bodyPr>
-          <a:lstStyle/>
-          <a:p>
-            <a:r>
-              <a:rPr kumimoji="1" lang="en-US" altLang="ja-JP" sz="4000" dirty="0"/>
-              <a:t>2019/10/29</a:t>
-            </a:r>
-            <a:endParaRPr kumimoji="1" lang="ja-JP" altLang="en-US" sz="4000" dirty="0"/>
-          </a:p>
-        </p:txBody>
-      </p:sp>
-      <p:sp>
-        <p:nvSpPr>
-          <p:cNvPr id="8" name="テキスト ボックス 7">
-            <a:extLst>
-              <a:ext uri="{FF2B5EF4-FFF2-40B4-BE49-F238E27FC236}">
-                <a16:creationId xmlns:a16="http://schemas.microsoft.com/office/drawing/2014/main" id="{71D4ADEE-9E59-8A4A-88B8-D34187A71FF4}"/>
-              </a:ext>
-            </a:extLst>
-          </p:cNvPr>
-          <p:cNvSpPr txBox="1"/>
-          <p:nvPr/>
-        </p:nvSpPr>
-        <p:spPr>
-          <a:xfrm>
-            <a:off x="1043608" y="5949280"/>
-            <a:ext cx="2476960" cy="584775"/>
-          </a:xfrm>
-          <a:prstGeom prst="rect">
-            <a:avLst/>
-          </a:prstGeom>
-          <a:noFill/>
-        </p:spPr>
-        <p:txBody>
-          <a:bodyPr wrap="none" rtlCol="0">
-            <a:spAutoFit/>
-          </a:bodyPr>
-          <a:lstStyle/>
-          <a:p>
-            <a:r>
-              <a:rPr kumimoji="1" lang="en-US" altLang="ja-JP" sz="3200" dirty="0">
-                <a:solidFill>
-                  <a:srgbClr val="00B050"/>
-                </a:solidFill>
-              </a:rPr>
-              <a:t>#</a:t>
-            </a:r>
-            <a:r>
-              <a:rPr kumimoji="1" lang="ja-JP" altLang="en-US" sz="3200" dirty="0">
-                <a:solidFill>
-                  <a:srgbClr val="00B050"/>
-                </a:solidFill>
-              </a:rPr>
-              <a:t>プロ同演習</a:t>
-            </a:r>
-          </a:p>
-        </p:txBody>
-      </p:sp>
-      <p:pic>
-        <p:nvPicPr>
-          <p:cNvPr id="9" name="図 8">
-            <a:extLst>
-              <a:ext uri="{FF2B5EF4-FFF2-40B4-BE49-F238E27FC236}">
-                <a16:creationId xmlns:a16="http://schemas.microsoft.com/office/drawing/2014/main" id="{FB9F7F85-26CF-EB44-87B9-1825A2C5A76C}"/>
-              </a:ext>
-            </a:extLst>
-          </p:cNvPr>
-          <p:cNvPicPr>
-            <a:picLocks noChangeAspect="1"/>
-          </p:cNvPicPr>
-          <p:nvPr/>
-        </p:nvPicPr>
-        <p:blipFill>
-          <a:blip r:embed="rId2"/>
-          <a:stretch>
-            <a:fillRect/>
-          </a:stretch>
-        </p:blipFill>
-        <p:spPr>
-          <a:xfrm>
-            <a:off x="323528" y="5949280"/>
-            <a:ext cx="710444" cy="640978"/>
-          </a:xfrm>
-          <a:prstGeom prst="rect">
-            <a:avLst/>
-          </a:prstGeom>
-        </p:spPr>
-      </p:pic>
     </p:spTree>
     <p:extLst>
       <p:ext uri="{BB962C8B-B14F-4D97-AF65-F5344CB8AC3E}">
@@ -1610,7 +1599,7 @@
             <a:r>
               <a:rPr lang="en" altLang="ja-JP" dirty="0">
                 <a:effectLst/>
-                <a:latin typeface="ＭＳ ゴシック" panose="020B0609070205080204" pitchFamily="49" charset="-128"/>
+                <a:latin typeface="Consolas" panose="020B0609020204030204" pitchFamily="49" charset="0"/>
                 <a:ea typeface="ＭＳ ゴシック" panose="020B0609070205080204" pitchFamily="49" charset="-128"/>
               </a:rPr>
               <a:t>1b:00011011</a:t>
@@ -1620,7 +1609,7 @@
             <a:r>
               <a:rPr lang="en" altLang="ja-JP" dirty="0">
                 <a:effectLst/>
-                <a:latin typeface="ＭＳ ゴシック" panose="020B0609070205080204" pitchFamily="49" charset="-128"/>
+                <a:latin typeface="Consolas" panose="020B0609020204030204" pitchFamily="49" charset="0"/>
                 <a:ea typeface="ＭＳ ゴシック" panose="020B0609070205080204" pitchFamily="49" charset="-128"/>
               </a:rPr>
               <a:t>24:00100100</a:t>
@@ -1630,7 +1619,7 @@
             <a:r>
               <a:rPr lang="en" altLang="ja-JP" dirty="0">
                 <a:effectLst/>
-                <a:latin typeface="ＭＳ ゴシック" panose="020B0609070205080204" pitchFamily="49" charset="-128"/>
+                <a:latin typeface="Consolas" panose="020B0609020204030204" pitchFamily="49" charset="0"/>
                 <a:ea typeface="ＭＳ ゴシック" panose="020B0609070205080204" pitchFamily="49" charset="-128"/>
               </a:rPr>
               <a:t>42:01000010</a:t>
@@ -1640,7 +1629,7 @@
             <a:r>
               <a:rPr lang="en" altLang="ja-JP" dirty="0">
                 <a:effectLst/>
-                <a:latin typeface="ＭＳ ゴシック" panose="020B0609070205080204" pitchFamily="49" charset="-128"/>
+                <a:latin typeface="Consolas" panose="020B0609020204030204" pitchFamily="49" charset="0"/>
                 <a:ea typeface="ＭＳ ゴシック" panose="020B0609070205080204" pitchFamily="49" charset="-128"/>
               </a:rPr>
               <a:t>49:01001001</a:t>
@@ -1650,7 +1639,7 @@
             <a:r>
               <a:rPr lang="en" altLang="ja-JP" dirty="0">
                 <a:effectLst/>
-                <a:latin typeface="ＭＳ ゴシック" panose="020B0609070205080204" pitchFamily="49" charset="-128"/>
+                <a:latin typeface="Consolas" panose="020B0609020204030204" pitchFamily="49" charset="0"/>
                 <a:ea typeface="ＭＳ ゴシック" panose="020B0609070205080204" pitchFamily="49" charset="-128"/>
               </a:rPr>
               <a:t>3d:00111101</a:t>
@@ -1660,7 +1649,7 @@
             <a:r>
               <a:rPr lang="en" altLang="ja-JP" dirty="0">
                 <a:effectLst/>
-                <a:latin typeface="ＭＳ ゴシック" panose="020B0609070205080204" pitchFamily="49" charset="-128"/>
+                <a:latin typeface="Consolas" panose="020B0609020204030204" pitchFamily="49" charset="0"/>
                 <a:ea typeface="ＭＳ ゴシック" panose="020B0609070205080204" pitchFamily="49" charset="-128"/>
               </a:rPr>
               <a:t>1b:00011011</a:t>
@@ -1670,7 +1659,7 @@
             <a:r>
               <a:rPr lang="en" altLang="ja-JP" dirty="0">
                 <a:effectLst/>
-                <a:latin typeface="ＭＳ ゴシック" panose="020B0609070205080204" pitchFamily="49" charset="-128"/>
+                <a:latin typeface="Consolas" panose="020B0609020204030204" pitchFamily="49" charset="0"/>
                 <a:ea typeface="ＭＳ ゴシック" panose="020B0609070205080204" pitchFamily="49" charset="-128"/>
               </a:rPr>
               <a:t>28:00101000</a:t>
@@ -1680,7 +1669,7 @@
             <a:r>
               <a:rPr lang="en" altLang="ja-JP" dirty="0">
                 <a:effectLst/>
-                <a:latin typeface="ＭＳ ゴシック" panose="020B0609070205080204" pitchFamily="49" charset="-128"/>
+                <a:latin typeface="Consolas" panose="020B0609020204030204" pitchFamily="49" charset="0"/>
                 <a:ea typeface="ＭＳ ゴシック" panose="020B0609070205080204" pitchFamily="49" charset="-128"/>
               </a:rPr>
               <a:t>42:01000010</a:t>
@@ -1690,7 +1679,7 @@
             <a:r>
               <a:rPr lang="en" altLang="ja-JP" dirty="0">
                 <a:effectLst/>
-                <a:latin typeface="ＭＳ ゴシック" panose="020B0609070205080204" pitchFamily="49" charset="-128"/>
+                <a:latin typeface="Consolas" panose="020B0609020204030204" pitchFamily="49" charset="0"/>
                 <a:ea typeface="ＭＳ ゴシック" panose="020B0609070205080204" pitchFamily="49" charset="-128"/>
               </a:rPr>
               <a:t>31:00110001</a:t>
@@ -1728,7 +1717,7 @@
             <a:r>
               <a:rPr lang="en" altLang="ja-JP" dirty="0">
                 <a:effectLst/>
-                <a:latin typeface="ＭＳ ゴシック" panose="020B0609070205080204" pitchFamily="49" charset="-128"/>
+                <a:latin typeface="Consolas" panose="020B0609020204030204" pitchFamily="49" charset="0"/>
                 <a:ea typeface="ＭＳ ゴシック" panose="020B0609070205080204" pitchFamily="49" charset="-128"/>
               </a:rPr>
               <a:t>95:10010101</a:t>
@@ -1738,7 +1727,7 @@
             <a:r>
               <a:rPr lang="en" altLang="ja-JP" dirty="0">
                 <a:effectLst/>
-                <a:latin typeface="ＭＳ ゴシック" panose="020B0609070205080204" pitchFamily="49" charset="-128"/>
+                <a:latin typeface="Consolas" panose="020B0609020204030204" pitchFamily="49" charset="0"/>
                 <a:ea typeface="ＭＳ ゴシック" panose="020B0609070205080204" pitchFamily="49" charset="-128"/>
               </a:rPr>
               <a:t>5c:01011100</a:t>
@@ -1748,7 +1737,7 @@
             <a:r>
               <a:rPr lang="en" altLang="ja-JP" dirty="0">
                 <a:effectLst/>
-                <a:latin typeface="ＭＳ ゴシック" panose="020B0609070205080204" pitchFamily="49" charset="-128"/>
+                <a:latin typeface="Consolas" panose="020B0609020204030204" pitchFamily="49" charset="0"/>
                 <a:ea typeface="ＭＳ ゴシック" panose="020B0609070205080204" pitchFamily="49" charset="-128"/>
               </a:rPr>
               <a:t>31:00110001</a:t>
@@ -1786,7 +1775,7 @@
             <a:r>
               <a:rPr lang="en" altLang="ja-JP" dirty="0">
                 <a:effectLst/>
-                <a:latin typeface="ＭＳ ゴシック" panose="020B0609070205080204" pitchFamily="49" charset="-128"/>
+                <a:latin typeface="Consolas" panose="020B0609020204030204" pitchFamily="49" charset="0"/>
                 <a:ea typeface="ＭＳ ゴシック" panose="020B0609070205080204" pitchFamily="49" charset="-128"/>
               </a:rPr>
               <a:t>c9:11001001</a:t>
@@ -1796,7 +1785,7 @@
             <a:r>
               <a:rPr lang="en" altLang="ja-JP" dirty="0">
                 <a:effectLst/>
-                <a:latin typeface="ＭＳ ゴシック" panose="020B0609070205080204" pitchFamily="49" charset="-128"/>
+                <a:latin typeface="Consolas" panose="020B0609020204030204" pitchFamily="49" charset="0"/>
                 <a:ea typeface="ＭＳ ゴシック" panose="020B0609070205080204" pitchFamily="49" charset="-128"/>
               </a:rPr>
               <a:t>bd:10111101</a:t>
@@ -1806,7 +1795,7 @@
             <a:r>
               <a:rPr lang="en" altLang="ja-JP" dirty="0">
                 <a:effectLst/>
-                <a:latin typeface="ＭＳ ゴシック" panose="020B0609070205080204" pitchFamily="49" charset="-128"/>
+                <a:latin typeface="Consolas" panose="020B0609020204030204" pitchFamily="49" charset="0"/>
                 <a:ea typeface="ＭＳ ゴシック" panose="020B0609070205080204" pitchFamily="49" charset="-128"/>
               </a:rPr>
               <a:t>31:00110001</a:t>
@@ -1828,7 +1817,7 @@
         </p:nvSpPr>
         <p:spPr>
           <a:xfrm>
-            <a:off x="3491880" y="2780927"/>
+            <a:off x="3552381" y="2780927"/>
             <a:ext cx="155210" cy="592893"/>
           </a:xfrm>
           <a:prstGeom prst="rect">
@@ -1880,8 +1869,8 @@
         </p:nvSpPr>
         <p:spPr>
           <a:xfrm>
-            <a:off x="467544" y="3068960"/>
-            <a:ext cx="1368152" cy="288032"/>
+            <a:off x="458751" y="3060168"/>
+            <a:ext cx="1449179" cy="288032"/>
           </a:xfrm>
           <a:prstGeom prst="rect">
             <a:avLst/>
@@ -2015,7 +2004,7 @@
         </p:nvSpPr>
         <p:spPr>
           <a:xfrm>
-            <a:off x="6385840" y="2596434"/>
+            <a:off x="6428757" y="2605226"/>
             <a:ext cx="162560" cy="2504936"/>
           </a:xfrm>
           <a:prstGeom prst="rect">
@@ -2793,7 +2782,7 @@
         <p:spPr>
           <a:xfrm>
             <a:off x="323528" y="4874324"/>
-            <a:ext cx="1454244" cy="369332"/>
+            <a:ext cx="1577676" cy="369332"/>
           </a:xfrm>
           <a:prstGeom prst="rect">
             <a:avLst/>
@@ -2807,7 +2796,7 @@
           <a:p>
             <a:r>
               <a:rPr lang="en" altLang="ja-JP" dirty="0">
-                <a:latin typeface="ＭＳ ゴシック" panose="020B0609070205080204" pitchFamily="49" charset="-128"/>
+                <a:latin typeface="Consolas" panose="020B0609020204030204" pitchFamily="49" charset="0"/>
                 <a:ea typeface="ＭＳ ゴシック" panose="020B0609070205080204" pitchFamily="49" charset="-128"/>
               </a:rPr>
               <a:t>5c:01011100</a:t>
@@ -3239,7 +3228,7 @@
         <p:spPr>
           <a:xfrm>
             <a:off x="3635896" y="2780928"/>
-            <a:ext cx="3506088" cy="2585323"/>
+            <a:ext cx="3236784" cy="2585323"/>
           </a:xfrm>
           <a:prstGeom prst="rect">
             <a:avLst/>
@@ -3253,7 +3242,7 @@
           <a:p>
             <a:r>
               <a:rPr lang="en-US" altLang="ja-JP" sz="5400" dirty="0">
-                <a:latin typeface="Courier New" panose="02070309020205020404" pitchFamily="49" charset="0"/>
+                <a:latin typeface="Consolas" panose="020B0609020204030204" pitchFamily="49" charset="0"/>
                 <a:ea typeface="ＭＳ ゴシック" panose="020B0609070205080204" pitchFamily="49" charset="-128"/>
                 <a:cs typeface="Courier New" panose="02070309020205020404" pitchFamily="49" charset="0"/>
               </a:rPr>
@@ -3263,7 +3252,7 @@
           <a:p>
             <a:r>
               <a:rPr lang="en-US" altLang="ja-JP" sz="5400" dirty="0">
-                <a:latin typeface="Courier New" panose="02070309020205020404" pitchFamily="49" charset="0"/>
+                <a:latin typeface="Consolas" panose="020B0609020204030204" pitchFamily="49" charset="0"/>
                 <a:ea typeface="ＭＳ ゴシック" panose="020B0609070205080204" pitchFamily="49" charset="-128"/>
                 <a:cs typeface="Courier New" panose="02070309020205020404" pitchFamily="49" charset="0"/>
               </a:rPr>
@@ -3273,13 +3262,15 @@
           <a:p>
             <a:r>
               <a:rPr lang="en-US" altLang="ja-JP" sz="5400" dirty="0">
-                <a:latin typeface="Courier New" panose="02070309020205020404" pitchFamily="49" charset="0"/>
+                <a:latin typeface="Consolas" panose="020B0609020204030204" pitchFamily="49" charset="0"/>
                 <a:ea typeface="ＭＳ ゴシック" panose="020B0609070205080204" pitchFamily="49" charset="-128"/>
                 <a:cs typeface="Courier New" panose="02070309020205020404" pitchFamily="49" charset="0"/>
               </a:rPr>
               <a:t>10......</a:t>
             </a:r>
-            <a:endParaRPr lang="ja-JP" altLang="en-US" sz="5400" dirty="0"/>
+            <a:endParaRPr lang="ja-JP" altLang="en-US" sz="5400" dirty="0">
+              <a:latin typeface="Consolas" panose="020B0609020204030204" pitchFamily="49" charset="0"/>
+            </a:endParaRPr>
           </a:p>
         </p:txBody>
       </p:sp>
@@ -3352,8 +3343,8 @@
         </p:nvSpPr>
         <p:spPr>
           <a:xfrm>
-            <a:off x="3635896" y="2852936"/>
-            <a:ext cx="1800200" cy="720080"/>
+            <a:off x="3635896" y="2919046"/>
+            <a:ext cx="1692242" cy="645178"/>
           </a:xfrm>
           <a:prstGeom prst="roundRect">
             <a:avLst/>
@@ -3544,10 +3535,9 @@
               <a:t>3</a:t>
             </a:r>
             <a:r>
-              <a:rPr kumimoji="1" lang="ja-JP" altLang="en-US" sz="2800" dirty="0" smtClean="0"/>
+              <a:rPr kumimoji="1" lang="ja-JP" altLang="en-US" sz="2800" dirty="0"/>
               <a:t>バイト</a:t>
             </a:r>
-            <a:endParaRPr kumimoji="1" lang="ja-JP" altLang="en-US" sz="2800" dirty="0"/>
           </a:p>
         </p:txBody>
       </p:sp>
@@ -3673,8 +3663,8 @@
         </p:nvCxnSpPr>
         <p:spPr>
           <a:xfrm flipH="1">
-            <a:off x="4535996" y="2440052"/>
-            <a:ext cx="6999" cy="412884"/>
+            <a:off x="4482017" y="2440052"/>
+            <a:ext cx="60978" cy="478994"/>
           </a:xfrm>
           <a:prstGeom prst="straightConnector1">
             <a:avLst/>
@@ -3748,11 +3738,7 @@
             </a:r>
             <a:r>
               <a:rPr lang="ja-JP" altLang="en-US" sz="2800" dirty="0"/>
-              <a:t>バイト目</a:t>
-            </a:r>
-            <a:r>
-              <a:rPr lang="ja-JP" altLang="en-US" sz="2800" dirty="0" smtClean="0"/>
-              <a:t>以降</a:t>
+              <a:t>バイト目以降</a:t>
             </a:r>
             <a:endParaRPr kumimoji="1" lang="ja-JP" altLang="en-US" sz="2800" dirty="0"/>
           </a:p>
@@ -5705,12 +5691,7 @@
             <p:ph type="body" sz="quarter" idx="10"/>
           </p:nvPr>
         </p:nvSpPr>
-        <p:spPr>
-          <a:xfrm>
-            <a:off x="0" y="190133"/>
-            <a:ext cx="9144000" cy="754062"/>
-          </a:xfrm>
-        </p:spPr>
+        <p:spPr/>
         <p:txBody>
           <a:bodyPr/>
           <a:lstStyle/>
@@ -5772,8 +5753,8 @@
         </p:nvSpPr>
         <p:spPr>
           <a:xfrm>
-            <a:off x="971600" y="1844824"/>
-            <a:ext cx="6552728" cy="461665"/>
+            <a:off x="996772" y="1764106"/>
+            <a:ext cx="6552728" cy="584775"/>
           </a:xfrm>
           <a:prstGeom prst="rect">
             <a:avLst/>
@@ -5789,7 +5770,7 @@
           <a:lstStyle/>
           <a:p>
             <a:r>
-              <a:rPr lang="en" altLang="ja-JP" sz="2400" b="0">
+              <a:rPr lang="en" altLang="ja-JP" sz="3200" b="0">
                 <a:solidFill>
                   <a:srgbClr val="D4D4D4"/>
                 </a:solidFill>
@@ -5799,7 +5780,7 @@
               <a:t>a = [</a:t>
             </a:r>
             <a:r>
-              <a:rPr lang="en" altLang="ja-JP" sz="2400" b="0">
+              <a:rPr lang="en" altLang="ja-JP" sz="3200" b="0">
                 <a:solidFill>
                   <a:srgbClr val="CE9178"/>
                 </a:solidFill>
@@ -5809,7 +5790,7 @@
               <a:t>"Apple"</a:t>
             </a:r>
             <a:r>
-              <a:rPr lang="en" altLang="ja-JP" sz="2400" b="0">
+              <a:rPr lang="en" altLang="ja-JP" sz="3200" b="0">
                 <a:solidFill>
                   <a:srgbClr val="D4D4D4"/>
                 </a:solidFill>
@@ -5819,7 +5800,7 @@
               <a:t>,  </a:t>
             </a:r>
             <a:r>
-              <a:rPr lang="en" altLang="ja-JP" sz="2400" b="0">
+              <a:rPr lang="en" altLang="ja-JP" sz="3200" b="0">
                 <a:solidFill>
                   <a:srgbClr val="CE9178"/>
                 </a:solidFill>
@@ -5829,7 +5810,7 @@
               <a:t>"Banana"</a:t>
             </a:r>
             <a:r>
-              <a:rPr lang="en" altLang="ja-JP" sz="2400" b="0">
+              <a:rPr lang="en" altLang="ja-JP" sz="3200" b="0">
                 <a:solidFill>
                   <a:srgbClr val="D4D4D4"/>
                 </a:solidFill>
@@ -5839,7 +5820,7 @@
               <a:t>, </a:t>
             </a:r>
             <a:r>
-              <a:rPr lang="en" altLang="ja-JP" sz="2400" b="0">
+              <a:rPr lang="en" altLang="ja-JP" sz="3200" b="0">
                 <a:solidFill>
                   <a:srgbClr val="CE9178"/>
                 </a:solidFill>
@@ -5849,7 +5830,7 @@
               <a:t>"Orange"</a:t>
             </a:r>
             <a:r>
-              <a:rPr lang="en" altLang="ja-JP" sz="2400" b="0">
+              <a:rPr lang="en" altLang="ja-JP" sz="3200" b="0">
                 <a:solidFill>
                   <a:srgbClr val="D4D4D4"/>
                 </a:solidFill>
@@ -6336,7 +6317,7 @@
         <p:spPr>
           <a:xfrm>
             <a:off x="4788024" y="2564904"/>
-            <a:ext cx="1672253" cy="1200329"/>
+            <a:ext cx="1364476" cy="1200329"/>
           </a:xfrm>
           <a:prstGeom prst="rect">
             <a:avLst/>
@@ -7075,7 +7056,7 @@
         <p:spPr>
           <a:xfrm>
             <a:off x="611560" y="1700808"/>
-            <a:ext cx="7992888" cy="400110"/>
+            <a:ext cx="7992888" cy="523220"/>
           </a:xfrm>
           <a:prstGeom prst="rect">
             <a:avLst/>
@@ -7091,7 +7072,7 @@
           <a:lstStyle/>
           <a:p>
             <a:r>
-              <a:rPr lang="en" altLang="ja-JP" sz="2000" b="0">
+              <a:rPr lang="en" altLang="ja-JP" sz="2800" b="0">
                 <a:solidFill>
                   <a:srgbClr val="D4D4D4"/>
                 </a:solidFill>
@@ -7101,7 +7082,7 @@
               <a:t>d = {</a:t>
             </a:r>
             <a:r>
-              <a:rPr lang="en" altLang="ja-JP" sz="2000" b="0">
+              <a:rPr lang="en" altLang="ja-JP" sz="2800" b="0">
                 <a:solidFill>
                   <a:srgbClr val="CE9178"/>
                 </a:solidFill>
@@ -7111,7 +7092,7 @@
               <a:t>"Apple"</a:t>
             </a:r>
             <a:r>
-              <a:rPr lang="en" altLang="ja-JP" sz="2000" b="0">
+              <a:rPr lang="en" altLang="ja-JP" sz="2800" b="0">
                 <a:solidFill>
                   <a:srgbClr val="D4D4D4"/>
                 </a:solidFill>
@@ -7121,7 +7102,7 @@
               <a:t>: </a:t>
             </a:r>
             <a:r>
-              <a:rPr lang="en" altLang="ja-JP" sz="2000" b="0">
+              <a:rPr lang="en" altLang="ja-JP" sz="2800" b="0">
                 <a:solidFill>
                   <a:srgbClr val="B5CEA8"/>
                 </a:solidFill>
@@ -7131,7 +7112,7 @@
               <a:t>158</a:t>
             </a:r>
             <a:r>
-              <a:rPr lang="en" altLang="ja-JP" sz="2000" b="0">
+              <a:rPr lang="en" altLang="ja-JP" sz="2800" b="0">
                 <a:solidFill>
                   <a:srgbClr val="D4D4D4"/>
                 </a:solidFill>
@@ -7141,7 +7122,7 @@
               <a:t>, </a:t>
             </a:r>
             <a:r>
-              <a:rPr lang="en" altLang="ja-JP" sz="2000" b="0">
+              <a:rPr lang="en" altLang="ja-JP" sz="2800" b="0">
                 <a:solidFill>
                   <a:srgbClr val="CE9178"/>
                 </a:solidFill>
@@ -7151,7 +7132,7 @@
               <a:t>"Banana"</a:t>
             </a:r>
             <a:r>
-              <a:rPr lang="en" altLang="ja-JP" sz="2000" b="0">
+              <a:rPr lang="en" altLang="ja-JP" sz="2800" b="0">
                 <a:solidFill>
                   <a:srgbClr val="D4D4D4"/>
                 </a:solidFill>
@@ -7161,7 +7142,7 @@
               <a:t> : </a:t>
             </a:r>
             <a:r>
-              <a:rPr lang="en" altLang="ja-JP" sz="2000" b="0">
+              <a:rPr lang="en" altLang="ja-JP" sz="2800" b="0">
                 <a:solidFill>
                   <a:srgbClr val="B5CEA8"/>
                 </a:solidFill>
@@ -7171,7 +7152,7 @@
               <a:t>198</a:t>
             </a:r>
             <a:r>
-              <a:rPr lang="en" altLang="ja-JP" sz="2000" b="0">
+              <a:rPr lang="en" altLang="ja-JP" sz="2800" b="0">
                 <a:solidFill>
                   <a:srgbClr val="D4D4D4"/>
                 </a:solidFill>
@@ -7181,7 +7162,7 @@
               <a:t>, </a:t>
             </a:r>
             <a:r>
-              <a:rPr lang="en" altLang="ja-JP" sz="2000" b="0">
+              <a:rPr lang="en" altLang="ja-JP" sz="2800" b="0">
                 <a:solidFill>
                   <a:srgbClr val="CE9178"/>
                 </a:solidFill>
@@ -7191,7 +7172,7 @@
               <a:t>"Orange"</a:t>
             </a:r>
             <a:r>
-              <a:rPr lang="en" altLang="ja-JP" sz="2000" b="0">
+              <a:rPr lang="en" altLang="ja-JP" sz="2800" b="0">
                 <a:solidFill>
                   <a:srgbClr val="D4D4D4"/>
                 </a:solidFill>
@@ -7201,7 +7182,7 @@
               <a:t> : </a:t>
             </a:r>
             <a:r>
-              <a:rPr lang="en" altLang="ja-JP" sz="2000" b="0">
+              <a:rPr lang="en" altLang="ja-JP" sz="2800" b="0">
                 <a:solidFill>
                   <a:srgbClr val="B5CEA8"/>
                 </a:solidFill>
@@ -7211,7 +7192,7 @@
               <a:t>100</a:t>
             </a:r>
             <a:r>
-              <a:rPr lang="en" altLang="ja-JP" sz="2000" b="0">
+              <a:rPr lang="en" altLang="ja-JP" sz="2800" b="0">
                 <a:solidFill>
                   <a:srgbClr val="D4D4D4"/>
                 </a:solidFill>
@@ -8842,8 +8823,8 @@
         </p:nvSpPr>
         <p:spPr>
           <a:xfrm>
-            <a:off x="395536" y="1268760"/>
-            <a:ext cx="7038528" cy="369332"/>
+            <a:off x="387918" y="1131473"/>
+            <a:ext cx="7648084" cy="523220"/>
           </a:xfrm>
           <a:prstGeom prst="rect">
             <a:avLst/>
@@ -8859,7 +8840,7 @@
           <a:lstStyle/>
           <a:p>
             <a:r>
-              <a:rPr lang="en" altLang="ja-JP">
+              <a:rPr lang="en" altLang="ja-JP" sz="2800">
                 <a:solidFill>
                   <a:srgbClr val="D4D4D4"/>
                 </a:solidFill>
@@ -8868,7 +8849,7 @@
               <a:t>d = {</a:t>
             </a:r>
             <a:r>
-              <a:rPr lang="en" altLang="ja-JP">
+              <a:rPr lang="en" altLang="ja-JP" sz="2800">
                 <a:solidFill>
                   <a:srgbClr val="CE9178"/>
                 </a:solidFill>
@@ -8877,7 +8858,7 @@
               <a:t>"Apple"</a:t>
             </a:r>
             <a:r>
-              <a:rPr lang="en" altLang="ja-JP">
+              <a:rPr lang="en" altLang="ja-JP" sz="2800">
                 <a:solidFill>
                   <a:srgbClr val="D4D4D4"/>
                 </a:solidFill>
@@ -8886,7 +8867,7 @@
               <a:t>: </a:t>
             </a:r>
             <a:r>
-              <a:rPr lang="en" altLang="ja-JP">
+              <a:rPr lang="en" altLang="ja-JP" sz="2800">
                 <a:solidFill>
                   <a:srgbClr val="B5CEA8"/>
                 </a:solidFill>
@@ -8895,7 +8876,7 @@
               <a:t>158</a:t>
             </a:r>
             <a:r>
-              <a:rPr lang="en" altLang="ja-JP">
+              <a:rPr lang="en" altLang="ja-JP" sz="2800">
                 <a:solidFill>
                   <a:srgbClr val="D4D4D4"/>
                 </a:solidFill>
@@ -8904,7 +8885,7 @@
               <a:t>, </a:t>
             </a:r>
             <a:r>
-              <a:rPr lang="en" altLang="ja-JP">
+              <a:rPr lang="en" altLang="ja-JP" sz="2800">
                 <a:solidFill>
                   <a:srgbClr val="CE9178"/>
                 </a:solidFill>
@@ -8913,7 +8894,7 @@
               <a:t>"Banana"</a:t>
             </a:r>
             <a:r>
-              <a:rPr lang="en" altLang="ja-JP">
+              <a:rPr lang="en" altLang="ja-JP" sz="2800">
                 <a:solidFill>
                   <a:srgbClr val="D4D4D4"/>
                 </a:solidFill>
@@ -8922,7 +8903,7 @@
               <a:t>: </a:t>
             </a:r>
             <a:r>
-              <a:rPr lang="en" altLang="ja-JP">
+              <a:rPr lang="en" altLang="ja-JP" sz="2800">
                 <a:solidFill>
                   <a:srgbClr val="B5CEA8"/>
                 </a:solidFill>
@@ -8931,7 +8912,7 @@
               <a:t>198</a:t>
             </a:r>
             <a:r>
-              <a:rPr lang="en" altLang="ja-JP">
+              <a:rPr lang="en" altLang="ja-JP" sz="2800">
                 <a:solidFill>
                   <a:srgbClr val="D4D4D4"/>
                 </a:solidFill>
@@ -8940,7 +8921,7 @@
               <a:t>, </a:t>
             </a:r>
             <a:r>
-              <a:rPr lang="en" altLang="ja-JP">
+              <a:rPr lang="en" altLang="ja-JP" sz="2800">
                 <a:solidFill>
                   <a:srgbClr val="CE9178"/>
                 </a:solidFill>
@@ -8949,7 +8930,7 @@
               <a:t>"Orange"</a:t>
             </a:r>
             <a:r>
-              <a:rPr lang="en" altLang="ja-JP">
+              <a:rPr lang="en" altLang="ja-JP" sz="2800">
                 <a:solidFill>
                   <a:srgbClr val="D4D4D4"/>
                 </a:solidFill>
@@ -8958,7 +8939,7 @@
               <a:t>: </a:t>
             </a:r>
             <a:r>
-              <a:rPr lang="en" altLang="ja-JP">
+              <a:rPr lang="en" altLang="ja-JP" sz="2800">
                 <a:solidFill>
                   <a:srgbClr val="B5CEA8"/>
                 </a:solidFill>
@@ -8967,7 +8948,7 @@
               <a:t>100</a:t>
             </a:r>
             <a:r>
-              <a:rPr lang="en" altLang="ja-JP">
+              <a:rPr lang="en" altLang="ja-JP" sz="2800">
                 <a:solidFill>
                   <a:srgbClr val="D4D4D4"/>
                 </a:solidFill>
@@ -9037,7 +9018,7 @@
         <p:spPr>
           <a:xfrm>
             <a:off x="4211960" y="2708920"/>
-            <a:ext cx="1224136" cy="923330"/>
+            <a:ext cx="1224136" cy="1200329"/>
           </a:xfrm>
           <a:prstGeom prst="rect">
             <a:avLst/>
@@ -9053,7 +9034,7 @@
           <a:lstStyle/>
           <a:p>
             <a:r>
-              <a:rPr lang="en" altLang="ja-JP">
+              <a:rPr lang="en" altLang="ja-JP" sz="2400">
                 <a:solidFill>
                   <a:srgbClr val="F2F2F2"/>
                 </a:solidFill>
@@ -9065,7 +9046,7 @@
           </a:p>
           <a:p>
             <a:r>
-              <a:rPr lang="en" altLang="ja-JP">
+              <a:rPr lang="en" altLang="ja-JP" sz="2400">
                 <a:solidFill>
                   <a:srgbClr val="F2F2F2"/>
                 </a:solidFill>
@@ -9077,7 +9058,7 @@
           </a:p>
           <a:p>
             <a:r>
-              <a:rPr lang="en" altLang="ja-JP">
+              <a:rPr lang="en" altLang="ja-JP" sz="2400">
                 <a:solidFill>
                   <a:srgbClr val="F2F2F2"/>
                 </a:solidFill>
@@ -9305,7 +9286,7 @@
         <p:spPr>
           <a:xfrm>
             <a:off x="6012160" y="4941168"/>
-            <a:ext cx="1656184" cy="923330"/>
+            <a:ext cx="1656184" cy="1200329"/>
           </a:xfrm>
           <a:prstGeom prst="rect">
             <a:avLst/>
@@ -9321,7 +9302,7 @@
           <a:lstStyle/>
           <a:p>
             <a:r>
-              <a:rPr lang="en" altLang="ja-JP">
+              <a:rPr lang="en" altLang="ja-JP" sz="2400" dirty="0">
                 <a:solidFill>
                   <a:srgbClr val="F2F2F2"/>
                 </a:solidFill>
@@ -9333,7 +9314,7 @@
           </a:p>
           <a:p>
             <a:r>
-              <a:rPr lang="en" altLang="ja-JP">
+              <a:rPr lang="en" altLang="ja-JP" sz="2400" dirty="0">
                 <a:solidFill>
                   <a:srgbClr val="F2F2F2"/>
                 </a:solidFill>
@@ -9345,7 +9326,7 @@
           </a:p>
           <a:p>
             <a:r>
-              <a:rPr lang="en" altLang="ja-JP">
+              <a:rPr lang="en" altLang="ja-JP" sz="2400" dirty="0">
                 <a:solidFill>
                   <a:srgbClr val="F2F2F2"/>
                 </a:solidFill>
@@ -9617,12 +9598,8 @@
           <a:lstStyle/>
           <a:p>
             <a:r>
-              <a:rPr lang="ja-JP" altLang="en-US" sz="2800" dirty="0" smtClean="0"/>
-              <a:t>形態素</a:t>
-            </a:r>
-            <a:r>
               <a:rPr lang="ja-JP" altLang="en-US" sz="2800" dirty="0"/>
-              <a:t>解析</a:t>
+              <a:t>形態素解析</a:t>
             </a:r>
             <a:endParaRPr kumimoji="1" lang="ja-JP" altLang="en-US" sz="2800" dirty="0"/>
           </a:p>
@@ -9737,7 +9714,7 @@
         <p:spPr>
           <a:xfrm>
             <a:off x="1763688" y="1844824"/>
-            <a:ext cx="2159566" cy="584775"/>
+            <a:ext cx="1577227" cy="584775"/>
           </a:xfrm>
           <a:prstGeom prst="rect">
             <a:avLst/>
@@ -9800,7 +9777,7 @@
         <p:spPr>
           <a:xfrm>
             <a:off x="4788024" y="1834314"/>
-            <a:ext cx="3887603" cy="584775"/>
+            <a:ext cx="2594493" cy="584775"/>
           </a:xfrm>
           <a:prstGeom prst="rect">
             <a:avLst/>
@@ -9917,7 +9894,7 @@
         <p:spPr>
           <a:xfrm>
             <a:off x="755576" y="3717032"/>
-            <a:ext cx="6768752" cy="830997"/>
+            <a:ext cx="6768752" cy="954107"/>
           </a:xfrm>
           <a:prstGeom prst="rect">
             <a:avLst/>
@@ -9933,7 +9910,7 @@
           <a:lstStyle/>
           <a:p>
             <a:r>
-              <a:rPr lang="en" altLang="ja-JP" sz="2400" b="0">
+              <a:rPr lang="en" altLang="ja-JP" sz="2800" b="0">
                 <a:solidFill>
                   <a:srgbClr val="C586C0"/>
                 </a:solidFill>
@@ -9943,7 +9920,7 @@
               <a:t>from</a:t>
             </a:r>
             <a:r>
-              <a:rPr lang="en" altLang="ja-JP" sz="2400" b="0">
+              <a:rPr lang="en" altLang="ja-JP" sz="2800" b="0">
                 <a:solidFill>
                   <a:srgbClr val="D4D4D4"/>
                 </a:solidFill>
@@ -9953,7 +9930,7 @@
               <a:t> collections </a:t>
             </a:r>
             <a:r>
-              <a:rPr lang="en" altLang="ja-JP" sz="2400" b="0">
+              <a:rPr lang="en" altLang="ja-JP" sz="2800" b="0">
                 <a:solidFill>
                   <a:srgbClr val="C586C0"/>
                 </a:solidFill>
@@ -9963,7 +9940,7 @@
               <a:t>import</a:t>
             </a:r>
             <a:r>
-              <a:rPr lang="en" altLang="ja-JP" sz="2400" b="0">
+              <a:rPr lang="en" altLang="ja-JP" sz="2800" b="0">
                 <a:solidFill>
                   <a:srgbClr val="D4D4D4"/>
                 </a:solidFill>
@@ -9975,7 +9952,7 @@
           </a:p>
           <a:p>
             <a:r>
-              <a:rPr lang="en" altLang="ja-JP" sz="2400" b="0">
+              <a:rPr lang="en" altLang="ja-JP" sz="2800" b="0">
                 <a:solidFill>
                   <a:srgbClr val="D4D4D4"/>
                 </a:solidFill>
@@ -9985,7 +9962,7 @@
               <a:t>d = defaultdict(</a:t>
             </a:r>
             <a:r>
-              <a:rPr lang="en" altLang="ja-JP" sz="2400" b="0">
+              <a:rPr lang="en" altLang="ja-JP" sz="2800" b="0">
                 <a:solidFill>
                   <a:srgbClr val="4EC9B0"/>
                 </a:solidFill>
@@ -9995,7 +9972,7 @@
               <a:t>int</a:t>
             </a:r>
             <a:r>
-              <a:rPr lang="en" altLang="ja-JP" sz="2400" b="0">
+              <a:rPr lang="en" altLang="ja-JP" sz="2800" b="0">
                 <a:solidFill>
                   <a:srgbClr val="D4D4D4"/>
                 </a:solidFill>
@@ -10318,7 +10295,7 @@
         <p:spPr>
           <a:xfrm>
             <a:off x="179512" y="2060848"/>
-            <a:ext cx="6768752" cy="2677656"/>
+            <a:ext cx="6768752" cy="3108543"/>
           </a:xfrm>
           <a:prstGeom prst="rect">
             <a:avLst/>
@@ -10334,7 +10311,7 @@
           <a:lstStyle/>
           <a:p>
             <a:r>
-              <a:rPr lang="en" altLang="ja-JP" sz="2400" b="0" dirty="0">
+              <a:rPr lang="en" altLang="ja-JP" sz="2800" b="0" dirty="0">
                 <a:solidFill>
                   <a:srgbClr val="C586C0"/>
                 </a:solidFill>
@@ -10344,7 +10321,7 @@
               <a:t>from</a:t>
             </a:r>
             <a:r>
-              <a:rPr lang="en" altLang="ja-JP" sz="2400" b="0" dirty="0">
+              <a:rPr lang="en" altLang="ja-JP" sz="2800" b="0" dirty="0">
                 <a:solidFill>
                   <a:srgbClr val="D4D4D4"/>
                 </a:solidFill>
@@ -10354,7 +10331,7 @@
               <a:t> collections </a:t>
             </a:r>
             <a:r>
-              <a:rPr lang="en" altLang="ja-JP" sz="2400" b="0" dirty="0">
+              <a:rPr lang="en" altLang="ja-JP" sz="2800" b="0" dirty="0">
                 <a:solidFill>
                   <a:srgbClr val="C586C0"/>
                 </a:solidFill>
@@ -10364,7 +10341,7 @@
               <a:t>import</a:t>
             </a:r>
             <a:r>
-              <a:rPr lang="en" altLang="ja-JP" sz="2400" b="0" dirty="0">
+              <a:rPr lang="en" altLang="ja-JP" sz="2800" b="0" dirty="0">
                 <a:solidFill>
                   <a:srgbClr val="D4D4D4"/>
                 </a:solidFill>
@@ -10376,7 +10353,7 @@
           </a:p>
           <a:p>
             <a:r>
-              <a:rPr lang="en" altLang="ja-JP" sz="2400" b="0" dirty="0">
+              <a:rPr lang="en" altLang="ja-JP" sz="2800" b="0" dirty="0">
                 <a:solidFill>
                   <a:srgbClr val="D4D4D4"/>
                 </a:solidFill>
@@ -10386,7 +10363,7 @@
               <a:t>d = defaultdict(</a:t>
             </a:r>
             <a:r>
-              <a:rPr lang="en" altLang="ja-JP" sz="2400" b="0" dirty="0">
+              <a:rPr lang="en" altLang="ja-JP" sz="2800" b="0" dirty="0">
                 <a:solidFill>
                   <a:srgbClr val="4EC9B0"/>
                 </a:solidFill>
@@ -10396,7 +10373,7 @@
               <a:t>int</a:t>
             </a:r>
             <a:r>
-              <a:rPr lang="en" altLang="ja-JP" sz="2400" b="0" dirty="0">
+              <a:rPr lang="en" altLang="ja-JP" sz="2800" b="0" dirty="0">
                 <a:solidFill>
                   <a:srgbClr val="D4D4D4"/>
                 </a:solidFill>
@@ -10408,7 +10385,7 @@
           </a:p>
           <a:p>
             <a:r>
-              <a:rPr lang="en" altLang="ja-JP" sz="2400" b="0" dirty="0">
+              <a:rPr lang="en" altLang="ja-JP" sz="2800" b="0" dirty="0">
                 <a:solidFill>
                   <a:srgbClr val="D4D4D4"/>
                 </a:solidFill>
@@ -10418,7 +10395,7 @@
               <a:t>s = </a:t>
             </a:r>
             <a:r>
-              <a:rPr lang="en" altLang="ja-JP" sz="2400" b="0" dirty="0">
+              <a:rPr lang="en" altLang="ja-JP" sz="2800" b="0" dirty="0">
                 <a:solidFill>
                   <a:srgbClr val="CE9178"/>
                 </a:solidFill>
@@ -10428,7 +10405,7 @@
               <a:t>"</a:t>
             </a:r>
             <a:r>
-              <a:rPr lang="ja-JP" altLang="en-US" sz="2400" b="0" dirty="0">
+              <a:rPr lang="ja-JP" altLang="en-US" sz="2800" b="0" dirty="0">
                 <a:solidFill>
                   <a:srgbClr val="CE9178"/>
                 </a:solidFill>
@@ -10438,7 +10415,7 @@
               <a:t>すもももももももものうち</a:t>
             </a:r>
             <a:r>
-              <a:rPr lang="en-US" altLang="ja-JP" sz="2400" b="0" dirty="0">
+              <a:rPr lang="en-US" altLang="ja-JP" sz="2800" b="0" dirty="0">
                 <a:solidFill>
                   <a:srgbClr val="CE9178"/>
                 </a:solidFill>
@@ -10447,7 +10424,7 @@
               </a:rPr>
               <a:t>"</a:t>
             </a:r>
-            <a:endParaRPr lang="ja-JP" altLang="en-US" sz="2400" b="0" dirty="0">
+            <a:endParaRPr lang="ja-JP" altLang="en-US" sz="2800" b="0" dirty="0">
               <a:solidFill>
                 <a:srgbClr val="D4D4D4"/>
               </a:solidFill>
@@ -10457,7 +10434,7 @@
           </a:p>
           <a:p>
             <a:r>
-              <a:rPr lang="en" altLang="ja-JP" sz="2400" b="0" dirty="0">
+              <a:rPr lang="en" altLang="ja-JP" sz="2800" b="0" dirty="0">
                 <a:solidFill>
                   <a:srgbClr val="C586C0"/>
                 </a:solidFill>
@@ -10467,7 +10444,7 @@
               <a:t>for</a:t>
             </a:r>
             <a:r>
-              <a:rPr lang="en" altLang="ja-JP" sz="2400" b="0" dirty="0">
+              <a:rPr lang="en" altLang="ja-JP" sz="2800" b="0" dirty="0">
                 <a:solidFill>
                   <a:srgbClr val="D4D4D4"/>
                 </a:solidFill>
@@ -10477,7 +10454,7 @@
               <a:t> c </a:t>
             </a:r>
             <a:r>
-              <a:rPr lang="en" altLang="ja-JP" sz="2400" b="0" dirty="0">
+              <a:rPr lang="en" altLang="ja-JP" sz="2800" b="0" dirty="0">
                 <a:solidFill>
                   <a:srgbClr val="569CD6"/>
                 </a:solidFill>
@@ -10487,7 +10464,7 @@
               <a:t>in</a:t>
             </a:r>
             <a:r>
-              <a:rPr lang="en" altLang="ja-JP" sz="2400" b="0" dirty="0">
+              <a:rPr lang="en" altLang="ja-JP" sz="2800" b="0" dirty="0">
                 <a:solidFill>
                   <a:srgbClr val="D4D4D4"/>
                 </a:solidFill>
@@ -10497,7 +10474,7 @@
               <a:t> </a:t>
             </a:r>
             <a:r>
-              <a:rPr lang="en" altLang="ja-JP" sz="2400" b="0" dirty="0">
+              <a:rPr lang="en" altLang="ja-JP" sz="2800" b="0" dirty="0">
                 <a:solidFill>
                   <a:srgbClr val="4EC9B0"/>
                 </a:solidFill>
@@ -10507,7 +10484,7 @@
               <a:t>list</a:t>
             </a:r>
             <a:r>
-              <a:rPr lang="en" altLang="ja-JP" sz="2400" b="0" dirty="0">
+              <a:rPr lang="en" altLang="ja-JP" sz="2800" b="0" dirty="0">
                 <a:solidFill>
                   <a:srgbClr val="D4D4D4"/>
                 </a:solidFill>
@@ -10519,7 +10496,7 @@
           </a:p>
           <a:p>
             <a:r>
-              <a:rPr lang="en" altLang="ja-JP" sz="2400" b="0" dirty="0">
+              <a:rPr lang="en" altLang="ja-JP" sz="2800" b="0" dirty="0">
                 <a:solidFill>
                   <a:srgbClr val="D4D4D4"/>
                 </a:solidFill>
@@ -10529,7 +10506,7 @@
               <a:t>    d[c] += </a:t>
             </a:r>
             <a:r>
-              <a:rPr lang="en" altLang="ja-JP" sz="2400" b="0" dirty="0">
+              <a:rPr lang="en" altLang="ja-JP" sz="2800" b="0" dirty="0">
                 <a:solidFill>
                   <a:srgbClr val="B5CEA8"/>
                 </a:solidFill>
@@ -10538,7 +10515,7 @@
               </a:rPr>
               <a:t>1</a:t>
             </a:r>
-            <a:endParaRPr lang="en" altLang="ja-JP" sz="2400" b="0" dirty="0">
+            <a:endParaRPr lang="en" altLang="ja-JP" sz="2800" b="0" dirty="0">
               <a:solidFill>
                 <a:srgbClr val="D4D4D4"/>
               </a:solidFill>
@@ -10548,7 +10525,7 @@
           </a:p>
           <a:p>
             <a:r>
-              <a:rPr lang="en" altLang="ja-JP" sz="2400" b="0" dirty="0">
+              <a:rPr lang="en" altLang="ja-JP" sz="2800" b="0" dirty="0">
                 <a:solidFill>
                   <a:srgbClr val="C586C0"/>
                 </a:solidFill>
@@ -10558,7 +10535,7 @@
               <a:t>for</a:t>
             </a:r>
             <a:r>
-              <a:rPr lang="en" altLang="ja-JP" sz="2400" b="0" dirty="0">
+              <a:rPr lang="en" altLang="ja-JP" sz="2800" b="0" dirty="0">
                 <a:solidFill>
                   <a:srgbClr val="D4D4D4"/>
                 </a:solidFill>
@@ -10568,7 +10545,7 @@
               <a:t> k, v </a:t>
             </a:r>
             <a:r>
-              <a:rPr lang="en" altLang="ja-JP" sz="2400" b="0" dirty="0">
+              <a:rPr lang="en" altLang="ja-JP" sz="2800" b="0" dirty="0">
                 <a:solidFill>
                   <a:srgbClr val="569CD6"/>
                 </a:solidFill>
@@ -10578,7 +10555,7 @@
               <a:t>in</a:t>
             </a:r>
             <a:r>
-              <a:rPr lang="en" altLang="ja-JP" sz="2400" b="0" dirty="0">
+              <a:rPr lang="en" altLang="ja-JP" sz="2800" b="0" dirty="0">
                 <a:solidFill>
                   <a:srgbClr val="D4D4D4"/>
                 </a:solidFill>
@@ -10590,7 +10567,7 @@
           </a:p>
           <a:p>
             <a:r>
-              <a:rPr lang="en" altLang="ja-JP" sz="2400" b="0" dirty="0">
+              <a:rPr lang="en" altLang="ja-JP" sz="2800" b="0" dirty="0">
                 <a:solidFill>
                   <a:srgbClr val="D4D4D4"/>
                 </a:solidFill>
@@ -10600,7 +10577,7 @@
               <a:t>    </a:t>
             </a:r>
             <a:r>
-              <a:rPr lang="en" altLang="ja-JP" sz="2400" b="0" dirty="0">
+              <a:rPr lang="en" altLang="ja-JP" sz="2800" b="0" dirty="0">
                 <a:solidFill>
                   <a:srgbClr val="DCDCAA"/>
                 </a:solidFill>
@@ -10610,7 +10587,7 @@
               <a:t>print</a:t>
             </a:r>
             <a:r>
-              <a:rPr lang="en" altLang="ja-JP" sz="2400" b="0" dirty="0">
+              <a:rPr lang="en" altLang="ja-JP" sz="2800" b="0" dirty="0">
                 <a:solidFill>
                   <a:srgbClr val="D4D4D4"/>
                 </a:solidFill>
@@ -11183,19 +11160,7 @@
           <a:p>
             <a:r>
               <a:rPr lang="ja-JP" altLang="en-US" sz="2400" dirty="0"/>
-              <a:t>漢字</a:t>
-            </a:r>
-            <a:r>
-              <a:rPr lang="ja-JP" altLang="en-US" sz="2400" dirty="0" smtClean="0"/>
-              <a:t>の読み</a:t>
-            </a:r>
-            <a:r>
-              <a:rPr lang="ja-JP" altLang="en-US" sz="2400" dirty="0"/>
-              <a:t>仮名</a:t>
-            </a:r>
-            <a:r>
-              <a:rPr lang="ja-JP" altLang="en-US" sz="2400" dirty="0" smtClean="0"/>
-              <a:t>が</a:t>
+              <a:t>漢字の読み仮名が</a:t>
             </a:r>
             <a:r>
               <a:rPr lang="ja-JP" altLang="en-US" sz="2400" dirty="0">
@@ -11474,7 +11439,7 @@
         <p:spPr>
           <a:xfrm>
             <a:off x="323528" y="1556792"/>
-            <a:ext cx="4572000" cy="3139321"/>
+            <a:ext cx="4572000" cy="4832092"/>
           </a:xfrm>
           <a:prstGeom prst="rect">
             <a:avLst/>
@@ -11490,7 +11455,7 @@
           <a:lstStyle/>
           <a:p>
             <a:r>
-              <a:rPr lang="en" altLang="ja-JP" b="0">
+              <a:rPr lang="en" altLang="ja-JP" sz="2800" b="0">
                 <a:solidFill>
                   <a:srgbClr val="D4D4D4"/>
                 </a:solidFill>
@@ -11500,7 +11465,7 @@
               <a:t>in_bracket = </a:t>
             </a:r>
             <a:r>
-              <a:rPr lang="en" altLang="ja-JP" b="0">
+              <a:rPr lang="en" altLang="ja-JP" sz="2800" b="0">
                 <a:solidFill>
                   <a:srgbClr val="569CD6"/>
                 </a:solidFill>
@@ -11509,7 +11474,7 @@
               </a:rPr>
               <a:t>False</a:t>
             </a:r>
-            <a:endParaRPr lang="en" altLang="ja-JP" b="0">
+            <a:endParaRPr lang="en" altLang="ja-JP" sz="2800" b="0">
               <a:solidFill>
                 <a:srgbClr val="D4D4D4"/>
               </a:solidFill>
@@ -11519,7 +11484,7 @@
           </a:p>
           <a:p>
             <a:r>
-              <a:rPr lang="en" altLang="ja-JP" b="0">
+              <a:rPr lang="en" altLang="ja-JP" sz="2800" b="0">
                 <a:solidFill>
                   <a:srgbClr val="C586C0"/>
                 </a:solidFill>
@@ -11529,7 +11494,7 @@
               <a:t>for</a:t>
             </a:r>
             <a:r>
-              <a:rPr lang="en" altLang="ja-JP" b="0">
+              <a:rPr lang="en" altLang="ja-JP" sz="2800" b="0">
                 <a:solidFill>
                   <a:srgbClr val="D4D4D4"/>
                 </a:solidFill>
@@ -11539,7 +11504,7 @@
               <a:t> s </a:t>
             </a:r>
             <a:r>
-              <a:rPr lang="en" altLang="ja-JP" b="0">
+              <a:rPr lang="en" altLang="ja-JP" sz="2800" b="0">
                 <a:solidFill>
                   <a:srgbClr val="569CD6"/>
                 </a:solidFill>
@@ -11549,7 +11514,7 @@
               <a:t>in</a:t>
             </a:r>
             <a:r>
-              <a:rPr lang="en" altLang="ja-JP" b="0">
+              <a:rPr lang="en" altLang="ja-JP" sz="2800" b="0">
                 <a:solidFill>
                   <a:srgbClr val="D4D4D4"/>
                 </a:solidFill>
@@ -11559,7 +11524,7 @@
               <a:t> </a:t>
             </a:r>
             <a:r>
-              <a:rPr lang="en" altLang="ja-JP" b="0">
+              <a:rPr lang="en" altLang="ja-JP" sz="2800" b="0">
                 <a:solidFill>
                   <a:srgbClr val="4EC9B0"/>
                 </a:solidFill>
@@ -11569,7 +11534,7 @@
               <a:t>list</a:t>
             </a:r>
             <a:r>
-              <a:rPr lang="en" altLang="ja-JP" b="0">
+              <a:rPr lang="en" altLang="ja-JP" sz="2800" b="0">
                 <a:solidFill>
                   <a:srgbClr val="D4D4D4"/>
                 </a:solidFill>
@@ -11581,7 +11546,7 @@
           </a:p>
           <a:p>
             <a:r>
-              <a:rPr lang="en" altLang="ja-JP" b="0">
+              <a:rPr lang="en" altLang="ja-JP" sz="2800" b="0">
                 <a:solidFill>
                   <a:srgbClr val="D4D4D4"/>
                 </a:solidFill>
@@ -11591,7 +11556,7 @@
               <a:t>    </a:t>
             </a:r>
             <a:r>
-              <a:rPr lang="en" altLang="ja-JP" b="0">
+              <a:rPr lang="en" altLang="ja-JP" sz="2800" b="0">
                 <a:solidFill>
                   <a:srgbClr val="C586C0"/>
                 </a:solidFill>
@@ -11601,7 +11566,7 @@
               <a:t>if</a:t>
             </a:r>
             <a:r>
-              <a:rPr lang="en" altLang="ja-JP" b="0">
+              <a:rPr lang="en" altLang="ja-JP" sz="2800" b="0">
                 <a:solidFill>
                   <a:srgbClr val="D4D4D4"/>
                 </a:solidFill>
@@ -11613,7 +11578,7 @@
           </a:p>
           <a:p>
             <a:r>
-              <a:rPr lang="en" altLang="ja-JP" b="0">
+              <a:rPr lang="en" altLang="ja-JP" sz="2800" b="0">
                 <a:solidFill>
                   <a:srgbClr val="D4D4D4"/>
                 </a:solidFill>
@@ -11623,7 +11588,7 @@
               <a:t>        </a:t>
             </a:r>
             <a:r>
-              <a:rPr lang="en" altLang="ja-JP" b="0">
+              <a:rPr lang="en" altLang="ja-JP" sz="2800" b="0">
                 <a:solidFill>
                   <a:srgbClr val="C586C0"/>
                 </a:solidFill>
@@ -11633,7 +11598,7 @@
               <a:t>if</a:t>
             </a:r>
             <a:r>
-              <a:rPr lang="en" altLang="ja-JP" b="0">
+              <a:rPr lang="en" altLang="ja-JP" sz="2800" b="0">
                 <a:solidFill>
                   <a:srgbClr val="D4D4D4"/>
                 </a:solidFill>
@@ -11643,7 +11608,7 @@
               <a:t> s == </a:t>
             </a:r>
             <a:r>
-              <a:rPr lang="en" altLang="ja-JP" b="0">
+              <a:rPr lang="en" altLang="ja-JP" sz="2800" b="0">
                 <a:solidFill>
                   <a:srgbClr val="CE9178"/>
                 </a:solidFill>
@@ -11653,7 +11618,7 @@
               <a:t>'》'</a:t>
             </a:r>
             <a:r>
-              <a:rPr lang="en" altLang="ja-JP" b="0">
+              <a:rPr lang="en" altLang="ja-JP" sz="2800" b="0">
                 <a:solidFill>
                   <a:srgbClr val="D4D4D4"/>
                 </a:solidFill>
@@ -11665,7 +11630,7 @@
           </a:p>
           <a:p>
             <a:r>
-              <a:rPr lang="en" altLang="ja-JP" b="0">
+              <a:rPr lang="en" altLang="ja-JP" sz="2800" b="0">
                 <a:solidFill>
                   <a:srgbClr val="D4D4D4"/>
                 </a:solidFill>
@@ -11675,7 +11640,7 @@
               <a:t>            in_bracket = </a:t>
             </a:r>
             <a:r>
-              <a:rPr lang="en" altLang="ja-JP" b="0">
+              <a:rPr lang="en" altLang="ja-JP" sz="2800" b="0">
                 <a:solidFill>
                   <a:srgbClr val="569CD6"/>
                 </a:solidFill>
@@ -11684,7 +11649,7 @@
               </a:rPr>
               <a:t>False</a:t>
             </a:r>
-            <a:endParaRPr lang="en" altLang="ja-JP" b="0">
+            <a:endParaRPr lang="en" altLang="ja-JP" sz="2800" b="0">
               <a:solidFill>
                 <a:srgbClr val="D4D4D4"/>
               </a:solidFill>
@@ -11694,7 +11659,7 @@
           </a:p>
           <a:p>
             <a:r>
-              <a:rPr lang="en" altLang="ja-JP" b="0">
+              <a:rPr lang="en" altLang="ja-JP" sz="2800" b="0">
                 <a:solidFill>
                   <a:srgbClr val="D4D4D4"/>
                 </a:solidFill>
@@ -11704,7 +11669,7 @@
               <a:t>        </a:t>
             </a:r>
             <a:r>
-              <a:rPr lang="en" altLang="ja-JP" b="0">
+              <a:rPr lang="en" altLang="ja-JP" sz="2800" b="0">
                 <a:solidFill>
                   <a:srgbClr val="C586C0"/>
                 </a:solidFill>
@@ -11713,7 +11678,7 @@
               </a:rPr>
               <a:t>continue</a:t>
             </a:r>
-            <a:endParaRPr lang="en" altLang="ja-JP" b="0">
+            <a:endParaRPr lang="en" altLang="ja-JP" sz="2800" b="0">
               <a:solidFill>
                 <a:srgbClr val="D4D4D4"/>
               </a:solidFill>
@@ -11723,7 +11688,7 @@
           </a:p>
           <a:p>
             <a:r>
-              <a:rPr lang="en" altLang="ja-JP" b="0">
+              <a:rPr lang="en" altLang="ja-JP" sz="2800" b="0">
                 <a:solidFill>
                   <a:srgbClr val="D4D4D4"/>
                 </a:solidFill>
@@ -11733,7 +11698,7 @@
               <a:t>    </a:t>
             </a:r>
             <a:r>
-              <a:rPr lang="en" altLang="ja-JP" b="0">
+              <a:rPr lang="en" altLang="ja-JP" sz="2800" b="0">
                 <a:solidFill>
                   <a:srgbClr val="C586C0"/>
                 </a:solidFill>
@@ -11743,7 +11708,7 @@
               <a:t>if</a:t>
             </a:r>
             <a:r>
-              <a:rPr lang="en" altLang="ja-JP" b="0">
+              <a:rPr lang="en" altLang="ja-JP" sz="2800" b="0">
                 <a:solidFill>
                   <a:srgbClr val="D4D4D4"/>
                 </a:solidFill>
@@ -11753,7 +11718,7 @@
               <a:t> s == </a:t>
             </a:r>
             <a:r>
-              <a:rPr lang="en" altLang="ja-JP" b="0">
+              <a:rPr lang="en" altLang="ja-JP" sz="2800" b="0">
                 <a:solidFill>
                   <a:srgbClr val="CE9178"/>
                 </a:solidFill>
@@ -11763,7 +11728,7 @@
               <a:t>'《'</a:t>
             </a:r>
             <a:r>
-              <a:rPr lang="en" altLang="ja-JP" b="0">
+              <a:rPr lang="en" altLang="ja-JP" sz="2800" b="0">
                 <a:solidFill>
                   <a:srgbClr val="D4D4D4"/>
                 </a:solidFill>
@@ -11775,7 +11740,7 @@
           </a:p>
           <a:p>
             <a:r>
-              <a:rPr lang="en" altLang="ja-JP" b="0">
+              <a:rPr lang="en" altLang="ja-JP" sz="2800" b="0">
                 <a:solidFill>
                   <a:srgbClr val="D4D4D4"/>
                 </a:solidFill>
@@ -11785,7 +11750,7 @@
               <a:t>        in_bracket = </a:t>
             </a:r>
             <a:r>
-              <a:rPr lang="en" altLang="ja-JP" b="0">
+              <a:rPr lang="en" altLang="ja-JP" sz="2800" b="0">
                 <a:solidFill>
                   <a:srgbClr val="569CD6"/>
                 </a:solidFill>
@@ -11794,7 +11759,7 @@
               </a:rPr>
               <a:t>True</a:t>
             </a:r>
-            <a:endParaRPr lang="en" altLang="ja-JP" b="0">
+            <a:endParaRPr lang="en" altLang="ja-JP" sz="2800" b="0">
               <a:solidFill>
                 <a:srgbClr val="D4D4D4"/>
               </a:solidFill>
@@ -11804,7 +11769,7 @@
           </a:p>
           <a:p>
             <a:r>
-              <a:rPr lang="en" altLang="ja-JP" b="0">
+              <a:rPr lang="en" altLang="ja-JP" sz="2800" b="0">
                 <a:solidFill>
                   <a:srgbClr val="D4D4D4"/>
                 </a:solidFill>
@@ -11814,7 +11779,7 @@
               <a:t>        </a:t>
             </a:r>
             <a:r>
-              <a:rPr lang="en" altLang="ja-JP" b="0">
+              <a:rPr lang="en" altLang="ja-JP" sz="2800" b="0">
                 <a:solidFill>
                   <a:srgbClr val="C586C0"/>
                 </a:solidFill>
@@ -11823,7 +11788,7 @@
               </a:rPr>
               <a:t>continue</a:t>
             </a:r>
-            <a:endParaRPr lang="en" altLang="ja-JP" b="0">
+            <a:endParaRPr lang="en" altLang="ja-JP" sz="2800" b="0">
               <a:solidFill>
                 <a:srgbClr val="D4D4D4"/>
               </a:solidFill>
@@ -11833,7 +11798,7 @@
           </a:p>
           <a:p>
             <a:r>
-              <a:rPr lang="en" altLang="ja-JP" b="0">
+              <a:rPr lang="en" altLang="ja-JP" sz="2800" b="0">
                 <a:solidFill>
                   <a:srgbClr val="D4D4D4"/>
                 </a:solidFill>
@@ -11843,7 +11808,7 @@
               <a:t>    </a:t>
             </a:r>
             <a:r>
-              <a:rPr lang="en" altLang="ja-JP" b="0">
+              <a:rPr lang="en" altLang="ja-JP" sz="2800" b="0">
                 <a:solidFill>
                   <a:srgbClr val="DCDCAA"/>
                 </a:solidFill>
@@ -11853,7 +11818,7 @@
               <a:t>print</a:t>
             </a:r>
             <a:r>
-              <a:rPr lang="en" altLang="ja-JP" b="0">
+              <a:rPr lang="en" altLang="ja-JP" sz="2800" b="0">
                 <a:solidFill>
                   <a:srgbClr val="D4D4D4"/>
                 </a:solidFill>
@@ -11863,7 +11828,7 @@
               <a:t>(s, </a:t>
             </a:r>
             <a:r>
-              <a:rPr lang="en" altLang="ja-JP" b="0">
+              <a:rPr lang="en" altLang="ja-JP" sz="2800" b="0">
                 <a:solidFill>
                   <a:srgbClr val="9CDCFE"/>
                 </a:solidFill>
@@ -11873,7 +11838,7 @@
               <a:t>end</a:t>
             </a:r>
             <a:r>
-              <a:rPr lang="en" altLang="ja-JP" b="0">
+              <a:rPr lang="en" altLang="ja-JP" sz="2800" b="0">
                 <a:solidFill>
                   <a:srgbClr val="D4D4D4"/>
                 </a:solidFill>
@@ -11883,7 +11848,7 @@
               <a:t>=</a:t>
             </a:r>
             <a:r>
-              <a:rPr lang="en" altLang="ja-JP" b="0">
+              <a:rPr lang="en" altLang="ja-JP" sz="2800" b="0">
                 <a:solidFill>
                   <a:srgbClr val="CE9178"/>
                 </a:solidFill>
@@ -11893,7 +11858,7 @@
               <a:t>""</a:t>
             </a:r>
             <a:r>
-              <a:rPr lang="en" altLang="ja-JP" b="0">
+              <a:rPr lang="en" altLang="ja-JP" sz="2800" b="0">
                 <a:solidFill>
                   <a:srgbClr val="D4D4D4"/>
                 </a:solidFill>
@@ -11905,7 +11870,7 @@
           </a:p>
           <a:p>
             <a:r>
-              <a:rPr lang="en" altLang="ja-JP" b="0">
+              <a:rPr lang="en" altLang="ja-JP" sz="2800" b="0">
                 <a:solidFill>
                   <a:srgbClr val="DCDCAA"/>
                 </a:solidFill>
@@ -11915,7 +11880,7 @@
               <a:t>print</a:t>
             </a:r>
             <a:r>
-              <a:rPr lang="en" altLang="ja-JP" b="0">
+              <a:rPr lang="en" altLang="ja-JP" sz="2800" b="0">
                 <a:solidFill>
                   <a:srgbClr val="D4D4D4"/>
                 </a:solidFill>
@@ -12717,31 +12682,15 @@
           <a:p>
             <a:r>
               <a:rPr kumimoji="1" lang="ja-JP" altLang="en-US" sz="2400" dirty="0"/>
-              <a:t>正規表現が</a:t>
-            </a:r>
-            <a:r>
-              <a:rPr kumimoji="1" lang="ja-JP" altLang="en-US" sz="2400" dirty="0" smtClean="0"/>
-              <a:t>表す</a:t>
-            </a:r>
-            <a:r>
-              <a:rPr lang="ja-JP" altLang="en-US" sz="2400" dirty="0" smtClean="0"/>
-              <a:t>パターンを</a:t>
+              <a:t>正規表現が表す</a:t>
             </a:r>
             <a:r>
               <a:rPr lang="ja-JP" altLang="en-US" sz="2400" dirty="0"/>
-              <a:t>持</a:t>
-            </a:r>
-            <a:r>
-              <a:rPr lang="ja-JP" altLang="en-US" sz="2400" dirty="0" smtClean="0"/>
-              <a:t>つ</a:t>
-            </a:r>
-            <a:r>
-              <a:rPr kumimoji="1" lang="ja-JP" altLang="en-US" sz="2400" dirty="0" smtClean="0"/>
-              <a:t>文字列</a:t>
+              <a:t>パターンを持つ</a:t>
             </a:r>
             <a:r>
               <a:rPr kumimoji="1" lang="ja-JP" altLang="en-US" sz="2400" dirty="0"/>
-              <a:t>集合</a:t>
+              <a:t>文字列集合</a:t>
             </a:r>
           </a:p>
         </p:txBody>
@@ -12775,7 +12724,7 @@
           <a:lstStyle/>
           <a:p>
             <a:r>
-              <a:rPr kumimoji="1" lang="en-US" altLang="ja-JP" sz="4400" dirty="0" smtClean="0"/>
+              <a:rPr kumimoji="1" lang="en-US" altLang="ja-JP" sz="4400" dirty="0"/>
               <a:t>a.e</a:t>
             </a:r>
             <a:endParaRPr kumimoji="1" lang="ja-JP" altLang="en-US" sz="4400" dirty="0"/>
@@ -12811,7 +12760,7 @@
           <a:lstStyle/>
           <a:p>
             <a:r>
-              <a:rPr kumimoji="1" lang="en-US" altLang="ja-JP" sz="4400" dirty="0" smtClean="0"/>
+              <a:rPr kumimoji="1" lang="en-US" altLang="ja-JP" sz="4400" dirty="0"/>
               <a:t>aae</a:t>
             </a:r>
             <a:endParaRPr kumimoji="1" lang="ja-JP" altLang="en-US" sz="4400" dirty="0"/>
@@ -12988,7 +12937,7 @@
           <a:lstStyle/>
           <a:p>
             <a:r>
-              <a:rPr kumimoji="1" lang="en-US" altLang="ja-JP" sz="4400" dirty="0" smtClean="0"/>
+              <a:rPr kumimoji="1" lang="en-US" altLang="ja-JP" sz="4400" dirty="0"/>
               <a:t>abe</a:t>
             </a:r>
             <a:endParaRPr kumimoji="1" lang="ja-JP" altLang="en-US" sz="4400" dirty="0"/>
@@ -13024,11 +12973,11 @@
           <a:lstStyle/>
           <a:p>
             <a:r>
-              <a:rPr lang="en-US" altLang="ja-JP" sz="4400" dirty="0" smtClean="0"/>
+              <a:rPr lang="en-US" altLang="ja-JP" sz="4400" dirty="0"/>
               <a:t>ac</a:t>
             </a:r>
             <a:r>
-              <a:rPr lang="en-US" altLang="ja-JP" sz="4400" dirty="0" smtClean="0">
+              <a:rPr lang="en-US" altLang="ja-JP" sz="4400" dirty="0">
                 <a:solidFill>
                   <a:srgbClr val="FF0000"/>
                 </a:solidFill>
@@ -13036,7 +12985,7 @@
               <a:t>ade</a:t>
             </a:r>
             <a:r>
-              <a:rPr lang="en-US" altLang="ja-JP" sz="4400" dirty="0" smtClean="0"/>
+              <a:rPr lang="en-US" altLang="ja-JP" sz="4400" dirty="0"/>
               <a:t>mic</a:t>
             </a:r>
             <a:endParaRPr kumimoji="1" lang="ja-JP" altLang="en-US" sz="4400" dirty="0"/>
@@ -13072,7 +13021,7 @@
           <a:lstStyle/>
           <a:p>
             <a:r>
-              <a:rPr kumimoji="1" lang="en-US" altLang="ja-JP" sz="4400" dirty="0" smtClean="0"/>
+              <a:rPr kumimoji="1" lang="en-US" altLang="ja-JP" sz="4400" dirty="0"/>
               <a:t>ace</a:t>
             </a:r>
             <a:endParaRPr kumimoji="1" lang="ja-JP" altLang="en-US" sz="4400" dirty="0"/>
@@ -13108,7 +13057,7 @@
           <a:lstStyle/>
           <a:p>
             <a:r>
-              <a:rPr kumimoji="1" lang="en-US" altLang="ja-JP" sz="4400" dirty="0" smtClean="0">
+              <a:rPr kumimoji="1" lang="en-US" altLang="ja-JP" sz="4400" dirty="0">
                 <a:solidFill>
                   <a:srgbClr val="FF0000"/>
                 </a:solidFill>
@@ -13152,7 +13101,7 @@
           <a:lstStyle/>
           <a:p>
             <a:r>
-              <a:rPr kumimoji="1" lang="en-US" altLang="ja-JP" sz="4400" dirty="0" smtClean="0"/>
+              <a:rPr kumimoji="1" lang="en-US" altLang="ja-JP" sz="4400" dirty="0"/>
               <a:t>aee</a:t>
             </a:r>
             <a:endParaRPr kumimoji="1" lang="ja-JP" altLang="en-US" sz="4400" dirty="0"/>
@@ -13221,7 +13170,7 @@
           <a:lstStyle/>
           <a:p>
             <a:r>
-              <a:rPr lang="ja-JP" altLang="en-US" sz="2400" dirty="0" smtClean="0"/>
+              <a:rPr lang="ja-JP" altLang="en-US" sz="2400" dirty="0"/>
               <a:t>文字列の一部に、正規表現が表す文字列集合の要素を発見</a:t>
             </a:r>
             <a:endParaRPr kumimoji="1" lang="ja-JP" altLang="en-US" sz="2400" dirty="0"/>
@@ -15452,15 +15401,7 @@
           <a:p>
             <a:r>
               <a:rPr kumimoji="1" lang="ja-JP" altLang="en-US" sz="2800" dirty="0"/>
-              <a:t>人生に必須ではない</a:t>
-            </a:r>
-            <a:r>
-              <a:rPr kumimoji="1" lang="ja-JP" altLang="en-US" sz="2800" dirty="0" smtClean="0"/>
-              <a:t>が、知って</a:t>
-            </a:r>
-            <a:r>
-              <a:rPr kumimoji="1" lang="ja-JP" altLang="en-US" sz="2800" dirty="0"/>
-              <a:t>いると便利</a:t>
+              <a:t>人生に必須ではないが、知っていると便利</a:t>
             </a:r>
           </a:p>
         </p:txBody>
@@ -16154,10 +16095,9 @@
           <a:lstStyle/>
           <a:p>
             <a:r>
-              <a:rPr kumimoji="1" lang="ja-JP" altLang="en-US" dirty="0" smtClean="0"/>
+              <a:rPr kumimoji="1" lang="ja-JP" altLang="en-US" dirty="0"/>
               <a:t>形態素解析</a:t>
             </a:r>
-            <a:endParaRPr kumimoji="1" lang="ja-JP" altLang="en-US" dirty="0"/>
           </a:p>
         </p:txBody>
       </p:sp>
@@ -16184,23 +16124,23 @@
           <a:lstStyle/>
           <a:p>
             <a:r>
-              <a:rPr kumimoji="1" lang="ja-JP" altLang="en-US" sz="3600" dirty="0" smtClean="0"/>
+              <a:rPr kumimoji="1" lang="ja-JP" altLang="en-US" sz="3600" dirty="0"/>
               <a:t>形態素解析とは、</a:t>
             </a:r>
             <a:r>
-              <a:rPr lang="ja-JP" altLang="en-US" sz="3600" dirty="0" smtClean="0"/>
+              <a:rPr lang="ja-JP" altLang="en-US" sz="3600" dirty="0"/>
               <a:t>与えられた文章を</a:t>
             </a:r>
             <a:r>
-              <a:rPr kumimoji="1" lang="ja-JP" altLang="en-US" sz="3600" dirty="0" smtClean="0"/>
+              <a:rPr kumimoji="1" lang="ja-JP" altLang="en-US" sz="3600" dirty="0"/>
               <a:t>意味を持つ言葉の最小単位</a:t>
             </a:r>
             <a:r>
-              <a:rPr kumimoji="1" lang="en-US" altLang="ja-JP" sz="3600" dirty="0" smtClean="0"/>
+              <a:rPr kumimoji="1" lang="en-US" altLang="ja-JP" sz="3600" dirty="0"/>
               <a:t>(</a:t>
             </a:r>
             <a:r>
-              <a:rPr kumimoji="1" lang="ja-JP" altLang="en-US" sz="3600" dirty="0" smtClean="0">
+              <a:rPr kumimoji="1" lang="ja-JP" altLang="en-US" sz="3600" dirty="0">
                 <a:solidFill>
                   <a:srgbClr val="FF0000"/>
                 </a:solidFill>
@@ -16208,23 +16148,23 @@
               <a:t>形態素</a:t>
             </a:r>
             <a:r>
-              <a:rPr kumimoji="1" lang="en-US" altLang="ja-JP" sz="3600" dirty="0" smtClean="0"/>
+              <a:rPr kumimoji="1" lang="en-US" altLang="ja-JP" sz="3600" dirty="0"/>
               <a:t>)</a:t>
             </a:r>
             <a:r>
-              <a:rPr kumimoji="1" lang="ja-JP" altLang="en-US" sz="3600" dirty="0" smtClean="0"/>
+              <a:rPr kumimoji="1" lang="ja-JP" altLang="en-US" sz="3600" dirty="0"/>
               <a:t>に分解すること </a:t>
             </a:r>
             <a:r>
-              <a:rPr kumimoji="1" lang="en-US" altLang="ja-JP" sz="3600" dirty="0" smtClean="0"/>
+              <a:rPr kumimoji="1" lang="en-US" altLang="ja-JP" sz="3600" dirty="0"/>
               <a:t>(</a:t>
             </a:r>
             <a:r>
-              <a:rPr kumimoji="1" lang="ja-JP" altLang="en-US" sz="3600" dirty="0" smtClean="0"/>
+              <a:rPr kumimoji="1" lang="ja-JP" altLang="en-US" sz="3600" dirty="0"/>
               <a:t>品詞分解</a:t>
             </a:r>
             <a:r>
-              <a:rPr kumimoji="1" lang="en-US" altLang="ja-JP" sz="3600" dirty="0" smtClean="0"/>
+              <a:rPr kumimoji="1" lang="en-US" altLang="ja-JP" sz="3600" dirty="0"/>
               <a:t>)</a:t>
             </a:r>
           </a:p>
@@ -16253,7 +16193,7 @@
           <a:lstStyle/>
           <a:p>
             <a:r>
-              <a:rPr lang="en-US" altLang="ja-JP" sz="5400" dirty="0" smtClean="0"/>
+              <a:rPr lang="en-US" altLang="ja-JP" sz="5400" dirty="0"/>
               <a:t>My name is Taro.</a:t>
             </a:r>
             <a:endParaRPr kumimoji="1" lang="ja-JP" altLang="en-US" sz="5400" dirty="0"/>
@@ -16268,7 +16208,7 @@
         </p:nvCxnSpPr>
         <p:spPr>
           <a:xfrm flipH="1">
-            <a:off x="2195736" y="4077072"/>
+            <a:off x="2242230" y="4077072"/>
             <a:ext cx="864096" cy="0"/>
           </a:xfrm>
           <a:prstGeom prst="line">
@@ -16305,7 +16245,7 @@
         </p:nvSpPr>
         <p:spPr>
           <a:xfrm>
-            <a:off x="1979712" y="4149080"/>
+            <a:off x="2026206" y="4149080"/>
             <a:ext cx="1440160" cy="369332"/>
           </a:xfrm>
           <a:prstGeom prst="rect">
@@ -16320,23 +16260,25 @@
           <a:lstStyle/>
           <a:p>
             <a:r>
-              <a:rPr lang="ja-JP" altLang="en-US" dirty="0" smtClean="0"/>
+              <a:rPr lang="ja-JP" altLang="en-US" dirty="0"/>
               <a:t>所有限定詞</a:t>
             </a:r>
-            <a:endParaRPr lang="en-US" altLang="ja-JP" dirty="0" smtClean="0"/>
+            <a:endParaRPr lang="en-US" altLang="ja-JP" dirty="0"/>
           </a:p>
         </p:txBody>
       </p:sp>
       <p:cxnSp>
         <p:nvCxnSpPr>
           <p:cNvPr id="9" name="直線コネクタ 8"/>
-          <p:cNvCxnSpPr/>
+          <p:cNvCxnSpPr>
+            <a:cxnSpLocks/>
+          </p:cNvCxnSpPr>
           <p:nvPr/>
         </p:nvCxnSpPr>
         <p:spPr>
           <a:xfrm flipH="1">
             <a:off x="3347864" y="4077072"/>
-            <a:ext cx="1440160" cy="0"/>
+            <a:ext cx="1758828" cy="0"/>
           </a:xfrm>
           <a:prstGeom prst="line">
             <a:avLst/>
@@ -16387,14 +16329,10 @@
           <a:lstStyle/>
           <a:p>
             <a:r>
-              <a:rPr lang="ja-JP" altLang="en-US" dirty="0" smtClean="0"/>
-              <a:t>一般</a:t>
-            </a:r>
-            <a:r>
               <a:rPr lang="ja-JP" altLang="en-US" dirty="0"/>
-              <a:t>名詞</a:t>
-            </a:r>
-            <a:endParaRPr lang="en-US" altLang="ja-JP" dirty="0" smtClean="0"/>
+              <a:t>一般名詞</a:t>
+            </a:r>
+            <a:endParaRPr lang="en-US" altLang="ja-JP" dirty="0"/>
           </a:p>
         </p:txBody>
       </p:sp>
@@ -16406,7 +16344,7 @@
         </p:nvCxnSpPr>
         <p:spPr>
           <a:xfrm flipH="1">
-            <a:off x="4932040" y="4077072"/>
+            <a:off x="5296247" y="4077072"/>
             <a:ext cx="504056" cy="0"/>
           </a:xfrm>
           <a:prstGeom prst="line">
@@ -16443,7 +16381,7 @@
         </p:nvSpPr>
         <p:spPr>
           <a:xfrm>
-            <a:off x="4788024" y="4149080"/>
+            <a:off x="4935257" y="4149080"/>
             <a:ext cx="1440160" cy="646331"/>
           </a:xfrm>
           <a:prstGeom prst="rect">
@@ -16458,25 +16396,21 @@
           <a:lstStyle/>
           <a:p>
             <a:r>
-              <a:rPr lang="en-US" altLang="ja-JP" dirty="0" smtClean="0"/>
+              <a:rPr lang="en-US" altLang="ja-JP" dirty="0"/>
               <a:t>be</a:t>
             </a:r>
             <a:r>
-              <a:rPr lang="ja-JP" altLang="en-US" dirty="0" smtClean="0"/>
+              <a:rPr lang="ja-JP" altLang="en-US" dirty="0"/>
               <a:t>動詞</a:t>
             </a:r>
-            <a:endParaRPr lang="en-US" altLang="ja-JP" dirty="0" smtClean="0"/>
-          </a:p>
-          <a:p>
-            <a:r>
-              <a:rPr lang="ja-JP" altLang="en-US" dirty="0" smtClean="0"/>
-              <a:t>三人称</a:t>
-            </a:r>
+            <a:endParaRPr lang="en-US" altLang="ja-JP" dirty="0"/>
+          </a:p>
+          <a:p>
             <a:r>
               <a:rPr lang="ja-JP" altLang="en-US" dirty="0"/>
-              <a:t>単数</a:t>
-            </a:r>
-            <a:endParaRPr lang="en-US" altLang="ja-JP" dirty="0" smtClean="0"/>
+              <a:t>三人称単数</a:t>
+            </a:r>
+            <a:endParaRPr lang="en-US" altLang="ja-JP" dirty="0"/>
           </a:p>
         </p:txBody>
       </p:sp>
@@ -16488,7 +16422,7 @@
         </p:nvCxnSpPr>
         <p:spPr>
           <a:xfrm flipH="1">
-            <a:off x="5724128" y="4077072"/>
+            <a:off x="6088335" y="4077072"/>
             <a:ext cx="1224136" cy="0"/>
           </a:xfrm>
           <a:prstGeom prst="line">
@@ -16525,7 +16459,7 @@
         </p:nvSpPr>
         <p:spPr>
           <a:xfrm>
-            <a:off x="5796136" y="4149080"/>
+            <a:off x="6160343" y="4149080"/>
             <a:ext cx="1440160" cy="369332"/>
           </a:xfrm>
           <a:prstGeom prst="rect">
@@ -16540,14 +16474,10 @@
           <a:lstStyle/>
           <a:p>
             <a:r>
-              <a:rPr lang="ja-JP" altLang="en-US" dirty="0" smtClean="0"/>
-              <a:t>固有</a:t>
-            </a:r>
-            <a:r>
               <a:rPr lang="ja-JP" altLang="en-US" dirty="0"/>
-              <a:t>名詞</a:t>
-            </a:r>
-            <a:endParaRPr lang="en-US" altLang="ja-JP" dirty="0" smtClean="0"/>
+              <a:t>固有名詞</a:t>
+            </a:r>
+            <a:endParaRPr lang="en-US" altLang="ja-JP" dirty="0"/>
           </a:p>
         </p:txBody>
       </p:sp>
@@ -16574,7 +16504,7 @@
           <a:lstStyle/>
           <a:p>
             <a:r>
-              <a:rPr lang="ja-JP" altLang="en-US" sz="2800" dirty="0" smtClean="0"/>
+              <a:rPr lang="ja-JP" altLang="en-US" sz="2800" dirty="0"/>
               <a:t>英語の場合、単語の分解はしなくてよい</a:t>
             </a:r>
             <a:endParaRPr kumimoji="1" lang="ja-JP" altLang="en-US" sz="2800" dirty="0"/>
@@ -16627,10 +16557,9 @@
           <a:lstStyle/>
           <a:p>
             <a:r>
-              <a:rPr kumimoji="1" lang="ja-JP" altLang="en-US" dirty="0" smtClean="0"/>
+              <a:rPr kumimoji="1" lang="ja-JP" altLang="en-US" dirty="0"/>
               <a:t>形態素解析</a:t>
             </a:r>
-            <a:endParaRPr kumimoji="1" lang="ja-JP" altLang="en-US" dirty="0"/>
           </a:p>
         </p:txBody>
       </p:sp>
@@ -16657,10 +16586,9 @@
           <a:lstStyle/>
           <a:p>
             <a:r>
-              <a:rPr kumimoji="1" lang="ja-JP" altLang="en-US" sz="5400" dirty="0" smtClean="0"/>
+              <a:rPr kumimoji="1" lang="ja-JP" altLang="en-US" sz="5400" dirty="0"/>
               <a:t>私の名前は太郎です</a:t>
             </a:r>
-            <a:endParaRPr kumimoji="1" lang="ja-JP" altLang="en-US" sz="5400" dirty="0"/>
           </a:p>
         </p:txBody>
       </p:sp>
@@ -16687,10 +16615,9 @@
           <a:lstStyle/>
           <a:p>
             <a:r>
-              <a:rPr kumimoji="1" lang="ja-JP" altLang="en-US" sz="5400" dirty="0" smtClean="0"/>
+              <a:rPr kumimoji="1" lang="ja-JP" altLang="en-US" sz="5400" dirty="0"/>
               <a:t>私  の  名前  は  太郎  です</a:t>
             </a:r>
-            <a:endParaRPr kumimoji="1" lang="ja-JP" altLang="en-US" sz="5400" dirty="0"/>
           </a:p>
         </p:txBody>
       </p:sp>
@@ -16754,10 +16681,9 @@
           <a:lstStyle/>
           <a:p>
             <a:r>
-              <a:rPr kumimoji="1" lang="ja-JP" altLang="en-US" dirty="0" smtClean="0"/>
+              <a:rPr kumimoji="1" lang="ja-JP" altLang="en-US" dirty="0"/>
               <a:t>代名詞</a:t>
             </a:r>
-            <a:endParaRPr kumimoji="1" lang="ja-JP" altLang="en-US" dirty="0"/>
           </a:p>
         </p:txBody>
       </p:sp>
@@ -16888,12 +16814,8 @@
           <a:lstStyle/>
           <a:p>
             <a:r>
-              <a:rPr lang="ja-JP" altLang="en-US" dirty="0" smtClean="0"/>
-              <a:t>一般</a:t>
-            </a:r>
-            <a:r>
               <a:rPr lang="ja-JP" altLang="en-US" dirty="0"/>
-              <a:t>名詞</a:t>
+              <a:t>一般名詞</a:t>
             </a:r>
             <a:endParaRPr kumimoji="1" lang="ja-JP" altLang="en-US" dirty="0"/>
           </a:p>
@@ -17027,11 +16949,7 @@
           <a:p>
             <a:r>
               <a:rPr lang="ja-JP" altLang="en-US" dirty="0"/>
-              <a:t>固有</a:t>
-            </a:r>
-            <a:r>
-              <a:rPr lang="ja-JP" altLang="en-US" dirty="0" smtClean="0"/>
-              <a:t>名詞</a:t>
+              <a:t>固有名詞</a:t>
             </a:r>
             <a:endParaRPr kumimoji="1" lang="ja-JP" altLang="en-US" dirty="0"/>
           </a:p>
@@ -17127,7 +17045,7 @@
           <a:lstStyle/>
           <a:p>
             <a:r>
-              <a:rPr lang="ja-JP" altLang="en-US" sz="2800" dirty="0" smtClean="0"/>
+              <a:rPr lang="ja-JP" altLang="en-US" sz="2800" dirty="0"/>
               <a:t>日本語は単語の切れ目から探す必要がある</a:t>
             </a:r>
             <a:endParaRPr kumimoji="1" lang="ja-JP" altLang="en-US" sz="2800" dirty="0"/>
@@ -17180,26 +17098,26 @@
           <a:lstStyle/>
           <a:p>
             <a:r>
-              <a:rPr lang="ja-JP" altLang="en-US" dirty="0" smtClean="0"/>
+              <a:rPr lang="ja-JP" altLang="en-US" dirty="0"/>
               <a:t>課題</a:t>
             </a:r>
             <a:r>
-              <a:rPr lang="en-US" altLang="ja-JP" dirty="0" smtClean="0"/>
+              <a:rPr lang="en-US" altLang="ja-JP" dirty="0"/>
               <a:t>1-1</a:t>
             </a:r>
             <a:r>
-              <a:rPr lang="ja-JP" altLang="en-US" dirty="0" smtClean="0"/>
+              <a:rPr lang="ja-JP" altLang="en-US" dirty="0"/>
               <a:t>：</a:t>
             </a:r>
             <a:r>
-              <a:rPr lang="en-US" altLang="ja-JP" dirty="0" err="1" smtClean="0"/>
+              <a:rPr lang="en-US" altLang="ja-JP" dirty="0" err="1"/>
               <a:t>MeCab</a:t>
             </a:r>
             <a:r>
-              <a:rPr lang="ja-JP" altLang="en-US" dirty="0" smtClean="0"/>
+              <a:rPr lang="ja-JP" altLang="en-US" dirty="0"/>
               <a:t>の動作テスト </a:t>
             </a:r>
-            <a:endParaRPr lang="en-US" altLang="ja-JP" dirty="0" smtClean="0"/>
+            <a:endParaRPr lang="en-US" altLang="ja-JP" dirty="0"/>
           </a:p>
         </p:txBody>
       </p:sp>
@@ -17226,15 +17144,15 @@
           <a:lstStyle/>
           <a:p>
             <a:r>
-              <a:rPr lang="ja-JP" altLang="en-US" sz="2000" dirty="0" smtClean="0"/>
+              <a:rPr lang="ja-JP" altLang="en-US" sz="2000" dirty="0"/>
               <a:t>形態素解析ライブラリ「</a:t>
             </a:r>
             <a:r>
-              <a:rPr lang="en-US" altLang="ja-JP" sz="2000" dirty="0" err="1" smtClean="0"/>
+              <a:rPr lang="en-US" altLang="ja-JP" sz="2000" dirty="0" err="1"/>
               <a:t>MeCab</a:t>
             </a:r>
             <a:r>
-              <a:rPr lang="ja-JP" altLang="en-US" sz="2000" dirty="0" smtClean="0"/>
+              <a:rPr lang="ja-JP" altLang="en-US" sz="2000" dirty="0"/>
               <a:t>」をインストールし、形態素解析を行う</a:t>
             </a:r>
             <a:endParaRPr kumimoji="1" lang="ja-JP" altLang="en-US" sz="2000" dirty="0"/>
@@ -17264,12 +17182,8 @@
           <a:lstStyle/>
           <a:p>
             <a:r>
-              <a:rPr lang="ja-JP" altLang="en-US" sz="4800" dirty="0" smtClean="0"/>
-              <a:t>すももも</a:t>
-            </a:r>
-            <a:r>
               <a:rPr lang="ja-JP" altLang="en-US" sz="4800" dirty="0"/>
-              <a:t>ももももものうち</a:t>
+              <a:t>すもももももももものうち</a:t>
             </a:r>
             <a:endParaRPr kumimoji="1" lang="ja-JP" altLang="en-US" sz="4800" dirty="0"/>
           </a:p>
@@ -17321,11 +17235,11 @@
           <a:lstStyle/>
           <a:p>
             <a:r>
-              <a:rPr lang="ja-JP" altLang="en-US" dirty="0" smtClean="0"/>
+              <a:rPr lang="ja-JP" altLang="en-US" dirty="0"/>
               <a:t>課題</a:t>
             </a:r>
             <a:r>
-              <a:rPr lang="en-US" altLang="ja-JP" dirty="0" smtClean="0"/>
+              <a:rPr lang="en-US" altLang="ja-JP" dirty="0"/>
               <a:t>1-2</a:t>
             </a:r>
             <a:r>
@@ -17489,27 +17403,27 @@
           <a:lstStyle/>
           <a:p>
             <a:r>
-              <a:rPr lang="en-US" altLang="ja-JP" sz="2400" dirty="0" smtClean="0"/>
+              <a:rPr lang="en-US" altLang="ja-JP" sz="2400" dirty="0"/>
               <a:t>1. </a:t>
             </a:r>
             <a:r>
-              <a:rPr lang="ja-JP" altLang="en-US" sz="2400" dirty="0" smtClean="0"/>
+              <a:rPr lang="ja-JP" altLang="en-US" sz="2400" dirty="0"/>
               <a:t>青空文庫から</a:t>
             </a:r>
             <a:r>
-              <a:rPr lang="en-US" altLang="ja-JP" sz="2400" dirty="0" smtClean="0"/>
+              <a:rPr lang="en-US" altLang="ja-JP" sz="2400" dirty="0"/>
               <a:t>URL</a:t>
             </a:r>
             <a:r>
-              <a:rPr lang="ja-JP" altLang="en-US" sz="2400" dirty="0" smtClean="0"/>
+              <a:rPr lang="ja-JP" altLang="en-US" sz="2400" dirty="0"/>
               <a:t>を指定して</a:t>
             </a:r>
             <a:r>
-              <a:rPr lang="en-US" altLang="ja-JP" sz="2400" dirty="0" smtClean="0"/>
+              <a:rPr lang="en-US" altLang="ja-JP" sz="2400" dirty="0"/>
               <a:t>ZIP</a:t>
             </a:r>
             <a:r>
-              <a:rPr lang="ja-JP" altLang="en-US" sz="2400" dirty="0" smtClean="0"/>
+              <a:rPr lang="ja-JP" altLang="en-US" sz="2400" dirty="0"/>
               <a:t>ファイルをダウンロード</a:t>
             </a:r>
             <a:endParaRPr kumimoji="1" lang="ja-JP" altLang="en-US" sz="2400" dirty="0"/>
@@ -17539,27 +17453,27 @@
           <a:lstStyle/>
           <a:p>
             <a:r>
-              <a:rPr lang="en-US" altLang="ja-JP" sz="2400" dirty="0" smtClean="0"/>
+              <a:rPr lang="en-US" altLang="ja-JP" sz="2400" dirty="0"/>
               <a:t>2. ZIP</a:t>
             </a:r>
             <a:r>
-              <a:rPr lang="ja-JP" altLang="en-US" sz="2400" dirty="0" smtClean="0"/>
+              <a:rPr lang="ja-JP" altLang="en-US" sz="2400" dirty="0"/>
               <a:t>を展開し、不要な情報</a:t>
             </a:r>
             <a:r>
-              <a:rPr lang="en-US" altLang="ja-JP" sz="2400" dirty="0" smtClean="0"/>
+              <a:rPr lang="en-US" altLang="ja-JP" sz="2400" dirty="0"/>
               <a:t>(</a:t>
             </a:r>
             <a:r>
-              <a:rPr lang="ja-JP" altLang="en-US" sz="2400" dirty="0" smtClean="0"/>
+              <a:rPr lang="ja-JP" altLang="en-US" sz="2400" dirty="0"/>
               <a:t>ルビ等</a:t>
             </a:r>
             <a:r>
-              <a:rPr lang="en-US" altLang="ja-JP" sz="2400" dirty="0" smtClean="0"/>
+              <a:rPr lang="en-US" altLang="ja-JP" sz="2400" dirty="0"/>
               <a:t>)</a:t>
             </a:r>
             <a:r>
-              <a:rPr lang="ja-JP" altLang="en-US" sz="2400" dirty="0" smtClean="0"/>
+              <a:rPr lang="ja-JP" altLang="en-US" sz="2400" dirty="0"/>
               <a:t>を削除</a:t>
             </a:r>
             <a:endParaRPr kumimoji="1" lang="ja-JP" altLang="en-US" sz="2400" dirty="0"/>
@@ -17590,22 +17504,18 @@
           <a:p>
             <a:r>
               <a:rPr lang="en-US" altLang="ja-JP" sz="2400" dirty="0"/>
-              <a:t>3</a:t>
-            </a:r>
-            <a:r>
-              <a:rPr lang="en-US" altLang="ja-JP" sz="2400" dirty="0" smtClean="0"/>
-              <a:t>. </a:t>
-            </a:r>
-            <a:r>
-              <a:rPr lang="ja-JP" altLang="en-US" sz="2400" dirty="0" smtClean="0"/>
+              <a:t>3. </a:t>
+            </a:r>
+            <a:r>
+              <a:rPr lang="ja-JP" altLang="en-US" sz="2400" dirty="0"/>
               <a:t>形態素解析により、出現頻度トップ</a:t>
             </a:r>
             <a:r>
-              <a:rPr lang="en-US" altLang="ja-JP" sz="2400" dirty="0" smtClean="0"/>
+              <a:rPr lang="en-US" altLang="ja-JP" sz="2400" dirty="0"/>
               <a:t>10</a:t>
             </a:r>
             <a:r>
-              <a:rPr lang="ja-JP" altLang="en-US" sz="2400" dirty="0" smtClean="0"/>
+              <a:rPr lang="ja-JP" altLang="en-US" sz="2400" dirty="0"/>
               <a:t>を表示</a:t>
             </a:r>
             <a:endParaRPr kumimoji="1" lang="ja-JP" altLang="en-US" sz="2400" dirty="0"/>
@@ -17740,15 +17650,15 @@
           <a:lstStyle/>
           <a:p>
             <a:r>
-              <a:rPr kumimoji="1" lang="ja-JP" altLang="en-US" dirty="0" smtClean="0"/>
+              <a:rPr kumimoji="1" lang="ja-JP" altLang="en-US" dirty="0"/>
               <a:t>課題</a:t>
             </a:r>
             <a:r>
-              <a:rPr lang="en-US" altLang="ja-JP" dirty="0" smtClean="0"/>
+              <a:rPr lang="en-US" altLang="ja-JP" dirty="0"/>
               <a:t>2</a:t>
             </a:r>
             <a:r>
-              <a:rPr lang="ja-JP" altLang="en-US" dirty="0" smtClean="0"/>
+              <a:rPr lang="ja-JP" altLang="en-US" dirty="0"/>
               <a:t>：ワードクラウド</a:t>
             </a:r>
             <a:endParaRPr kumimoji="1" lang="ja-JP" altLang="en-US" dirty="0"/>
@@ -17808,7 +17718,7 @@
           <a:lstStyle/>
           <a:p>
             <a:r>
-              <a:rPr lang="ja-JP" altLang="en-US" sz="2400" dirty="0" smtClean="0"/>
+              <a:rPr lang="ja-JP" altLang="en-US" sz="2400" dirty="0"/>
               <a:t>青空文庫から取得したデータでワードクラウドを作成する</a:t>
             </a:r>
             <a:endParaRPr kumimoji="1" lang="ja-JP" altLang="en-US" sz="2400" dirty="0"/>
@@ -17838,23 +17748,19 @@
           <a:lstStyle/>
           <a:p>
             <a:r>
-              <a:rPr lang="ja-JP" altLang="en-US" sz="2800" dirty="0" smtClean="0"/>
+              <a:rPr lang="ja-JP" altLang="en-US" sz="2800" dirty="0"/>
               <a:t>ワードクラウドの例</a:t>
             </a:r>
             <a:r>
-              <a:rPr lang="en-US" altLang="ja-JP" sz="2800" dirty="0" smtClean="0"/>
+              <a:rPr lang="en-US" altLang="ja-JP" sz="2800" dirty="0"/>
               <a:t>(</a:t>
             </a:r>
             <a:r>
-              <a:rPr lang="ja-JP" altLang="en-US" sz="2800" dirty="0" smtClean="0"/>
-              <a:t>本講義</a:t>
-            </a:r>
-            <a:r>
               <a:rPr lang="ja-JP" altLang="en-US" sz="2800" dirty="0"/>
-              <a:t>ノート</a:t>
-            </a:r>
-            <a:r>
-              <a:rPr lang="en-US" altLang="ja-JP" sz="2800" dirty="0" smtClean="0"/>
+              <a:t>本講義ノート</a:t>
+            </a:r>
+            <a:r>
+              <a:rPr lang="en-US" altLang="ja-JP" sz="2800" dirty="0"/>
               <a:t>)</a:t>
             </a:r>
             <a:endParaRPr kumimoji="1" lang="ja-JP" altLang="en-US" sz="2800" dirty="0"/>
@@ -17865,6 +17771,222 @@
     <p:extLst>
       <p:ext uri="{BB962C8B-B14F-4D97-AF65-F5344CB8AC3E}">
         <p14:creationId xmlns:p14="http://schemas.microsoft.com/office/powerpoint/2010/main" val="3696163056"/>
+      </p:ext>
+    </p:extLst>
+  </p:cSld>
+  <p:clrMapOvr>
+    <a:masterClrMapping/>
+  </p:clrMapOvr>
+</p:sld>
+</file>
+
+<file path=ppt/slides/slide35.xml><?xml version="1.0" encoding="utf-8"?>
+<p:sld xmlns:a="http://schemas.openxmlformats.org/drawingml/2006/main" xmlns:r="http://schemas.openxmlformats.org/officeDocument/2006/relationships" xmlns:p="http://schemas.openxmlformats.org/presentationml/2006/main">
+  <p:cSld>
+    <p:spTree>
+      <p:nvGrpSpPr>
+        <p:cNvPr id="1" name=""/>
+        <p:cNvGrpSpPr/>
+        <p:nvPr/>
+      </p:nvGrpSpPr>
+      <p:grpSpPr>
+        <a:xfrm>
+          <a:off x="0" y="0"/>
+          <a:ext cx="0" cy="0"/>
+          <a:chOff x="0" y="0"/>
+          <a:chExt cx="0" cy="0"/>
+        </a:xfrm>
+      </p:grpSpPr>
+      <p:sp>
+        <p:nvSpPr>
+          <p:cNvPr id="2" name="テキスト プレースホルダー 1"/>
+          <p:cNvSpPr>
+            <a:spLocks noGrp="1"/>
+          </p:cNvSpPr>
+          <p:nvPr>
+            <p:ph type="body" sz="quarter" idx="10"/>
+          </p:nvPr>
+        </p:nvSpPr>
+        <p:spPr/>
+        <p:txBody>
+          <a:bodyPr/>
+          <a:lstStyle/>
+          <a:p>
+            <a:r>
+              <a:rPr lang="ja-JP" altLang="en-US" dirty="0"/>
+              <a:t>ワードクラウド</a:t>
+            </a:r>
+            <a:r>
+              <a:rPr lang="en-US" altLang="ja-JP" dirty="0"/>
+              <a:t>(</a:t>
+            </a:r>
+            <a:r>
+              <a:rPr lang="ja-JP" altLang="en-US" dirty="0"/>
+              <a:t>昨年の作品集</a:t>
+            </a:r>
+            <a:r>
+              <a:rPr lang="en-US" altLang="ja-JP" dirty="0"/>
+              <a:t>)</a:t>
+            </a:r>
+            <a:endParaRPr kumimoji="1" lang="ja-JP" altLang="en-US" dirty="0"/>
+          </a:p>
+        </p:txBody>
+      </p:sp>
+      <p:pic>
+        <p:nvPicPr>
+          <p:cNvPr id="6" name="図 5" descr="C:\Users\ub348739\Desktop\ダウンロード (2).png">
+            <a:extLst>
+              <a:ext uri="{FF2B5EF4-FFF2-40B4-BE49-F238E27FC236}">
+                <a16:creationId xmlns:a16="http://schemas.microsoft.com/office/drawing/2014/main" id="{F81CF04F-2CD1-4B6C-B072-39C4E2D20EA6}"/>
+              </a:ext>
+            </a:extLst>
+          </p:cNvPr>
+          <p:cNvPicPr/>
+          <p:nvPr/>
+        </p:nvPicPr>
+        <p:blipFill>
+          <a:blip r:embed="rId2">
+            <a:extLst>
+              <a:ext uri="{28A0092B-C50C-407E-A947-70E740481C1C}">
+                <a14:useLocalDpi xmlns:a14="http://schemas.microsoft.com/office/drawing/2010/main" val="0"/>
+              </a:ext>
+            </a:extLst>
+          </a:blip>
+          <a:srcRect/>
+          <a:stretch>
+            <a:fillRect/>
+          </a:stretch>
+        </p:blipFill>
+        <p:spPr bwMode="auto">
+          <a:xfrm>
+            <a:off x="4479636" y="4144685"/>
+            <a:ext cx="3787140" cy="2524760"/>
+          </a:xfrm>
+          <a:prstGeom prst="rect">
+            <a:avLst/>
+          </a:prstGeom>
+          <a:noFill/>
+          <a:ln>
+            <a:noFill/>
+          </a:ln>
+        </p:spPr>
+      </p:pic>
+      <p:pic>
+        <p:nvPicPr>
+          <p:cNvPr id="7" name="図 6" descr="羅生門">
+            <a:extLst>
+              <a:ext uri="{FF2B5EF4-FFF2-40B4-BE49-F238E27FC236}">
+                <a16:creationId xmlns:a16="http://schemas.microsoft.com/office/drawing/2014/main" id="{8D0D6761-A5F3-497E-A9B5-E5C9D4056E63}"/>
+              </a:ext>
+            </a:extLst>
+          </p:cNvPr>
+          <p:cNvPicPr/>
+          <p:nvPr/>
+        </p:nvPicPr>
+        <p:blipFill>
+          <a:blip r:embed="rId3">
+            <a:extLst>
+              <a:ext uri="{28A0092B-C50C-407E-A947-70E740481C1C}">
+                <a14:useLocalDpi xmlns:a14="http://schemas.microsoft.com/office/drawing/2010/main" val="0"/>
+              </a:ext>
+            </a:extLst>
+          </a:blip>
+          <a:srcRect/>
+          <a:stretch>
+            <a:fillRect/>
+          </a:stretch>
+        </p:blipFill>
+        <p:spPr bwMode="auto">
+          <a:xfrm>
+            <a:off x="425797" y="1450934"/>
+            <a:ext cx="3787140" cy="2527916"/>
+          </a:xfrm>
+          <a:prstGeom prst="rect">
+            <a:avLst/>
+          </a:prstGeom>
+          <a:noFill/>
+          <a:ln>
+            <a:noFill/>
+          </a:ln>
+        </p:spPr>
+      </p:pic>
+      <p:pic>
+        <p:nvPicPr>
+          <p:cNvPr id="8" name="図 7">
+            <a:extLst>
+              <a:ext uri="{FF2B5EF4-FFF2-40B4-BE49-F238E27FC236}">
+                <a16:creationId xmlns:a16="http://schemas.microsoft.com/office/drawing/2014/main" id="{AEF51FFB-094B-4A97-88E3-7F1B8B22756D}"/>
+              </a:ext>
+            </a:extLst>
+          </p:cNvPr>
+          <p:cNvPicPr/>
+          <p:nvPr/>
+        </p:nvPicPr>
+        <p:blipFill>
+          <a:blip r:embed="rId4">
+            <a:extLst>
+              <a:ext uri="{28A0092B-C50C-407E-A947-70E740481C1C}">
+                <a14:useLocalDpi xmlns:a14="http://schemas.microsoft.com/office/drawing/2010/main" val="0"/>
+              </a:ext>
+            </a:extLst>
+          </a:blip>
+          <a:stretch>
+            <a:fillRect/>
+          </a:stretch>
+        </p:blipFill>
+        <p:spPr>
+          <a:xfrm>
+            <a:off x="425797" y="4143107"/>
+            <a:ext cx="3787140" cy="2524760"/>
+          </a:xfrm>
+          <a:prstGeom prst="rect">
+            <a:avLst/>
+          </a:prstGeom>
+        </p:spPr>
+      </p:pic>
+      <p:pic>
+        <p:nvPicPr>
+          <p:cNvPr id="9" name="図 8" descr="kyuuketuki">
+            <a:extLst>
+              <a:ext uri="{FF2B5EF4-FFF2-40B4-BE49-F238E27FC236}">
+                <a16:creationId xmlns:a16="http://schemas.microsoft.com/office/drawing/2014/main" id="{5F9B7FC8-A3F6-44F6-B5C9-953CC6A1E792}"/>
+              </a:ext>
+            </a:extLst>
+          </p:cNvPr>
+          <p:cNvPicPr/>
+          <p:nvPr/>
+        </p:nvPicPr>
+        <p:blipFill>
+          <a:blip r:embed="rId5">
+            <a:extLst>
+              <a:ext uri="{28A0092B-C50C-407E-A947-70E740481C1C}">
+                <a14:useLocalDpi xmlns:a14="http://schemas.microsoft.com/office/drawing/2010/main" val="0"/>
+              </a:ext>
+            </a:extLst>
+          </a:blip>
+          <a:srcRect/>
+          <a:stretch>
+            <a:fillRect/>
+          </a:stretch>
+        </p:blipFill>
+        <p:spPr bwMode="auto">
+          <a:xfrm>
+            <a:off x="4479636" y="1450935"/>
+            <a:ext cx="3787140" cy="2527916"/>
+          </a:xfrm>
+          <a:prstGeom prst="rect">
+            <a:avLst/>
+          </a:prstGeom>
+          <a:noFill/>
+          <a:ln>
+            <a:noFill/>
+          </a:ln>
+        </p:spPr>
+      </p:pic>
+    </p:spTree>
+    <p:extLst>
+      <p:ext uri="{BB962C8B-B14F-4D97-AF65-F5344CB8AC3E}">
+        <p14:creationId xmlns:p14="http://schemas.microsoft.com/office/powerpoint/2010/main" val="3424367625"/>
       </p:ext>
     </p:extLst>
   </p:cSld>
@@ -17907,12 +18029,7 @@
             <p:ph type="body" sz="quarter" idx="10"/>
           </p:nvPr>
         </p:nvSpPr>
-        <p:spPr>
-          <a:xfrm>
-            <a:off x="0" y="190133"/>
-            <a:ext cx="9144000" cy="754062"/>
-          </a:xfrm>
-        </p:spPr>
+        <p:spPr/>
         <p:txBody>
           <a:bodyPr/>
           <a:lstStyle/>
@@ -19259,11 +19376,11 @@
           <a:lstStyle/>
           <a:p>
             <a:r>
-              <a:rPr lang="en-US" altLang="ja-JP" sz="1200" dirty="0" smtClean="0"/>
+              <a:rPr lang="en-US" altLang="ja-JP" sz="1200" dirty="0"/>
               <a:t>MS </a:t>
             </a:r>
             <a:r>
-              <a:rPr lang="ja-JP" altLang="en-US" sz="1200" dirty="0" smtClean="0"/>
+              <a:rPr lang="ja-JP" altLang="en-US" sz="1200" dirty="0"/>
               <a:t>明朝</a:t>
             </a:r>
             <a:endParaRPr kumimoji="1" lang="ja-JP" altLang="en-US" sz="1200" dirty="0"/>
@@ -19710,7 +19827,7 @@
         <p:spPr>
           <a:xfrm>
             <a:off x="5070247" y="4221088"/>
-            <a:ext cx="1661993" cy="369332"/>
+            <a:ext cx="1957587" cy="369332"/>
           </a:xfrm>
           <a:prstGeom prst="rect">
             <a:avLst/>
@@ -19724,7 +19841,9 @@
           <a:lstStyle/>
           <a:p>
             <a:r>
-              <a:rPr lang="en-US" altLang="ja-JP" dirty="0"/>
+              <a:rPr lang="en-US" altLang="ja-JP" dirty="0">
+                <a:latin typeface="Consolas" panose="020B0609020204030204" pitchFamily="49" charset="0"/>
+              </a:rPr>
               <a:t>0x74: </a:t>
             </a:r>
             <a:r>
@@ -19732,11 +19851,14 @@
                 <a:solidFill>
                   <a:srgbClr val="FF0000"/>
                 </a:solidFill>
+                <a:latin typeface="Consolas" panose="020B0609020204030204" pitchFamily="49" charset="0"/>
               </a:rPr>
               <a:t>0</a:t>
             </a:r>
             <a:r>
-              <a:rPr lang="en-US" altLang="ja-JP" dirty="0"/>
+              <a:rPr lang="en-US" altLang="ja-JP" dirty="0">
+                <a:latin typeface="Consolas" panose="020B0609020204030204" pitchFamily="49" charset="0"/>
+              </a:rPr>
               <a:t>1110100</a:t>
             </a:r>
           </a:p>
@@ -19757,7 +19879,7 @@
         <p:spPr>
           <a:xfrm>
             <a:off x="5076056" y="4581128"/>
-            <a:ext cx="1661993" cy="369332"/>
+            <a:ext cx="1957587" cy="369332"/>
           </a:xfrm>
           <a:prstGeom prst="rect">
             <a:avLst/>
@@ -19771,7 +19893,9 @@
           <a:lstStyle/>
           <a:p>
             <a:r>
-              <a:rPr lang="en-US" altLang="ja-JP" dirty="0"/>
+              <a:rPr lang="en-US" altLang="ja-JP" dirty="0">
+                <a:latin typeface="Consolas" panose="020B0609020204030204" pitchFamily="49" charset="0"/>
+              </a:rPr>
               <a:t>0x65: </a:t>
             </a:r>
             <a:r>
@@ -19779,11 +19903,14 @@
                 <a:solidFill>
                   <a:srgbClr val="FF0000"/>
                 </a:solidFill>
+                <a:latin typeface="Consolas" panose="020B0609020204030204" pitchFamily="49" charset="0"/>
               </a:rPr>
               <a:t>0</a:t>
             </a:r>
             <a:r>
-              <a:rPr lang="en-US" altLang="ja-JP" dirty="0"/>
+              <a:rPr lang="en-US" altLang="ja-JP" dirty="0">
+                <a:latin typeface="Consolas" panose="020B0609020204030204" pitchFamily="49" charset="0"/>
+              </a:rPr>
               <a:t>1100101</a:t>
             </a:r>
           </a:p>
@@ -19804,7 +19931,7 @@
         <p:spPr>
           <a:xfrm>
             <a:off x="5076056" y="4941168"/>
-            <a:ext cx="1661993" cy="369332"/>
+            <a:ext cx="1957587" cy="369332"/>
           </a:xfrm>
           <a:prstGeom prst="rect">
             <a:avLst/>
@@ -19818,7 +19945,9 @@
           <a:lstStyle/>
           <a:p>
             <a:r>
-              <a:rPr lang="en-US" altLang="ja-JP" dirty="0"/>
+              <a:rPr lang="en-US" altLang="ja-JP" dirty="0">
+                <a:latin typeface="Consolas" panose="020B0609020204030204" pitchFamily="49" charset="0"/>
+              </a:rPr>
               <a:t>0x73: </a:t>
             </a:r>
             <a:r>
@@ -19826,11 +19955,14 @@
                 <a:solidFill>
                   <a:srgbClr val="FF0000"/>
                 </a:solidFill>
+                <a:latin typeface="Consolas" panose="020B0609020204030204" pitchFamily="49" charset="0"/>
               </a:rPr>
               <a:t>0</a:t>
             </a:r>
             <a:r>
-              <a:rPr lang="en-US" altLang="ja-JP" dirty="0"/>
+              <a:rPr lang="en-US" altLang="ja-JP" dirty="0">
+                <a:latin typeface="Consolas" panose="020B0609020204030204" pitchFamily="49" charset="0"/>
+              </a:rPr>
               <a:t>1110011</a:t>
             </a:r>
           </a:p>
@@ -19851,7 +19983,7 @@
         <p:spPr>
           <a:xfrm>
             <a:off x="5076056" y="5301208"/>
-            <a:ext cx="1661993" cy="369332"/>
+            <a:ext cx="1957587" cy="369332"/>
           </a:xfrm>
           <a:prstGeom prst="rect">
             <a:avLst/>
@@ -19865,7 +19997,9 @@
           <a:lstStyle/>
           <a:p>
             <a:r>
-              <a:rPr lang="en-US" altLang="ja-JP" dirty="0"/>
+              <a:rPr lang="en-US" altLang="ja-JP" dirty="0">
+                <a:latin typeface="Consolas" panose="020B0609020204030204" pitchFamily="49" charset="0"/>
+              </a:rPr>
               <a:t>0x74: </a:t>
             </a:r>
             <a:r>
@@ -19873,11 +20007,14 @@
                 <a:solidFill>
                   <a:srgbClr val="FF0000"/>
                 </a:solidFill>
+                <a:latin typeface="Consolas" panose="020B0609020204030204" pitchFamily="49" charset="0"/>
               </a:rPr>
               <a:t>0</a:t>
             </a:r>
             <a:r>
-              <a:rPr lang="en-US" altLang="ja-JP" dirty="0"/>
+              <a:rPr lang="en-US" altLang="ja-JP" dirty="0">
+                <a:latin typeface="Consolas" panose="020B0609020204030204" pitchFamily="49" charset="0"/>
+              </a:rPr>
               <a:t>1110001</a:t>
             </a:r>
           </a:p>
@@ -19897,8 +20034,8 @@
         </p:nvSpPr>
         <p:spPr>
           <a:xfrm>
-            <a:off x="1475656" y="2852936"/>
-            <a:ext cx="1579278" cy="369332"/>
+            <a:off x="1506706" y="2636913"/>
+            <a:ext cx="1520096" cy="523220"/>
           </a:xfrm>
           <a:prstGeom prst="rect">
             <a:avLst/>
@@ -19914,7 +20051,7 @@
           <a:lstStyle/>
           <a:p>
             <a:r>
-              <a:rPr lang="en" altLang="ja-JP" b="0">
+              <a:rPr lang="en" altLang="ja-JP" sz="2800" b="0">
                 <a:solidFill>
                   <a:srgbClr val="D4D4D4"/>
                 </a:solidFill>
@@ -19924,7 +20061,7 @@
               <a:t>c = </a:t>
             </a:r>
             <a:r>
-              <a:rPr lang="en" altLang="ja-JP" b="0">
+              <a:rPr lang="en" altLang="ja-JP" sz="2800" b="0">
                 <a:solidFill>
                   <a:srgbClr val="CE9178"/>
                 </a:solidFill>
@@ -19933,7 +20070,7 @@
               </a:rPr>
               <a:t>"test"</a:t>
             </a:r>
-            <a:endParaRPr lang="en" altLang="ja-JP" b="0">
+            <a:endParaRPr lang="en" altLang="ja-JP" sz="2800" b="0">
               <a:solidFill>
                 <a:srgbClr val="D4D4D4"/>
               </a:solidFill>
@@ -20366,7 +20503,7 @@
         </p:nvSpPr>
         <p:spPr>
           <a:xfrm>
-            <a:off x="4649817" y="3573016"/>
+            <a:off x="4799287" y="3573016"/>
             <a:ext cx="2262158" cy="369332"/>
           </a:xfrm>
           <a:prstGeom prst="rect">
@@ -23818,7 +23955,7 @@
 </file>
 
 <file path=ppt/theme/theme1.xml><?xml version="1.0" encoding="utf-8"?>
-<a:theme xmlns:a="http://schemas.openxmlformats.org/drawingml/2006/main" name="パーセル">
+<a:theme xmlns:a="http://schemas.openxmlformats.org/drawingml/2006/main" name="mytheme">
   <a:themeElements>
     <a:clrScheme name="パーセル">
       <a:dk1>
@@ -23858,80 +23995,16 @@
         <a:srgbClr val="738F97"/>
       </a:folHlink>
     </a:clrScheme>
-    <a:fontScheme name="パーセル">
+    <a:fontScheme name="日常使う用">
       <a:majorFont>
-        <a:latin typeface="Gill Sans MT" panose="020B0502020104020203"/>
-        <a:ea typeface=""/>
+        <a:latin typeface="Arial"/>
+        <a:ea typeface="HGｺﾞｼｯｸE"/>
         <a:cs typeface=""/>
-        <a:font script="Grek" typeface="Corbel"/>
-        <a:font script="Cyrl" typeface="Corbel"/>
-        <a:font script="Jpan" typeface="HGｺﾞｼｯｸE"/>
-        <a:font script="Hang" typeface="휴먼매직체"/>
-        <a:font script="Hans" typeface="华文中宋"/>
-        <a:font script="Hant" typeface="微軟正黑體"/>
-        <a:font script="Arab" typeface="Majalla UI"/>
-        <a:font script="Hebr" typeface="Arial"/>
-        <a:font script="Thai" typeface="Cordia New"/>
-        <a:font script="Ethi" typeface="Nyala"/>
-        <a:font script="Beng" typeface="Vrinda"/>
-        <a:font script="Gujr" typeface="Shruti"/>
-        <a:font script="Khmr" typeface="DaunPenh"/>
-        <a:font script="Knda" typeface="Tunga"/>
-        <a:font script="Guru" typeface="Raavi"/>
-        <a:font script="Cans" typeface="Euphemia"/>
-        <a:font script="Cher" typeface="Plantagenet Cherokee"/>
-        <a:font script="Yiii" typeface="Microsoft Yi Baiti"/>
-        <a:font script="Tibt" typeface="Microsoft Himalaya"/>
-        <a:font script="Thaa" typeface="MV Boli"/>
-        <a:font script="Deva" typeface="Mangal"/>
-        <a:font script="Telu" typeface="Gautami"/>
-        <a:font script="Taml" typeface="Latha"/>
-        <a:font script="Syrc" typeface="Estrangelo Edessa"/>
-        <a:font script="Orya" typeface="Kalinga"/>
-        <a:font script="Mlym" typeface="Kartika"/>
-        <a:font script="Laoo" typeface="DokChampa"/>
-        <a:font script="Sinh" typeface="Iskoola Pota"/>
-        <a:font script="Mong" typeface="Mongolian Baiti"/>
-        <a:font script="Viet" typeface="Tahoma"/>
-        <a:font script="Uigh" typeface="Microsoft Uighur"/>
-        <a:font script="Geor" typeface="Sylfaen"/>
       </a:majorFont>
       <a:minorFont>
-        <a:latin typeface="Gill Sans MT" panose="020B0502020104020203"/>
-        <a:ea typeface=""/>
+        <a:latin typeface="Arial"/>
+        <a:ea typeface="HGｺﾞｼｯｸE"/>
         <a:cs typeface=""/>
-        <a:font script="Grek" typeface="Corbel"/>
-        <a:font script="Cyrl" typeface="Corbel"/>
-        <a:font script="Jpan" typeface="HGｺﾞｼｯｸE"/>
-        <a:font script="Hang" typeface="휴먼매직체"/>
-        <a:font script="Hans" typeface="华文中宋"/>
-        <a:font script="Hant" typeface="微軟正黑體"/>
-        <a:font script="Arab" typeface="Majalla UI"/>
-        <a:font script="Hebr" typeface="Arial"/>
-        <a:font script="Thai" typeface="Cordia New"/>
-        <a:font script="Ethi" typeface="Nyala"/>
-        <a:font script="Beng" typeface="Vrinda"/>
-        <a:font script="Gujr" typeface="Shruti"/>
-        <a:font script="Khmr" typeface="DaunPenh"/>
-        <a:font script="Knda" typeface="Tunga"/>
-        <a:font script="Guru" typeface="Raavi"/>
-        <a:font script="Cans" typeface="Euphemia"/>
-        <a:font script="Cher" typeface="Plantagenet Cherokee"/>
-        <a:font script="Yiii" typeface="Microsoft Yi Baiti"/>
-        <a:font script="Tibt" typeface="Microsoft Himalaya"/>
-        <a:font script="Thaa" typeface="MV Boli"/>
-        <a:font script="Deva" typeface="Mangal"/>
-        <a:font script="Telu" typeface="Gautami"/>
-        <a:font script="Taml" typeface="Latha"/>
-        <a:font script="Syrc" typeface="Estrangelo Edessa"/>
-        <a:font script="Orya" typeface="Kalinga"/>
-        <a:font script="Mlym" typeface="Kartika"/>
-        <a:font script="Laoo" typeface="DokChampa"/>
-        <a:font script="Sinh" typeface="Iskoola Pota"/>
-        <a:font script="Mong" typeface="Mongolian Baiti"/>
-        <a:font script="Viet" typeface="Tahoma"/>
-        <a:font script="Uigh" typeface="Microsoft Uighur"/>
-        <a:font script="Geor" typeface="Sylfaen"/>
       </a:minorFont>
     </a:fontScheme>
     <a:fmtScheme name="パーセル">
@@ -24133,7 +24206,7 @@
   <a:extraClrSchemeLst/>
   <a:extLst>
     <a:ext uri="{05A4C25C-085E-4340-85A3-A5531E510DB2}">
-      <thm15:themeFamily xmlns:thm15="http://schemas.microsoft.com/office/thememl/2012/main" name="Parcel" id="{8BEC4385-4EB9-4D53-BFB5-0EA123736B6D}" vid="{4DB32801-28C0-48B0-8C1D-A9A58613615A}"/>
+      <thm15:themeFamily xmlns:thm15="http://schemas.microsoft.com/office/thememl/2012/main" name="mytheme" id="{E1BF1D55-1AD3-4BBB-A44C-816519D4C6CA}" vid="{196106AD-F892-4F38-BE8D-BAABCB0A2E1E}"/>
     </a:ext>
   </a:extLst>
 </a:theme>
